--- a/pilot project 파일/[별첨1]PushMan(Story Board_template).pptx
+++ b/pilot project 파일/[별첨1]PushMan(Story Board_template).pptx
@@ -236,7 +236,7 @@
           <a:p>
             <a:fld id="{83083B4A-CB6F-452C-80D1-39926932AFE3}" type="datetimeFigureOut">
               <a:rPr lang="ko-KR" altLang="en-US" smtClean="0"/>
-              <a:t>2023-12-29</a:t>
+              <a:t>2024-01-01</a:t>
             </a:fld>
             <a:endParaRPr lang="ko-KR" altLang="en-US"/>
           </a:p>
@@ -896,7 +896,7 @@
           <a:p>
             <a:fld id="{A2AD4569-71CE-490B-9325-13ED59CA990E}" type="datetimeFigureOut">
               <a:rPr lang="ko-KR" altLang="en-US" smtClean="0"/>
-              <a:t>2023-12-29</a:t>
+              <a:t>2024-01-01</a:t>
             </a:fld>
             <a:endParaRPr lang="ko-KR" altLang="en-US"/>
           </a:p>
@@ -1064,7 +1064,7 @@
           <a:p>
             <a:fld id="{A2AD4569-71CE-490B-9325-13ED59CA990E}" type="datetimeFigureOut">
               <a:rPr lang="ko-KR" altLang="en-US" smtClean="0"/>
-              <a:t>2023-12-29</a:t>
+              <a:t>2024-01-01</a:t>
             </a:fld>
             <a:endParaRPr lang="ko-KR" altLang="en-US"/>
           </a:p>
@@ -1242,7 +1242,7 @@
           <a:p>
             <a:fld id="{A2AD4569-71CE-490B-9325-13ED59CA990E}" type="datetimeFigureOut">
               <a:rPr lang="ko-KR" altLang="en-US" smtClean="0"/>
-              <a:t>2023-12-29</a:t>
+              <a:t>2024-01-01</a:t>
             </a:fld>
             <a:endParaRPr lang="ko-KR" altLang="en-US"/>
           </a:p>
@@ -1410,7 +1410,7 @@
           <a:p>
             <a:fld id="{A2AD4569-71CE-490B-9325-13ED59CA990E}" type="datetimeFigureOut">
               <a:rPr lang="ko-KR" altLang="en-US" smtClean="0"/>
-              <a:t>2023-12-29</a:t>
+              <a:t>2024-01-01</a:t>
             </a:fld>
             <a:endParaRPr lang="ko-KR" altLang="en-US"/>
           </a:p>
@@ -1655,7 +1655,7 @@
           <a:p>
             <a:fld id="{A2AD4569-71CE-490B-9325-13ED59CA990E}" type="datetimeFigureOut">
               <a:rPr lang="ko-KR" altLang="en-US" smtClean="0"/>
-              <a:t>2023-12-29</a:t>
+              <a:t>2024-01-01</a:t>
             </a:fld>
             <a:endParaRPr lang="ko-KR" altLang="en-US"/>
           </a:p>
@@ -1884,7 +1884,7 @@
           <a:p>
             <a:fld id="{A2AD4569-71CE-490B-9325-13ED59CA990E}" type="datetimeFigureOut">
               <a:rPr lang="ko-KR" altLang="en-US" smtClean="0"/>
-              <a:t>2023-12-29</a:t>
+              <a:t>2024-01-01</a:t>
             </a:fld>
             <a:endParaRPr lang="ko-KR" altLang="en-US"/>
           </a:p>
@@ -2248,7 +2248,7 @@
           <a:p>
             <a:fld id="{A2AD4569-71CE-490B-9325-13ED59CA990E}" type="datetimeFigureOut">
               <a:rPr lang="ko-KR" altLang="en-US" smtClean="0"/>
-              <a:t>2023-12-29</a:t>
+              <a:t>2024-01-01</a:t>
             </a:fld>
             <a:endParaRPr lang="ko-KR" altLang="en-US"/>
           </a:p>
@@ -2365,7 +2365,7 @@
           <a:p>
             <a:fld id="{A2AD4569-71CE-490B-9325-13ED59CA990E}" type="datetimeFigureOut">
               <a:rPr lang="ko-KR" altLang="en-US" smtClean="0"/>
-              <a:t>2023-12-29</a:t>
+              <a:t>2024-01-01</a:t>
             </a:fld>
             <a:endParaRPr lang="ko-KR" altLang="en-US"/>
           </a:p>
@@ -2460,7 +2460,7 @@
           <a:p>
             <a:fld id="{A2AD4569-71CE-490B-9325-13ED59CA990E}" type="datetimeFigureOut">
               <a:rPr lang="ko-KR" altLang="en-US" smtClean="0"/>
-              <a:t>2023-12-29</a:t>
+              <a:t>2024-01-01</a:t>
             </a:fld>
             <a:endParaRPr lang="ko-KR" altLang="en-US"/>
           </a:p>
@@ -2735,7 +2735,7 @@
           <a:p>
             <a:fld id="{A2AD4569-71CE-490B-9325-13ED59CA990E}" type="datetimeFigureOut">
               <a:rPr lang="ko-KR" altLang="en-US" smtClean="0"/>
-              <a:t>2023-12-29</a:t>
+              <a:t>2024-01-01</a:t>
             </a:fld>
             <a:endParaRPr lang="ko-KR" altLang="en-US"/>
           </a:p>
@@ -2987,7 +2987,7 @@
           <a:p>
             <a:fld id="{A2AD4569-71CE-490B-9325-13ED59CA990E}" type="datetimeFigureOut">
               <a:rPr lang="ko-KR" altLang="en-US" smtClean="0"/>
-              <a:t>2023-12-29</a:t>
+              <a:t>2024-01-01</a:t>
             </a:fld>
             <a:endParaRPr lang="ko-KR" altLang="en-US"/>
           </a:p>
@@ -3198,7 +3198,7 @@
           <a:p>
             <a:fld id="{A2AD4569-71CE-490B-9325-13ED59CA990E}" type="datetimeFigureOut">
               <a:rPr lang="ko-KR" altLang="en-US" smtClean="0"/>
-              <a:t>2023-12-29</a:t>
+              <a:t>2024-01-01</a:t>
             </a:fld>
             <a:endParaRPr lang="ko-KR" altLang="en-US"/>
           </a:p>
@@ -3904,7 +3904,7 @@
                 <a:defRPr/>
               </a:pPr>
               <a:r>
-                <a:rPr kumimoji="1" lang="en-US" altLang="ko-KR" sz="1400" b="0" i="0" u="none" strike="noStrike" kern="0" cap="none" spc="0" normalizeH="0" baseline="0" noProof="0" dirty="0" smtClean="0">
+                <a:rPr kumimoji="1" lang="en-US" altLang="ko-KR" sz="1400" b="0" i="0" u="none" strike="noStrike" kern="0" cap="none" spc="0" normalizeH="0" baseline="0" noProof="0" dirty="0">
                   <a:ln>
                     <a:noFill/>
                   </a:ln>
@@ -3920,20 +3920,6 @@
                 </a:rPr>
                 <a:t>2024.01.02</a:t>
               </a:r>
-              <a:endParaRPr kumimoji="1" lang="en-US" altLang="ko-KR" sz="1400" b="0" i="0" u="none" strike="noStrike" kern="0" cap="none" spc="0" normalizeH="0" baseline="0" noProof="0" dirty="0">
-                <a:ln>
-                  <a:noFill/>
-                </a:ln>
-                <a:solidFill>
-                  <a:prstClr val="black"/>
-                </a:solidFill>
-                <a:effectLst/>
-                <a:uLnTx/>
-                <a:uFillTx/>
-                <a:latin typeface="맑은 고딕" panose="020B0503020000020004" pitchFamily="50" charset="-127"/>
-                <a:ea typeface="맑은 고딕" panose="020B0503020000020004" pitchFamily="50" charset="-127"/>
-                <a:cs typeface="+mj-cs"/>
-              </a:endParaRPr>
             </a:p>
           </p:txBody>
         </p:sp>
@@ -3976,7 +3962,7 @@
                 <a:defRPr/>
               </a:pPr>
               <a:r>
-                <a:rPr kumimoji="0" lang="en-US" altLang="ko-KR" sz="900" b="0" i="0" u="none" strike="noStrike" kern="1200" cap="none" spc="0" normalizeH="0" baseline="0" noProof="0" dirty="0" smtClean="0">
+                <a:rPr kumimoji="0" lang="en-US" altLang="ko-KR" sz="900" b="0" i="0" u="none" strike="noStrike" kern="1200" cap="none" spc="0" normalizeH="0" baseline="0" noProof="0" dirty="0">
                   <a:ln>
                     <a:noFill/>
                   </a:ln>
@@ -3993,30 +3979,10 @@
                   <a:ea typeface="맑은 고딕" panose="020B0503020000020004" pitchFamily="50" charset="-127"/>
                   <a:cs typeface="+mn-cs"/>
                 </a:rPr>
-                <a:t>Document </a:t>
+                <a:t>Document Version </a:t>
               </a:r>
               <a:r>
-                <a:rPr kumimoji="0" lang="en-US" altLang="ko-KR" sz="900" b="0" i="0" u="none" strike="noStrike" kern="1200" cap="none" spc="0" normalizeH="0" baseline="0" noProof="0" dirty="0">
-                  <a:ln>
-                    <a:noFill/>
-                  </a:ln>
-                  <a:solidFill>
-                    <a:prstClr val="black">
-                      <a:lumMod val="50000"/>
-                      <a:lumOff val="50000"/>
-                    </a:prstClr>
-                  </a:solidFill>
-                  <a:effectLst/>
-                  <a:uLnTx/>
-                  <a:uFillTx/>
-                  <a:latin typeface="맑은 고딕" panose="020B0503020000020004" pitchFamily="50" charset="-127"/>
-                  <a:ea typeface="맑은 고딕" panose="020B0503020000020004" pitchFamily="50" charset="-127"/>
-                  <a:cs typeface="+mn-cs"/>
-                </a:rPr>
-                <a:t>Version </a:t>
-              </a:r>
-              <a:r>
-                <a:rPr lang="en-US" altLang="ko-KR" sz="900" dirty="0" smtClean="0">
+                <a:rPr lang="en-US" altLang="ko-KR" sz="900" dirty="0">
                   <a:solidFill>
                     <a:srgbClr val="C00000"/>
                   </a:solidFill>
@@ -4246,7 +4212,7 @@
                 </a:spcBef>
               </a:pPr>
               <a:r>
-                <a:rPr lang="ko-KR" altLang="en-US" sz="1400" b="1" kern="0" spc="-100" dirty="0" smtClean="0">
+                <a:rPr lang="ko-KR" altLang="en-US" sz="1400" b="1" kern="0" spc="-100" dirty="0">
                   <a:solidFill>
                     <a:schemeClr val="tx1">
                       <a:lumMod val="75000"/>
@@ -4256,20 +4222,7 @@
                   <a:latin typeface="+mj-ea"/>
                   <a:ea typeface="+mj-ea"/>
                 </a:rPr>
-                <a:t>애플리케이션 </a:t>
-              </a:r>
-              <a:r>
-                <a:rPr lang="ko-KR" altLang="en-US" sz="1400" b="1" kern="0" spc="-100" dirty="0">
-                  <a:solidFill>
-                    <a:schemeClr val="tx1">
-                      <a:lumMod val="75000"/>
-                      <a:lumOff val="25000"/>
-                    </a:schemeClr>
-                  </a:solidFill>
-                  <a:latin typeface="+mj-ea"/>
-                  <a:ea typeface="+mj-ea"/>
-                </a:rPr>
-                <a:t>스토리보드</a:t>
+                <a:t>애플리케이션 스토리보드</a:t>
               </a:r>
               <a:endParaRPr lang="en-US" altLang="ko-KR" sz="1400" b="1" kern="0" spc="-100" dirty="0">
                 <a:solidFill>
@@ -4293,8 +4246,8 @@
         </p:nvSpPr>
         <p:spPr>
           <a:xfrm>
-            <a:off x="4957709" y="1492012"/>
-            <a:ext cx="2276585" cy="646331"/>
+            <a:off x="4692415" y="1492012"/>
+            <a:ext cx="2807179" cy="646331"/>
           </a:xfrm>
           <a:prstGeom prst="rect">
             <a:avLst/>
@@ -4309,10 +4262,9 @@
           <a:p>
             <a:pPr algn="ctr"/>
             <a:r>
-              <a:rPr lang="en-US" altLang="ko-KR" sz="3600" dirty="0" smtClean="0"/>
-              <a:t>Push Man</a:t>
+              <a:rPr lang="en-US" altLang="ko-KR" sz="3600" dirty="0"/>
+              <a:t>Health Kiosk</a:t>
             </a:r>
-            <a:endParaRPr lang="ko-KR" altLang="en-US" sz="3600" dirty="0"/>
           </a:p>
         </p:txBody>
       </p:sp>
@@ -4326,13 +4278,6 @@
   <p:clrMapOvr>
     <a:masterClrMapping/>
   </p:clrMapOvr>
-  <p:timing>
-    <p:tnLst>
-      <p:par>
-        <p:cTn id="1" dur="indefinite" restart="never" nodeType="tmRoot"/>
-      </p:par>
-    </p:tnLst>
-  </p:timing>
 </p:sld>
 </file>
 
@@ -4488,28 +4433,28 @@
                     <a:p>
                       <a:pPr latinLnBrk="1"/>
                       <a:r>
-                        <a:rPr lang="en-US" altLang="ko-KR" sz="900" b="0" dirty="0" smtClean="0">
+                        <a:rPr lang="en-US" altLang="ko-KR" sz="900" b="0" dirty="0">
                           <a:latin typeface="맑은 고딕" pitchFamily="50" charset="-127"/>
                           <a:ea typeface="맑은 고딕" pitchFamily="50" charset="-127"/>
                         </a:rPr>
                         <a:t>Path – project/</a:t>
                       </a:r>
                       <a:r>
-                        <a:rPr lang="en-US" altLang="ko-KR" sz="900" b="0" dirty="0" err="1" smtClean="0">
+                        <a:rPr lang="en-US" altLang="ko-KR" sz="900" b="0" dirty="0" err="1">
                           <a:latin typeface="맑은 고딕" pitchFamily="50" charset="-127"/>
                           <a:ea typeface="맑은 고딕" pitchFamily="50" charset="-127"/>
                         </a:rPr>
                         <a:t>push_man</a:t>
                       </a:r>
                       <a:r>
-                        <a:rPr lang="en-US" altLang="ko-KR" sz="900" b="0" dirty="0" smtClean="0">
+                        <a:rPr lang="en-US" altLang="ko-KR" sz="900" b="0" dirty="0">
                           <a:latin typeface="맑은 고딕" pitchFamily="50" charset="-127"/>
                           <a:ea typeface="맑은 고딕" pitchFamily="50" charset="-127"/>
                         </a:rPr>
                         <a:t>/main</a:t>
                       </a:r>
                       <a:r>
-                        <a:rPr lang="en-US" altLang="ko-KR" sz="900" b="0" baseline="0" dirty="0" smtClean="0">
+                        <a:rPr lang="en-US" altLang="ko-KR" sz="900" b="0" baseline="0" dirty="0">
                           <a:latin typeface="맑은 고딕" pitchFamily="50" charset="-127"/>
                           <a:ea typeface="맑은 고딕" pitchFamily="50" charset="-127"/>
                         </a:rPr>
@@ -4647,7 +4592,7 @@
                     <a:p>
                       <a:pPr latinLnBrk="1"/>
                       <a:r>
-                        <a:rPr lang="en-US" altLang="ko-KR" sz="900" b="0" dirty="0" smtClean="0">
+                        <a:rPr lang="en-US" altLang="ko-KR" sz="900" b="0" dirty="0">
                           <a:latin typeface="맑은 고딕" pitchFamily="50" charset="-127"/>
                           <a:ea typeface="+mn-ea"/>
                         </a:rPr>
@@ -4941,7 +4886,7 @@
                         <a:tabLst/>
                         <a:defRPr/>
                       </a:pPr>
-                      <a:endParaRPr lang="en-US" altLang="ko-KR" sz="900" b="0" baseline="0" dirty="0" smtClean="0">
+                      <a:endParaRPr lang="en-US" altLang="ko-KR" sz="900" b="0" baseline="0" dirty="0">
                         <a:solidFill>
                           <a:schemeClr val="tx1"/>
                         </a:solidFill>
@@ -4968,7 +4913,7 @@
                         <a:defRPr/>
                       </a:pPr>
                       <a:r>
-                        <a:rPr lang="en-US" altLang="ko-KR" sz="900" b="1" dirty="0" smtClean="0">
+                        <a:rPr lang="en-US" altLang="ko-KR" sz="900" b="1" dirty="0">
                           <a:solidFill>
                             <a:schemeClr val="tx1"/>
                           </a:solidFill>
@@ -4996,7 +4941,7 @@
                         <a:tabLst/>
                         <a:defRPr/>
                       </a:pPr>
-                      <a:endParaRPr lang="en-US" altLang="ko-KR" sz="900" b="1" dirty="0" smtClean="0">
+                      <a:endParaRPr lang="en-US" altLang="ko-KR" sz="900" b="1" dirty="0">
                         <a:solidFill>
                           <a:schemeClr val="tx1"/>
                         </a:solidFill>
@@ -5023,7 +4968,7 @@
                         <a:defRPr/>
                       </a:pPr>
                       <a:r>
-                        <a:rPr lang="en-US" altLang="ko-KR" sz="900" b="1" dirty="0" smtClean="0">
+                        <a:rPr lang="en-US" altLang="ko-KR" sz="900" b="1" dirty="0">
                           <a:solidFill>
                             <a:schemeClr val="tx1"/>
                           </a:solidFill>
@@ -5033,7 +4978,7 @@
                         <a:t>Client Main </a:t>
                       </a:r>
                       <a:r>
-                        <a:rPr lang="ko-KR" altLang="en-US" sz="900" b="1" dirty="0" smtClean="0">
+                        <a:rPr lang="ko-KR" altLang="en-US" sz="900" b="1" dirty="0">
                           <a:solidFill>
                             <a:schemeClr val="tx1"/>
                           </a:solidFill>
@@ -5043,7 +4988,7 @@
                         <a:t>회원가입</a:t>
                       </a:r>
                       <a:r>
-                        <a:rPr lang="en-US" altLang="ko-KR" sz="900" b="1" dirty="0" smtClean="0">
+                        <a:rPr lang="en-US" altLang="ko-KR" sz="900" b="1" dirty="0">
                           <a:solidFill>
                             <a:schemeClr val="tx1"/>
                           </a:solidFill>
@@ -5071,7 +5016,7 @@
                         <a:tabLst/>
                         <a:defRPr/>
                       </a:pPr>
-                      <a:endParaRPr lang="en-US" altLang="ko-KR" sz="900" b="1" dirty="0" smtClean="0">
+                      <a:endParaRPr lang="en-US" altLang="ko-KR" sz="900" b="1" dirty="0">
                         <a:solidFill>
                           <a:schemeClr val="tx1"/>
                         </a:solidFill>
@@ -5098,7 +5043,7 @@
                         <a:defRPr/>
                       </a:pPr>
                       <a:r>
-                        <a:rPr lang="en-US" altLang="ko-KR" sz="900" b="1" dirty="0" err="1" smtClean="0">
+                        <a:rPr lang="en-US" altLang="ko-KR" sz="900" b="1" dirty="0" err="1">
                           <a:solidFill>
                             <a:schemeClr val="tx1"/>
                           </a:solidFill>
@@ -5108,7 +5053,7 @@
                         <a:t>StackPane</a:t>
                       </a:r>
                       <a:r>
-                        <a:rPr lang="ko-KR" altLang="en-US" sz="900" b="1" dirty="0" smtClean="0">
+                        <a:rPr lang="ko-KR" altLang="en-US" sz="900" b="1" dirty="0">
                           <a:solidFill>
                             <a:schemeClr val="tx1"/>
                           </a:solidFill>
@@ -5117,7 +5062,7 @@
                         </a:rPr>
                         <a:t>을 이용한 단일 스테이지 화면 전환 구현</a:t>
                       </a:r>
-                      <a:endParaRPr lang="en-US" altLang="ko-KR" sz="900" b="1" dirty="0" smtClean="0">
+                      <a:endParaRPr lang="en-US" altLang="ko-KR" sz="900" b="1" dirty="0">
                         <a:solidFill>
                           <a:schemeClr val="tx1"/>
                         </a:solidFill>
@@ -5143,7 +5088,7 @@
                         <a:tabLst/>
                         <a:defRPr/>
                       </a:pPr>
-                      <a:endParaRPr lang="en-US" altLang="ko-KR" sz="900" b="1" dirty="0" smtClean="0">
+                      <a:endParaRPr lang="en-US" altLang="ko-KR" sz="900" b="1" dirty="0">
                         <a:solidFill>
                           <a:schemeClr val="tx1"/>
                         </a:solidFill>
@@ -5169,7 +5114,7 @@
                         <a:tabLst/>
                         <a:defRPr/>
                       </a:pPr>
-                      <a:endParaRPr lang="en-US" altLang="ko-KR" sz="900" b="1" dirty="0" smtClean="0">
+                      <a:endParaRPr lang="en-US" altLang="ko-KR" sz="900" b="1" dirty="0">
                         <a:solidFill>
                           <a:schemeClr val="tx1"/>
                         </a:solidFill>
@@ -5316,7 +5261,7 @@
           <a:lstStyle/>
           <a:p>
             <a:r>
-              <a:rPr lang="en-US" altLang="ko-KR" dirty="0" smtClean="0">
+              <a:rPr lang="en-US" altLang="ko-KR" dirty="0">
                 <a:latin typeface="나눔바른고딕" panose="020B0603020101020101" pitchFamily="50" charset="-127"/>
                 <a:ea typeface="나눔바른고딕" panose="020B0603020101020101" pitchFamily="50" charset="-127"/>
               </a:rPr>
@@ -6148,13 +6093,6 @@
   <p:clrMapOvr>
     <a:masterClrMapping/>
   </p:clrMapOvr>
-  <p:timing>
-    <p:tnLst>
-      <p:par>
-        <p:cTn id="1" dur="indefinite" restart="never" nodeType="tmRoot"/>
-      </p:par>
-    </p:tnLst>
-  </p:timing>
 </p:sld>
 </file>
 
@@ -6310,28 +6248,28 @@
                     <a:p>
                       <a:pPr latinLnBrk="1"/>
                       <a:r>
-                        <a:rPr lang="en-US" altLang="ko-KR" sz="900" b="0" dirty="0" smtClean="0">
+                        <a:rPr lang="en-US" altLang="ko-KR" sz="900" b="0" dirty="0">
                           <a:latin typeface="맑은 고딕" pitchFamily="50" charset="-127"/>
                           <a:ea typeface="맑은 고딕" pitchFamily="50" charset="-127"/>
                         </a:rPr>
                         <a:t>Path – project/</a:t>
                       </a:r>
                       <a:r>
-                        <a:rPr lang="en-US" altLang="ko-KR" sz="900" b="0" dirty="0" err="1" smtClean="0">
+                        <a:rPr lang="en-US" altLang="ko-KR" sz="900" b="0" dirty="0" err="1">
                           <a:latin typeface="맑은 고딕" pitchFamily="50" charset="-127"/>
                           <a:ea typeface="맑은 고딕" pitchFamily="50" charset="-127"/>
                         </a:rPr>
                         <a:t>push_man</a:t>
                       </a:r>
                       <a:r>
-                        <a:rPr lang="en-US" altLang="ko-KR" sz="900" b="0" dirty="0" smtClean="0">
+                        <a:rPr lang="en-US" altLang="ko-KR" sz="900" b="0" dirty="0">
                           <a:latin typeface="맑은 고딕" pitchFamily="50" charset="-127"/>
                           <a:ea typeface="맑은 고딕" pitchFamily="50" charset="-127"/>
                         </a:rPr>
                         <a:t>/</a:t>
                       </a:r>
                       <a:r>
-                        <a:rPr lang="en-US" altLang="ko-KR" sz="900" b="0" dirty="0" err="1" smtClean="0">
+                        <a:rPr lang="en-US" altLang="ko-KR" sz="900" b="0" dirty="0" err="1">
                           <a:latin typeface="맑은 고딕" pitchFamily="50" charset="-127"/>
                           <a:ea typeface="맑은 고딕" pitchFamily="50" charset="-127"/>
                         </a:rPr>
@@ -6469,7 +6407,7 @@
                     <a:p>
                       <a:pPr latinLnBrk="1"/>
                       <a:r>
-                        <a:rPr lang="en-US" altLang="ko-KR" sz="900" b="0" dirty="0" smtClean="0">
+                        <a:rPr lang="en-US" altLang="ko-KR" sz="900" b="0" dirty="0">
                           <a:latin typeface="맑은 고딕" pitchFamily="50" charset="-127"/>
                           <a:ea typeface="+mn-ea"/>
                         </a:rPr>
@@ -6763,7 +6701,7 @@
                         <a:tabLst/>
                         <a:defRPr/>
                       </a:pPr>
-                      <a:endParaRPr lang="en-US" altLang="ko-KR" sz="900" b="0" baseline="0" dirty="0" smtClean="0">
+                      <a:endParaRPr lang="en-US" altLang="ko-KR" sz="900" b="0" baseline="0" dirty="0">
                         <a:solidFill>
                           <a:schemeClr val="tx1"/>
                         </a:solidFill>
@@ -6790,7 +6728,7 @@
                         <a:defRPr/>
                       </a:pPr>
                       <a:r>
-                        <a:rPr lang="ko-KR" altLang="en-US" sz="900" b="0" baseline="0" dirty="0" smtClean="0">
+                        <a:rPr lang="ko-KR" altLang="en-US" sz="900" b="0" baseline="0" dirty="0">
                           <a:solidFill>
                             <a:schemeClr val="tx1"/>
                           </a:solidFill>
@@ -6800,7 +6738,7 @@
                         <a:t>스테이지 선택 총 </a:t>
                       </a:r>
                       <a:r>
-                        <a:rPr lang="en-US" altLang="ko-KR" sz="900" b="0" baseline="0" dirty="0" smtClean="0">
+                        <a:rPr lang="en-US" altLang="ko-KR" sz="900" b="0" baseline="0" dirty="0">
                           <a:solidFill>
                             <a:schemeClr val="tx1"/>
                           </a:solidFill>
@@ -6810,7 +6748,7 @@
                         <a:t>36</a:t>
                       </a:r>
                       <a:r>
-                        <a:rPr lang="ko-KR" altLang="en-US" sz="900" b="0" baseline="0" dirty="0" smtClean="0">
+                        <a:rPr lang="ko-KR" altLang="en-US" sz="900" b="0" baseline="0" dirty="0">
                           <a:solidFill>
                             <a:schemeClr val="tx1"/>
                           </a:solidFill>
@@ -6819,7 +6757,7 @@
                         </a:rPr>
                         <a:t>개 스테이지</a:t>
                       </a:r>
-                      <a:endParaRPr lang="en-US" altLang="ko-KR" sz="900" b="0" baseline="0" dirty="0" smtClean="0">
+                      <a:endParaRPr lang="en-US" altLang="ko-KR" sz="900" b="0" baseline="0" dirty="0">
                         <a:solidFill>
                           <a:schemeClr val="tx1"/>
                         </a:solidFill>
@@ -6845,7 +6783,7 @@
                         <a:tabLst/>
                         <a:defRPr/>
                       </a:pPr>
-                      <a:endParaRPr lang="en-US" altLang="ko-KR" sz="900" b="0" baseline="0" dirty="0" smtClean="0">
+                      <a:endParaRPr lang="en-US" altLang="ko-KR" sz="900" b="0" baseline="0" dirty="0">
                         <a:solidFill>
                           <a:schemeClr val="tx1"/>
                         </a:solidFill>
@@ -6872,7 +6810,7 @@
                         <a:defRPr/>
                       </a:pPr>
                       <a:r>
-                        <a:rPr lang="ko-KR" altLang="en-US" sz="900" b="0" baseline="0" dirty="0" smtClean="0">
+                        <a:rPr lang="ko-KR" altLang="en-US" sz="900" b="0" baseline="0" dirty="0">
                           <a:solidFill>
                             <a:schemeClr val="tx1"/>
                           </a:solidFill>
@@ -6882,7 +6820,7 @@
                         <a:t>게임</a:t>
                       </a:r>
                       <a:r>
-                        <a:rPr lang="en-US" altLang="ko-KR" sz="900" b="0" baseline="0" dirty="0" smtClean="0">
+                        <a:rPr lang="en-US" altLang="ko-KR" sz="900" b="0" baseline="0" dirty="0">
                           <a:solidFill>
                             <a:schemeClr val="tx1"/>
                           </a:solidFill>
@@ -6892,7 +6830,7 @@
                         <a:t> </a:t>
                       </a:r>
                       <a:r>
-                        <a:rPr lang="ko-KR" altLang="en-US" sz="900" b="0" baseline="0" dirty="0" smtClean="0">
+                        <a:rPr lang="ko-KR" altLang="en-US" sz="900" b="0" baseline="0" dirty="0">
                           <a:solidFill>
                             <a:schemeClr val="tx1"/>
                           </a:solidFill>
@@ -6902,7 +6840,7 @@
                         <a:t>대기실 사용자 리스트 </a:t>
                       </a:r>
                       <a:r>
-                        <a:rPr lang="en-US" altLang="ko-KR" sz="900" b="0" baseline="0" dirty="0" smtClean="0">
+                        <a:rPr lang="en-US" altLang="ko-KR" sz="900" b="0" baseline="0" dirty="0">
                           <a:solidFill>
                             <a:schemeClr val="tx1"/>
                           </a:solidFill>
@@ -6912,7 +6850,7 @@
                         <a:t>– </a:t>
                       </a:r>
                       <a:r>
-                        <a:rPr lang="ko-KR" altLang="en-US" sz="900" b="0" baseline="0" dirty="0" smtClean="0">
+                        <a:rPr lang="ko-KR" altLang="en-US" sz="900" b="0" baseline="0" dirty="0">
                           <a:solidFill>
                             <a:schemeClr val="tx1"/>
                           </a:solidFill>
@@ -6921,7 +6859,7 @@
                         </a:rPr>
                         <a:t>게임 입장 시 삭제</a:t>
                       </a:r>
-                      <a:endParaRPr lang="en-US" altLang="ko-KR" sz="900" b="0" baseline="0" dirty="0" smtClean="0">
+                      <a:endParaRPr lang="en-US" altLang="ko-KR" sz="900" b="0" baseline="0" dirty="0">
                         <a:solidFill>
                           <a:schemeClr val="tx1"/>
                         </a:solidFill>
@@ -6947,7 +6885,7 @@
                         <a:tabLst/>
                         <a:defRPr/>
                       </a:pPr>
-                      <a:endParaRPr lang="en-US" altLang="ko-KR" sz="900" b="0" baseline="0" dirty="0" smtClean="0">
+                      <a:endParaRPr lang="en-US" altLang="ko-KR" sz="900" b="0" baseline="0" dirty="0">
                         <a:solidFill>
                           <a:schemeClr val="tx1"/>
                         </a:solidFill>
@@ -6974,26 +6912,16 @@
                         <a:defRPr/>
                       </a:pPr>
                       <a:r>
-                        <a:rPr lang="ko-KR" altLang="en-US" sz="900" b="0" baseline="0" dirty="0" smtClean="0">
+                        <a:rPr lang="ko-KR" altLang="en-US" sz="900" b="0" baseline="0" dirty="0">
                           <a:solidFill>
                             <a:schemeClr val="tx1"/>
                           </a:solidFill>
                           <a:latin typeface="+mn-ea"/>
                           <a:ea typeface="+mn-ea"/>
                         </a:rPr>
-                        <a:t>대기실 전체 채팅 </a:t>
+                        <a:t>대기실 전체 채팅 룸 출력 창</a:t>
                       </a:r>
-                      <a:r>
-                        <a:rPr lang="ko-KR" altLang="en-US" sz="900" b="0" baseline="0" dirty="0" smtClean="0">
-                          <a:solidFill>
-                            <a:schemeClr val="tx1"/>
-                          </a:solidFill>
-                          <a:latin typeface="+mn-ea"/>
-                          <a:ea typeface="+mn-ea"/>
-                        </a:rPr>
-                        <a:t>룸 출력 창</a:t>
-                      </a:r>
-                      <a:endParaRPr lang="en-US" altLang="ko-KR" sz="900" b="0" baseline="0" dirty="0" smtClean="0">
+                      <a:endParaRPr lang="en-US" altLang="ko-KR" sz="900" b="0" baseline="0" dirty="0">
                         <a:solidFill>
                           <a:schemeClr val="tx1"/>
                         </a:solidFill>
@@ -7019,7 +6947,7 @@
                         <a:tabLst/>
                         <a:defRPr/>
                       </a:pPr>
-                      <a:endParaRPr lang="en-US" altLang="ko-KR" sz="900" b="0" baseline="0" dirty="0" smtClean="0">
+                      <a:endParaRPr lang="en-US" altLang="ko-KR" sz="900" b="0" baseline="0" dirty="0">
                         <a:solidFill>
                           <a:schemeClr val="tx1"/>
                         </a:solidFill>
@@ -7046,7 +6974,7 @@
                         <a:defRPr/>
                       </a:pPr>
                       <a:r>
-                        <a:rPr lang="ko-KR" altLang="en-US" sz="900" b="0" baseline="0" dirty="0" smtClean="0">
+                        <a:rPr lang="ko-KR" altLang="en-US" sz="900" b="0" baseline="0" dirty="0">
                           <a:solidFill>
                             <a:schemeClr val="tx1"/>
                           </a:solidFill>
@@ -7056,7 +6984,7 @@
                         <a:t>스테이지 별 </a:t>
                       </a:r>
                       <a:r>
-                        <a:rPr lang="ko-KR" altLang="en-US" sz="900" b="0" baseline="0" dirty="0" err="1" smtClean="0">
+                        <a:rPr lang="ko-KR" altLang="en-US" sz="900" b="0" baseline="0" dirty="0" err="1">
                           <a:solidFill>
                             <a:schemeClr val="tx1"/>
                           </a:solidFill>
@@ -7066,7 +6994,7 @@
                         <a:t>클리어</a:t>
                       </a:r>
                       <a:r>
-                        <a:rPr lang="ko-KR" altLang="en-US" sz="900" b="0" baseline="0" dirty="0" smtClean="0">
+                        <a:rPr lang="ko-KR" altLang="en-US" sz="900" b="0" baseline="0" dirty="0">
                           <a:solidFill>
                             <a:schemeClr val="tx1"/>
                           </a:solidFill>
@@ -7076,7 +7004,7 @@
                         <a:t> 시간</a:t>
                       </a:r>
                       <a:r>
-                        <a:rPr lang="en-US" altLang="ko-KR" sz="900" b="0" baseline="0" dirty="0" smtClean="0">
+                        <a:rPr lang="en-US" altLang="ko-KR" sz="900" b="0" baseline="0" dirty="0">
                           <a:solidFill>
                             <a:schemeClr val="tx1"/>
                           </a:solidFill>
@@ -7086,7 +7014,7 @@
                         <a:t>(</a:t>
                       </a:r>
                       <a:r>
-                        <a:rPr lang="en-US" altLang="ko-KR" sz="900" b="0" baseline="0" dirty="0" err="1" smtClean="0">
+                        <a:rPr lang="en-US" altLang="ko-KR" sz="900" b="0" baseline="0" dirty="0" err="1">
                           <a:solidFill>
                             <a:schemeClr val="tx1"/>
                           </a:solidFill>
@@ -7096,7 +7024,7 @@
                         <a:t>millis</a:t>
                       </a:r>
                       <a:r>
-                        <a:rPr lang="en-US" altLang="ko-KR" sz="900" b="0" baseline="0" dirty="0" smtClean="0">
+                        <a:rPr lang="en-US" altLang="ko-KR" sz="900" b="0" baseline="0" dirty="0">
                           <a:solidFill>
                             <a:schemeClr val="tx1"/>
                           </a:solidFill>
@@ -7106,7 +7034,7 @@
                         <a:t> </a:t>
                       </a:r>
                       <a:r>
-                        <a:rPr lang="en-US" altLang="ko-KR" sz="900" b="0" baseline="0" dirty="0" err="1" smtClean="0">
+                        <a:rPr lang="en-US" altLang="ko-KR" sz="900" b="0" baseline="0" dirty="0" err="1">
                           <a:solidFill>
                             <a:schemeClr val="tx1"/>
                           </a:solidFill>
@@ -7116,7 +7044,7 @@
                         <a:t>sconds</a:t>
                       </a:r>
                       <a:r>
-                        <a:rPr lang="en-US" altLang="ko-KR" sz="900" b="0" baseline="0" dirty="0" smtClean="0">
+                        <a:rPr lang="en-US" altLang="ko-KR" sz="900" b="0" baseline="0" dirty="0">
                           <a:solidFill>
                             <a:schemeClr val="tx1"/>
                           </a:solidFill>
@@ -7126,26 +7054,16 @@
                         <a:t>) </a:t>
                       </a:r>
                       <a:r>
-                        <a:rPr lang="ko-KR" altLang="en-US" sz="900" b="0" baseline="0" dirty="0" smtClean="0">
+                        <a:rPr lang="ko-KR" altLang="en-US" sz="900" b="0" baseline="0" dirty="0">
                           <a:solidFill>
                             <a:schemeClr val="tx1"/>
                           </a:solidFill>
                           <a:latin typeface="+mn-ea"/>
                           <a:ea typeface="+mn-ea"/>
                         </a:rPr>
-                        <a:t>및 랭킹 정보 </a:t>
+                        <a:t>및 랭킹 정보 출력</a:t>
                       </a:r>
-                      <a:r>
-                        <a:rPr lang="ko-KR" altLang="en-US" sz="900" b="0" baseline="0" dirty="0" smtClean="0">
-                          <a:solidFill>
-                            <a:schemeClr val="tx1"/>
-                          </a:solidFill>
-                          <a:latin typeface="+mn-ea"/>
-                          <a:ea typeface="+mn-ea"/>
-                        </a:rPr>
-                        <a:t>출력</a:t>
-                      </a:r>
-                      <a:endParaRPr lang="en-US" altLang="ko-KR" sz="900" b="0" baseline="0" dirty="0" smtClean="0">
+                      <a:endParaRPr lang="en-US" altLang="ko-KR" sz="900" b="0" baseline="0" dirty="0">
                         <a:solidFill>
                           <a:schemeClr val="tx1"/>
                         </a:solidFill>
@@ -7171,7 +7089,7 @@
                         <a:tabLst/>
                         <a:defRPr/>
                       </a:pPr>
-                      <a:endParaRPr lang="en-US" altLang="ko-KR" sz="900" b="0" baseline="0" dirty="0" smtClean="0">
+                      <a:endParaRPr lang="en-US" altLang="ko-KR" sz="900" b="0" baseline="0" dirty="0">
                         <a:solidFill>
                           <a:schemeClr val="tx1"/>
                         </a:solidFill>
@@ -7198,7 +7116,7 @@
                         <a:defRPr/>
                       </a:pPr>
                       <a:r>
-                        <a:rPr lang="ko-KR" altLang="en-US" sz="900" b="0" baseline="0" dirty="0" smtClean="0">
+                        <a:rPr lang="ko-KR" altLang="en-US" sz="900" b="0" baseline="0" dirty="0">
                           <a:solidFill>
                             <a:schemeClr val="tx1"/>
                           </a:solidFill>
@@ -7207,7 +7125,7 @@
                         </a:rPr>
                         <a:t>게임 무대로 이동 버튼</a:t>
                       </a:r>
-                      <a:endParaRPr lang="en-US" altLang="ko-KR" sz="900" b="0" baseline="0" dirty="0" smtClean="0">
+                      <a:endParaRPr lang="en-US" altLang="ko-KR" sz="900" b="0" baseline="0" dirty="0">
                         <a:solidFill>
                           <a:schemeClr val="tx1"/>
                         </a:solidFill>
@@ -7233,7 +7151,7 @@
                         <a:tabLst/>
                         <a:defRPr/>
                       </a:pPr>
-                      <a:endParaRPr lang="en-US" altLang="ko-KR" sz="900" b="0" baseline="0" dirty="0" smtClean="0">
+                      <a:endParaRPr lang="en-US" altLang="ko-KR" sz="900" b="0" baseline="0" dirty="0">
                         <a:solidFill>
                           <a:schemeClr val="tx1"/>
                         </a:solidFill>
@@ -7260,7 +7178,7 @@
                         <a:defRPr/>
                       </a:pPr>
                       <a:r>
-                        <a:rPr lang="ko-KR" altLang="en-US" sz="900" b="0" baseline="0" dirty="0" smtClean="0">
+                        <a:rPr lang="ko-KR" altLang="en-US" sz="900" b="0" baseline="0" dirty="0">
                           <a:solidFill>
                             <a:schemeClr val="tx1"/>
                           </a:solidFill>
@@ -7269,7 +7187,7 @@
                         </a:rPr>
                         <a:t>대기실 전체 채팅 입력 필드</a:t>
                       </a:r>
-                      <a:endParaRPr lang="en-US" altLang="ko-KR" sz="900" b="0" baseline="0" dirty="0" smtClean="0">
+                      <a:endParaRPr lang="en-US" altLang="ko-KR" sz="900" b="0" baseline="0" dirty="0">
                         <a:solidFill>
                           <a:schemeClr val="tx1"/>
                         </a:solidFill>
@@ -7295,7 +7213,7 @@
                         <a:tabLst/>
                         <a:defRPr/>
                       </a:pPr>
-                      <a:endParaRPr lang="en-US" altLang="ko-KR" sz="900" b="0" baseline="0" dirty="0" smtClean="0">
+                      <a:endParaRPr lang="en-US" altLang="ko-KR" sz="900" b="0" baseline="0" dirty="0">
                         <a:solidFill>
                           <a:schemeClr val="tx1"/>
                         </a:solidFill>
@@ -7322,7 +7240,7 @@
                         <a:defRPr/>
                       </a:pPr>
                       <a:r>
-                        <a:rPr lang="ko-KR" altLang="en-US" sz="900" b="0" baseline="0" dirty="0" smtClean="0">
+                        <a:rPr lang="ko-KR" altLang="en-US" sz="900" b="0" baseline="0" dirty="0">
                           <a:solidFill>
                             <a:schemeClr val="tx1"/>
                           </a:solidFill>
@@ -7331,7 +7249,7 @@
                         </a:rPr>
                         <a:t>대기실 전체 채팅 전송 버튼</a:t>
                       </a:r>
-                      <a:endParaRPr lang="en-US" altLang="ko-KR" sz="900" b="0" baseline="0" dirty="0" smtClean="0">
+                      <a:endParaRPr lang="en-US" altLang="ko-KR" sz="900" b="0" baseline="0" dirty="0">
                         <a:solidFill>
                           <a:schemeClr val="tx1"/>
                         </a:solidFill>
@@ -7357,7 +7275,7 @@
                         <a:tabLst/>
                         <a:defRPr/>
                       </a:pPr>
-                      <a:endParaRPr lang="en-US" altLang="ko-KR" sz="900" b="0" baseline="0" dirty="0" smtClean="0">
+                      <a:endParaRPr lang="en-US" altLang="ko-KR" sz="900" b="0" baseline="0" dirty="0">
                         <a:solidFill>
                           <a:schemeClr val="tx1"/>
                         </a:solidFill>
@@ -7383,7 +7301,7 @@
                         <a:tabLst/>
                         <a:defRPr/>
                       </a:pPr>
-                      <a:endParaRPr lang="en-US" altLang="ko-KR" sz="900" b="0" dirty="0" smtClean="0">
+                      <a:endParaRPr lang="en-US" altLang="ko-KR" sz="900" b="0" dirty="0">
                         <a:solidFill>
                           <a:schemeClr val="tx1"/>
                         </a:solidFill>
@@ -7546,7 +7464,7 @@
           <a:lstStyle/>
           <a:p>
             <a:r>
-              <a:rPr lang="en-US" altLang="ko-KR" dirty="0" smtClean="0">
+              <a:rPr lang="en-US" altLang="ko-KR" dirty="0">
                 <a:latin typeface="나눔바른고딕" panose="020B0603020101020101" pitchFamily="50" charset="-127"/>
                 <a:ea typeface="나눔바른고딕" panose="020B0603020101020101" pitchFamily="50" charset="-127"/>
               </a:rPr>
@@ -8016,7 +7934,7 @@
             <a:p>
               <a:pPr algn="ctr"/>
               <a:r>
-                <a:rPr lang="en-US" altLang="ko-KR" sz="800" dirty="0" smtClean="0">
+                <a:rPr lang="en-US" altLang="ko-KR" sz="800" dirty="0">
                   <a:solidFill>
                     <a:schemeClr val="bg1"/>
                   </a:solidFill>
@@ -8946,7 +8864,7 @@
             <a:p>
               <a:pPr algn="ctr"/>
               <a:r>
-                <a:rPr lang="en-US" altLang="ko-KR" sz="800" dirty="0" smtClean="0">
+                <a:rPr lang="en-US" altLang="ko-KR" sz="800" dirty="0">
                   <a:solidFill>
                     <a:schemeClr val="bg1"/>
                   </a:solidFill>
@@ -9876,7 +9794,7 @@
             <a:p>
               <a:pPr algn="ctr"/>
               <a:r>
-                <a:rPr lang="en-US" altLang="ko-KR" sz="800" dirty="0" smtClean="0">
+                <a:rPr lang="en-US" altLang="ko-KR" sz="800" dirty="0">
                   <a:solidFill>
                     <a:schemeClr val="bg1"/>
                   </a:solidFill>
@@ -9904,13 +9822,6 @@
   <p:clrMapOvr>
     <a:masterClrMapping/>
   </p:clrMapOvr>
-  <p:timing>
-    <p:tnLst>
-      <p:par>
-        <p:cTn id="1" dur="indefinite" restart="never" nodeType="tmRoot"/>
-      </p:par>
-    </p:tnLst>
-  </p:timing>
 </p:sld>
 </file>
 
@@ -10204,7 +10115,7 @@
                     <a:p>
                       <a:pPr latinLnBrk="1"/>
                       <a:r>
-                        <a:rPr lang="en-US" altLang="ko-KR" sz="900" b="0" dirty="0" smtClean="0">
+                        <a:rPr lang="en-US" altLang="ko-KR" sz="900" b="0" dirty="0">
                           <a:latin typeface="맑은 고딕" pitchFamily="50" charset="-127"/>
                           <a:ea typeface="+mn-ea"/>
                         </a:rPr>
@@ -10499,7 +10410,7 @@
                         <a:defRPr/>
                       </a:pPr>
                       <a:r>
-                        <a:rPr lang="en-US" altLang="ko-KR" sz="900" b="0" baseline="0" dirty="0" smtClean="0">
+                        <a:rPr lang="en-US" altLang="ko-KR" sz="900" b="0" baseline="0" dirty="0">
                           <a:solidFill>
                             <a:schemeClr val="tx1"/>
                           </a:solidFill>
@@ -10509,7 +10420,7 @@
                         <a:t>STOP – </a:t>
                       </a:r>
                       <a:r>
-                        <a:rPr lang="ko-KR" altLang="en-US" sz="900" b="0" baseline="0" dirty="0" smtClean="0">
+                        <a:rPr lang="ko-KR" altLang="en-US" sz="900" b="0" baseline="0" dirty="0">
                           <a:solidFill>
                             <a:schemeClr val="tx1"/>
                           </a:solidFill>
@@ -10518,18 +10429,8 @@
                         </a:rPr>
                         <a:t>게임 종료 및 초기화</a:t>
                       </a:r>
-                      <a:r>
-                        <a:rPr lang="en-US" altLang="ko-KR" sz="900" b="0" baseline="0" dirty="0" smtClean="0">
-                          <a:solidFill>
-                            <a:schemeClr val="tx1"/>
-                          </a:solidFill>
-                          <a:latin typeface="+mn-ea"/>
-                          <a:ea typeface="+mn-ea"/>
-                        </a:rPr>
-                        <a:t/>
-                      </a:r>
                       <a:br>
-                        <a:rPr lang="en-US" altLang="ko-KR" sz="900" b="0" baseline="0" dirty="0" smtClean="0">
+                        <a:rPr lang="en-US" altLang="ko-KR" sz="900" b="0" baseline="0" dirty="0">
                           <a:solidFill>
                             <a:schemeClr val="tx1"/>
                           </a:solidFill>
@@ -10537,7 +10438,7 @@
                           <a:ea typeface="+mn-ea"/>
                         </a:rPr>
                       </a:br>
-                      <a:endParaRPr lang="en-US" altLang="ko-KR" sz="900" b="0" baseline="0" dirty="0" smtClean="0">
+                      <a:endParaRPr lang="en-US" altLang="ko-KR" sz="900" b="0" baseline="0" dirty="0">
                         <a:solidFill>
                           <a:schemeClr val="tx1"/>
                         </a:solidFill>
@@ -10564,7 +10465,7 @@
                         <a:defRPr/>
                       </a:pPr>
                       <a:r>
-                        <a:rPr lang="en-US" altLang="ko-KR" sz="900" b="0" baseline="0" dirty="0" smtClean="0">
+                        <a:rPr lang="en-US" altLang="ko-KR" sz="900" b="0" baseline="0" dirty="0">
                           <a:solidFill>
                             <a:schemeClr val="tx1"/>
                           </a:solidFill>
@@ -10574,7 +10475,7 @@
                         <a:t>Time label – START </a:t>
                       </a:r>
                       <a:r>
-                        <a:rPr lang="ko-KR" altLang="en-US" sz="900" b="0" baseline="0" dirty="0" smtClean="0">
+                        <a:rPr lang="ko-KR" altLang="en-US" sz="900" b="0" baseline="0" dirty="0">
                           <a:solidFill>
                             <a:schemeClr val="tx1"/>
                           </a:solidFill>
@@ -10583,7 +10484,7 @@
                         </a:rPr>
                         <a:t>게임 진행 시 진행 시간 표현</a:t>
                       </a:r>
-                      <a:endParaRPr lang="en-US" altLang="ko-KR" sz="900" b="0" baseline="0" dirty="0" smtClean="0">
+                      <a:endParaRPr lang="en-US" altLang="ko-KR" sz="900" b="0" baseline="0" dirty="0">
                         <a:solidFill>
                           <a:schemeClr val="tx1"/>
                         </a:solidFill>
@@ -10609,7 +10510,7 @@
                         <a:tabLst/>
                         <a:defRPr/>
                       </a:pPr>
-                      <a:endParaRPr lang="en-US" altLang="ko-KR" sz="900" b="0" baseline="0" dirty="0" smtClean="0">
+                      <a:endParaRPr lang="en-US" altLang="ko-KR" sz="900" b="0" baseline="0" dirty="0">
                         <a:solidFill>
                           <a:schemeClr val="tx1"/>
                         </a:solidFill>
@@ -10636,7 +10537,7 @@
                         <a:defRPr/>
                       </a:pPr>
                       <a:r>
-                        <a:rPr lang="ko-KR" altLang="en-US" sz="900" b="0" baseline="0" dirty="0" smtClean="0">
+                        <a:rPr lang="ko-KR" altLang="en-US" sz="900" b="0" baseline="0" dirty="0">
                           <a:solidFill>
                             <a:schemeClr val="tx1"/>
                           </a:solidFill>
@@ -10646,7 +10547,7 @@
                         <a:t>이전 </a:t>
                       </a:r>
                       <a:r>
-                        <a:rPr lang="en-US" altLang="ko-KR" sz="900" b="0" baseline="0" dirty="0" smtClean="0">
+                        <a:rPr lang="en-US" altLang="ko-KR" sz="900" b="0" baseline="0" dirty="0">
                           <a:solidFill>
                             <a:schemeClr val="tx1"/>
                           </a:solidFill>
@@ -10674,7 +10575,7 @@
                         <a:tabLst/>
                         <a:defRPr/>
                       </a:pPr>
-                      <a:endParaRPr lang="en-US" altLang="ko-KR" sz="900" b="0" baseline="0" dirty="0" smtClean="0">
+                      <a:endParaRPr lang="en-US" altLang="ko-KR" sz="900" b="0" baseline="0" dirty="0">
                         <a:solidFill>
                           <a:schemeClr val="tx1"/>
                         </a:solidFill>
@@ -10701,7 +10602,7 @@
                         <a:defRPr/>
                       </a:pPr>
                       <a:r>
-                        <a:rPr lang="ko-KR" altLang="en-US" sz="900" b="0" baseline="0" dirty="0" smtClean="0">
+                        <a:rPr lang="ko-KR" altLang="en-US" sz="900" b="0" baseline="0" dirty="0">
                           <a:solidFill>
                             <a:schemeClr val="tx1"/>
                           </a:solidFill>
@@ -10711,7 +10612,7 @@
                         <a:t>다음 </a:t>
                       </a:r>
                       <a:r>
-                        <a:rPr lang="en-US" altLang="ko-KR" sz="900" b="0" baseline="0" dirty="0" smtClean="0">
+                        <a:rPr lang="en-US" altLang="ko-KR" sz="900" b="0" baseline="0" dirty="0">
                           <a:solidFill>
                             <a:schemeClr val="tx1"/>
                           </a:solidFill>
@@ -10739,7 +10640,7 @@
                         <a:tabLst/>
                         <a:defRPr/>
                       </a:pPr>
-                      <a:endParaRPr lang="en-US" altLang="ko-KR" sz="900" b="0" baseline="0" dirty="0" smtClean="0">
+                      <a:endParaRPr lang="en-US" altLang="ko-KR" sz="900" b="0" baseline="0" dirty="0">
                         <a:solidFill>
                           <a:schemeClr val="tx1"/>
                         </a:solidFill>
@@ -10766,7 +10667,7 @@
                         <a:defRPr/>
                       </a:pPr>
                       <a:r>
-                        <a:rPr lang="ko-KR" altLang="en-US" sz="900" b="0" baseline="0" dirty="0" smtClean="0">
+                        <a:rPr lang="ko-KR" altLang="en-US" sz="900" b="0" baseline="0" dirty="0">
                           <a:solidFill>
                             <a:schemeClr val="tx1"/>
                           </a:solidFill>
@@ -10775,7 +10676,7 @@
                         </a:rPr>
                         <a:t>대기실로 돌아가기</a:t>
                       </a:r>
-                      <a:endParaRPr lang="en-US" altLang="ko-KR" sz="900" b="0" baseline="0" dirty="0" smtClean="0">
+                      <a:endParaRPr lang="en-US" altLang="ko-KR" sz="900" b="0" baseline="0" dirty="0">
                         <a:solidFill>
                           <a:schemeClr val="tx1"/>
                         </a:solidFill>
@@ -10801,7 +10702,7 @@
                         <a:tabLst/>
                         <a:defRPr/>
                       </a:pPr>
-                      <a:endParaRPr lang="en-US" altLang="ko-KR" sz="900" b="0" baseline="0" dirty="0" smtClean="0">
+                      <a:endParaRPr lang="en-US" altLang="ko-KR" sz="900" b="0" baseline="0" dirty="0">
                         <a:solidFill>
                           <a:schemeClr val="tx1"/>
                         </a:solidFill>
@@ -10828,7 +10729,7 @@
                         <a:defRPr/>
                       </a:pPr>
                       <a:r>
-                        <a:rPr lang="ko-KR" altLang="en-US" sz="900" b="0" baseline="0" dirty="0" smtClean="0">
+                        <a:rPr lang="ko-KR" altLang="en-US" sz="900" b="0" baseline="0" dirty="0">
                           <a:solidFill>
                             <a:schemeClr val="tx1"/>
                           </a:solidFill>
@@ -10838,7 +10739,7 @@
                         <a:t>각 </a:t>
                       </a:r>
                       <a:r>
-                        <a:rPr lang="ko-KR" altLang="en-US" sz="900" b="0" baseline="0" dirty="0" err="1" smtClean="0">
+                        <a:rPr lang="ko-KR" altLang="en-US" sz="900" b="0" baseline="0" dirty="0" err="1">
                           <a:solidFill>
                             <a:schemeClr val="tx1"/>
                           </a:solidFill>
@@ -10848,7 +10749,7 @@
                         <a:t>맵에</a:t>
                       </a:r>
                       <a:r>
-                        <a:rPr lang="ko-KR" altLang="en-US" sz="900" b="0" baseline="0" dirty="0" smtClean="0">
+                        <a:rPr lang="ko-KR" altLang="en-US" sz="900" b="0" baseline="0" dirty="0">
                           <a:solidFill>
                             <a:schemeClr val="tx1"/>
                           </a:solidFill>
@@ -10857,18 +10758,8 @@
                         </a:rPr>
                         <a:t> 표현된 돌을 집으로 밀어 넣는 게임</a:t>
                       </a:r>
-                      <a:r>
-                        <a:rPr lang="en-US" altLang="ko-KR" sz="900" b="0" baseline="0" dirty="0" smtClean="0">
-                          <a:solidFill>
-                            <a:schemeClr val="tx1"/>
-                          </a:solidFill>
-                          <a:latin typeface="+mn-ea"/>
-                          <a:ea typeface="+mn-ea"/>
-                        </a:rPr>
-                        <a:t/>
-                      </a:r>
                       <a:br>
-                        <a:rPr lang="en-US" altLang="ko-KR" sz="900" b="0" baseline="0" dirty="0" smtClean="0">
+                        <a:rPr lang="en-US" altLang="ko-KR" sz="900" b="0" baseline="0" dirty="0">
                           <a:solidFill>
                             <a:schemeClr val="tx1"/>
                           </a:solidFill>
@@ -10877,7 +10768,7 @@
                         </a:rPr>
                       </a:br>
                       <a:r>
-                        <a:rPr lang="en-US" altLang="ko-KR" sz="900" b="0" baseline="0" dirty="0" smtClean="0">
+                        <a:rPr lang="en-US" altLang="ko-KR" sz="900" b="0" baseline="0" dirty="0">
                           <a:solidFill>
                             <a:schemeClr val="tx1"/>
                           </a:solidFill>
@@ -10887,7 +10778,7 @@
                         <a:t>     </a:t>
                       </a:r>
                       <a:r>
-                        <a:rPr lang="ko-KR" altLang="en-US" sz="900" b="0" baseline="0" dirty="0" smtClean="0">
+                        <a:rPr lang="ko-KR" altLang="en-US" sz="900" b="0" baseline="0" dirty="0">
                           <a:solidFill>
                             <a:schemeClr val="tx1"/>
                           </a:solidFill>
@@ -10896,18 +10787,8 @@
                         </a:rPr>
                         <a:t>돌이 찬 집을 이미지로표현</a:t>
                       </a:r>
-                      <a:r>
-                        <a:rPr lang="en-US" altLang="ko-KR" sz="900" b="0" baseline="0" dirty="0" smtClean="0">
-                          <a:solidFill>
-                            <a:schemeClr val="tx1"/>
-                          </a:solidFill>
-                          <a:latin typeface="+mn-ea"/>
-                          <a:ea typeface="+mn-ea"/>
-                        </a:rPr>
-                        <a:t/>
-                      </a:r>
                       <a:br>
-                        <a:rPr lang="en-US" altLang="ko-KR" sz="900" b="0" baseline="0" dirty="0" smtClean="0">
+                        <a:rPr lang="en-US" altLang="ko-KR" sz="900" b="0" baseline="0" dirty="0">
                           <a:solidFill>
                             <a:schemeClr val="tx1"/>
                           </a:solidFill>
@@ -10915,7 +10796,7 @@
                           <a:ea typeface="+mn-ea"/>
                         </a:rPr>
                       </a:br>
-                      <a:endParaRPr lang="en-US" altLang="ko-KR" sz="900" b="0" baseline="0" dirty="0" smtClean="0">
+                      <a:endParaRPr lang="en-US" altLang="ko-KR" sz="900" b="0" baseline="0" dirty="0">
                         <a:solidFill>
                           <a:schemeClr val="tx1"/>
                         </a:solidFill>
@@ -10942,7 +10823,7 @@
                         <a:defRPr/>
                       </a:pPr>
                       <a:r>
-                        <a:rPr lang="ko-KR" altLang="en-US" sz="900" b="0" baseline="0" dirty="0" smtClean="0">
+                        <a:rPr lang="ko-KR" altLang="en-US" sz="900" b="0" baseline="0" dirty="0">
                           <a:solidFill>
                             <a:schemeClr val="tx1"/>
                           </a:solidFill>
@@ -10952,7 +10833,7 @@
                         <a:t>벽은 </a:t>
                       </a:r>
                       <a:r>
-                        <a:rPr lang="ko-KR" altLang="en-US" sz="900" b="0" baseline="0" dirty="0" err="1" smtClean="0">
+                        <a:rPr lang="ko-KR" altLang="en-US" sz="900" b="0" baseline="0" dirty="0" err="1">
                           <a:solidFill>
                             <a:schemeClr val="tx1"/>
                           </a:solidFill>
@@ -10962,7 +10843,7 @@
                         <a:t>케릭터가</a:t>
                       </a:r>
                       <a:r>
-                        <a:rPr lang="ko-KR" altLang="en-US" sz="900" b="0" baseline="0" dirty="0" smtClean="0">
+                        <a:rPr lang="ko-KR" altLang="en-US" sz="900" b="0" baseline="0" dirty="0">
                           <a:solidFill>
                             <a:schemeClr val="tx1"/>
                           </a:solidFill>
@@ -10971,18 +10852,8 @@
                         </a:rPr>
                         <a:t> 이동할 수 없는 공간으로 표현</a:t>
                       </a:r>
-                      <a:r>
-                        <a:rPr lang="en-US" altLang="ko-KR" sz="900" b="0" baseline="0" dirty="0" smtClean="0">
-                          <a:solidFill>
-                            <a:schemeClr val="tx1"/>
-                          </a:solidFill>
-                          <a:latin typeface="+mn-ea"/>
-                          <a:ea typeface="+mn-ea"/>
-                        </a:rPr>
-                        <a:t/>
-                      </a:r>
                       <a:br>
-                        <a:rPr lang="en-US" altLang="ko-KR" sz="900" b="0" baseline="0" dirty="0" smtClean="0">
+                        <a:rPr lang="en-US" altLang="ko-KR" sz="900" b="0" baseline="0" dirty="0">
                           <a:solidFill>
                             <a:schemeClr val="tx1"/>
                           </a:solidFill>
@@ -10990,7 +10861,7 @@
                           <a:ea typeface="+mn-ea"/>
                         </a:rPr>
                       </a:br>
-                      <a:endParaRPr lang="en-US" altLang="ko-KR" sz="900" b="0" baseline="0" dirty="0" smtClean="0">
+                      <a:endParaRPr lang="en-US" altLang="ko-KR" sz="900" b="0" baseline="0" dirty="0">
                         <a:solidFill>
                           <a:schemeClr val="tx1"/>
                         </a:solidFill>
@@ -11017,7 +10888,7 @@
                         <a:defRPr/>
                       </a:pPr>
                       <a:r>
-                        <a:rPr lang="ko-KR" altLang="en-US" sz="900" b="0" baseline="0" dirty="0" err="1" smtClean="0">
+                        <a:rPr lang="ko-KR" altLang="en-US" sz="900" b="0" baseline="0" dirty="0" err="1">
                           <a:solidFill>
                             <a:schemeClr val="tx1"/>
                           </a:solidFill>
@@ -11027,7 +10898,7 @@
                         <a:t>푸쉬맨</a:t>
                       </a:r>
                       <a:r>
-                        <a:rPr lang="ko-KR" altLang="en-US" sz="900" b="0" baseline="0" dirty="0" smtClean="0">
+                        <a:rPr lang="ko-KR" altLang="en-US" sz="900" b="0" baseline="0" dirty="0">
                           <a:solidFill>
                             <a:schemeClr val="tx1"/>
                           </a:solidFill>
@@ -11036,18 +10907,8 @@
                         </a:rPr>
                         <a:t> 캐릭터를 이용하여 돌을 이동 </a:t>
                       </a:r>
-                      <a:r>
-                        <a:rPr lang="en-US" altLang="ko-KR" sz="900" b="0" baseline="0" dirty="0" smtClean="0">
-                          <a:solidFill>
-                            <a:schemeClr val="tx1"/>
-                          </a:solidFill>
-                          <a:latin typeface="+mn-ea"/>
-                          <a:ea typeface="+mn-ea"/>
-                        </a:rPr>
-                        <a:t/>
-                      </a:r>
                       <a:br>
-                        <a:rPr lang="en-US" altLang="ko-KR" sz="900" b="0" baseline="0" dirty="0" smtClean="0">
+                        <a:rPr lang="en-US" altLang="ko-KR" sz="900" b="0" baseline="0" dirty="0">
                           <a:solidFill>
                             <a:schemeClr val="tx1"/>
                           </a:solidFill>
@@ -11055,7 +10916,7 @@
                           <a:ea typeface="+mn-ea"/>
                         </a:rPr>
                       </a:br>
-                      <a:endParaRPr lang="en-US" altLang="ko-KR" sz="900" b="0" baseline="0" dirty="0" smtClean="0">
+                      <a:endParaRPr lang="en-US" altLang="ko-KR" sz="900" b="0" baseline="0" dirty="0">
                         <a:solidFill>
                           <a:schemeClr val="tx1"/>
                         </a:solidFill>
@@ -11082,7 +10943,7 @@
                         <a:defRPr/>
                       </a:pPr>
                       <a:r>
-                        <a:rPr lang="ko-KR" altLang="en-US" sz="900" b="0" baseline="0" dirty="0" smtClean="0">
+                        <a:rPr lang="ko-KR" altLang="en-US" sz="900" b="0" baseline="0" dirty="0">
                           <a:solidFill>
                             <a:schemeClr val="tx1"/>
                           </a:solidFill>
@@ -11092,7 +10953,7 @@
                         <a:t>모든 돌을 집으로 넣으면 성공 </a:t>
                       </a:r>
                       <a:r>
-                        <a:rPr lang="en-US" altLang="ko-KR" sz="900" b="0" baseline="0" dirty="0" smtClean="0">
+                        <a:rPr lang="en-US" altLang="ko-KR" sz="900" b="0" baseline="0" dirty="0">
                           <a:solidFill>
                             <a:schemeClr val="tx1"/>
                           </a:solidFill>
@@ -11102,7 +10963,7 @@
                         <a:t>– </a:t>
                       </a:r>
                       <a:r>
-                        <a:rPr lang="ko-KR" altLang="en-US" sz="900" b="0" baseline="0" dirty="0" smtClean="0">
+                        <a:rPr lang="ko-KR" altLang="en-US" sz="900" b="0" baseline="0" dirty="0">
                           <a:solidFill>
                             <a:schemeClr val="tx1"/>
                           </a:solidFill>
@@ -11111,18 +10972,8 @@
                         </a:rPr>
                         <a:t>다음 스테이지 이동</a:t>
                       </a:r>
-                      <a:r>
-                        <a:rPr lang="en-US" altLang="ko-KR" sz="900" b="0" baseline="0" dirty="0" smtClean="0">
-                          <a:solidFill>
-                            <a:schemeClr val="tx1"/>
-                          </a:solidFill>
-                          <a:latin typeface="+mn-ea"/>
-                          <a:ea typeface="+mn-ea"/>
-                        </a:rPr>
-                        <a:t/>
-                      </a:r>
                       <a:br>
-                        <a:rPr lang="en-US" altLang="ko-KR" sz="900" b="0" baseline="0" dirty="0" smtClean="0">
+                        <a:rPr lang="en-US" altLang="ko-KR" sz="900" b="0" baseline="0" dirty="0">
                           <a:solidFill>
                             <a:schemeClr val="tx1"/>
                           </a:solidFill>
@@ -11130,7 +10981,7 @@
                           <a:ea typeface="+mn-ea"/>
                         </a:rPr>
                       </a:br>
-                      <a:endParaRPr lang="en-US" altLang="ko-KR" sz="900" b="0" baseline="0" dirty="0" smtClean="0">
+                      <a:endParaRPr lang="en-US" altLang="ko-KR" sz="900" b="0" baseline="0" dirty="0">
                         <a:solidFill>
                           <a:schemeClr val="tx1"/>
                         </a:solidFill>
@@ -11157,7 +11008,7 @@
                         <a:defRPr/>
                       </a:pPr>
                       <a:r>
-                        <a:rPr lang="ko-KR" altLang="en-US" sz="900" b="0" baseline="0" dirty="0" smtClean="0">
+                        <a:rPr lang="ko-KR" altLang="en-US" sz="900" b="0" baseline="0" dirty="0">
                           <a:solidFill>
                             <a:schemeClr val="tx1"/>
                           </a:solidFill>
@@ -11166,18 +11017,62 @@
                         </a:rPr>
                         <a:t>게임 진행 완료 시 알림</a:t>
                       </a:r>
-                      <a:r>
-                        <a:rPr lang="en-US" altLang="ko-KR" sz="900" b="0" baseline="0" dirty="0" smtClean="0">
+                      <a:br>
+                        <a:rPr lang="en-US" altLang="ko-KR" sz="900" b="0" baseline="0" dirty="0">
                           <a:solidFill>
                             <a:schemeClr val="tx1"/>
                           </a:solidFill>
                           <a:latin typeface="+mn-ea"/>
                           <a:ea typeface="+mn-ea"/>
                         </a:rPr>
-                        <a:t/>
-                      </a:r>
+                      </a:br>
                       <a:br>
-                        <a:rPr lang="en-US" altLang="ko-KR" sz="900" b="0" baseline="0" dirty="0" smtClean="0">
+                        <a:rPr lang="en-US" altLang="ko-KR" sz="900" b="0" baseline="0" dirty="0">
+                          <a:solidFill>
+                            <a:schemeClr val="tx1"/>
+                          </a:solidFill>
+                          <a:latin typeface="+mn-ea"/>
+                          <a:ea typeface="+mn-ea"/>
+                        </a:rPr>
+                      </a:br>
+                      <a:br>
+                        <a:rPr lang="en-US" altLang="ko-KR" sz="900" b="0" baseline="0" dirty="0">
+                          <a:solidFill>
+                            <a:schemeClr val="tx1"/>
+                          </a:solidFill>
+                          <a:latin typeface="+mn-ea"/>
+                          <a:ea typeface="+mn-ea"/>
+                        </a:rPr>
+                      </a:br>
+                      <a:br>
+                        <a:rPr lang="en-US" altLang="ko-KR" sz="900" b="0" baseline="0" dirty="0">
+                          <a:solidFill>
+                            <a:schemeClr val="tx1"/>
+                          </a:solidFill>
+                          <a:latin typeface="+mn-ea"/>
+                          <a:ea typeface="+mn-ea"/>
+                        </a:rPr>
+                      </a:br>
+                      <a:br>
+                        <a:rPr lang="en-US" altLang="ko-KR" sz="900" b="0" baseline="0" dirty="0">
+                          <a:solidFill>
+                            <a:schemeClr val="tx1"/>
+                          </a:solidFill>
+                          <a:latin typeface="+mn-ea"/>
+                          <a:ea typeface="+mn-ea"/>
+                        </a:rPr>
+                      </a:br>
+                      <a:br>
+                        <a:rPr lang="en-US" altLang="ko-KR" sz="900" b="0" baseline="0" dirty="0">
+                          <a:solidFill>
+                            <a:schemeClr val="tx1"/>
+                          </a:solidFill>
+                          <a:latin typeface="+mn-ea"/>
+                          <a:ea typeface="+mn-ea"/>
+                        </a:rPr>
+                      </a:br>
+                      <a:br>
+                        <a:rPr lang="en-US" altLang="ko-KR" sz="900" b="0" baseline="0" dirty="0">
                           <a:solidFill>
                             <a:schemeClr val="tx1"/>
                           </a:solidFill>
@@ -11186,121 +11081,7 @@
                         </a:rPr>
                       </a:br>
                       <a:r>
-                        <a:rPr lang="en-US" altLang="ko-KR" sz="900" b="0" baseline="0" dirty="0" smtClean="0">
-                          <a:solidFill>
-                            <a:schemeClr val="tx1"/>
-                          </a:solidFill>
-                          <a:latin typeface="+mn-ea"/>
-                          <a:ea typeface="+mn-ea"/>
-                        </a:rPr>
-                        <a:t/>
-                      </a:r>
-                      <a:br>
-                        <a:rPr lang="en-US" altLang="ko-KR" sz="900" b="0" baseline="0" dirty="0" smtClean="0">
-                          <a:solidFill>
-                            <a:schemeClr val="tx1"/>
-                          </a:solidFill>
-                          <a:latin typeface="+mn-ea"/>
-                          <a:ea typeface="+mn-ea"/>
-                        </a:rPr>
-                      </a:br>
-                      <a:r>
-                        <a:rPr lang="en-US" altLang="ko-KR" sz="900" b="0" baseline="0" dirty="0" smtClean="0">
-                          <a:solidFill>
-                            <a:schemeClr val="tx1"/>
-                          </a:solidFill>
-                          <a:latin typeface="+mn-ea"/>
-                          <a:ea typeface="+mn-ea"/>
-                        </a:rPr>
-                        <a:t/>
-                      </a:r>
-                      <a:br>
-                        <a:rPr lang="en-US" altLang="ko-KR" sz="900" b="0" baseline="0" dirty="0" smtClean="0">
-                          <a:solidFill>
-                            <a:schemeClr val="tx1"/>
-                          </a:solidFill>
-                          <a:latin typeface="+mn-ea"/>
-                          <a:ea typeface="+mn-ea"/>
-                        </a:rPr>
-                      </a:br>
-                      <a:r>
-                        <a:rPr lang="en-US" altLang="ko-KR" sz="900" b="0" baseline="0" dirty="0" smtClean="0">
-                          <a:solidFill>
-                            <a:schemeClr val="tx1"/>
-                          </a:solidFill>
-                          <a:latin typeface="+mn-ea"/>
-                          <a:ea typeface="+mn-ea"/>
-                        </a:rPr>
-                        <a:t/>
-                      </a:r>
-                      <a:br>
-                        <a:rPr lang="en-US" altLang="ko-KR" sz="900" b="0" baseline="0" dirty="0" smtClean="0">
-                          <a:solidFill>
-                            <a:schemeClr val="tx1"/>
-                          </a:solidFill>
-                          <a:latin typeface="+mn-ea"/>
-                          <a:ea typeface="+mn-ea"/>
-                        </a:rPr>
-                      </a:br>
-                      <a:r>
-                        <a:rPr lang="en-US" altLang="ko-KR" sz="900" b="0" baseline="0" dirty="0" smtClean="0">
-                          <a:solidFill>
-                            <a:schemeClr val="tx1"/>
-                          </a:solidFill>
-                          <a:latin typeface="+mn-ea"/>
-                          <a:ea typeface="+mn-ea"/>
-                        </a:rPr>
-                        <a:t/>
-                      </a:r>
-                      <a:br>
-                        <a:rPr lang="en-US" altLang="ko-KR" sz="900" b="0" baseline="0" dirty="0" smtClean="0">
-                          <a:solidFill>
-                            <a:schemeClr val="tx1"/>
-                          </a:solidFill>
-                          <a:latin typeface="+mn-ea"/>
-                          <a:ea typeface="+mn-ea"/>
-                        </a:rPr>
-                      </a:br>
-                      <a:r>
-                        <a:rPr lang="en-US" altLang="ko-KR" sz="900" b="0" baseline="0" dirty="0" smtClean="0">
-                          <a:solidFill>
-                            <a:schemeClr val="tx1"/>
-                          </a:solidFill>
-                          <a:latin typeface="+mn-ea"/>
-                          <a:ea typeface="+mn-ea"/>
-                        </a:rPr>
-                        <a:t/>
-                      </a:r>
-                      <a:br>
-                        <a:rPr lang="en-US" altLang="ko-KR" sz="900" b="0" baseline="0" dirty="0" smtClean="0">
-                          <a:solidFill>
-                            <a:schemeClr val="tx1"/>
-                          </a:solidFill>
-                          <a:latin typeface="+mn-ea"/>
-                          <a:ea typeface="+mn-ea"/>
-                        </a:rPr>
-                      </a:br>
-                      <a:r>
-                        <a:rPr lang="en-US" altLang="ko-KR" sz="900" b="0" baseline="0" dirty="0" smtClean="0">
-                          <a:solidFill>
-                            <a:schemeClr val="tx1"/>
-                          </a:solidFill>
-                          <a:latin typeface="+mn-ea"/>
-                          <a:ea typeface="+mn-ea"/>
-                        </a:rPr>
-                        <a:t/>
-                      </a:r>
-                      <a:br>
-                        <a:rPr lang="en-US" altLang="ko-KR" sz="900" b="0" baseline="0" dirty="0" smtClean="0">
-                          <a:solidFill>
-                            <a:schemeClr val="tx1"/>
-                          </a:solidFill>
-                          <a:latin typeface="+mn-ea"/>
-                          <a:ea typeface="+mn-ea"/>
-                        </a:rPr>
-                      </a:br>
-                      <a:r>
-                        <a:rPr lang="en-US" altLang="ko-KR" sz="900" b="0" baseline="0" dirty="0" smtClean="0">
+                        <a:rPr lang="en-US" altLang="ko-KR" sz="900" b="0" baseline="0" dirty="0">
                           <a:solidFill>
                             <a:schemeClr val="tx1"/>
                           </a:solidFill>
@@ -11465,7 +11246,7 @@
           <a:lstStyle/>
           <a:p>
             <a:r>
-              <a:rPr lang="en-US" altLang="ko-KR" dirty="0" smtClean="0">
+              <a:rPr lang="en-US" altLang="ko-KR" dirty="0">
                 <a:latin typeface="나눔바른고딕" panose="020B0603020101020101" pitchFamily="50" charset="-127"/>
                 <a:ea typeface="나눔바른고딕" panose="020B0603020101020101" pitchFamily="50" charset="-127"/>
               </a:rPr>
@@ -11935,7 +11716,7 @@
             <a:p>
               <a:pPr algn="ctr"/>
               <a:r>
-                <a:rPr lang="en-US" altLang="ko-KR" sz="800" dirty="0" smtClean="0">
+                <a:rPr lang="en-US" altLang="ko-KR" sz="800" dirty="0">
                   <a:solidFill>
                     <a:schemeClr val="bg1"/>
                   </a:solidFill>
@@ -12245,7 +12026,7 @@
             <a:p>
               <a:pPr algn="ctr"/>
               <a:r>
-                <a:rPr lang="en-US" altLang="ko-KR" sz="800" dirty="0" smtClean="0">
+                <a:rPr lang="en-US" altLang="ko-KR" sz="800" dirty="0">
                   <a:solidFill>
                     <a:schemeClr val="bg1"/>
                   </a:solidFill>
@@ -12555,7 +12336,7 @@
             <a:p>
               <a:pPr algn="ctr"/>
               <a:r>
-                <a:rPr lang="en-US" altLang="ko-KR" sz="800" dirty="0" smtClean="0">
+                <a:rPr lang="en-US" altLang="ko-KR" sz="800" dirty="0">
                   <a:solidFill>
                     <a:schemeClr val="bg1"/>
                   </a:solidFill>
@@ -14105,7 +13886,7 @@
             <a:p>
               <a:pPr algn="ctr"/>
               <a:r>
-                <a:rPr lang="en-US" altLang="ko-KR" sz="800" dirty="0" smtClean="0">
+                <a:rPr lang="en-US" altLang="ko-KR" sz="800" dirty="0">
                   <a:solidFill>
                     <a:schemeClr val="bg1"/>
                   </a:solidFill>
@@ -14439,7 +14220,7 @@
             <a:p>
               <a:pPr algn="ctr"/>
               <a:r>
-                <a:rPr lang="en-US" altLang="ko-KR" sz="800" dirty="0" smtClean="0">
+                <a:rPr lang="en-US" altLang="ko-KR" sz="800" dirty="0">
                   <a:solidFill>
                     <a:schemeClr val="bg1"/>
                   </a:solidFill>
@@ -14467,13 +14248,6 @@
   <p:clrMapOvr>
     <a:masterClrMapping/>
   </p:clrMapOvr>
-  <p:timing>
-    <p:tnLst>
-      <p:par>
-        <p:cTn id="1" dur="indefinite" restart="never" nodeType="tmRoot"/>
-      </p:par>
-    </p:tnLst>
-  </p:timing>
 </p:sld>
 </file>
 
@@ -14558,7 +14332,7 @@
                         <a:defRPr/>
                       </a:pPr>
                       <a:r>
-                        <a:rPr lang="en-US" altLang="ko-KR" sz="900" b="0" dirty="0" smtClean="0">
+                        <a:rPr lang="en-US" altLang="ko-KR" sz="900" b="0" dirty="0">
                           <a:latin typeface="맑은 고딕" pitchFamily="50" charset="-127"/>
                           <a:ea typeface="맑은 고딕" pitchFamily="50" charset="-127"/>
                         </a:rPr>
@@ -14629,7 +14403,7 @@
                     <a:p>
                       <a:pPr latinLnBrk="1"/>
                       <a:r>
-                        <a:rPr lang="en-US" altLang="ko-KR" sz="900" b="0" smtClean="0">
+                        <a:rPr lang="en-US" altLang="ko-KR" sz="900" b="0">
                           <a:latin typeface="맑은 고딕" pitchFamily="50" charset="-127"/>
                           <a:ea typeface="맑은 고딕" pitchFamily="50" charset="-127"/>
                         </a:rPr>
@@ -14767,7 +14541,7 @@
                     <a:p>
                       <a:pPr latinLnBrk="1"/>
                       <a:r>
-                        <a:rPr lang="en-US" altLang="ko-KR" sz="900" b="0" smtClean="0">
+                        <a:rPr lang="en-US" altLang="ko-KR" sz="900" b="0">
                           <a:latin typeface="맑은 고딕" pitchFamily="50" charset="-127"/>
                           <a:ea typeface="+mn-ea"/>
                         </a:rPr>
@@ -14912,7 +14686,7 @@
                         <a:defRPr/>
                       </a:pPr>
                       <a:r>
-                        <a:rPr lang="en-US" altLang="ko-KR" sz="900" b="0" smtClean="0">
+                        <a:rPr lang="en-US" altLang="ko-KR" sz="900" b="0">
                           <a:latin typeface="맑은 고딕" pitchFamily="50" charset="-127"/>
                           <a:ea typeface="맑은 고딕" pitchFamily="50" charset="-127"/>
                         </a:rPr>
@@ -15062,7 +14836,7 @@
                         <a:defRPr/>
                       </a:pPr>
                       <a:r>
-                        <a:rPr lang="en-US" altLang="ko-KR" sz="900" b="0" dirty="0" smtClean="0">
+                        <a:rPr lang="en-US" altLang="ko-KR" sz="900" b="0" dirty="0">
                           <a:solidFill>
                             <a:schemeClr val="tx1"/>
                           </a:solidFill>
@@ -15072,7 +14846,7 @@
                         <a:t>Stage</a:t>
                       </a:r>
                       <a:r>
-                        <a:rPr lang="ko-KR" altLang="en-US" sz="900" b="0" baseline="0" dirty="0" smtClean="0">
+                        <a:rPr lang="ko-KR" altLang="en-US" sz="900" b="0" baseline="0" dirty="0">
                           <a:solidFill>
                             <a:schemeClr val="tx1"/>
                           </a:solidFill>
@@ -15082,7 +14856,7 @@
                         <a:t> 별 </a:t>
                       </a:r>
                       <a:r>
-                        <a:rPr lang="en-US" altLang="ko-KR" sz="900" b="0" baseline="0" dirty="0" smtClean="0">
+                        <a:rPr lang="en-US" altLang="ko-KR" sz="900" b="0" baseline="0" dirty="0">
                           <a:solidFill>
                             <a:schemeClr val="tx1"/>
                           </a:solidFill>
@@ -15092,7 +14866,7 @@
                         <a:t>Map </a:t>
                       </a:r>
                       <a:r>
-                        <a:rPr lang="ko-KR" altLang="en-US" sz="900" b="0" baseline="0" dirty="0" smtClean="0">
+                        <a:rPr lang="ko-KR" altLang="en-US" sz="900" b="0" baseline="0" dirty="0">
                           <a:solidFill>
                             <a:schemeClr val="tx1"/>
                           </a:solidFill>
@@ -15102,7 +14876,7 @@
                         <a:t>정보  </a:t>
                       </a:r>
                       <a:r>
-                        <a:rPr lang="en-US" altLang="ko-KR" sz="900" b="0" baseline="0" dirty="0" smtClean="0">
+                        <a:rPr lang="en-US" altLang="ko-KR" sz="900" b="0" baseline="0" dirty="0">
                           <a:solidFill>
                             <a:schemeClr val="tx1"/>
                           </a:solidFill>
@@ -15112,7 +14886,7 @@
                         <a:t>- </a:t>
                       </a:r>
                       <a:r>
-                        <a:rPr lang="ko-KR" altLang="en-US" sz="900" b="0" baseline="0" dirty="0" smtClean="0">
+                        <a:rPr lang="ko-KR" altLang="en-US" sz="900" b="0" baseline="0" dirty="0">
                           <a:solidFill>
                             <a:schemeClr val="tx1"/>
                           </a:solidFill>
@@ -15122,7 +14896,7 @@
                         <a:t>총 </a:t>
                       </a:r>
                       <a:r>
-                        <a:rPr lang="en-US" altLang="ko-KR" sz="900" b="0" baseline="0" dirty="0" smtClean="0">
+                        <a:rPr lang="en-US" altLang="ko-KR" sz="900" b="0" baseline="0" dirty="0">
                           <a:solidFill>
                             <a:schemeClr val="tx1"/>
                           </a:solidFill>
@@ -15132,7 +14906,7 @@
                         <a:t>36</a:t>
                       </a:r>
                       <a:r>
-                        <a:rPr lang="ko-KR" altLang="en-US" sz="900" b="0" baseline="0" dirty="0" smtClean="0">
+                        <a:rPr lang="ko-KR" altLang="en-US" sz="900" b="0" baseline="0" dirty="0">
                           <a:solidFill>
                             <a:schemeClr val="tx1"/>
                           </a:solidFill>
@@ -15141,18 +14915,8 @@
                         </a:rPr>
                         <a:t>개 구성 예정</a:t>
                       </a:r>
-                      <a:r>
-                        <a:rPr lang="en-US" altLang="ko-KR" sz="900" b="0" baseline="0" dirty="0" smtClean="0">
-                          <a:solidFill>
-                            <a:schemeClr val="tx1"/>
-                          </a:solidFill>
-                          <a:latin typeface="+mn-ea"/>
-                          <a:ea typeface="+mn-ea"/>
-                        </a:rPr>
-                        <a:t/>
-                      </a:r>
                       <a:br>
-                        <a:rPr lang="en-US" altLang="ko-KR" sz="900" b="0" baseline="0" dirty="0" smtClean="0">
+                        <a:rPr lang="en-US" altLang="ko-KR" sz="900" b="0" baseline="0" dirty="0">
                           <a:solidFill>
                             <a:schemeClr val="tx1"/>
                           </a:solidFill>
@@ -15161,7 +14925,7 @@
                         </a:rPr>
                       </a:br>
                       <a:r>
-                        <a:rPr lang="en-US" altLang="ko-KR" sz="900" b="0" baseline="0" dirty="0" smtClean="0">
+                        <a:rPr lang="en-US" altLang="ko-KR" sz="900" b="0" baseline="0" dirty="0">
                           <a:solidFill>
                             <a:schemeClr val="tx1"/>
                           </a:solidFill>
@@ -15189,7 +14953,7 @@
                         <a:tabLst/>
                         <a:defRPr/>
                       </a:pPr>
-                      <a:endParaRPr lang="en-US" altLang="ko-KR" sz="900" b="0" dirty="0" smtClean="0">
+                      <a:endParaRPr lang="en-US" altLang="ko-KR" sz="900" b="0" dirty="0">
                         <a:solidFill>
                           <a:schemeClr val="tx1"/>
                         </a:solidFill>
@@ -15205,7 +14969,7 @@
                         <a:buFont typeface="+mj-ea"/>
                         <a:buNone/>
                       </a:pPr>
-                      <a:endParaRPr lang="en-US" altLang="ko-KR" sz="900" b="1" dirty="0" smtClean="0">
+                      <a:endParaRPr lang="en-US" altLang="ko-KR" sz="900" b="1" dirty="0">
                         <a:solidFill>
                           <a:schemeClr val="tx1"/>
                         </a:solidFill>
@@ -15221,7 +14985,7 @@
                         <a:buFont typeface="+mj-ea"/>
                         <a:buNone/>
                       </a:pPr>
-                      <a:endParaRPr lang="en-US" altLang="ko-KR" sz="900" b="1" dirty="0" smtClean="0">
+                      <a:endParaRPr lang="en-US" altLang="ko-KR" sz="900" b="1" dirty="0">
                         <a:solidFill>
                           <a:schemeClr val="tx1"/>
                         </a:solidFill>
@@ -15326,7 +15090,7 @@
           <a:lstStyle/>
           <a:p>
             <a:r>
-              <a:rPr lang="en-US" altLang="ko-KR" dirty="0" smtClean="0">
+              <a:rPr lang="en-US" altLang="ko-KR" dirty="0">
                 <a:latin typeface="나눔바른고딕" panose="020B0603020101020101" pitchFamily="50" charset="-127"/>
                 <a:ea typeface="나눔바른고딕" panose="020B0603020101020101" pitchFamily="50" charset="-127"/>
               </a:rPr>
@@ -15682,13 +15446,6 @@
   <p:clrMapOvr>
     <a:masterClrMapping/>
   </p:clrMapOvr>
-  <p:timing>
-    <p:tnLst>
-      <p:par>
-        <p:cTn id="1" dur="indefinite" restart="never" nodeType="tmRoot"/>
-      </p:par>
-    </p:tnLst>
-  </p:timing>
 </p:sld>
 </file>
 
@@ -15844,28 +15601,28 @@
                     <a:p>
                       <a:pPr latinLnBrk="1"/>
                       <a:r>
-                        <a:rPr lang="en-US" altLang="ko-KR" sz="900" b="0" dirty="0" smtClean="0">
+                        <a:rPr lang="en-US" altLang="ko-KR" sz="900" b="0" dirty="0">
                           <a:latin typeface="맑은 고딕" pitchFamily="50" charset="-127"/>
                           <a:ea typeface="맑은 고딕" pitchFamily="50" charset="-127"/>
                         </a:rPr>
                         <a:t>Path – project/</a:t>
                       </a:r>
                       <a:r>
-                        <a:rPr lang="en-US" altLang="ko-KR" sz="900" b="0" dirty="0" err="1" smtClean="0">
+                        <a:rPr lang="en-US" altLang="ko-KR" sz="900" b="0" dirty="0" err="1">
                           <a:latin typeface="맑은 고딕" pitchFamily="50" charset="-127"/>
                           <a:ea typeface="맑은 고딕" pitchFamily="50" charset="-127"/>
                         </a:rPr>
                         <a:t>push_man</a:t>
                       </a:r>
                       <a:r>
-                        <a:rPr lang="en-US" altLang="ko-KR" sz="900" b="0" dirty="0" smtClean="0">
+                        <a:rPr lang="en-US" altLang="ko-KR" sz="900" b="0" dirty="0">
                           <a:latin typeface="맑은 고딕" pitchFamily="50" charset="-127"/>
                           <a:ea typeface="맑은 고딕" pitchFamily="50" charset="-127"/>
                         </a:rPr>
                         <a:t>/</a:t>
                       </a:r>
                       <a:r>
-                        <a:rPr lang="en-US" altLang="ko-KR" sz="900" b="0" dirty="0" err="1" smtClean="0">
+                        <a:rPr lang="en-US" altLang="ko-KR" sz="900" b="0" dirty="0" err="1">
                           <a:latin typeface="맑은 고딕" pitchFamily="50" charset="-127"/>
                           <a:ea typeface="맑은 고딕" pitchFamily="50" charset="-127"/>
                         </a:rPr>
@@ -16003,7 +15760,7 @@
                     <a:p>
                       <a:pPr latinLnBrk="1"/>
                       <a:r>
-                        <a:rPr lang="en-US" altLang="ko-KR" sz="900" b="0" dirty="0" smtClean="0">
+                        <a:rPr lang="en-US" altLang="ko-KR" sz="900" b="0" dirty="0">
                           <a:latin typeface="맑은 고딕" pitchFamily="50" charset="-127"/>
                           <a:ea typeface="+mn-ea"/>
                         </a:rPr>
@@ -16297,7 +16054,7 @@
                         <a:tabLst/>
                         <a:defRPr/>
                       </a:pPr>
-                      <a:endParaRPr lang="en-US" altLang="ko-KR" sz="900" b="0" baseline="0" dirty="0" smtClean="0">
+                      <a:endParaRPr lang="en-US" altLang="ko-KR" sz="900" b="0" baseline="0" dirty="0">
                         <a:solidFill>
                           <a:schemeClr val="tx1"/>
                         </a:solidFill>
@@ -16324,7 +16081,7 @@
                         <a:defRPr/>
                       </a:pPr>
                       <a:r>
-                        <a:rPr lang="ko-KR" altLang="en-US" sz="900" b="0" baseline="0" dirty="0" smtClean="0">
+                        <a:rPr lang="ko-KR" altLang="en-US" sz="900" b="0" baseline="0" dirty="0">
                           <a:solidFill>
                             <a:schemeClr val="tx1"/>
                           </a:solidFill>
@@ -16333,7 +16090,7 @@
                         </a:rPr>
                         <a:t>내 정보 확인 요청</a:t>
                       </a:r>
-                      <a:endParaRPr lang="en-US" altLang="ko-KR" sz="900" b="0" baseline="0" dirty="0" smtClean="0">
+                      <a:endParaRPr lang="en-US" altLang="ko-KR" sz="900" b="0" baseline="0" dirty="0">
                         <a:solidFill>
                           <a:schemeClr val="tx1"/>
                         </a:solidFill>
@@ -16359,7 +16116,7 @@
                         <a:tabLst/>
                         <a:defRPr/>
                       </a:pPr>
-                      <a:endParaRPr lang="en-US" altLang="ko-KR" sz="900" b="0" baseline="0" dirty="0" smtClean="0">
+                      <a:endParaRPr lang="en-US" altLang="ko-KR" sz="900" b="0" baseline="0" dirty="0">
                         <a:solidFill>
                           <a:schemeClr val="tx1"/>
                         </a:solidFill>
@@ -16386,7 +16143,7 @@
                         <a:defRPr/>
                       </a:pPr>
                       <a:r>
-                        <a:rPr lang="ko-KR" altLang="en-US" sz="900" b="0" baseline="0" dirty="0" smtClean="0">
+                        <a:rPr lang="ko-KR" altLang="en-US" sz="900" b="0" baseline="0" dirty="0">
                           <a:solidFill>
                             <a:schemeClr val="tx1"/>
                           </a:solidFill>
@@ -16396,7 +16153,7 @@
                         <a:t>회원 정보 및 스테이지 별 </a:t>
                       </a:r>
                       <a:r>
-                        <a:rPr lang="ko-KR" altLang="en-US" sz="900" b="0" baseline="0" dirty="0" err="1" smtClean="0">
+                        <a:rPr lang="ko-KR" altLang="en-US" sz="900" b="0" baseline="0" dirty="0" err="1">
                           <a:solidFill>
                             <a:schemeClr val="tx1"/>
                           </a:solidFill>
@@ -16406,7 +16163,7 @@
                         <a:t>클리어</a:t>
                       </a:r>
                       <a:r>
-                        <a:rPr lang="ko-KR" altLang="en-US" sz="900" b="0" baseline="0" dirty="0" smtClean="0">
+                        <a:rPr lang="ko-KR" altLang="en-US" sz="900" b="0" baseline="0" dirty="0">
                           <a:solidFill>
                             <a:schemeClr val="tx1"/>
                           </a:solidFill>
@@ -16415,7 +16172,7 @@
                         </a:rPr>
                         <a:t> 정보 출력</a:t>
                       </a:r>
-                      <a:endParaRPr lang="en-US" altLang="ko-KR" sz="900" b="0" baseline="0" dirty="0" smtClean="0">
+                      <a:endParaRPr lang="en-US" altLang="ko-KR" sz="900" b="0" baseline="0" dirty="0">
                         <a:solidFill>
                           <a:schemeClr val="tx1"/>
                         </a:solidFill>
@@ -16441,7 +16198,7 @@
                         <a:tabLst/>
                         <a:defRPr/>
                       </a:pPr>
-                      <a:endParaRPr lang="en-US" altLang="ko-KR" sz="900" b="0" baseline="0" dirty="0" smtClean="0">
+                      <a:endParaRPr lang="en-US" altLang="ko-KR" sz="900" b="0" baseline="0" dirty="0">
                         <a:solidFill>
                           <a:schemeClr val="tx1"/>
                         </a:solidFill>
@@ -16468,7 +16225,7 @@
                         <a:defRPr/>
                       </a:pPr>
                       <a:r>
-                        <a:rPr lang="ko-KR" altLang="en-US" sz="900" b="0" baseline="0" dirty="0" smtClean="0">
+                        <a:rPr lang="ko-KR" altLang="en-US" sz="900" b="0" baseline="0" dirty="0">
                           <a:solidFill>
                             <a:schemeClr val="tx1"/>
                           </a:solidFill>
@@ -16478,7 +16235,7 @@
                         <a:t>회원 탈퇴 요청 처리 </a:t>
                       </a:r>
                       <a:r>
-                        <a:rPr lang="en-US" altLang="ko-KR" sz="900" b="0" baseline="0" dirty="0" smtClean="0">
+                        <a:rPr lang="en-US" altLang="ko-KR" sz="900" b="0" baseline="0" dirty="0">
                           <a:solidFill>
                             <a:schemeClr val="tx1"/>
                           </a:solidFill>
@@ -16488,7 +16245,7 @@
                         <a:t>– backup </a:t>
                       </a:r>
                       <a:r>
-                        <a:rPr lang="ko-KR" altLang="en-US" sz="900" b="0" baseline="0" dirty="0" smtClean="0">
+                        <a:rPr lang="ko-KR" altLang="en-US" sz="900" b="0" baseline="0" dirty="0">
                           <a:solidFill>
                             <a:schemeClr val="tx1"/>
                           </a:solidFill>
@@ -16497,7 +16254,7 @@
                         </a:rPr>
                         <a:t>테이블로 회원 정보 이관</a:t>
                       </a:r>
-                      <a:endParaRPr lang="en-US" altLang="ko-KR" sz="900" b="0" baseline="0" dirty="0" smtClean="0">
+                      <a:endParaRPr lang="en-US" altLang="ko-KR" sz="900" b="0" baseline="0" dirty="0">
                         <a:solidFill>
                           <a:schemeClr val="tx1"/>
                         </a:solidFill>
@@ -16660,7 +16417,7 @@
           <a:lstStyle/>
           <a:p>
             <a:r>
-              <a:rPr lang="en-US" altLang="ko-KR" dirty="0" smtClean="0">
+              <a:rPr lang="en-US" altLang="ko-KR" dirty="0">
                 <a:latin typeface="나눔바른고딕" panose="020B0603020101020101" pitchFamily="50" charset="-127"/>
                 <a:ea typeface="나눔바른고딕" panose="020B0603020101020101" pitchFamily="50" charset="-127"/>
               </a:rPr>
@@ -17774,7 +17531,7 @@
             <a:p>
               <a:pPr algn="ctr"/>
               <a:r>
-                <a:rPr lang="en-US" altLang="ko-KR" sz="800" dirty="0" smtClean="0">
+                <a:rPr lang="en-US" altLang="ko-KR" sz="800" dirty="0">
                   <a:solidFill>
                     <a:schemeClr val="bg1"/>
                   </a:solidFill>
@@ -17802,13 +17559,6 @@
   <p:clrMapOvr>
     <a:masterClrMapping/>
   </p:clrMapOvr>
-  <p:timing>
-    <p:tnLst>
-      <p:par>
-        <p:cTn id="1" dur="indefinite" restart="never" nodeType="tmRoot"/>
-      </p:par>
-    </p:tnLst>
-  </p:timing>
 </p:sld>
 </file>
 
@@ -17964,28 +17714,28 @@
                     <a:p>
                       <a:pPr latinLnBrk="1"/>
                       <a:r>
-                        <a:rPr lang="en-US" altLang="ko-KR" sz="900" b="0" dirty="0" smtClean="0">
+                        <a:rPr lang="en-US" altLang="ko-KR" sz="900" b="0" dirty="0">
                           <a:latin typeface="맑은 고딕" pitchFamily="50" charset="-127"/>
                           <a:ea typeface="맑은 고딕" pitchFamily="50" charset="-127"/>
                         </a:rPr>
                         <a:t>Path – project/</a:t>
                       </a:r>
                       <a:r>
-                        <a:rPr lang="en-US" altLang="ko-KR" sz="900" b="0" dirty="0" err="1" smtClean="0">
+                        <a:rPr lang="en-US" altLang="ko-KR" sz="900" b="0" dirty="0" err="1">
                           <a:latin typeface="맑은 고딕" pitchFamily="50" charset="-127"/>
                           <a:ea typeface="맑은 고딕" pitchFamily="50" charset="-127"/>
                         </a:rPr>
                         <a:t>push_man</a:t>
                       </a:r>
                       <a:r>
-                        <a:rPr lang="en-US" altLang="ko-KR" sz="900" b="0" dirty="0" smtClean="0">
+                        <a:rPr lang="en-US" altLang="ko-KR" sz="900" b="0" dirty="0">
                           <a:latin typeface="맑은 고딕" pitchFamily="50" charset="-127"/>
                           <a:ea typeface="맑은 고딕" pitchFamily="50" charset="-127"/>
                         </a:rPr>
                         <a:t>/</a:t>
                       </a:r>
                       <a:r>
-                        <a:rPr lang="en-US" altLang="ko-KR" sz="900" b="0" dirty="0" err="1" smtClean="0">
+                        <a:rPr lang="en-US" altLang="ko-KR" sz="900" b="0" dirty="0" err="1">
                           <a:latin typeface="맑은 고딕" pitchFamily="50" charset="-127"/>
                           <a:ea typeface="맑은 고딕" pitchFamily="50" charset="-127"/>
                         </a:rPr>
@@ -18123,7 +17873,7 @@
                     <a:p>
                       <a:pPr latinLnBrk="1"/>
                       <a:r>
-                        <a:rPr lang="en-US" altLang="ko-KR" sz="900" b="0" dirty="0" smtClean="0">
+                        <a:rPr lang="en-US" altLang="ko-KR" sz="900" b="0" dirty="0">
                           <a:latin typeface="맑은 고딕" pitchFamily="50" charset="-127"/>
                           <a:ea typeface="+mn-ea"/>
                         </a:rPr>
@@ -18417,7 +18167,7 @@
                         <a:tabLst/>
                         <a:defRPr/>
                       </a:pPr>
-                      <a:endParaRPr lang="en-US" altLang="ko-KR" sz="900" b="0" baseline="0" dirty="0" smtClean="0">
+                      <a:endParaRPr lang="en-US" altLang="ko-KR" sz="900" b="0" baseline="0" dirty="0">
                         <a:solidFill>
                           <a:schemeClr val="tx1"/>
                         </a:solidFill>
@@ -18444,7 +18194,7 @@
                         <a:defRPr/>
                       </a:pPr>
                       <a:r>
-                        <a:rPr lang="ko-KR" altLang="en-US" sz="900" b="0" baseline="0" dirty="0" smtClean="0">
+                        <a:rPr lang="ko-KR" altLang="en-US" sz="900" b="0" baseline="0" dirty="0">
                           <a:solidFill>
                             <a:schemeClr val="tx1"/>
                           </a:solidFill>
@@ -18453,7 +18203,7 @@
                         </a:rPr>
                         <a:t>상대방 회원 정보 확인</a:t>
                       </a:r>
-                      <a:endParaRPr lang="en-US" altLang="ko-KR" sz="900" b="0" baseline="0" dirty="0" smtClean="0">
+                      <a:endParaRPr lang="en-US" altLang="ko-KR" sz="900" b="0" baseline="0" dirty="0">
                         <a:solidFill>
                           <a:schemeClr val="tx1"/>
                         </a:solidFill>
@@ -18479,7 +18229,7 @@
                         <a:tabLst/>
                         <a:defRPr/>
                       </a:pPr>
-                      <a:endParaRPr lang="en-US" altLang="ko-KR" sz="900" b="0" baseline="0" dirty="0" smtClean="0">
+                      <a:endParaRPr lang="en-US" altLang="ko-KR" sz="900" b="0" baseline="0" dirty="0">
                         <a:solidFill>
                           <a:schemeClr val="tx1"/>
                         </a:solidFill>
@@ -18506,7 +18256,7 @@
                         <a:defRPr/>
                       </a:pPr>
                       <a:r>
-                        <a:rPr lang="ko-KR" altLang="en-US" sz="900" b="0" baseline="0" dirty="0" smtClean="0">
+                        <a:rPr lang="ko-KR" altLang="en-US" sz="900" b="0" baseline="0" dirty="0">
                           <a:solidFill>
                             <a:schemeClr val="tx1"/>
                           </a:solidFill>
@@ -18652,7 +18402,7 @@
           <a:lstStyle/>
           <a:p>
             <a:r>
-              <a:rPr lang="en-US" altLang="ko-KR" dirty="0" smtClean="0">
+              <a:rPr lang="en-US" altLang="ko-KR" dirty="0">
                 <a:latin typeface="나눔바른고딕" panose="020B0603020101020101" pitchFamily="50" charset="-127"/>
                 <a:ea typeface="나눔바른고딕" panose="020B0603020101020101" pitchFamily="50" charset="-127"/>
               </a:rPr>
@@ -19484,13 +19234,6 @@
   <p:clrMapOvr>
     <a:masterClrMapping/>
   </p:clrMapOvr>
-  <p:timing>
-    <p:tnLst>
-      <p:par>
-        <p:cTn id="1" dur="indefinite" restart="never" nodeType="tmRoot"/>
-      </p:par>
-    </p:tnLst>
-  </p:timing>
 </p:sld>
 </file>
 
@@ -19646,28 +19389,28 @@
                     <a:p>
                       <a:pPr latinLnBrk="1"/>
                       <a:r>
-                        <a:rPr lang="en-US" altLang="ko-KR" sz="900" b="0" dirty="0" smtClean="0">
+                        <a:rPr lang="en-US" altLang="ko-KR" sz="900" b="0" dirty="0">
                           <a:latin typeface="맑은 고딕" pitchFamily="50" charset="-127"/>
                           <a:ea typeface="맑은 고딕" pitchFamily="50" charset="-127"/>
                         </a:rPr>
                         <a:t>Path – project/</a:t>
                       </a:r>
                       <a:r>
-                        <a:rPr lang="en-US" altLang="ko-KR" sz="900" b="0" dirty="0" err="1" smtClean="0">
+                        <a:rPr lang="en-US" altLang="ko-KR" sz="900" b="0" dirty="0" err="1">
                           <a:latin typeface="맑은 고딕" pitchFamily="50" charset="-127"/>
                           <a:ea typeface="맑은 고딕" pitchFamily="50" charset="-127"/>
                         </a:rPr>
                         <a:t>push_man</a:t>
                       </a:r>
                       <a:r>
-                        <a:rPr lang="en-US" altLang="ko-KR" sz="900" b="0" dirty="0" smtClean="0">
+                        <a:rPr lang="en-US" altLang="ko-KR" sz="900" b="0" dirty="0">
                           <a:latin typeface="맑은 고딕" pitchFamily="50" charset="-127"/>
                           <a:ea typeface="맑은 고딕" pitchFamily="50" charset="-127"/>
                         </a:rPr>
                         <a:t>/</a:t>
                       </a:r>
                       <a:r>
-                        <a:rPr lang="en-US" altLang="ko-KR" sz="900" b="0" dirty="0" err="1" smtClean="0">
+                        <a:rPr lang="en-US" altLang="ko-KR" sz="900" b="0" dirty="0" err="1">
                           <a:latin typeface="맑은 고딕" pitchFamily="50" charset="-127"/>
                           <a:ea typeface="맑은 고딕" pitchFamily="50" charset="-127"/>
                         </a:rPr>
@@ -19805,7 +19548,7 @@
                     <a:p>
                       <a:pPr latinLnBrk="1"/>
                       <a:r>
-                        <a:rPr lang="en-US" altLang="ko-KR" sz="900" b="0" dirty="0" smtClean="0">
+                        <a:rPr lang="en-US" altLang="ko-KR" sz="900" b="0" dirty="0">
                           <a:latin typeface="맑은 고딕" pitchFamily="50" charset="-127"/>
                           <a:ea typeface="+mn-ea"/>
                         </a:rPr>
@@ -20099,7 +19842,7 @@
                         <a:tabLst/>
                         <a:defRPr/>
                       </a:pPr>
-                      <a:endParaRPr lang="en-US" altLang="ko-KR" sz="900" b="0" baseline="0" dirty="0" smtClean="0">
+                      <a:endParaRPr lang="en-US" altLang="ko-KR" sz="900" b="0" baseline="0" dirty="0">
                         <a:solidFill>
                           <a:schemeClr val="tx1"/>
                         </a:solidFill>
@@ -20126,7 +19869,7 @@
                         <a:defRPr/>
                       </a:pPr>
                       <a:r>
-                        <a:rPr lang="en-US" altLang="ko-KR" sz="900" b="0" baseline="0" dirty="0" smtClean="0">
+                        <a:rPr lang="en-US" altLang="ko-KR" sz="900" b="0" baseline="0" dirty="0">
                           <a:solidFill>
                             <a:schemeClr val="tx1"/>
                           </a:solidFill>
@@ -20136,7 +19879,7 @@
                         <a:t>1:1 </a:t>
                       </a:r>
                       <a:r>
-                        <a:rPr lang="ko-KR" altLang="en-US" sz="900" b="0" baseline="0" dirty="0" smtClean="0">
+                        <a:rPr lang="ko-KR" altLang="en-US" sz="900" b="0" baseline="0" dirty="0">
                           <a:solidFill>
                             <a:schemeClr val="tx1"/>
                           </a:solidFill>
@@ -20145,7 +19888,7 @@
                         </a:rPr>
                         <a:t>채팅 요청</a:t>
                       </a:r>
-                      <a:endParaRPr lang="en-US" altLang="ko-KR" sz="900" b="0" baseline="0" dirty="0" smtClean="0">
+                      <a:endParaRPr lang="en-US" altLang="ko-KR" sz="900" b="0" baseline="0" dirty="0">
                         <a:solidFill>
                           <a:schemeClr val="tx1"/>
                         </a:solidFill>
@@ -20171,7 +19914,7 @@
                         <a:tabLst/>
                         <a:defRPr/>
                       </a:pPr>
-                      <a:endParaRPr lang="en-US" altLang="ko-KR" sz="900" b="0" baseline="0" dirty="0" smtClean="0">
+                      <a:endParaRPr lang="en-US" altLang="ko-KR" sz="900" b="0" baseline="0" dirty="0">
                         <a:solidFill>
                           <a:schemeClr val="tx1"/>
                         </a:solidFill>
@@ -20198,7 +19941,7 @@
                         <a:defRPr/>
                       </a:pPr>
                       <a:r>
-                        <a:rPr lang="en-US" altLang="ko-KR" sz="900" b="0" baseline="0" dirty="0" smtClean="0">
+                        <a:rPr lang="en-US" altLang="ko-KR" sz="900" b="0" baseline="0" dirty="0">
                           <a:solidFill>
                             <a:schemeClr val="tx1"/>
                           </a:solidFill>
@@ -20208,7 +19951,7 @@
                         <a:t>1:1</a:t>
                       </a:r>
                       <a:r>
-                        <a:rPr lang="ko-KR" altLang="en-US" sz="900" b="0" baseline="0" dirty="0" smtClean="0">
+                        <a:rPr lang="ko-KR" altLang="en-US" sz="900" b="0" baseline="0" dirty="0">
                           <a:solidFill>
                             <a:schemeClr val="tx1"/>
                           </a:solidFill>
@@ -20218,7 +19961,7 @@
                         <a:t>채팅 창을 이용해 회원간 </a:t>
                       </a:r>
                       <a:r>
-                        <a:rPr lang="en-US" altLang="ko-KR" sz="900" b="0" baseline="0" dirty="0" smtClean="0">
+                        <a:rPr lang="en-US" altLang="ko-KR" sz="900" b="0" baseline="0" dirty="0">
                           <a:solidFill>
                             <a:schemeClr val="tx1"/>
                           </a:solidFill>
@@ -20228,7 +19971,7 @@
                         <a:t>1:1 </a:t>
                       </a:r>
                       <a:r>
-                        <a:rPr lang="ko-KR" altLang="en-US" sz="900" b="0" baseline="0" dirty="0" smtClean="0">
+                        <a:rPr lang="ko-KR" altLang="en-US" sz="900" b="0" baseline="0" dirty="0">
                           <a:solidFill>
                             <a:schemeClr val="tx1"/>
                           </a:solidFill>
@@ -20374,7 +20117,7 @@
           <a:lstStyle/>
           <a:p>
             <a:r>
-              <a:rPr lang="en-US" altLang="ko-KR" dirty="0" smtClean="0">
+              <a:rPr lang="en-US" altLang="ko-KR" dirty="0">
                 <a:latin typeface="나눔바른고딕" panose="020B0603020101020101" pitchFamily="50" charset="-127"/>
                 <a:ea typeface="나눔바른고딕" panose="020B0603020101020101" pitchFamily="50" charset="-127"/>
               </a:rPr>
@@ -21230,13 +20973,6 @@
   <p:clrMapOvr>
     <a:masterClrMapping/>
   </p:clrMapOvr>
-  <p:timing>
-    <p:tnLst>
-      <p:par>
-        <p:cTn id="1" dur="indefinite" restart="never" nodeType="tmRoot"/>
-      </p:par>
-    </p:tnLst>
-  </p:timing>
 </p:sld>
 </file>
 
@@ -21509,13 +21245,6 @@
   <p:clrMapOvr>
     <a:masterClrMapping/>
   </p:clrMapOvr>
-  <p:timing>
-    <p:tnLst>
-      <p:par>
-        <p:cTn id="1" dur="indefinite" restart="never" nodeType="tmRoot"/>
-      </p:par>
-    </p:tnLst>
-  </p:timing>
 </p:sld>
 </file>
 
@@ -21584,7 +21313,7 @@
           <p:nvPr>
             <p:extLst>
               <p:ext uri="{D42A27DB-BD31-4B8C-83A1-F6EECF244321}">
-                <p14:modId xmlns:p14="http://schemas.microsoft.com/office/powerpoint/2010/main" val="2573234205"/>
+                <p14:modId xmlns:p14="http://schemas.microsoft.com/office/powerpoint/2010/main" val="805273110"/>
               </p:ext>
             </p:extLst>
           </p:nvPr>
@@ -22384,7 +22113,7 @@
                         <a:tabLst/>
                       </a:pPr>
                       <a:r>
-                        <a:rPr kumimoji="1" lang="en-US" altLang="ko-KR" sz="800" b="0" i="0" u="none" strike="noStrike" cap="none" normalizeH="0" baseline="0" dirty="0" smtClean="0">
+                        <a:rPr kumimoji="1" lang="en-US" altLang="ko-KR" sz="800" b="0" i="0" u="none" strike="noStrike" cap="none" normalizeH="0" baseline="0" dirty="0">
                           <a:ln>
                             <a:noFill/>
                           </a:ln>
@@ -22397,17 +22126,6 @@
                         </a:rPr>
                         <a:t>2024.01.02</a:t>
                       </a:r>
-                      <a:endParaRPr kumimoji="1" lang="en-US" altLang="ko-KR" sz="800" b="0" i="0" u="none" strike="noStrike" cap="none" normalizeH="0" baseline="0" dirty="0">
-                        <a:ln>
-                          <a:noFill/>
-                        </a:ln>
-                        <a:solidFill>
-                          <a:schemeClr val="tx1"/>
-                        </a:solidFill>
-                        <a:effectLst/>
-                        <a:latin typeface="+mn-ea"/>
-                        <a:ea typeface="+mn-ea"/>
-                      </a:endParaRPr>
                     </a:p>
                   </a:txBody>
                   <a:tcPr marT="45742" marB="45742" anchor="ctr" horzOverflow="overflow">
@@ -22486,7 +22204,7 @@
                         <a:tabLst/>
                       </a:pPr>
                       <a:r>
-                        <a:rPr kumimoji="1" lang="en-US" altLang="ko-KR" sz="900" b="0" i="0" u="none" strike="noStrike" cap="none" normalizeH="0" baseline="0" dirty="0" smtClean="0">
+                        <a:rPr kumimoji="1" lang="en-US" altLang="ko-KR" sz="900" b="0" i="0" u="none" strike="noStrike" cap="none" normalizeH="0" baseline="0" dirty="0">
                           <a:ln>
                             <a:noFill/>
                           </a:ln>
@@ -22499,17 +22217,6 @@
                         </a:rPr>
                         <a:t>V1.0</a:t>
                       </a:r>
-                      <a:endParaRPr kumimoji="1" lang="en-US" altLang="ko-KR" sz="900" b="0" i="0" u="none" strike="noStrike" cap="none" normalizeH="0" baseline="0" dirty="0">
-                        <a:ln>
-                          <a:noFill/>
-                        </a:ln>
-                        <a:solidFill>
-                          <a:schemeClr val="tx1"/>
-                        </a:solidFill>
-                        <a:effectLst/>
-                        <a:latin typeface="+mn-ea"/>
-                        <a:ea typeface="+mn-ea"/>
-                      </a:endParaRPr>
                     </a:p>
                   </a:txBody>
                   <a:tcPr marT="45742" marB="45742" anchor="ctr" horzOverflow="overflow">
@@ -22588,7 +22295,7 @@
                         <a:tabLst/>
                       </a:pPr>
                       <a:r>
-                        <a:rPr kumimoji="0" lang="ko-KR" altLang="en-US" sz="900" b="0" i="0" u="none" strike="noStrike" cap="none" normalizeH="0" baseline="0" dirty="0" smtClean="0">
+                        <a:rPr kumimoji="0" lang="ko-KR" altLang="en-US" sz="900" b="0" i="0" u="none" strike="noStrike" cap="none" normalizeH="0" baseline="0" dirty="0" err="1">
                           <a:ln>
                             <a:noFill/>
                           </a:ln>
@@ -22599,7 +22306,7 @@
                           <a:latin typeface="+mn-ea"/>
                           <a:ea typeface="+mn-ea"/>
                         </a:rPr>
-                        <a:t>최기근</a:t>
+                        <a:t>김규민</a:t>
                       </a:r>
                       <a:endParaRPr kumimoji="0" lang="ko-KR" altLang="ko-KR" sz="900" b="0" i="0" u="none" strike="noStrike" cap="none" normalizeH="0" baseline="0" dirty="0">
                         <a:ln>
@@ -22792,7 +22499,7 @@
                         <a:tabLst/>
                       </a:pPr>
                       <a:r>
-                        <a:rPr kumimoji="1" lang="en-US" altLang="ko-KR" sz="900" b="0" i="0" u="none" strike="noStrike" cap="none" normalizeH="0" baseline="0" dirty="0" smtClean="0">
+                        <a:rPr kumimoji="1" lang="en-US" altLang="ko-KR" sz="900" b="0" i="0" u="none" strike="noStrike" cap="none" normalizeH="0" baseline="0" dirty="0">
                           <a:ln>
                             <a:noFill/>
                           </a:ln>
@@ -22894,7 +22601,7 @@
                         <a:tabLst/>
                       </a:pPr>
                       <a:r>
-                        <a:rPr kumimoji="0" lang="ko-KR" altLang="en-US" sz="900" b="0" i="0" u="none" strike="noStrike" cap="none" normalizeH="0" baseline="0" dirty="0" smtClean="0">
+                        <a:rPr kumimoji="0" lang="ko-KR" altLang="en-US" sz="900" b="0" i="0" u="none" strike="noStrike" cap="none" normalizeH="0" baseline="0" dirty="0">
                           <a:ln>
                             <a:noFill/>
                           </a:ln>
@@ -22907,17 +22614,6 @@
                         </a:rPr>
                         <a:t>전체 프로세스</a:t>
                       </a:r>
-                      <a:endParaRPr kumimoji="0" lang="ko-KR" altLang="en-US" sz="900" b="0" i="0" u="none" strike="noStrike" cap="none" normalizeH="0" baseline="0" dirty="0">
-                        <a:ln>
-                          <a:noFill/>
-                        </a:ln>
-                        <a:solidFill>
-                          <a:schemeClr val="tx1"/>
-                        </a:solidFill>
-                        <a:effectLst/>
-                        <a:latin typeface="+mn-ea"/>
-                        <a:ea typeface="+mn-ea"/>
-                      </a:endParaRPr>
                     </a:p>
                   </a:txBody>
                   <a:tcPr marT="45742" marB="45742" anchor="ctr" horzOverflow="overflow">
@@ -23091,7 +22787,7 @@
                         <a:tabLst/>
                       </a:pPr>
                       <a:r>
-                        <a:rPr kumimoji="1" lang="en-US" altLang="ko-KR" sz="900" b="0" i="0" u="none" strike="noStrike" cap="none" normalizeH="0" baseline="0" dirty="0" smtClean="0">
+                        <a:rPr kumimoji="1" lang="en-US" altLang="ko-KR" sz="900" b="0" i="0" u="none" strike="noStrike" cap="none" normalizeH="0" baseline="0" dirty="0">
                           <a:ln>
                             <a:noFill/>
                           </a:ln>
@@ -23104,7 +22800,84 @@
                         </a:rPr>
                         <a:t>V1.1</a:t>
                       </a:r>
-                      <a:endParaRPr kumimoji="1" lang="en-US" altLang="ko-KR" sz="900" b="0" i="0" u="none" strike="noStrike" cap="none" normalizeH="0" baseline="0" dirty="0">
+                    </a:p>
+                  </a:txBody>
+                  <a:tcPr marT="45742" marB="45742" anchor="ctr" horzOverflow="overflow">
+                    <a:lnL w="3175" cap="flat" cmpd="sng" algn="ctr">
+                      <a:solidFill>
+                        <a:schemeClr val="bg1">
+                          <a:lumMod val="65000"/>
+                        </a:schemeClr>
+                      </a:solidFill>
+                      <a:prstDash val="solid"/>
+                      <a:round/>
+                      <a:headEnd type="none" w="med" len="med"/>
+                      <a:tailEnd type="none" w="med" len="med"/>
+                    </a:lnL>
+                    <a:lnR w="3175" cap="flat" cmpd="sng" algn="ctr">
+                      <a:solidFill>
+                        <a:schemeClr val="bg1">
+                          <a:lumMod val="65000"/>
+                        </a:schemeClr>
+                      </a:solidFill>
+                      <a:prstDash val="solid"/>
+                      <a:round/>
+                      <a:headEnd type="none" w="med" len="med"/>
+                      <a:tailEnd type="none" w="med" len="med"/>
+                    </a:lnR>
+                    <a:lnT w="3175" cap="flat" cmpd="sng" algn="ctr">
+                      <a:solidFill>
+                        <a:schemeClr val="bg1">
+                          <a:lumMod val="65000"/>
+                        </a:schemeClr>
+                      </a:solidFill>
+                      <a:prstDash val="solid"/>
+                      <a:round/>
+                      <a:headEnd type="none" w="med" len="med"/>
+                      <a:tailEnd type="none" w="med" len="med"/>
+                    </a:lnT>
+                    <a:lnB w="3175" cap="flat" cmpd="sng" algn="ctr">
+                      <a:solidFill>
+                        <a:schemeClr val="bg1">
+                          <a:lumMod val="65000"/>
+                        </a:schemeClr>
+                      </a:solidFill>
+                      <a:prstDash val="solid"/>
+                      <a:round/>
+                      <a:headEnd type="none" w="med" len="med"/>
+                      <a:tailEnd type="none" w="med" len="med"/>
+                    </a:lnB>
+                    <a:lnTlToBr>
+                      <a:noFill/>
+                    </a:lnTlToBr>
+                    <a:lnBlToTr>
+                      <a:noFill/>
+                    </a:lnBlToTr>
+                    <a:noFill/>
+                  </a:tcPr>
+                </a:tc>
+                <a:tc>
+                  <a:txBody>
+                    <a:bodyPr/>
+                    <a:lstStyle/>
+                    <a:p>
+                      <a:pPr marL="0" marR="0" lvl="0" indent="0" algn="ctr" defTabSz="914400" rtl="0" eaLnBrk="1" fontAlgn="base" latinLnBrk="1" hangingPunct="1">
+                        <a:lnSpc>
+                          <a:spcPct val="100000"/>
+                        </a:lnSpc>
+                        <a:spcBef>
+                          <a:spcPct val="20000"/>
+                        </a:spcBef>
+                        <a:spcAft>
+                          <a:spcPct val="0"/>
+                        </a:spcAft>
+                        <a:buClrTx/>
+                        <a:buSzTx/>
+                        <a:buFontTx/>
+                        <a:buNone/>
+                        <a:tabLst/>
+                      </a:pPr>
+                      <a:endParaRPr kumimoji="0" lang="ko-KR" altLang="ko-KR" sz="900" b="0" i="0" u="none" strike="noStrike" cap="none" normalizeH="0" baseline="0" dirty="0">
                         <a:ln>
                           <a:noFill/>
                         </a:ln>
@@ -23115,6 +22888,111 @@
                         <a:latin typeface="+mn-ea"/>
                         <a:ea typeface="+mn-ea"/>
                       </a:endParaRPr>
+                    </a:p>
+                  </a:txBody>
+                  <a:tcPr marT="45742" marB="45742" anchor="ctr" horzOverflow="overflow">
+                    <a:lnL w="3175" cap="flat" cmpd="sng" algn="ctr">
+                      <a:solidFill>
+                        <a:schemeClr val="bg1">
+                          <a:lumMod val="65000"/>
+                        </a:schemeClr>
+                      </a:solidFill>
+                      <a:prstDash val="solid"/>
+                      <a:round/>
+                      <a:headEnd type="none" w="med" len="med"/>
+                      <a:tailEnd type="none" w="med" len="med"/>
+                    </a:lnL>
+                    <a:lnR w="3175" cap="flat" cmpd="sng" algn="ctr">
+                      <a:solidFill>
+                        <a:schemeClr val="bg1">
+                          <a:lumMod val="65000"/>
+                        </a:schemeClr>
+                      </a:solidFill>
+                      <a:prstDash val="solid"/>
+                      <a:round/>
+                      <a:headEnd type="none" w="med" len="med"/>
+                      <a:tailEnd type="none" w="med" len="med"/>
+                    </a:lnR>
+                    <a:lnT w="3175" cap="flat" cmpd="sng" algn="ctr">
+                      <a:solidFill>
+                        <a:schemeClr val="bg1">
+                          <a:lumMod val="65000"/>
+                        </a:schemeClr>
+                      </a:solidFill>
+                      <a:prstDash val="solid"/>
+                      <a:round/>
+                      <a:headEnd type="none" w="med" len="med"/>
+                      <a:tailEnd type="none" w="med" len="med"/>
+                    </a:lnT>
+                    <a:lnB w="3175" cap="flat" cmpd="sng" algn="ctr">
+                      <a:solidFill>
+                        <a:schemeClr val="bg1">
+                          <a:lumMod val="65000"/>
+                        </a:schemeClr>
+                      </a:solidFill>
+                      <a:prstDash val="solid"/>
+                      <a:round/>
+                      <a:headEnd type="none" w="med" len="med"/>
+                      <a:tailEnd type="none" w="med" len="med"/>
+                    </a:lnB>
+                    <a:lnTlToBr>
+                      <a:noFill/>
+                    </a:lnTlToBr>
+                    <a:lnBlToTr>
+                      <a:noFill/>
+                    </a:lnBlToTr>
+                    <a:noFill/>
+                  </a:tcPr>
+                </a:tc>
+                <a:tc>
+                  <a:txBody>
+                    <a:bodyPr/>
+                    <a:lstStyle/>
+                    <a:p>
+                      <a:pPr marL="0" marR="0" lvl="0" indent="0" algn="l" defTabSz="914400" rtl="0" eaLnBrk="1" fontAlgn="base" latinLnBrk="1" hangingPunct="1">
+                        <a:lnSpc>
+                          <a:spcPct val="100000"/>
+                        </a:lnSpc>
+                        <a:spcBef>
+                          <a:spcPct val="20000"/>
+                        </a:spcBef>
+                        <a:spcAft>
+                          <a:spcPct val="0"/>
+                        </a:spcAft>
+                        <a:buClrTx/>
+                        <a:buSzTx/>
+                        <a:buFontTx/>
+                        <a:buNone/>
+                        <a:tabLst/>
+                      </a:pPr>
+                      <a:r>
+                        <a:rPr kumimoji="0" lang="en-US" altLang="ko-KR" sz="900" b="0" i="0" u="none" strike="noStrike" cap="none" normalizeH="0" baseline="0" dirty="0">
+                          <a:ln>
+                            <a:noFill/>
+                          </a:ln>
+                          <a:solidFill>
+                            <a:schemeClr val="tx1"/>
+                          </a:solidFill>
+                          <a:effectLst/>
+                          <a:latin typeface="+mn-ea"/>
+                          <a:ea typeface="+mn-ea"/>
+                        </a:rPr>
+                        <a:t>Server </a:t>
+                      </a:r>
+                      <a:r>
+                        <a:rPr kumimoji="0" lang="ko-KR" altLang="en-US" sz="900" b="0" i="0" u="none" strike="noStrike" cap="none" normalizeH="0" baseline="0" dirty="0">
+                          <a:ln>
+                            <a:noFill/>
+                          </a:ln>
+                          <a:solidFill>
+                            <a:schemeClr val="tx1"/>
+                          </a:solidFill>
+                          <a:effectLst/>
+                          <a:latin typeface="+mn-ea"/>
+                          <a:ea typeface="+mn-ea"/>
+                        </a:rPr>
+                        <a:t>구성</a:t>
+                      </a:r>
                     </a:p>
                   </a:txBody>
                   <a:tcPr marT="45742" marB="45742" anchor="ctr" horzOverflow="overflow">
@@ -23193,7 +23071,7 @@
                         <a:tabLst/>
                       </a:pPr>
                       <a:r>
-                        <a:rPr kumimoji="0" lang="ko-KR" altLang="en-US" sz="900" b="0" i="0" u="none" strike="noStrike" cap="none" normalizeH="0" baseline="0" dirty="0" smtClean="0">
+                        <a:rPr kumimoji="1" lang="en-US" altLang="ko-KR" sz="900" b="0" i="0" u="none" strike="noStrike" cap="none" normalizeH="0" baseline="0" dirty="0">
                           <a:ln>
                             <a:noFill/>
                           </a:ln>
@@ -23204,9 +23082,9 @@
                           <a:latin typeface="+mn-ea"/>
                           <a:ea typeface="+mn-ea"/>
                         </a:rPr>
-                        <a:t>최기근</a:t>
+                        <a:t>6</a:t>
                       </a:r>
-                      <a:endParaRPr kumimoji="0" lang="ko-KR" altLang="ko-KR" sz="900" b="0" i="0" u="none" strike="noStrike" cap="none" normalizeH="0" baseline="0" dirty="0">
+                      <a:endParaRPr kumimoji="1" lang="ko-KR" altLang="ko-KR" sz="900" b="0" i="0" u="none" strike="noStrike" cap="none" normalizeH="0" baseline="0" dirty="0">
                         <a:ln>
                           <a:noFill/>
                         </a:ln>
@@ -23295,225 +23173,7 @@
                         <a:tabLst/>
                       </a:pPr>
                       <a:r>
-                        <a:rPr kumimoji="0" lang="en-US" altLang="ko-KR" sz="900" b="0" i="0" u="none" strike="noStrike" cap="none" normalizeH="0" baseline="0" dirty="0" smtClean="0">
-                          <a:ln>
-                            <a:noFill/>
-                          </a:ln>
-                          <a:solidFill>
-                            <a:schemeClr val="tx1"/>
-                          </a:solidFill>
-                          <a:effectLst/>
-                          <a:latin typeface="+mn-ea"/>
-                          <a:ea typeface="+mn-ea"/>
-                        </a:rPr>
-                        <a:t>Server </a:t>
-                      </a:r>
-                      <a:r>
-                        <a:rPr kumimoji="0" lang="ko-KR" altLang="en-US" sz="900" b="0" i="0" u="none" strike="noStrike" cap="none" normalizeH="0" baseline="0" dirty="0" smtClean="0">
-                          <a:ln>
-                            <a:noFill/>
-                          </a:ln>
-                          <a:solidFill>
-                            <a:schemeClr val="tx1"/>
-                          </a:solidFill>
-                          <a:effectLst/>
-                          <a:latin typeface="+mn-ea"/>
-                          <a:ea typeface="+mn-ea"/>
-                        </a:rPr>
-                        <a:t>구성</a:t>
-                      </a:r>
-                      <a:endParaRPr kumimoji="0" lang="ko-KR" altLang="en-US" sz="900" b="0" i="0" u="none" strike="noStrike" cap="none" normalizeH="0" baseline="0" dirty="0">
-                        <a:ln>
-                          <a:noFill/>
-                        </a:ln>
-                        <a:solidFill>
-                          <a:schemeClr val="tx1"/>
-                        </a:solidFill>
-                        <a:effectLst/>
-                        <a:latin typeface="+mn-ea"/>
-                        <a:ea typeface="+mn-ea"/>
-                      </a:endParaRPr>
-                    </a:p>
-                  </a:txBody>
-                  <a:tcPr marT="45742" marB="45742" anchor="ctr" horzOverflow="overflow">
-                    <a:lnL w="3175" cap="flat" cmpd="sng" algn="ctr">
-                      <a:solidFill>
-                        <a:schemeClr val="bg1">
-                          <a:lumMod val="65000"/>
-                        </a:schemeClr>
-                      </a:solidFill>
-                      <a:prstDash val="solid"/>
-                      <a:round/>
-                      <a:headEnd type="none" w="med" len="med"/>
-                      <a:tailEnd type="none" w="med" len="med"/>
-                    </a:lnL>
-                    <a:lnR w="3175" cap="flat" cmpd="sng" algn="ctr">
-                      <a:solidFill>
-                        <a:schemeClr val="bg1">
-                          <a:lumMod val="65000"/>
-                        </a:schemeClr>
-                      </a:solidFill>
-                      <a:prstDash val="solid"/>
-                      <a:round/>
-                      <a:headEnd type="none" w="med" len="med"/>
-                      <a:tailEnd type="none" w="med" len="med"/>
-                    </a:lnR>
-                    <a:lnT w="3175" cap="flat" cmpd="sng" algn="ctr">
-                      <a:solidFill>
-                        <a:schemeClr val="bg1">
-                          <a:lumMod val="65000"/>
-                        </a:schemeClr>
-                      </a:solidFill>
-                      <a:prstDash val="solid"/>
-                      <a:round/>
-                      <a:headEnd type="none" w="med" len="med"/>
-                      <a:tailEnd type="none" w="med" len="med"/>
-                    </a:lnT>
-                    <a:lnB w="3175" cap="flat" cmpd="sng" algn="ctr">
-                      <a:solidFill>
-                        <a:schemeClr val="bg1">
-                          <a:lumMod val="65000"/>
-                        </a:schemeClr>
-                      </a:solidFill>
-                      <a:prstDash val="solid"/>
-                      <a:round/>
-                      <a:headEnd type="none" w="med" len="med"/>
-                      <a:tailEnd type="none" w="med" len="med"/>
-                    </a:lnB>
-                    <a:lnTlToBr>
-                      <a:noFill/>
-                    </a:lnTlToBr>
-                    <a:lnBlToTr>
-                      <a:noFill/>
-                    </a:lnBlToTr>
-                    <a:noFill/>
-                  </a:tcPr>
-                </a:tc>
-                <a:tc>
-                  <a:txBody>
-                    <a:bodyPr/>
-                    <a:lstStyle/>
-                    <a:p>
-                      <a:pPr marL="0" marR="0" lvl="0" indent="0" algn="ctr" defTabSz="914400" rtl="0" eaLnBrk="1" fontAlgn="base" latinLnBrk="1" hangingPunct="1">
-                        <a:lnSpc>
-                          <a:spcPct val="100000"/>
-                        </a:lnSpc>
-                        <a:spcBef>
-                          <a:spcPct val="20000"/>
-                        </a:spcBef>
-                        <a:spcAft>
-                          <a:spcPct val="0"/>
-                        </a:spcAft>
-                        <a:buClrTx/>
-                        <a:buSzTx/>
-                        <a:buFontTx/>
-                        <a:buNone/>
-                        <a:tabLst/>
-                      </a:pPr>
-                      <a:r>
-                        <a:rPr kumimoji="1" lang="en-US" altLang="ko-KR" sz="900" b="0" i="0" u="none" strike="noStrike" cap="none" normalizeH="0" baseline="0" dirty="0" smtClean="0">
-                          <a:ln>
-                            <a:noFill/>
-                          </a:ln>
-                          <a:solidFill>
-                            <a:schemeClr val="tx1"/>
-                          </a:solidFill>
-                          <a:effectLst/>
-                          <a:latin typeface="+mn-ea"/>
-                          <a:ea typeface="+mn-ea"/>
-                        </a:rPr>
-                        <a:t>6</a:t>
-                      </a:r>
-                      <a:endParaRPr kumimoji="1" lang="ko-KR" altLang="ko-KR" sz="900" b="0" i="0" u="none" strike="noStrike" cap="none" normalizeH="0" baseline="0" dirty="0">
-                        <a:ln>
-                          <a:noFill/>
-                        </a:ln>
-                        <a:solidFill>
-                          <a:schemeClr val="tx1"/>
-                        </a:solidFill>
-                        <a:effectLst/>
-                        <a:latin typeface="+mn-ea"/>
-                        <a:ea typeface="+mn-ea"/>
-                      </a:endParaRPr>
-                    </a:p>
-                  </a:txBody>
-                  <a:tcPr marT="45742" marB="45742" anchor="ctr" horzOverflow="overflow">
-                    <a:lnL w="3175" cap="flat" cmpd="sng" algn="ctr">
-                      <a:solidFill>
-                        <a:schemeClr val="bg1">
-                          <a:lumMod val="65000"/>
-                        </a:schemeClr>
-                      </a:solidFill>
-                      <a:prstDash val="solid"/>
-                      <a:round/>
-                      <a:headEnd type="none" w="med" len="med"/>
-                      <a:tailEnd type="none" w="med" len="med"/>
-                    </a:lnL>
-                    <a:lnR w="3175" cap="flat" cmpd="sng" algn="ctr">
-                      <a:solidFill>
-                        <a:schemeClr val="bg1">
-                          <a:lumMod val="65000"/>
-                        </a:schemeClr>
-                      </a:solidFill>
-                      <a:prstDash val="solid"/>
-                      <a:round/>
-                      <a:headEnd type="none" w="med" len="med"/>
-                      <a:tailEnd type="none" w="med" len="med"/>
-                    </a:lnR>
-                    <a:lnT w="3175" cap="flat" cmpd="sng" algn="ctr">
-                      <a:solidFill>
-                        <a:schemeClr val="bg1">
-                          <a:lumMod val="65000"/>
-                        </a:schemeClr>
-                      </a:solidFill>
-                      <a:prstDash val="solid"/>
-                      <a:round/>
-                      <a:headEnd type="none" w="med" len="med"/>
-                      <a:tailEnd type="none" w="med" len="med"/>
-                    </a:lnT>
-                    <a:lnB w="3175" cap="flat" cmpd="sng" algn="ctr">
-                      <a:solidFill>
-                        <a:schemeClr val="bg1">
-                          <a:lumMod val="65000"/>
-                        </a:schemeClr>
-                      </a:solidFill>
-                      <a:prstDash val="solid"/>
-                      <a:round/>
-                      <a:headEnd type="none" w="med" len="med"/>
-                      <a:tailEnd type="none" w="med" len="med"/>
-                    </a:lnB>
-                    <a:lnTlToBr>
-                      <a:noFill/>
-                    </a:lnTlToBr>
-                    <a:lnBlToTr>
-                      <a:noFill/>
-                    </a:lnBlToTr>
-                    <a:noFill/>
-                  </a:tcPr>
-                </a:tc>
-                <a:tc>
-                  <a:txBody>
-                    <a:bodyPr/>
-                    <a:lstStyle/>
-                    <a:p>
-                      <a:pPr marL="0" marR="0" lvl="0" indent="0" algn="l" defTabSz="914400" rtl="0" eaLnBrk="1" fontAlgn="base" latinLnBrk="1" hangingPunct="1">
-                        <a:lnSpc>
-                          <a:spcPct val="100000"/>
-                        </a:lnSpc>
-                        <a:spcBef>
-                          <a:spcPct val="20000"/>
-                        </a:spcBef>
-                        <a:spcAft>
-                          <a:spcPct val="0"/>
-                        </a:spcAft>
-                        <a:buClrTx/>
-                        <a:buSzTx/>
-                        <a:buFontTx/>
-                        <a:buNone/>
-                        <a:tabLst/>
-                      </a:pPr>
-                      <a:r>
-                        <a:rPr kumimoji="0" lang="ko-KR" altLang="en-US" sz="900" b="0" i="0" u="none" strike="noStrike" cap="none" normalizeH="0" baseline="0" dirty="0" smtClean="0">
+                        <a:rPr kumimoji="0" lang="ko-KR" altLang="en-US" sz="900" b="0" i="0" u="none" strike="noStrike" cap="none" normalizeH="0" baseline="0" dirty="0">
                           <a:ln>
                             <a:noFill/>
                           </a:ln>
@@ -23527,7 +23187,7 @@
                         <a:t>서버 프로세스  </a:t>
                       </a:r>
                       <a:r>
-                        <a:rPr kumimoji="0" lang="en-US" altLang="ko-KR" sz="900" b="0" i="0" u="none" strike="noStrike" cap="none" normalizeH="0" baseline="0" dirty="0" smtClean="0">
+                        <a:rPr kumimoji="0" lang="en-US" altLang="ko-KR" sz="900" b="0" i="0" u="none" strike="noStrike" cap="none" normalizeH="0" baseline="0" dirty="0">
                           <a:ln>
                             <a:noFill/>
                           </a:ln>
@@ -23541,7 +23201,7 @@
                         <a:t>- Database </a:t>
                       </a:r>
                       <a:r>
-                        <a:rPr kumimoji="0" lang="ko-KR" altLang="en-US" sz="900" b="0" i="0" u="none" strike="noStrike" cap="none" normalizeH="0" baseline="0" dirty="0" smtClean="0">
+                        <a:rPr kumimoji="0" lang="ko-KR" altLang="en-US" sz="900" b="0" i="0" u="none" strike="noStrike" cap="none" normalizeH="0" baseline="0" dirty="0">
                           <a:ln>
                             <a:noFill/>
                           </a:ln>
@@ -23554,17 +23214,6 @@
                         </a:rPr>
                         <a:t>저장소 정보</a:t>
                       </a:r>
-                      <a:endParaRPr kumimoji="0" lang="ko-KR" altLang="en-US" sz="900" b="0" i="0" u="none" strike="noStrike" cap="none" normalizeH="0" baseline="0" dirty="0">
-                        <a:ln>
-                          <a:noFill/>
-                        </a:ln>
-                        <a:solidFill>
-                          <a:schemeClr val="tx1"/>
-                        </a:solidFill>
-                        <a:effectLst/>
-                        <a:latin typeface="+mn-ea"/>
-                        <a:ea typeface="+mn-ea"/>
-                      </a:endParaRPr>
                     </a:p>
                   </a:txBody>
                   <a:tcPr marT="45742" marB="45742" anchor="ctr" horzOverflow="overflow">
@@ -23739,7 +23388,7 @@
                         <a:defRPr/>
                       </a:pPr>
                       <a:r>
-                        <a:rPr kumimoji="1" lang="en-US" altLang="ko-KR" sz="900" b="0" i="0" u="none" strike="noStrike" cap="none" normalizeH="0" baseline="0" dirty="0" smtClean="0">
+                        <a:rPr kumimoji="1" lang="en-US" altLang="ko-KR" sz="900" b="0" i="0" u="none" strike="noStrike" cap="none" normalizeH="0" baseline="0" dirty="0">
                           <a:ln>
                             <a:noFill/>
                           </a:ln>
@@ -23752,17 +23401,6 @@
                         </a:rPr>
                         <a:t>V1.1</a:t>
                       </a:r>
-                      <a:endParaRPr kumimoji="1" lang="en-US" altLang="ko-KR" sz="900" b="0" i="0" u="none" strike="noStrike" cap="none" normalizeH="0" baseline="0" dirty="0">
-                        <a:ln>
-                          <a:noFill/>
-                        </a:ln>
-                        <a:solidFill>
-                          <a:schemeClr val="tx1"/>
-                        </a:solidFill>
-                        <a:effectLst/>
-                        <a:latin typeface="+mn-ea"/>
-                        <a:ea typeface="+mn-ea"/>
-                      </a:endParaRPr>
                     </a:p>
                   </a:txBody>
                   <a:tcPr marT="45742" marB="45742" anchor="ctr" horzOverflow="overflow">
@@ -23841,7 +23479,7 @@
                         <a:tabLst/>
                       </a:pPr>
                       <a:r>
-                        <a:rPr kumimoji="0" lang="ko-KR" altLang="en-US" sz="900" b="0" i="0" u="none" strike="noStrike" cap="none" normalizeH="0" baseline="0" dirty="0" smtClean="0">
+                        <a:rPr kumimoji="0" lang="ko-KR" altLang="en-US" sz="900" b="0" i="0" u="none" strike="noStrike" cap="none" normalizeH="0" baseline="0" dirty="0" err="1">
                           <a:ln>
                             <a:noFill/>
                           </a:ln>
@@ -23852,7 +23490,7 @@
                           <a:latin typeface="+mn-ea"/>
                           <a:ea typeface="+mn-ea"/>
                         </a:rPr>
-                        <a:t>최기근</a:t>
+                        <a:t>송상엽</a:t>
                       </a:r>
                       <a:endParaRPr kumimoji="0" lang="ko-KR" altLang="ko-KR" sz="900" b="0" i="0" u="none" strike="noStrike" cap="none" normalizeH="0" baseline="0" dirty="0">
                         <a:ln>
@@ -23943,7 +23581,7 @@
                         <a:tabLst/>
                       </a:pPr>
                       <a:r>
-                        <a:rPr kumimoji="0" lang="en-US" altLang="ko-KR" sz="900" b="0" i="0" u="none" strike="noStrike" cap="none" normalizeH="0" baseline="0" dirty="0" smtClean="0">
+                        <a:rPr kumimoji="0" lang="en-US" altLang="ko-KR" sz="900" b="0" i="0" u="none" strike="noStrike" cap="none" normalizeH="0" baseline="0" dirty="0">
                           <a:ln>
                             <a:noFill/>
                           </a:ln>
@@ -23957,7 +23595,7 @@
                         <a:t>Server</a:t>
                       </a:r>
                       <a:r>
-                        <a:rPr kumimoji="0" lang="ko-KR" altLang="en-US" sz="900" b="0" i="0" u="none" strike="noStrike" cap="none" normalizeH="0" baseline="0" dirty="0" smtClean="0">
+                        <a:rPr kumimoji="0" lang="ko-KR" altLang="en-US" sz="900" b="0" i="0" u="none" strike="noStrike" cap="none" normalizeH="0" baseline="0" dirty="0">
                           <a:ln>
                             <a:noFill/>
                           </a:ln>
@@ -23970,17 +23608,6 @@
                         </a:rPr>
                         <a:t> 구성</a:t>
                       </a:r>
-                      <a:endParaRPr kumimoji="0" lang="ko-KR" altLang="en-US" sz="900" b="0" i="0" u="none" strike="noStrike" cap="none" normalizeH="0" baseline="0" dirty="0">
-                        <a:ln>
-                          <a:noFill/>
-                        </a:ln>
-                        <a:solidFill>
-                          <a:schemeClr val="tx1"/>
-                        </a:solidFill>
-                        <a:effectLst/>
-                        <a:latin typeface="+mn-ea"/>
-                        <a:ea typeface="+mn-ea"/>
-                      </a:endParaRPr>
                     </a:p>
                   </a:txBody>
                   <a:tcPr marT="45742" marB="45742" anchor="ctr" horzOverflow="overflow">
@@ -24059,7 +23686,7 @@
                         <a:tabLst/>
                       </a:pPr>
                       <a:r>
-                        <a:rPr kumimoji="1" lang="en-US" altLang="ko-KR" sz="900" b="0" i="0" u="none" strike="noStrike" cap="none" normalizeH="0" baseline="0" smtClean="0">
+                        <a:rPr kumimoji="1" lang="en-US" altLang="ko-KR" sz="900" b="0" i="0" u="none" strike="noStrike" cap="none" normalizeH="0" baseline="0">
                           <a:ln>
                             <a:noFill/>
                           </a:ln>
@@ -24161,7 +23788,7 @@
                         <a:tabLst/>
                       </a:pPr>
                       <a:r>
-                        <a:rPr kumimoji="0" lang="ko-KR" altLang="en-US" sz="900" b="0" i="0" u="none" strike="noStrike" cap="none" normalizeH="0" baseline="0" dirty="0" smtClean="0">
+                        <a:rPr kumimoji="0" lang="ko-KR" altLang="en-US" sz="900" b="0" i="0" u="none" strike="noStrike" cap="none" normalizeH="0" baseline="0" dirty="0">
                           <a:ln>
                             <a:noFill/>
                           </a:ln>
@@ -24175,7 +23802,7 @@
                         <a:t>서버 화면 </a:t>
                       </a:r>
                       <a:r>
-                        <a:rPr kumimoji="0" lang="en-US" altLang="ko-KR" sz="900" b="0" i="0" u="none" strike="noStrike" cap="none" normalizeH="0" baseline="0" dirty="0" smtClean="0">
+                        <a:rPr kumimoji="0" lang="en-US" altLang="ko-KR" sz="900" b="0" i="0" u="none" strike="noStrike" cap="none" normalizeH="0" baseline="0" dirty="0">
                           <a:ln>
                             <a:noFill/>
                           </a:ln>
@@ -24373,7 +24000,7 @@
                         <a:defRPr/>
                       </a:pPr>
                       <a:r>
-                        <a:rPr kumimoji="1" lang="en-US" altLang="ko-KR" sz="900" b="0" i="0" u="none" strike="noStrike" cap="none" normalizeH="0" baseline="0" dirty="0" smtClean="0">
+                        <a:rPr kumimoji="1" lang="en-US" altLang="ko-KR" sz="900" b="0" i="0" u="none" strike="noStrike" cap="none" normalizeH="0" baseline="0" dirty="0">
                           <a:ln>
                             <a:noFill/>
                           </a:ln>
@@ -24386,17 +24013,6 @@
                         </a:rPr>
                         <a:t>V1.2</a:t>
                       </a:r>
-                      <a:endParaRPr kumimoji="1" lang="en-US" altLang="ko-KR" sz="900" b="0" i="0" u="none" strike="noStrike" cap="none" normalizeH="0" baseline="0" dirty="0">
-                        <a:ln>
-                          <a:noFill/>
-                        </a:ln>
-                        <a:solidFill>
-                          <a:schemeClr val="tx1"/>
-                        </a:solidFill>
-                        <a:effectLst/>
-                        <a:latin typeface="+mn-ea"/>
-                        <a:ea typeface="+mn-ea"/>
-                      </a:endParaRPr>
                     </a:p>
                   </a:txBody>
                   <a:tcPr marT="45742" marB="45742" anchor="ctr" horzOverflow="overflow">
@@ -24475,7 +24091,7 @@
                         <a:tabLst/>
                       </a:pPr>
                       <a:r>
-                        <a:rPr kumimoji="0" lang="ko-KR" altLang="en-US" sz="900" b="0" i="0" u="none" strike="noStrike" cap="none" normalizeH="0" baseline="0" dirty="0" smtClean="0">
+                        <a:rPr kumimoji="0" lang="ko-KR" altLang="en-US" sz="900" b="0" i="0" u="none" strike="noStrike" cap="none" normalizeH="0" baseline="0" dirty="0">
                           <a:ln>
                             <a:noFill/>
                           </a:ln>
@@ -24577,7 +24193,7 @@
                         <a:tabLst/>
                       </a:pPr>
                       <a:r>
-                        <a:rPr kumimoji="0" lang="en-US" altLang="ko-KR" sz="900" b="0" i="0" u="none" strike="noStrike" cap="none" normalizeH="0" baseline="0" dirty="0" smtClean="0">
+                        <a:rPr kumimoji="0" lang="en-US" altLang="ko-KR" sz="900" b="0" i="0" u="none" strike="noStrike" cap="none" normalizeH="0" baseline="0" dirty="0">
                           <a:ln>
                             <a:noFill/>
                           </a:ln>
@@ -24591,7 +24207,7 @@
                         <a:t>Client </a:t>
                       </a:r>
                       <a:r>
-                        <a:rPr kumimoji="0" lang="ko-KR" altLang="en-US" sz="900" b="0" i="0" u="none" strike="noStrike" cap="none" normalizeH="0" baseline="0" dirty="0" smtClean="0">
+                        <a:rPr kumimoji="0" lang="ko-KR" altLang="en-US" sz="900" b="0" i="0" u="none" strike="noStrike" cap="none" normalizeH="0" baseline="0" dirty="0">
                           <a:ln>
                             <a:noFill/>
                           </a:ln>
@@ -24604,17 +24220,6 @@
                         </a:rPr>
                         <a:t>구성</a:t>
                       </a:r>
-                      <a:endParaRPr kumimoji="0" lang="ko-KR" altLang="en-US" sz="900" b="0" i="0" u="none" strike="noStrike" cap="none" normalizeH="0" baseline="0" dirty="0">
-                        <a:ln>
-                          <a:noFill/>
-                        </a:ln>
-                        <a:solidFill>
-                          <a:schemeClr val="tx1"/>
-                        </a:solidFill>
-                        <a:effectLst/>
-                        <a:latin typeface="+mn-ea"/>
-                        <a:ea typeface="+mn-ea"/>
-                      </a:endParaRPr>
                     </a:p>
                   </a:txBody>
                   <a:tcPr marT="45742" marB="45742" anchor="ctr" horzOverflow="overflow">
@@ -24693,7 +24298,7 @@
                         <a:tabLst/>
                       </a:pPr>
                       <a:r>
-                        <a:rPr kumimoji="1" lang="en-US" altLang="ko-KR" sz="900" b="0" i="0" u="none" strike="noStrike" cap="none" normalizeH="0" baseline="0" dirty="0" smtClean="0">
+                        <a:rPr kumimoji="1" lang="en-US" altLang="ko-KR" sz="900" b="0" i="0" u="none" strike="noStrike" cap="none" normalizeH="0" baseline="0" dirty="0">
                           <a:ln>
                             <a:noFill/>
                           </a:ln>
@@ -24795,7 +24400,7 @@
                         <a:tabLst/>
                       </a:pPr>
                       <a:r>
-                        <a:rPr kumimoji="0" lang="ko-KR" altLang="en-US" sz="900" b="0" i="0" u="none" strike="noStrike" cap="none" normalizeH="0" baseline="0" dirty="0" smtClean="0">
+                        <a:rPr kumimoji="0" lang="ko-KR" altLang="en-US" sz="900" b="0" i="0" u="none" strike="noStrike" cap="none" normalizeH="0" baseline="0" dirty="0">
                           <a:ln>
                             <a:noFill/>
                           </a:ln>
@@ -24809,7 +24414,7 @@
                         <a:t>클라이언트 </a:t>
                       </a:r>
                       <a:r>
-                        <a:rPr kumimoji="0" lang="en-US" altLang="ko-KR" sz="900" b="0" i="0" u="none" strike="noStrike" cap="none" normalizeH="0" baseline="0" dirty="0" smtClean="0">
+                        <a:rPr kumimoji="0" lang="en-US" altLang="ko-KR" sz="900" b="0" i="0" u="none" strike="noStrike" cap="none" normalizeH="0" baseline="0" dirty="0">
                           <a:ln>
                             <a:noFill/>
                           </a:ln>
@@ -24823,7 +24428,7 @@
                         <a:t>&lt;-&gt; </a:t>
                       </a:r>
                       <a:r>
-                        <a:rPr kumimoji="0" lang="ko-KR" altLang="en-US" sz="900" b="0" i="0" u="none" strike="noStrike" cap="none" normalizeH="0" baseline="0" dirty="0" smtClean="0">
+                        <a:rPr kumimoji="0" lang="ko-KR" altLang="en-US" sz="900" b="0" i="0" u="none" strike="noStrike" cap="none" normalizeH="0" baseline="0" dirty="0">
                           <a:ln>
                             <a:noFill/>
                           </a:ln>
@@ -25021,7 +24626,7 @@
                         <a:defRPr/>
                       </a:pPr>
                       <a:r>
-                        <a:rPr kumimoji="1" lang="en-US" altLang="ko-KR" sz="900" b="0" i="0" u="none" strike="noStrike" cap="none" normalizeH="0" baseline="0" dirty="0" smtClean="0">
+                        <a:rPr kumimoji="1" lang="en-US" altLang="ko-KR" sz="900" b="0" i="0" u="none" strike="noStrike" cap="none" normalizeH="0" baseline="0" dirty="0">
                           <a:ln>
                             <a:noFill/>
                           </a:ln>
@@ -25034,17 +24639,6 @@
                         </a:rPr>
                         <a:t>V1.3</a:t>
                       </a:r>
-                      <a:endParaRPr kumimoji="1" lang="en-US" altLang="ko-KR" sz="900" b="0" i="0" u="none" strike="noStrike" cap="none" normalizeH="0" baseline="0" dirty="0">
-                        <a:ln>
-                          <a:noFill/>
-                        </a:ln>
-                        <a:solidFill>
-                          <a:schemeClr val="tx1"/>
-                        </a:solidFill>
-                        <a:effectLst/>
-                        <a:latin typeface="+mn-ea"/>
-                        <a:ea typeface="+mn-ea"/>
-                      </a:endParaRPr>
                     </a:p>
                   </a:txBody>
                   <a:tcPr marT="45742" marB="45742" anchor="ctr" horzOverflow="overflow">
@@ -25123,7 +24717,7 @@
                         <a:tabLst/>
                       </a:pPr>
                       <a:r>
-                        <a:rPr kumimoji="0" lang="ko-KR" altLang="en-US" sz="900" b="0" i="0" u="none" strike="noStrike" cap="none" normalizeH="0" baseline="0" dirty="0" smtClean="0">
+                        <a:rPr kumimoji="0" lang="ko-KR" altLang="en-US" sz="900" b="0" i="0" u="none" strike="noStrike" cap="none" normalizeH="0" baseline="0" dirty="0">
                           <a:ln>
                             <a:noFill/>
                           </a:ln>
@@ -25225,7 +24819,7 @@
                         <a:tabLst/>
                       </a:pPr>
                       <a:r>
-                        <a:rPr kumimoji="0" lang="en-US" altLang="ko-KR" sz="900" b="0" i="0" u="none" strike="noStrike" cap="none" normalizeH="0" baseline="0" dirty="0" smtClean="0">
+                        <a:rPr kumimoji="0" lang="en-US" altLang="ko-KR" sz="900" b="0" i="0" u="none" strike="noStrike" cap="none" normalizeH="0" baseline="0" dirty="0">
                           <a:ln>
                             <a:noFill/>
                           </a:ln>
@@ -25239,7 +24833,7 @@
                         <a:t>Client </a:t>
                       </a:r>
                       <a:r>
-                        <a:rPr kumimoji="0" lang="ko-KR" altLang="en-US" sz="900" b="0" i="0" u="none" strike="noStrike" cap="none" normalizeH="0" baseline="0" dirty="0" smtClean="0">
+                        <a:rPr kumimoji="0" lang="ko-KR" altLang="en-US" sz="900" b="0" i="0" u="none" strike="noStrike" cap="none" normalizeH="0" baseline="0" dirty="0">
                           <a:ln>
                             <a:noFill/>
                           </a:ln>
@@ -25252,17 +24846,6 @@
                         </a:rPr>
                         <a:t>구성</a:t>
                       </a:r>
-                      <a:endParaRPr kumimoji="0" lang="ko-KR" altLang="en-US" sz="900" b="0" i="0" u="none" strike="noStrike" cap="none" normalizeH="0" baseline="0" dirty="0">
-                        <a:ln>
-                          <a:noFill/>
-                        </a:ln>
-                        <a:solidFill>
-                          <a:schemeClr val="tx1"/>
-                        </a:solidFill>
-                        <a:effectLst/>
-                        <a:latin typeface="+mn-ea"/>
-                        <a:ea typeface="+mn-ea"/>
-                      </a:endParaRPr>
                     </a:p>
                   </a:txBody>
                   <a:tcPr marT="45742" marB="45742" anchor="ctr" horzOverflow="overflow">
@@ -25341,7 +24924,7 @@
                         <a:tabLst/>
                       </a:pPr>
                       <a:r>
-                        <a:rPr kumimoji="1" lang="en-US" altLang="ko-KR" sz="900" b="0" i="0" u="none" strike="noStrike" cap="none" normalizeH="0" baseline="0" dirty="0" smtClean="0">
+                        <a:rPr kumimoji="1" lang="en-US" altLang="ko-KR" sz="900" b="0" i="0" u="none" strike="noStrike" cap="none" normalizeH="0" baseline="0" dirty="0">
                           <a:ln>
                             <a:noFill/>
                           </a:ln>
@@ -25443,7 +25026,7 @@
                         <a:tabLst/>
                       </a:pPr>
                       <a:r>
-                        <a:rPr kumimoji="1" lang="ko-KR" altLang="en-US" sz="900" b="0" i="0" u="none" strike="noStrike" cap="none" normalizeH="0" baseline="0" dirty="0" smtClean="0">
+                        <a:rPr kumimoji="1" lang="ko-KR" altLang="en-US" sz="900" b="0" i="0" u="none" strike="noStrike" cap="none" normalizeH="0" baseline="0" dirty="0">
                           <a:ln>
                             <a:noFill/>
                           </a:ln>
@@ -25641,7 +25224,7 @@
                         <a:defRPr/>
                       </a:pPr>
                       <a:r>
-                        <a:rPr kumimoji="1" lang="en-US" altLang="ko-KR" sz="900" b="0" i="0" u="none" strike="noStrike" cap="none" normalizeH="0" baseline="0" dirty="0" smtClean="0">
+                        <a:rPr kumimoji="1" lang="en-US" altLang="ko-KR" sz="900" b="0" i="0" u="none" strike="noStrike" cap="none" normalizeH="0" baseline="0" dirty="0">
                           <a:ln>
                             <a:noFill/>
                           </a:ln>
@@ -25654,17 +25237,6 @@
                         </a:rPr>
                         <a:t>V1.4</a:t>
                       </a:r>
-                      <a:endParaRPr kumimoji="1" lang="en-US" altLang="ko-KR" sz="900" b="0" i="0" u="none" strike="noStrike" cap="none" normalizeH="0" baseline="0" dirty="0">
-                        <a:ln>
-                          <a:noFill/>
-                        </a:ln>
-                        <a:solidFill>
-                          <a:schemeClr val="tx1"/>
-                        </a:solidFill>
-                        <a:effectLst/>
-                        <a:latin typeface="+mn-ea"/>
-                        <a:ea typeface="+mn-ea"/>
-                      </a:endParaRPr>
                     </a:p>
                   </a:txBody>
                   <a:tcPr marT="45742" marB="45742" anchor="ctr" horzOverflow="overflow">
@@ -25743,7 +25315,7 @@
                         <a:tabLst/>
                       </a:pPr>
                       <a:r>
-                        <a:rPr kumimoji="0" lang="ko-KR" altLang="en-US" sz="900" b="0" i="0" u="none" strike="noStrike" cap="none" normalizeH="0" baseline="0" dirty="0" smtClean="0">
+                        <a:rPr kumimoji="0" lang="ko-KR" altLang="en-US" sz="900" b="0" i="0" u="none" strike="noStrike" cap="none" normalizeH="0" baseline="0" dirty="0">
                           <a:ln>
                             <a:noFill/>
                           </a:ln>
@@ -25845,7 +25417,7 @@
                         <a:tabLst/>
                       </a:pPr>
                       <a:r>
-                        <a:rPr kumimoji="0" lang="en-US" altLang="ko-KR" sz="900" b="0" i="0" u="none" strike="noStrike" cap="none" normalizeH="0" baseline="0" dirty="0" smtClean="0">
+                        <a:rPr kumimoji="0" lang="en-US" altLang="ko-KR" sz="900" b="0" i="0" u="none" strike="noStrike" cap="none" normalizeH="0" baseline="0" dirty="0">
                           <a:ln>
                             <a:noFill/>
                           </a:ln>
@@ -25859,7 +25431,7 @@
                         <a:t>Client </a:t>
                       </a:r>
                       <a:r>
-                        <a:rPr kumimoji="0" lang="ko-KR" altLang="en-US" sz="900" b="0" i="0" u="none" strike="noStrike" cap="none" normalizeH="0" baseline="0" dirty="0" smtClean="0">
+                        <a:rPr kumimoji="0" lang="ko-KR" altLang="en-US" sz="900" b="0" i="0" u="none" strike="noStrike" cap="none" normalizeH="0" baseline="0" dirty="0">
                           <a:ln>
                             <a:noFill/>
                           </a:ln>
@@ -25872,17 +25444,6 @@
                         </a:rPr>
                         <a:t>구성</a:t>
                       </a:r>
-                      <a:endParaRPr kumimoji="0" lang="ko-KR" altLang="en-US" sz="900" b="0" i="0" u="none" strike="noStrike" cap="none" normalizeH="0" baseline="0" dirty="0">
-                        <a:ln>
-                          <a:noFill/>
-                        </a:ln>
-                        <a:solidFill>
-                          <a:schemeClr val="tx1"/>
-                        </a:solidFill>
-                        <a:effectLst/>
-                        <a:latin typeface="+mn-ea"/>
-                        <a:ea typeface="+mn-ea"/>
-                      </a:endParaRPr>
                     </a:p>
                   </a:txBody>
                   <a:tcPr marT="45742" marB="45742" anchor="ctr" horzOverflow="overflow">
@@ -25961,7 +25522,7 @@
                         <a:tabLst/>
                       </a:pPr>
                       <a:r>
-                        <a:rPr kumimoji="1" lang="en-US" altLang="ko-KR" sz="900" b="0" i="0" u="none" strike="noStrike" cap="none" normalizeH="0" baseline="0" dirty="0" smtClean="0">
+                        <a:rPr kumimoji="1" lang="en-US" altLang="ko-KR" sz="900" b="0" i="0" u="none" strike="noStrike" cap="none" normalizeH="0" baseline="0" dirty="0">
                           <a:ln>
                             <a:noFill/>
                           </a:ln>
@@ -26063,7 +25624,7 @@
                         <a:tabLst/>
                       </a:pPr>
                       <a:r>
-                        <a:rPr kumimoji="1" lang="ko-KR" altLang="en-US" sz="900" b="0" i="0" u="none" strike="noStrike" cap="none" normalizeH="0" baseline="0" dirty="0" smtClean="0">
+                        <a:rPr kumimoji="1" lang="ko-KR" altLang="en-US" sz="900" b="0" i="0" u="none" strike="noStrike" cap="none" normalizeH="0" baseline="0" dirty="0">
                           <a:ln>
                             <a:noFill/>
                           </a:ln>
@@ -26261,7 +25822,7 @@
                         <a:defRPr/>
                       </a:pPr>
                       <a:r>
-                        <a:rPr kumimoji="1" lang="en-US" altLang="ko-KR" sz="900" b="0" i="0" u="none" strike="noStrike" cap="none" normalizeH="0" baseline="0" dirty="0" smtClean="0">
+                        <a:rPr kumimoji="1" lang="en-US" altLang="ko-KR" sz="900" b="0" i="0" u="none" strike="noStrike" cap="none" normalizeH="0" baseline="0" dirty="0">
                           <a:ln>
                             <a:noFill/>
                           </a:ln>
@@ -26274,17 +25835,6 @@
                         </a:rPr>
                         <a:t>V1.5</a:t>
                       </a:r>
-                      <a:endParaRPr kumimoji="1" lang="en-US" altLang="ko-KR" sz="900" b="0" i="0" u="none" strike="noStrike" cap="none" normalizeH="0" baseline="0" dirty="0">
-                        <a:ln>
-                          <a:noFill/>
-                        </a:ln>
-                        <a:solidFill>
-                          <a:schemeClr val="tx1"/>
-                        </a:solidFill>
-                        <a:effectLst/>
-                        <a:latin typeface="+mn-ea"/>
-                        <a:ea typeface="+mn-ea"/>
-                      </a:endParaRPr>
                     </a:p>
                   </a:txBody>
                   <a:tcPr marT="45742" marB="45742" anchor="ctr" horzOverflow="overflow">
@@ -26363,7 +25913,7 @@
                         <a:tabLst/>
                       </a:pPr>
                       <a:r>
-                        <a:rPr kumimoji="0" lang="ko-KR" altLang="en-US" sz="900" b="0" i="0" u="none" strike="noStrike" cap="none" normalizeH="0" baseline="0" dirty="0" smtClean="0">
+                        <a:rPr kumimoji="0" lang="ko-KR" altLang="en-US" sz="900" b="0" i="0" u="none" strike="noStrike" cap="none" normalizeH="0" baseline="0" dirty="0">
                           <a:ln>
                             <a:noFill/>
                           </a:ln>
@@ -26465,7 +26015,7 @@
                         <a:tabLst/>
                       </a:pPr>
                       <a:r>
-                        <a:rPr kumimoji="0" lang="en-US" altLang="ko-KR" sz="900" b="0" i="0" u="none" strike="noStrike" cap="none" normalizeH="0" baseline="0" dirty="0" smtClean="0">
+                        <a:rPr kumimoji="0" lang="en-US" altLang="ko-KR" sz="900" b="0" i="0" u="none" strike="noStrike" cap="none" normalizeH="0" baseline="0" dirty="0">
                           <a:ln>
                             <a:noFill/>
                           </a:ln>
@@ -26479,7 +26029,7 @@
                         <a:t>Client </a:t>
                       </a:r>
                       <a:r>
-                        <a:rPr kumimoji="0" lang="ko-KR" altLang="en-US" sz="900" b="0" i="0" u="none" strike="noStrike" cap="none" normalizeH="0" baseline="0" dirty="0" smtClean="0">
+                        <a:rPr kumimoji="0" lang="ko-KR" altLang="en-US" sz="900" b="0" i="0" u="none" strike="noStrike" cap="none" normalizeH="0" baseline="0" dirty="0">
                           <a:ln>
                             <a:noFill/>
                           </a:ln>
@@ -26492,17 +26042,6 @@
                         </a:rPr>
                         <a:t>구성</a:t>
                       </a:r>
-                      <a:endParaRPr kumimoji="0" lang="ko-KR" altLang="en-US" sz="900" b="0" i="0" u="none" strike="noStrike" cap="none" normalizeH="0" baseline="0" dirty="0">
-                        <a:ln>
-                          <a:noFill/>
-                        </a:ln>
-                        <a:solidFill>
-                          <a:schemeClr val="tx1"/>
-                        </a:solidFill>
-                        <a:effectLst/>
-                        <a:latin typeface="+mn-ea"/>
-                        <a:ea typeface="+mn-ea"/>
-                      </a:endParaRPr>
                     </a:p>
                   </a:txBody>
                   <a:tcPr marT="45742" marB="45742" anchor="ctr" horzOverflow="overflow">
@@ -26581,7 +26120,7 @@
                         <a:tabLst/>
                       </a:pPr>
                       <a:r>
-                        <a:rPr kumimoji="1" lang="en-US" altLang="ko-KR" sz="900" b="0" i="0" u="none" strike="noStrike" cap="none" normalizeH="0" baseline="0" dirty="0" smtClean="0">
+                        <a:rPr kumimoji="1" lang="en-US" altLang="ko-KR" sz="900" b="0" i="0" u="none" strike="noStrike" cap="none" normalizeH="0" baseline="0" dirty="0">
                           <a:ln>
                             <a:noFill/>
                           </a:ln>
@@ -26683,7 +26222,7 @@
                         <a:tabLst/>
                       </a:pPr>
                       <a:r>
-                        <a:rPr kumimoji="1" lang="ko-KR" altLang="en-US" sz="900" b="0" i="0" u="none" strike="noStrike" cap="none" normalizeH="0" baseline="0" dirty="0" smtClean="0">
+                        <a:rPr kumimoji="1" lang="ko-KR" altLang="en-US" sz="900" b="0" i="0" u="none" strike="noStrike" cap="none" normalizeH="0" baseline="0" dirty="0">
                           <a:ln>
                             <a:noFill/>
                           </a:ln>
@@ -26881,7 +26420,7 @@
                         <a:defRPr/>
                       </a:pPr>
                       <a:r>
-                        <a:rPr kumimoji="1" lang="en-US" altLang="ko-KR" sz="900" b="0" i="0" u="none" strike="noStrike" cap="none" normalizeH="0" baseline="0" dirty="0" smtClean="0">
+                        <a:rPr kumimoji="1" lang="en-US" altLang="ko-KR" sz="900" b="0" i="0" u="none" strike="noStrike" cap="none" normalizeH="0" baseline="0" dirty="0">
                           <a:ln>
                             <a:noFill/>
                           </a:ln>
@@ -26894,17 +26433,6 @@
                         </a:rPr>
                         <a:t>V1.6</a:t>
                       </a:r>
-                      <a:endParaRPr kumimoji="1" lang="en-US" altLang="ko-KR" sz="900" b="0" i="0" u="none" strike="noStrike" cap="none" normalizeH="0" baseline="0" dirty="0">
-                        <a:ln>
-                          <a:noFill/>
-                        </a:ln>
-                        <a:solidFill>
-                          <a:schemeClr val="tx1"/>
-                        </a:solidFill>
-                        <a:effectLst/>
-                        <a:latin typeface="+mn-ea"/>
-                        <a:ea typeface="+mn-ea"/>
-                      </a:endParaRPr>
                     </a:p>
                   </a:txBody>
                   <a:tcPr marT="45742" marB="45742" anchor="ctr" horzOverflow="overflow">
@@ -26983,7 +26511,7 @@
                         <a:tabLst/>
                       </a:pPr>
                       <a:r>
-                        <a:rPr kumimoji="0" lang="ko-KR" altLang="en-US" sz="900" b="0" i="0" u="none" strike="noStrike" cap="none" normalizeH="0" baseline="0" dirty="0" smtClean="0">
+                        <a:rPr kumimoji="0" lang="ko-KR" altLang="en-US" sz="900" b="0" i="0" u="none" strike="noStrike" cap="none" normalizeH="0" baseline="0" dirty="0">
                           <a:ln>
                             <a:noFill/>
                           </a:ln>
@@ -27085,7 +26613,7 @@
                         <a:tabLst/>
                       </a:pPr>
                       <a:r>
-                        <a:rPr kumimoji="0" lang="en-US" altLang="ko-KR" sz="900" b="0" i="0" u="none" strike="noStrike" cap="none" normalizeH="0" baseline="0" dirty="0" smtClean="0">
+                        <a:rPr kumimoji="0" lang="en-US" altLang="ko-KR" sz="900" b="0" i="0" u="none" strike="noStrike" cap="none" normalizeH="0" baseline="0" dirty="0">
                           <a:ln>
                             <a:noFill/>
                           </a:ln>
@@ -27099,7 +26627,7 @@
                         <a:t>Client </a:t>
                       </a:r>
                       <a:r>
-                        <a:rPr kumimoji="0" lang="ko-KR" altLang="en-US" sz="900" b="0" i="0" u="none" strike="noStrike" cap="none" normalizeH="0" baseline="0" dirty="0" smtClean="0">
+                        <a:rPr kumimoji="0" lang="ko-KR" altLang="en-US" sz="900" b="0" i="0" u="none" strike="noStrike" cap="none" normalizeH="0" baseline="0" dirty="0">
                           <a:ln>
                             <a:noFill/>
                           </a:ln>
@@ -27112,17 +26640,6 @@
                         </a:rPr>
                         <a:t>구성</a:t>
                       </a:r>
-                      <a:endParaRPr kumimoji="0" lang="ko-KR" altLang="en-US" sz="900" b="0" i="0" u="none" strike="noStrike" cap="none" normalizeH="0" baseline="0" dirty="0">
-                        <a:ln>
-                          <a:noFill/>
-                        </a:ln>
-                        <a:solidFill>
-                          <a:schemeClr val="tx1"/>
-                        </a:solidFill>
-                        <a:effectLst/>
-                        <a:latin typeface="+mn-ea"/>
-                        <a:ea typeface="+mn-ea"/>
-                      </a:endParaRPr>
                     </a:p>
                   </a:txBody>
                   <a:tcPr marT="45742" marB="45742" anchor="ctr" horzOverflow="overflow">
@@ -27201,7 +26718,7 @@
                         <a:tabLst/>
                       </a:pPr>
                       <a:r>
-                        <a:rPr kumimoji="1" lang="en-US" altLang="ko-KR" sz="900" b="0" i="0" u="none" strike="noStrike" cap="none" normalizeH="0" baseline="0" dirty="0" smtClean="0">
+                        <a:rPr kumimoji="1" lang="en-US" altLang="ko-KR" sz="900" b="0" i="0" u="none" strike="noStrike" cap="none" normalizeH="0" baseline="0" dirty="0">
                           <a:ln>
                             <a:noFill/>
                           </a:ln>
@@ -27303,7 +26820,7 @@
                         <a:tabLst/>
                       </a:pPr>
                       <a:r>
-                        <a:rPr kumimoji="1" lang="ko-KR" altLang="en-US" sz="900" b="0" i="0" u="none" strike="noStrike" cap="none" normalizeH="0" baseline="0" dirty="0" smtClean="0">
+                        <a:rPr kumimoji="1" lang="ko-KR" altLang="en-US" sz="900" b="0" i="0" u="none" strike="noStrike" cap="none" normalizeH="0" baseline="0" dirty="0">
                           <a:ln>
                             <a:noFill/>
                           </a:ln>
@@ -31154,13 +30671,6 @@
   <p:clrMapOvr>
     <a:masterClrMapping/>
   </p:clrMapOvr>
-  <p:timing>
-    <p:tnLst>
-      <p:par>
-        <p:cTn id="1" dur="indefinite" restart="never" nodeType="tmRoot"/>
-      </p:par>
-    </p:tnLst>
-  </p:timing>
 </p:sld>
 </file>
 
@@ -31254,7 +30764,7 @@
             <a:lstStyle/>
             <a:p>
               <a:r>
-                <a:rPr lang="en-US" altLang="ko-KR" sz="2400" dirty="0" smtClean="0">
+                <a:rPr lang="en-US" altLang="ko-KR" sz="2400" dirty="0">
                   <a:solidFill>
                     <a:schemeClr val="tx1">
                       <a:lumMod val="65000"/>
@@ -31264,20 +30774,7 @@
                   <a:latin typeface="나눔스퀘어 Bold" panose="020B0600000101010101" pitchFamily="50" charset="-127"/>
                   <a:ea typeface="나눔스퀘어 Bold" panose="020B0600000101010101" pitchFamily="50" charset="-127"/>
                 </a:rPr>
-                <a:t>Push Man</a:t>
-              </a:r>
-              <a:r>
-                <a:rPr lang="ko-KR" altLang="en-US" sz="2400" dirty="0" smtClean="0">
-                  <a:solidFill>
-                    <a:schemeClr val="tx1">
-                      <a:lumMod val="65000"/>
-                      <a:lumOff val="35000"/>
-                    </a:schemeClr>
-                  </a:solidFill>
-                  <a:latin typeface="나눔스퀘어 Bold" panose="020B0600000101010101" pitchFamily="50" charset="-127"/>
-                  <a:ea typeface="나눔스퀘어 Bold" panose="020B0600000101010101" pitchFamily="50" charset="-127"/>
-                </a:rPr>
-                <a:t> </a:t>
+                <a:t>Health Kiosk </a:t>
               </a:r>
               <a:r>
                 <a:rPr lang="ko-KR" altLang="en-US" sz="2400" dirty="0">
@@ -31354,13 +30851,6 @@
   <p:clrMapOvr>
     <a:masterClrMapping/>
   </p:clrMapOvr>
-  <p:timing>
-    <p:tnLst>
-      <p:par>
-        <p:cTn id="1" dur="indefinite" restart="never" nodeType="tmRoot"/>
-      </p:par>
-    </p:tnLst>
-  </p:timing>
 </p:sld>
 </file>
 
@@ -31434,18 +30924,13 @@
           <a:p>
             <a:pPr algn="ctr"/>
             <a:r>
-              <a:rPr kumimoji="1" lang="x-none" altLang="en-US" sz="800" dirty="0" smtClean="0">
+              <a:rPr kumimoji="1" lang="x-none" altLang="en-US" sz="800" dirty="0">
                 <a:solidFill>
                   <a:schemeClr val="bg1"/>
                 </a:solidFill>
               </a:rPr>
               <a:t>설치</a:t>
             </a:r>
-            <a:endParaRPr kumimoji="1" lang="x-none" altLang="en-US" sz="800" dirty="0">
-              <a:solidFill>
-                <a:schemeClr val="bg1"/>
-              </a:solidFill>
-            </a:endParaRPr>
           </a:p>
         </p:txBody>
       </p:sp>
@@ -31578,7 +31063,7 @@
           <a:p>
             <a:pPr algn="ctr"/>
             <a:r>
-              <a:rPr kumimoji="1" lang="en-US" altLang="x-none" sz="800" dirty="0" smtClean="0">
+              <a:rPr kumimoji="1" lang="en-US" altLang="x-none" sz="800" dirty="0">
                 <a:solidFill>
                   <a:schemeClr val="tx1"/>
                 </a:solidFill>
@@ -31586,7 +31071,7 @@
               <a:t>1</a:t>
             </a:r>
             <a:r>
-              <a:rPr kumimoji="1" lang="en-US" altLang="ko-KR" sz="800" dirty="0" smtClean="0">
+              <a:rPr kumimoji="1" lang="en-US" altLang="ko-KR" sz="800" dirty="0">
                 <a:solidFill>
                   <a:schemeClr val="tx1"/>
                 </a:solidFill>
@@ -31597,7 +31082,7 @@
           <a:p>
             <a:pPr algn="ctr"/>
             <a:r>
-              <a:rPr kumimoji="1" lang="ko-KR" altLang="en-US" sz="800" dirty="0" smtClean="0">
+              <a:rPr kumimoji="1" lang="ko-KR" altLang="en-US" sz="800" dirty="0">
                 <a:solidFill>
                   <a:schemeClr val="tx1"/>
                 </a:solidFill>
@@ -31673,23 +31158,18 @@
               <a:t>2</a:t>
             </a:r>
             <a:r>
-              <a:rPr kumimoji="1" lang="en-US" altLang="ko-KR" sz="800" dirty="0" smtClean="0">
+              <a:rPr kumimoji="1" lang="en-US" altLang="ko-KR" sz="800" dirty="0">
                 <a:solidFill>
                   <a:schemeClr val="tx1"/>
                 </a:solidFill>
               </a:rPr>
               <a:t>. STOP</a:t>
             </a:r>
-            <a:endParaRPr kumimoji="1" lang="en-US" altLang="ko-KR" sz="800" dirty="0">
-              <a:solidFill>
-                <a:schemeClr val="tx1"/>
-              </a:solidFill>
-            </a:endParaRPr>
           </a:p>
           <a:p>
             <a:pPr algn="ctr"/>
             <a:r>
-              <a:rPr kumimoji="1" lang="ko-KR" altLang="en-US" sz="800" dirty="0" err="1" smtClean="0">
+              <a:rPr kumimoji="1" lang="ko-KR" altLang="en-US" sz="800" dirty="0" err="1">
                 <a:solidFill>
                   <a:schemeClr val="tx1"/>
                 </a:solidFill>
@@ -31765,18 +31245,13 @@
               <a:t>3</a:t>
             </a:r>
             <a:r>
-              <a:rPr kumimoji="1" lang="en-US" altLang="ko-KR" sz="800" dirty="0" smtClean="0">
+              <a:rPr kumimoji="1" lang="en-US" altLang="ko-KR" sz="800" dirty="0">
                 <a:solidFill>
                   <a:schemeClr val="tx1"/>
                 </a:solidFill>
               </a:rPr>
               <a:t>. Clear</a:t>
             </a:r>
-            <a:endParaRPr kumimoji="1" lang="en-US" altLang="ko-KR" sz="800" dirty="0">
-              <a:solidFill>
-                <a:schemeClr val="tx1"/>
-              </a:solidFill>
-            </a:endParaRPr>
           </a:p>
         </p:txBody>
       </p:sp>
@@ -31838,18 +31313,10 @@
                   <a:schemeClr val="tx1"/>
                 </a:solidFill>
               </a:rPr>
-              <a:t>4</a:t>
+              <a:t>4. </a:t>
             </a:r>
             <a:r>
-              <a:rPr kumimoji="1" lang="en-US" altLang="ko-KR" sz="800" dirty="0" smtClean="0">
-                <a:solidFill>
-                  <a:schemeClr val="tx1"/>
-                </a:solidFill>
-              </a:rPr>
-              <a:t>. </a:t>
-            </a:r>
-            <a:r>
-              <a:rPr kumimoji="1" lang="ko-KR" altLang="en-US" sz="800" dirty="0" smtClean="0">
+              <a:rPr kumimoji="1" lang="ko-KR" altLang="en-US" sz="800" dirty="0">
                 <a:solidFill>
                   <a:schemeClr val="tx1"/>
                 </a:solidFill>
@@ -32017,7 +31484,7 @@
           <a:p>
             <a:pPr algn="ctr"/>
             <a:r>
-              <a:rPr kumimoji="1" lang="ko-KR" altLang="en-US" sz="800" spc="-100" dirty="0" err="1" smtClean="0">
+              <a:rPr kumimoji="1" lang="ko-KR" altLang="en-US" sz="800" spc="-100" dirty="0" err="1">
                 <a:solidFill>
                   <a:schemeClr val="tx1"/>
                 </a:solidFill>
@@ -32025,7 +31492,7 @@
               <a:t>메인홈</a:t>
             </a:r>
             <a:r>
-              <a:rPr kumimoji="1" lang="en-US" altLang="en-US" sz="800" spc="-100" dirty="0" smtClean="0">
+              <a:rPr kumimoji="1" lang="en-US" altLang="en-US" sz="800" spc="-100" dirty="0">
                 <a:solidFill>
                   <a:schemeClr val="tx1"/>
                 </a:solidFill>
@@ -32178,7 +31645,7 @@
           <a:p>
             <a:pPr algn="ctr"/>
             <a:r>
-              <a:rPr kumimoji="1" lang="ko-KR" altLang="en-US" sz="800" b="1" dirty="0" smtClean="0">
+              <a:rPr kumimoji="1" lang="ko-KR" altLang="en-US" sz="800" b="1" dirty="0">
                 <a:solidFill>
                   <a:schemeClr val="tx1"/>
                 </a:solidFill>
@@ -32186,7 +31653,7 @@
               <a:t>순위</a:t>
             </a:r>
             <a:r>
-              <a:rPr kumimoji="1" lang="en-US" altLang="en-US" sz="800" b="1" dirty="0" smtClean="0">
+              <a:rPr kumimoji="1" lang="en-US" altLang="en-US" sz="800" b="1" dirty="0">
                 <a:solidFill>
                   <a:schemeClr val="tx1"/>
                 </a:solidFill>
@@ -32194,7 +31661,7 @@
               <a:t> </a:t>
             </a:r>
             <a:r>
-              <a:rPr kumimoji="1" lang="ko-KR" altLang="en-US" sz="800" b="1" dirty="0" smtClean="0">
+              <a:rPr kumimoji="1" lang="ko-KR" altLang="en-US" sz="800" b="1" dirty="0">
                 <a:solidFill>
                   <a:schemeClr val="tx1"/>
                 </a:solidFill>
@@ -32283,11 +31750,11 @@
           <a:p>
             <a:pPr algn="ctr"/>
             <a:r>
-              <a:rPr kumimoji="1" lang="en-US" altLang="en-US" b="1" dirty="0" smtClean="0"/>
+              <a:rPr kumimoji="1" lang="en-US" altLang="en-US" b="1" dirty="0"/>
               <a:t>GAME </a:t>
             </a:r>
             <a:r>
-              <a:rPr kumimoji="1" lang="x-none" altLang="en-US" b="1" dirty="0" smtClean="0"/>
+              <a:rPr kumimoji="1" lang="x-none" altLang="en-US" b="1" dirty="0"/>
               <a:t>홈</a:t>
             </a:r>
             <a:endParaRPr kumimoji="1" lang="en-US" altLang="x-none" b="1" dirty="0"/>
@@ -32525,7 +31992,7 @@
           <a:p>
             <a:pPr algn="ctr"/>
             <a:r>
-              <a:rPr kumimoji="1" lang="x-none" altLang="en-US" sz="800" b="1" dirty="0" smtClean="0">
+              <a:rPr kumimoji="1" lang="x-none" altLang="en-US" sz="800" b="1" dirty="0">
                 <a:solidFill>
                   <a:srgbClr val="FF0000"/>
                 </a:solidFill>
@@ -32619,7 +32086,7 @@
           <a:p>
             <a:pPr algn="ctr"/>
             <a:r>
-              <a:rPr kumimoji="1" lang="ko-KR" altLang="en-US" sz="800" i="1" dirty="0" smtClean="0">
+              <a:rPr kumimoji="1" lang="ko-KR" altLang="en-US" sz="800" i="1" dirty="0">
                 <a:solidFill>
                   <a:srgbClr val="005AFF"/>
                 </a:solidFill>
@@ -32627,7 +32094,7 @@
               <a:t>총 </a:t>
             </a:r>
             <a:r>
-              <a:rPr kumimoji="1" lang="en-US" altLang="ko-KR" sz="800" i="1" dirty="0" smtClean="0">
+              <a:rPr kumimoji="1" lang="en-US" altLang="ko-KR" sz="800" i="1" dirty="0">
                 <a:solidFill>
                   <a:srgbClr val="005AFF"/>
                 </a:solidFill>
@@ -32635,7 +32102,7 @@
               <a:t>4</a:t>
             </a:r>
             <a:r>
-              <a:rPr kumimoji="1" lang="ko-KR" altLang="en-US" sz="800" i="1" dirty="0" smtClean="0">
+              <a:rPr kumimoji="1" lang="ko-KR" altLang="en-US" sz="800" i="1" dirty="0">
                 <a:solidFill>
                   <a:srgbClr val="005AFF"/>
                 </a:solidFill>
@@ -32766,7 +32233,7 @@
           <a:p>
             <a:pPr algn="ctr"/>
             <a:r>
-              <a:rPr kumimoji="1" lang="ko-KR" altLang="en-US" sz="800" b="1" dirty="0" smtClean="0">
+              <a:rPr kumimoji="1" lang="ko-KR" altLang="en-US" sz="800" b="1" dirty="0">
                 <a:solidFill>
                   <a:srgbClr val="FF0000"/>
                 </a:solidFill>
@@ -32916,7 +32383,7 @@
           <a:p>
             <a:pPr algn="ctr"/>
             <a:r>
-              <a:rPr kumimoji="1" lang="ko-KR" altLang="en-US" sz="800" b="1" dirty="0" smtClean="0">
+              <a:rPr kumimoji="1" lang="ko-KR" altLang="en-US" sz="800" b="1" dirty="0">
                 <a:solidFill>
                   <a:schemeClr val="tx1"/>
                 </a:solidFill>
@@ -32924,7 +32391,7 @@
               <a:t>순위</a:t>
             </a:r>
             <a:r>
-              <a:rPr kumimoji="1" lang="en-US" altLang="en-US" sz="800" b="1" dirty="0" smtClean="0">
+              <a:rPr kumimoji="1" lang="en-US" altLang="en-US" sz="800" b="1" dirty="0">
                 <a:solidFill>
                   <a:schemeClr val="tx1"/>
                 </a:solidFill>
@@ -32932,14 +32399,14 @@
               <a:t> </a:t>
             </a:r>
             <a:r>
-              <a:rPr kumimoji="1" lang="ko-KR" altLang="en-US" sz="800" b="1" dirty="0" smtClean="0">
+              <a:rPr kumimoji="1" lang="ko-KR" altLang="en-US" sz="800" b="1" dirty="0">
                 <a:solidFill>
                   <a:schemeClr val="tx1"/>
                 </a:solidFill>
               </a:rPr>
               <a:t> 정보</a:t>
             </a:r>
-            <a:endParaRPr kumimoji="1" lang="en-US" altLang="ko-KR" sz="800" b="1" dirty="0" smtClean="0">
+            <a:endParaRPr kumimoji="1" lang="en-US" altLang="ko-KR" sz="800" b="1" dirty="0">
               <a:solidFill>
                 <a:schemeClr val="tx1"/>
               </a:solidFill>
@@ -32948,7 +32415,7 @@
           <a:p>
             <a:pPr algn="ctr"/>
             <a:r>
-              <a:rPr kumimoji="1" lang="ko-KR" altLang="en-US" sz="800" b="1" dirty="0" smtClean="0">
+              <a:rPr kumimoji="1" lang="ko-KR" altLang="en-US" sz="800" b="1" dirty="0">
                 <a:solidFill>
                   <a:schemeClr val="tx1"/>
                 </a:solidFill>
@@ -33096,7 +32563,7 @@
           <a:p>
             <a:pPr algn="ctr"/>
             <a:r>
-              <a:rPr kumimoji="1" lang="en-US" altLang="x-none" sz="800" spc="-100" dirty="0" smtClean="0">
+              <a:rPr kumimoji="1" lang="en-US" altLang="x-none" sz="800" spc="-100" dirty="0">
                 <a:solidFill>
                   <a:schemeClr val="tx1"/>
                 </a:solidFill>
@@ -33104,14 +32571,14 @@
               <a:t>Server </a:t>
             </a:r>
             <a:r>
-              <a:rPr kumimoji="1" lang="ko-KR" altLang="en-US" sz="800" spc="-100" dirty="0" smtClean="0">
+              <a:rPr kumimoji="1" lang="ko-KR" altLang="en-US" sz="800" spc="-100" dirty="0">
                 <a:solidFill>
                   <a:schemeClr val="tx1"/>
                 </a:solidFill>
               </a:rPr>
               <a:t>아이디 </a:t>
             </a:r>
-            <a:endParaRPr kumimoji="1" lang="en-US" altLang="ko-KR" sz="800" spc="-100" dirty="0" smtClean="0">
+            <a:endParaRPr kumimoji="1" lang="en-US" altLang="ko-KR" sz="800" spc="-100" dirty="0">
               <a:solidFill>
                 <a:schemeClr val="tx1"/>
               </a:solidFill>
@@ -33120,7 +32587,7 @@
           <a:p>
             <a:pPr algn="ctr"/>
             <a:r>
-              <a:rPr kumimoji="1" lang="ko-KR" altLang="en-US" sz="800" spc="-100" dirty="0" smtClean="0">
+              <a:rPr kumimoji="1" lang="ko-KR" altLang="en-US" sz="800" spc="-100" dirty="0">
                 <a:solidFill>
                   <a:schemeClr val="tx1"/>
                 </a:solidFill>
@@ -33338,7 +32805,7 @@
           <a:p>
             <a:pPr algn="ctr"/>
             <a:r>
-              <a:rPr kumimoji="1" lang="x-none" altLang="en-US" sz="800" b="1" dirty="0" smtClean="0">
+              <a:rPr kumimoji="1" lang="x-none" altLang="en-US" sz="800" b="1" dirty="0">
                 <a:solidFill>
                   <a:srgbClr val="FF0000"/>
                 </a:solidFill>
@@ -33346,7 +32813,7 @@
               <a:t>회원</a:t>
             </a:r>
             <a:r>
-              <a:rPr kumimoji="1" lang="en-US" altLang="en-US" sz="800" b="1" dirty="0" smtClean="0">
+              <a:rPr kumimoji="1" lang="en-US" altLang="en-US" sz="800" b="1" dirty="0">
                 <a:solidFill>
                   <a:srgbClr val="FF0000"/>
                 </a:solidFill>
@@ -33354,7 +32821,7 @@
               <a:t> </a:t>
             </a:r>
             <a:r>
-              <a:rPr kumimoji="1" lang="ko-KR" altLang="en-US" sz="800" b="1" dirty="0" smtClean="0">
+              <a:rPr kumimoji="1" lang="ko-KR" altLang="en-US" sz="800" b="1" dirty="0">
                 <a:solidFill>
                   <a:srgbClr val="FF0000"/>
                 </a:solidFill>
@@ -33500,7 +32967,7 @@
           <a:p>
             <a:pPr algn="ctr"/>
             <a:r>
-              <a:rPr kumimoji="1" lang="en-US" altLang="x-none" sz="800" spc="-100" dirty="0" smtClean="0">
+              <a:rPr kumimoji="1" lang="en-US" altLang="x-none" sz="800" spc="-100" dirty="0">
                 <a:solidFill>
                   <a:schemeClr val="tx1"/>
                 </a:solidFill>
@@ -33508,14 +32975,14 @@
               <a:t>ID  </a:t>
             </a:r>
             <a:r>
-              <a:rPr kumimoji="1" lang="ko-KR" altLang="en-US" sz="800" spc="-100" dirty="0" smtClean="0">
+              <a:rPr kumimoji="1" lang="ko-KR" altLang="en-US" sz="800" spc="-100" dirty="0">
                 <a:solidFill>
                   <a:schemeClr val="tx1"/>
                 </a:solidFill>
               </a:rPr>
               <a:t>비밀번호</a:t>
             </a:r>
-            <a:endParaRPr kumimoji="1" lang="en-US" altLang="ko-KR" sz="800" spc="-100" dirty="0" smtClean="0">
+            <a:endParaRPr kumimoji="1" lang="en-US" altLang="ko-KR" sz="800" spc="-100" dirty="0">
               <a:solidFill>
                 <a:schemeClr val="tx1"/>
               </a:solidFill>
@@ -33524,7 +32991,7 @@
           <a:p>
             <a:pPr algn="ctr"/>
             <a:r>
-              <a:rPr kumimoji="1" lang="ko-KR" altLang="en-US" sz="800" spc="-100" dirty="0" smtClean="0">
+              <a:rPr kumimoji="1" lang="ko-KR" altLang="en-US" sz="800" spc="-100" dirty="0">
                 <a:solidFill>
                   <a:schemeClr val="tx1"/>
                 </a:solidFill>
@@ -33781,7 +33248,7 @@
           <a:p>
             <a:pPr algn="ctr"/>
             <a:r>
-              <a:rPr kumimoji="1" lang="ko-KR" altLang="en-US" sz="800" dirty="0" smtClean="0">
+              <a:rPr kumimoji="1" lang="ko-KR" altLang="en-US" sz="800" dirty="0">
                 <a:solidFill>
                   <a:schemeClr val="tx1"/>
                 </a:solidFill>
@@ -33806,13 +33273,6 @@
   <p:clrMapOvr>
     <a:masterClrMapping/>
   </p:clrMapOvr>
-  <p:timing>
-    <p:tnLst>
-      <p:par>
-        <p:cTn id="1" dur="indefinite" restart="never" nodeType="tmRoot"/>
-      </p:par>
-    </p:tnLst>
-  </p:timing>
 </p:sld>
 </file>
 
@@ -33906,7 +33366,7 @@
             <a:lstStyle/>
             <a:p>
               <a:r>
-                <a:rPr lang="en-US" altLang="ko-KR" sz="2400" dirty="0" smtClean="0">
+                <a:rPr lang="en-US" altLang="ko-KR" sz="2400" dirty="0">
                   <a:solidFill>
                     <a:schemeClr val="tx1">
                       <a:lumMod val="65000"/>
@@ -33970,13 +33430,6 @@
   <p:clrMapOvr>
     <a:masterClrMapping/>
   </p:clrMapOvr>
-  <p:timing>
-    <p:tnLst>
-      <p:par>
-        <p:cTn id="1" dur="indefinite" restart="never" nodeType="tmRoot"/>
-      </p:par>
-    </p:tnLst>
-  </p:timing>
 </p:sld>
 </file>
 
@@ -34003,9 +33456,7 @@
           <p:cNvGraphicFramePr>
             <a:graphicFrameLocks noGrp="1"/>
           </p:cNvGraphicFramePr>
-          <p:nvPr>
-            <p:extLst/>
-          </p:nvPr>
+          <p:nvPr/>
         </p:nvGraphicFramePr>
         <p:xfrm>
           <a:off x="424203" y="505525"/>
@@ -34128,21 +33579,21 @@
                     <a:p>
                       <a:pPr latinLnBrk="1"/>
                       <a:r>
-                        <a:rPr lang="en-US" altLang="ko-KR" sz="900" b="0" dirty="0" smtClean="0">
+                        <a:rPr lang="en-US" altLang="ko-KR" sz="900" b="0" dirty="0">
                           <a:latin typeface="맑은 고딕" pitchFamily="50" charset="-127"/>
                           <a:ea typeface="맑은 고딕" pitchFamily="50" charset="-127"/>
                         </a:rPr>
                         <a:t>Path – project/</a:t>
                       </a:r>
                       <a:r>
-                        <a:rPr lang="en-US" altLang="ko-KR" sz="900" b="0" dirty="0" err="1" smtClean="0">
+                        <a:rPr lang="en-US" altLang="ko-KR" sz="900" b="0" dirty="0" err="1">
                           <a:latin typeface="맑은 고딕" pitchFamily="50" charset="-127"/>
                           <a:ea typeface="맑은 고딕" pitchFamily="50" charset="-127"/>
                         </a:rPr>
                         <a:t>push_man</a:t>
                       </a:r>
                       <a:r>
-                        <a:rPr lang="en-US" altLang="ko-KR" sz="900" b="0" dirty="0" smtClean="0">
+                        <a:rPr lang="en-US" altLang="ko-KR" sz="900" b="0" dirty="0">
                           <a:latin typeface="맑은 고딕" pitchFamily="50" charset="-127"/>
                           <a:ea typeface="맑은 고딕" pitchFamily="50" charset="-127"/>
                         </a:rPr>
@@ -34280,7 +33731,7 @@
                     <a:p>
                       <a:pPr latinLnBrk="1"/>
                       <a:r>
-                        <a:rPr lang="en-US" altLang="ko-KR" sz="900" b="0" dirty="0" smtClean="0">
+                        <a:rPr lang="en-US" altLang="ko-KR" sz="900" b="0" dirty="0">
                           <a:latin typeface="맑은 고딕" pitchFamily="50" charset="-127"/>
                           <a:ea typeface="+mn-ea"/>
                         </a:rPr>
@@ -34574,7 +34025,7 @@
                         <a:tabLst/>
                         <a:defRPr/>
                       </a:pPr>
-                      <a:endParaRPr lang="en-US" altLang="ko-KR" sz="900" b="0" baseline="0" dirty="0" smtClean="0">
+                      <a:endParaRPr lang="en-US" altLang="ko-KR" sz="900" b="0" baseline="0" dirty="0">
                         <a:solidFill>
                           <a:schemeClr val="tx1"/>
                         </a:solidFill>
@@ -34601,7 +34052,7 @@
                         <a:defRPr/>
                       </a:pPr>
                       <a:r>
-                        <a:rPr lang="ko-KR" altLang="en-US" sz="900" b="0" baseline="0" dirty="0" smtClean="0">
+                        <a:rPr lang="ko-KR" altLang="en-US" sz="900" b="0" baseline="0" dirty="0">
                           <a:solidFill>
                             <a:schemeClr val="tx1"/>
                           </a:solidFill>
@@ -34611,7 +34062,7 @@
                         <a:t>스테이지 별 </a:t>
                       </a:r>
                       <a:r>
-                        <a:rPr lang="ko-KR" altLang="en-US" sz="900" b="0" baseline="0" dirty="0" err="1" smtClean="0">
+                        <a:rPr lang="ko-KR" altLang="en-US" sz="900" b="0" baseline="0" dirty="0" err="1">
                           <a:solidFill>
                             <a:schemeClr val="tx1"/>
                           </a:solidFill>
@@ -34621,7 +34072,7 @@
                         <a:t>클리어</a:t>
                       </a:r>
                       <a:r>
-                        <a:rPr lang="ko-KR" altLang="en-US" sz="900" b="0" baseline="0" dirty="0" smtClean="0">
+                        <a:rPr lang="ko-KR" altLang="en-US" sz="900" b="0" baseline="0" dirty="0">
                           <a:solidFill>
                             <a:schemeClr val="tx1"/>
                           </a:solidFill>
@@ -34631,7 +34082,7 @@
                         <a:t> 랭킹 정보 저장 </a:t>
                       </a:r>
                       <a:r>
-                        <a:rPr lang="en-US" altLang="ko-KR" sz="900" b="0" baseline="0" dirty="0" smtClean="0">
+                        <a:rPr lang="en-US" altLang="ko-KR" sz="900" b="0" baseline="0" dirty="0">
                           <a:solidFill>
                             <a:schemeClr val="tx1"/>
                           </a:solidFill>
@@ -34659,7 +34110,7 @@
                         <a:tabLst/>
                         <a:defRPr/>
                       </a:pPr>
-                      <a:endParaRPr lang="en-US" altLang="ko-KR" sz="900" b="0" baseline="0" dirty="0" smtClean="0">
+                      <a:endParaRPr lang="en-US" altLang="ko-KR" sz="900" b="0" baseline="0" dirty="0">
                         <a:solidFill>
                           <a:schemeClr val="tx1"/>
                         </a:solidFill>
@@ -34686,7 +34137,7 @@
                         <a:defRPr/>
                       </a:pPr>
                       <a:r>
-                        <a:rPr lang="ko-KR" altLang="en-US" sz="900" b="0" baseline="0" dirty="0" smtClean="0">
+                        <a:rPr lang="ko-KR" altLang="en-US" sz="900" b="0" baseline="0" dirty="0">
                           <a:solidFill>
                             <a:schemeClr val="tx1"/>
                           </a:solidFill>
@@ -34696,7 +34147,7 @@
                         <a:t>회원정보 저장 </a:t>
                       </a:r>
                       <a:r>
-                        <a:rPr lang="en-US" altLang="ko-KR" sz="900" b="0" baseline="0" dirty="0" smtClean="0">
+                        <a:rPr lang="en-US" altLang="ko-KR" sz="900" b="0" baseline="0" dirty="0">
                           <a:solidFill>
                             <a:schemeClr val="tx1"/>
                           </a:solidFill>
@@ -34861,7 +34312,7 @@
           <a:lstStyle/>
           <a:p>
             <a:r>
-              <a:rPr lang="en-US" altLang="ko-KR" dirty="0" smtClean="0">
+              <a:rPr lang="en-US" altLang="ko-KR" dirty="0">
                 <a:latin typeface="나눔바른고딕" panose="020B0603020101020101" pitchFamily="50" charset="-127"/>
                 <a:ea typeface="나눔바른고딕" panose="020B0603020101020101" pitchFamily="50" charset="-127"/>
               </a:rPr>
@@ -35669,13 +35120,6 @@
   <p:clrMapOvr>
     <a:masterClrMapping/>
   </p:clrMapOvr>
-  <p:timing>
-    <p:tnLst>
-      <p:par>
-        <p:cTn id="1" dur="indefinite" restart="never" nodeType="tmRoot"/>
-      </p:par>
-    </p:tnLst>
-  </p:timing>
 </p:sld>
 </file>
 
@@ -35831,42 +35275,35 @@
                     <a:p>
                       <a:pPr latinLnBrk="1"/>
                       <a:r>
-                        <a:rPr lang="en-US" altLang="ko-KR" sz="900" b="0" dirty="0" smtClean="0">
+                        <a:rPr lang="en-US" altLang="ko-KR" sz="900" b="0" dirty="0">
                           <a:latin typeface="맑은 고딕" pitchFamily="50" charset="-127"/>
                           <a:ea typeface="맑은 고딕" pitchFamily="50" charset="-127"/>
                         </a:rPr>
-                        <a:t>Path – </a:t>
+                        <a:t>Path – project/</a:t>
                       </a:r>
                       <a:r>
-                        <a:rPr lang="en-US" altLang="ko-KR" sz="900" b="0" dirty="0" smtClean="0">
-                          <a:latin typeface="맑은 고딕" pitchFamily="50" charset="-127"/>
-                          <a:ea typeface="맑은 고딕" pitchFamily="50" charset="-127"/>
-                        </a:rPr>
-                        <a:t>project/</a:t>
-                      </a:r>
-                      <a:r>
-                        <a:rPr lang="en-US" altLang="ko-KR" sz="900" b="0" dirty="0" err="1" smtClean="0">
+                        <a:rPr lang="en-US" altLang="ko-KR" sz="900" b="0" dirty="0" err="1">
                           <a:latin typeface="맑은 고딕" pitchFamily="50" charset="-127"/>
                           <a:ea typeface="맑은 고딕" pitchFamily="50" charset="-127"/>
                         </a:rPr>
                         <a:t>push_man_server</a:t>
                       </a:r>
                       <a:r>
-                        <a:rPr lang="en-US" altLang="ko-KR" sz="900" b="0" dirty="0" smtClean="0">
+                        <a:rPr lang="en-US" altLang="ko-KR" sz="900" b="0" dirty="0">
                           <a:latin typeface="맑은 고딕" pitchFamily="50" charset="-127"/>
                           <a:ea typeface="맑은 고딕" pitchFamily="50" charset="-127"/>
                         </a:rPr>
                         <a:t>/</a:t>
                       </a:r>
                       <a:r>
-                        <a:rPr lang="en-US" altLang="ko-KR" sz="900" b="0" dirty="0" err="1" smtClean="0">
+                        <a:rPr lang="en-US" altLang="ko-KR" sz="900" b="0" dirty="0" err="1">
                           <a:latin typeface="맑은 고딕" pitchFamily="50" charset="-127"/>
                           <a:ea typeface="맑은 고딕" pitchFamily="50" charset="-127"/>
                         </a:rPr>
                         <a:t>push_man</a:t>
                       </a:r>
                       <a:r>
-                        <a:rPr lang="en-US" altLang="ko-KR" sz="900" b="0" dirty="0" smtClean="0">
+                        <a:rPr lang="en-US" altLang="ko-KR" sz="900" b="0" dirty="0">
                           <a:latin typeface="맑은 고딕" pitchFamily="50" charset="-127"/>
                           <a:ea typeface="맑은 고딕" pitchFamily="50" charset="-127"/>
                         </a:rPr>
@@ -36004,7 +35441,7 @@
                     <a:p>
                       <a:pPr latinLnBrk="1"/>
                       <a:r>
-                        <a:rPr lang="en-US" altLang="ko-KR" sz="900" b="0" dirty="0" smtClean="0">
+                        <a:rPr lang="en-US" altLang="ko-KR" sz="900" b="0" dirty="0">
                           <a:latin typeface="맑은 고딕" pitchFamily="50" charset="-127"/>
                           <a:ea typeface="+mn-ea"/>
                         </a:rPr>
@@ -36298,7 +35735,7 @@
                         <a:tabLst/>
                         <a:defRPr/>
                       </a:pPr>
-                      <a:endParaRPr lang="en-US" altLang="ko-KR" sz="900" b="0" baseline="0" dirty="0" smtClean="0">
+                      <a:endParaRPr lang="en-US" altLang="ko-KR" sz="900" b="0" baseline="0" dirty="0">
                         <a:solidFill>
                           <a:schemeClr val="tx1"/>
                         </a:solidFill>
@@ -36325,7 +35762,7 @@
                         <a:defRPr/>
                       </a:pPr>
                       <a:r>
-                        <a:rPr lang="ko-KR" altLang="en-US" sz="900" b="0" baseline="0" dirty="0" smtClean="0">
+                        <a:rPr lang="ko-KR" altLang="en-US" sz="900" b="0" baseline="0" dirty="0">
                           <a:solidFill>
                             <a:schemeClr val="tx1"/>
                           </a:solidFill>
@@ -36335,7 +35772,7 @@
                         <a:t>서버 </a:t>
                       </a:r>
                       <a:r>
-                        <a:rPr lang="en-US" altLang="ko-KR" sz="900" b="0" baseline="0" dirty="0" smtClean="0">
+                        <a:rPr lang="en-US" altLang="ko-KR" sz="900" b="0" baseline="0" dirty="0">
                           <a:solidFill>
                             <a:schemeClr val="tx1"/>
                           </a:solidFill>
@@ -36345,7 +35782,7 @@
                         <a:t>Open / Close </a:t>
                       </a:r>
                       <a:r>
-                        <a:rPr lang="ko-KR" altLang="en-US" sz="900" b="0" baseline="0" dirty="0" smtClean="0">
+                        <a:rPr lang="ko-KR" altLang="en-US" sz="900" b="0" baseline="0" dirty="0">
                           <a:solidFill>
                             <a:schemeClr val="tx1"/>
                           </a:solidFill>
@@ -36355,27 +35792,17 @@
                         <a:t>및 </a:t>
                       </a:r>
                       <a:r>
-                        <a:rPr lang="en-US" altLang="ko-KR" sz="900" b="0" baseline="0" dirty="0" smtClean="0">
+                        <a:rPr lang="en-US" altLang="ko-KR" sz="900" b="0" baseline="0" dirty="0">
                           <a:solidFill>
                             <a:schemeClr val="tx1"/>
                           </a:solidFill>
                           <a:latin typeface="+mn-ea"/>
                           <a:ea typeface="+mn-ea"/>
                         </a:rPr>
-                        <a:t>client </a:t>
+                        <a:t>client  </a:t>
                       </a:r>
                       <a:r>
-                        <a:rPr lang="en-US" altLang="ko-KR" sz="900" b="0" baseline="0" dirty="0" smtClean="0">
-                          <a:solidFill>
-                            <a:schemeClr val="tx1"/>
-                          </a:solidFill>
-                          <a:latin typeface="+mn-ea"/>
-                          <a:ea typeface="+mn-ea"/>
-                        </a:rPr>
-                        <a:t> </a:t>
-                      </a:r>
-                      <a:r>
-                        <a:rPr lang="ko-KR" altLang="en-US" sz="900" b="0" baseline="0" dirty="0" smtClean="0">
+                        <a:rPr lang="ko-KR" altLang="en-US" sz="900" b="0" baseline="0" dirty="0">
                           <a:solidFill>
                             <a:schemeClr val="tx1"/>
                           </a:solidFill>
@@ -36385,7 +35812,7 @@
                         <a:t>사용자 기록 </a:t>
                       </a:r>
                       <a:r>
-                        <a:rPr lang="en-US" altLang="ko-KR" sz="900" b="0" baseline="0" dirty="0" smtClean="0">
+                        <a:rPr lang="en-US" altLang="ko-KR" sz="900" b="0" baseline="0" dirty="0">
                           <a:solidFill>
                             <a:schemeClr val="tx1"/>
                           </a:solidFill>
@@ -36395,7 +35822,7 @@
                         <a:t>Log </a:t>
                       </a:r>
                       <a:r>
-                        <a:rPr lang="ko-KR" altLang="en-US" sz="900" b="0" baseline="0" dirty="0" smtClean="0">
+                        <a:rPr lang="ko-KR" altLang="en-US" sz="900" b="0" baseline="0" dirty="0">
                           <a:solidFill>
                             <a:schemeClr val="tx1"/>
                           </a:solidFill>
@@ -36404,7 +35831,7 @@
                         </a:rPr>
                         <a:t>출력</a:t>
                       </a:r>
-                      <a:endParaRPr lang="en-US" altLang="ko-KR" sz="900" b="0" baseline="0" dirty="0" smtClean="0">
+                      <a:endParaRPr lang="en-US" altLang="ko-KR" sz="900" b="0" baseline="0" dirty="0">
                         <a:solidFill>
                           <a:schemeClr val="tx1"/>
                         </a:solidFill>
@@ -36430,7 +35857,7 @@
                         <a:tabLst/>
                         <a:defRPr/>
                       </a:pPr>
-                      <a:endParaRPr lang="en-US" altLang="ko-KR" sz="900" b="0" baseline="0" dirty="0" smtClean="0">
+                      <a:endParaRPr lang="en-US" altLang="ko-KR" sz="900" b="0" baseline="0" dirty="0">
                         <a:solidFill>
                           <a:schemeClr val="tx1"/>
                         </a:solidFill>
@@ -36457,7 +35884,7 @@
                         <a:defRPr/>
                       </a:pPr>
                       <a:r>
-                        <a:rPr lang="en-US" altLang="ko-KR" sz="900" b="0" baseline="0" dirty="0" smtClean="0">
+                        <a:rPr lang="en-US" altLang="ko-KR" sz="900" b="0" baseline="0" dirty="0">
                           <a:solidFill>
                             <a:schemeClr val="tx1"/>
                           </a:solidFill>
@@ -36467,7 +35894,7 @@
                         <a:t>Server</a:t>
                       </a:r>
                       <a:r>
-                        <a:rPr lang="ko-KR" altLang="en-US" sz="900" b="0" baseline="0" dirty="0" smtClean="0">
+                        <a:rPr lang="ko-KR" altLang="en-US" sz="900" b="0" baseline="0" dirty="0">
                           <a:solidFill>
                             <a:schemeClr val="tx1"/>
                           </a:solidFill>
@@ -36477,7 +35904,7 @@
                         <a:t> </a:t>
                       </a:r>
                       <a:r>
-                        <a:rPr lang="en-US" altLang="ko-KR" sz="900" b="0" baseline="0" dirty="0" err="1" smtClean="0">
+                        <a:rPr lang="en-US" altLang="ko-KR" sz="900" b="0" baseline="0" dirty="0" err="1">
                           <a:solidFill>
                             <a:schemeClr val="tx1"/>
                           </a:solidFill>
@@ -36487,7 +35914,7 @@
                         <a:t>DataBase</a:t>
                       </a:r>
                       <a:r>
-                        <a:rPr lang="ko-KR" altLang="en-US" sz="900" b="0" baseline="0" dirty="0" smtClean="0">
+                        <a:rPr lang="ko-KR" altLang="en-US" sz="900" b="0" baseline="0" dirty="0">
                           <a:solidFill>
                             <a:schemeClr val="tx1"/>
                           </a:solidFill>
@@ -36496,7 +35923,7 @@
                         </a:rPr>
                         <a:t>에 등록된 사용자 목록</a:t>
                       </a:r>
-                      <a:endParaRPr lang="en-US" altLang="ko-KR" sz="900" b="0" baseline="0" dirty="0" smtClean="0">
+                      <a:endParaRPr lang="en-US" altLang="ko-KR" sz="900" b="0" baseline="0" dirty="0">
                         <a:solidFill>
                           <a:schemeClr val="tx1"/>
                         </a:solidFill>
@@ -36522,7 +35949,7 @@
                         <a:tabLst/>
                         <a:defRPr/>
                       </a:pPr>
-                      <a:endParaRPr lang="en-US" altLang="ko-KR" sz="900" b="0" baseline="0" dirty="0" smtClean="0">
+                      <a:endParaRPr lang="en-US" altLang="ko-KR" sz="900" b="0" baseline="0" dirty="0">
                         <a:solidFill>
                           <a:schemeClr val="tx1"/>
                         </a:solidFill>
@@ -36549,7 +35976,7 @@
                         <a:defRPr/>
                       </a:pPr>
                       <a:r>
-                        <a:rPr lang="ko-KR" altLang="en-US" sz="900" b="0" dirty="0" smtClean="0">
+                        <a:rPr lang="ko-KR" altLang="en-US" sz="900" b="0" dirty="0">
                           <a:solidFill>
                             <a:schemeClr val="tx1"/>
                           </a:solidFill>
@@ -36559,7 +35986,7 @@
                         <a:t>현재 접속</a:t>
                       </a:r>
                       <a:r>
-                        <a:rPr lang="ko-KR" altLang="en-US" sz="900" b="0" baseline="0" dirty="0" smtClean="0">
+                        <a:rPr lang="ko-KR" altLang="en-US" sz="900" b="0" baseline="0" dirty="0">
                           <a:solidFill>
                             <a:schemeClr val="tx1"/>
                           </a:solidFill>
@@ -36569,7 +35996,7 @@
                         <a:t> 중인 사용자 목록</a:t>
                       </a:r>
                       <a:r>
-                        <a:rPr lang="en-US" altLang="ko-KR" sz="900" b="0" baseline="0" dirty="0" smtClean="0">
+                        <a:rPr lang="en-US" altLang="ko-KR" sz="900" b="0" baseline="0" dirty="0">
                           <a:solidFill>
                             <a:schemeClr val="tx1"/>
                           </a:solidFill>
@@ -36579,7 +36006,7 @@
                         <a:t>(</a:t>
                       </a:r>
                       <a:r>
-                        <a:rPr lang="ko-KR" altLang="en-US" sz="900" b="0" baseline="0" dirty="0" smtClean="0">
+                        <a:rPr lang="ko-KR" altLang="en-US" sz="900" b="0" baseline="0" dirty="0">
                           <a:solidFill>
                             <a:schemeClr val="tx1"/>
                           </a:solidFill>
@@ -36589,7 +36016,7 @@
                         <a:t>대기실 </a:t>
                       </a:r>
                       <a:r>
-                        <a:rPr lang="en-US" altLang="ko-KR" sz="900" b="0" baseline="0" dirty="0" smtClean="0">
+                        <a:rPr lang="en-US" altLang="ko-KR" sz="900" b="0" baseline="0" dirty="0">
                           <a:solidFill>
                             <a:schemeClr val="tx1"/>
                           </a:solidFill>
@@ -36599,7 +36026,7 @@
                         <a:t>– </a:t>
                       </a:r>
                       <a:r>
-                        <a:rPr lang="ko-KR" altLang="en-US" sz="900" b="0" baseline="0" dirty="0" smtClean="0">
+                        <a:rPr lang="ko-KR" altLang="en-US" sz="900" b="0" baseline="0" dirty="0">
                           <a:solidFill>
                             <a:schemeClr val="tx1"/>
                           </a:solidFill>
@@ -36609,7 +36036,7 @@
                         <a:t>게임 중 사용자 상태에 따라 구분</a:t>
                       </a:r>
                       <a:r>
-                        <a:rPr lang="en-US" altLang="ko-KR" sz="900" b="0" baseline="0" dirty="0" smtClean="0">
+                        <a:rPr lang="en-US" altLang="ko-KR" sz="900" b="0" baseline="0" dirty="0">
                           <a:solidFill>
                             <a:schemeClr val="tx1"/>
                           </a:solidFill>
@@ -36637,7 +36064,7 @@
                         <a:tabLst/>
                         <a:defRPr/>
                       </a:pPr>
-                      <a:endParaRPr lang="en-US" altLang="ko-KR" sz="900" b="0" baseline="0" dirty="0" smtClean="0">
+                      <a:endParaRPr lang="en-US" altLang="ko-KR" sz="900" b="0" baseline="0" dirty="0">
                         <a:solidFill>
                           <a:schemeClr val="tx1"/>
                         </a:solidFill>
@@ -36664,7 +36091,7 @@
                         <a:defRPr/>
                       </a:pPr>
                       <a:r>
-                        <a:rPr lang="ko-KR" altLang="en-US" sz="900" b="0" baseline="0" dirty="0" smtClean="0">
+                        <a:rPr lang="ko-KR" altLang="en-US" sz="900" b="0" baseline="0" dirty="0">
                           <a:solidFill>
                             <a:schemeClr val="tx1"/>
                           </a:solidFill>
@@ -36674,7 +36101,7 @@
                         <a:t>서버 </a:t>
                       </a:r>
                       <a:r>
-                        <a:rPr lang="en-US" altLang="ko-KR" sz="900" b="0" baseline="0" dirty="0" smtClean="0">
+                        <a:rPr lang="en-US" altLang="ko-KR" sz="900" b="0" baseline="0" dirty="0">
                           <a:solidFill>
                             <a:schemeClr val="tx1"/>
                           </a:solidFill>
@@ -36683,7 +36110,7 @@
                         </a:rPr>
                         <a:t>Open / Close</a:t>
                       </a:r>
-                      <a:endParaRPr lang="en-US" altLang="ko-KR" sz="900" b="0" baseline="0" dirty="0" smtClean="0">
+                      <a:endParaRPr lang="en-US" altLang="ko-KR" sz="900" b="0" baseline="0" dirty="0">
                         <a:solidFill>
                           <a:schemeClr val="tx1"/>
                         </a:solidFill>
@@ -36709,7 +36136,7 @@
                         <a:tabLst/>
                         <a:defRPr/>
                       </a:pPr>
-                      <a:endParaRPr lang="en-US" altLang="ko-KR" sz="900" b="0" baseline="0" dirty="0" smtClean="0">
+                      <a:endParaRPr lang="en-US" altLang="ko-KR" sz="900" b="0" baseline="0" dirty="0">
                         <a:solidFill>
                           <a:schemeClr val="tx1"/>
                         </a:solidFill>
@@ -36735,7 +36162,7 @@
                         <a:tabLst/>
                         <a:defRPr/>
                       </a:pPr>
-                      <a:endParaRPr lang="en-US" altLang="ko-KR" sz="900" b="0" baseline="0" dirty="0" smtClean="0">
+                      <a:endParaRPr lang="en-US" altLang="ko-KR" sz="900" b="0" baseline="0" dirty="0">
                         <a:solidFill>
                           <a:schemeClr val="tx1"/>
                         </a:solidFill>
@@ -36882,7 +36309,7 @@
           <a:lstStyle/>
           <a:p>
             <a:r>
-              <a:rPr lang="en-US" altLang="ko-KR" dirty="0" smtClean="0">
+              <a:rPr lang="en-US" altLang="ko-KR" dirty="0">
                 <a:latin typeface="나눔바른고딕" panose="020B0603020101020101" pitchFamily="50" charset="-127"/>
                 <a:ea typeface="나눔바른고딕" panose="020B0603020101020101" pitchFamily="50" charset="-127"/>
               </a:rPr>
@@ -37662,7 +37089,7 @@
             <a:p>
               <a:pPr algn="ctr"/>
               <a:r>
-                <a:rPr lang="en-US" altLang="ko-KR" sz="800" dirty="0" smtClean="0">
+                <a:rPr lang="en-US" altLang="ko-KR" sz="800" dirty="0">
                   <a:solidFill>
                     <a:schemeClr val="bg1"/>
                   </a:solidFill>
@@ -37972,7 +37399,7 @@
             <a:p>
               <a:pPr algn="ctr"/>
               <a:r>
-                <a:rPr lang="en-US" altLang="ko-KR" sz="800" dirty="0" smtClean="0">
+                <a:rPr lang="en-US" altLang="ko-KR" sz="800" dirty="0">
                   <a:solidFill>
                     <a:schemeClr val="bg1"/>
                   </a:solidFill>
@@ -38282,7 +37709,7 @@
             <a:p>
               <a:pPr algn="ctr"/>
               <a:r>
-                <a:rPr lang="en-US" altLang="ko-KR" sz="800" dirty="0" smtClean="0">
+                <a:rPr lang="en-US" altLang="ko-KR" sz="800" dirty="0">
                   <a:solidFill>
                     <a:schemeClr val="bg1"/>
                   </a:solidFill>
@@ -38310,13 +37737,6 @@
   <p:clrMapOvr>
     <a:masterClrMapping/>
   </p:clrMapOvr>
-  <p:timing>
-    <p:tnLst>
-      <p:par>
-        <p:cTn id="1" dur="indefinite" restart="never" nodeType="tmRoot"/>
-      </p:par>
-    </p:tnLst>
-  </p:timing>
 </p:sld>
 </file>
 
@@ -38373,7 +37793,7 @@
             <a:lstStyle/>
             <a:p>
               <a:r>
-                <a:rPr lang="en-US" altLang="ko-KR" sz="5800" dirty="0" smtClean="0">
+                <a:rPr lang="en-US" altLang="ko-KR" sz="5800" dirty="0">
                   <a:solidFill>
                     <a:schemeClr val="bg1">
                       <a:lumMod val="85000"/>
@@ -38385,16 +37805,6 @@
                 </a:rPr>
                 <a:t>02</a:t>
               </a:r>
-              <a:endParaRPr lang="en-US" altLang="ko-KR" sz="5800" dirty="0">
-                <a:solidFill>
-                  <a:schemeClr val="bg1">
-                    <a:lumMod val="85000"/>
-                    <a:alpha val="91000"/>
-                  </a:schemeClr>
-                </a:solidFill>
-                <a:latin typeface="나눔스퀘어 Bold" panose="020B0600000101010101" pitchFamily="50" charset="-127"/>
-                <a:ea typeface="나눔스퀘어 Bold" panose="020B0600000101010101" pitchFamily="50" charset="-127"/>
-              </a:endParaRPr>
             </a:p>
           </p:txBody>
         </p:sp>
@@ -38420,7 +37830,7 @@
             <a:lstStyle/>
             <a:p>
               <a:r>
-                <a:rPr lang="en-US" altLang="ko-KR" sz="2400" dirty="0" smtClean="0">
+                <a:rPr lang="en-US" altLang="ko-KR" sz="2400" dirty="0">
                   <a:solidFill>
                     <a:schemeClr val="tx1">
                       <a:lumMod val="65000"/>
@@ -38484,13 +37894,6 @@
   <p:clrMapOvr>
     <a:masterClrMapping/>
   </p:clrMapOvr>
-  <p:timing>
-    <p:tnLst>
-      <p:par>
-        <p:cTn id="1" dur="indefinite" restart="never" nodeType="tmRoot"/>
-      </p:par>
-    </p:tnLst>
-  </p:timing>
 </p:sld>
 </file>
 
@@ -38646,39 +38049,32 @@
                     <a:p>
                       <a:pPr latinLnBrk="1"/>
                       <a:r>
-                        <a:rPr lang="en-US" altLang="ko-KR" sz="900" b="0" dirty="0" smtClean="0">
+                        <a:rPr lang="en-US" altLang="ko-KR" sz="900" b="0" dirty="0">
                           <a:latin typeface="맑은 고딕" pitchFamily="50" charset="-127"/>
                           <a:ea typeface="맑은 고딕" pitchFamily="50" charset="-127"/>
                         </a:rPr>
                         <a:t>Path – project/</a:t>
                       </a:r>
                       <a:r>
-                        <a:rPr lang="en-US" altLang="ko-KR" sz="900" b="0" dirty="0" err="1" smtClean="0">
+                        <a:rPr lang="en-US" altLang="ko-KR" sz="900" b="0" dirty="0" err="1">
                           <a:latin typeface="맑은 고딕" pitchFamily="50" charset="-127"/>
                           <a:ea typeface="맑은 고딕" pitchFamily="50" charset="-127"/>
                         </a:rPr>
                         <a:t>push_man</a:t>
                       </a:r>
                       <a:r>
-                        <a:rPr lang="en-US" altLang="ko-KR" sz="900" b="0" dirty="0" smtClean="0">
+                        <a:rPr lang="en-US" altLang="ko-KR" sz="900" b="0" dirty="0">
                           <a:latin typeface="맑은 고딕" pitchFamily="50" charset="-127"/>
                           <a:ea typeface="맑은 고딕" pitchFamily="50" charset="-127"/>
                         </a:rPr>
                         <a:t>/main</a:t>
                       </a:r>
                       <a:r>
-                        <a:rPr lang="en-US" altLang="ko-KR" sz="900" b="0" baseline="0" dirty="0" smtClean="0">
+                        <a:rPr lang="en-US" altLang="ko-KR" sz="900" b="0" baseline="0" dirty="0">
                           <a:latin typeface="맑은 고딕" pitchFamily="50" charset="-127"/>
                           <a:ea typeface="맑은 고딕" pitchFamily="50" charset="-127"/>
                         </a:rPr>
-                        <a:t> </a:t>
-                      </a:r>
-                      <a:r>
-                        <a:rPr lang="en-US" altLang="ko-KR" sz="900" b="0" baseline="0" dirty="0" smtClean="0">
-                          <a:latin typeface="맑은 고딕" pitchFamily="50" charset="-127"/>
-                          <a:ea typeface="맑은 고딕" pitchFamily="50" charset="-127"/>
-                        </a:rPr>
-                        <a:t>/member</a:t>
+                        <a:t> /member</a:t>
                       </a:r>
                       <a:endParaRPr lang="ko-KR" altLang="en-US" sz="900" b="0" dirty="0">
                         <a:latin typeface="맑은 고딕" pitchFamily="50" charset="-127"/>
@@ -38812,7 +38208,7 @@
                     <a:p>
                       <a:pPr latinLnBrk="1"/>
                       <a:r>
-                        <a:rPr lang="en-US" altLang="ko-KR" sz="900" b="0" dirty="0" smtClean="0">
+                        <a:rPr lang="en-US" altLang="ko-KR" sz="900" b="0" dirty="0">
                           <a:latin typeface="맑은 고딕" pitchFamily="50" charset="-127"/>
                           <a:ea typeface="+mn-ea"/>
                         </a:rPr>
@@ -39106,7 +38502,7 @@
                         <a:tabLst/>
                         <a:defRPr/>
                       </a:pPr>
-                      <a:endParaRPr lang="en-US" altLang="ko-KR" sz="900" b="0" baseline="0" dirty="0" smtClean="0">
+                      <a:endParaRPr lang="en-US" altLang="ko-KR" sz="900" b="0" baseline="0" dirty="0">
                         <a:solidFill>
                           <a:schemeClr val="tx1"/>
                         </a:solidFill>
@@ -39133,7 +38529,7 @@
                         <a:defRPr/>
                       </a:pPr>
                       <a:r>
-                        <a:rPr lang="ko-KR" altLang="en-US" sz="900" b="0" baseline="0" dirty="0" smtClean="0">
+                        <a:rPr lang="ko-KR" altLang="en-US" sz="900" b="0" baseline="0" dirty="0">
                           <a:solidFill>
                             <a:schemeClr val="tx1"/>
                           </a:solidFill>
@@ -39143,7 +38539,7 @@
                         <a:t>클라이언트 프로그램 실행 시 </a:t>
                       </a:r>
                       <a:r>
-                        <a:rPr lang="en-US" altLang="ko-KR" sz="900" b="0" baseline="0" dirty="0" smtClean="0">
+                        <a:rPr lang="en-US" altLang="ko-KR" sz="900" b="0" baseline="0" dirty="0">
                           <a:solidFill>
                             <a:schemeClr val="tx1"/>
                           </a:solidFill>
@@ -39153,7 +38549,7 @@
                         <a:t>background</a:t>
                       </a:r>
                       <a:r>
-                        <a:rPr lang="ko-KR" altLang="en-US" sz="900" b="0" baseline="0" dirty="0" smtClean="0">
+                        <a:rPr lang="ko-KR" altLang="en-US" sz="900" b="0" baseline="0" dirty="0">
                           <a:solidFill>
                             <a:schemeClr val="tx1"/>
                           </a:solidFill>
@@ -39162,7 +38558,7 @@
                         </a:rPr>
                         <a:t>에서 서버 연결 시도 및 로딩 화면 제공</a:t>
                       </a:r>
-                      <a:endParaRPr lang="en-US" altLang="ko-KR" sz="900" b="0" baseline="0" dirty="0" smtClean="0">
+                      <a:endParaRPr lang="en-US" altLang="ko-KR" sz="900" b="0" baseline="0" dirty="0">
                         <a:solidFill>
                           <a:schemeClr val="tx1"/>
                         </a:solidFill>
@@ -39188,7 +38584,7 @@
                         <a:tabLst/>
                         <a:defRPr/>
                       </a:pPr>
-                      <a:endParaRPr lang="en-US" altLang="ko-KR" sz="900" b="0" baseline="0" dirty="0" smtClean="0">
+                      <a:endParaRPr lang="en-US" altLang="ko-KR" sz="900" b="0" baseline="0" dirty="0">
                         <a:solidFill>
                           <a:schemeClr val="tx1"/>
                         </a:solidFill>
@@ -39215,7 +38611,7 @@
                         <a:defRPr/>
                       </a:pPr>
                       <a:r>
-                        <a:rPr lang="ko-KR" altLang="en-US" sz="900" b="0" baseline="0" dirty="0" smtClean="0">
+                        <a:rPr lang="ko-KR" altLang="en-US" sz="900" b="0" baseline="0" dirty="0">
                           <a:solidFill>
                             <a:schemeClr val="tx1"/>
                           </a:solidFill>
@@ -39225,7 +38621,7 @@
                         <a:t>연결 실패 시 </a:t>
                       </a:r>
                       <a:r>
-                        <a:rPr lang="en-US" altLang="ko-KR" sz="900" b="0" baseline="0" dirty="0" smtClean="0">
+                        <a:rPr lang="en-US" altLang="ko-KR" sz="900" b="0" baseline="0" dirty="0">
                           <a:solidFill>
                             <a:schemeClr val="tx1"/>
                           </a:solidFill>
@@ -39235,7 +38631,7 @@
                         <a:t>– </a:t>
                       </a:r>
                       <a:r>
-                        <a:rPr lang="ko-KR" altLang="en-US" sz="900" b="0" baseline="0" dirty="0" err="1" smtClean="0">
+                        <a:rPr lang="ko-KR" altLang="en-US" sz="900" b="0" baseline="0" dirty="0" err="1">
                           <a:solidFill>
                             <a:schemeClr val="tx1"/>
                           </a:solidFill>
@@ -39245,7 +38641,7 @@
                         <a:t>재연결</a:t>
                       </a:r>
                       <a:r>
-                        <a:rPr lang="ko-KR" altLang="en-US" sz="900" b="0" baseline="0" dirty="0" smtClean="0">
+                        <a:rPr lang="ko-KR" altLang="en-US" sz="900" b="0" baseline="0" dirty="0">
                           <a:solidFill>
                             <a:schemeClr val="tx1"/>
                           </a:solidFill>
@@ -39254,7 +38650,7 @@
                         </a:rPr>
                         <a:t> 시도 다이얼로그 </a:t>
                       </a:r>
-                      <a:endParaRPr lang="en-US" altLang="ko-KR" sz="900" b="0" baseline="0" dirty="0" smtClean="0">
+                      <a:endParaRPr lang="en-US" altLang="ko-KR" sz="900" b="0" baseline="0" dirty="0">
                         <a:solidFill>
                           <a:schemeClr val="tx1"/>
                         </a:solidFill>
@@ -39280,7 +38676,7 @@
                         <a:tabLst/>
                         <a:defRPr/>
                       </a:pPr>
-                      <a:endParaRPr lang="en-US" altLang="ko-KR" sz="900" b="0" baseline="0" dirty="0" smtClean="0">
+                      <a:endParaRPr lang="en-US" altLang="ko-KR" sz="900" b="0" baseline="0" dirty="0">
                         <a:solidFill>
                           <a:schemeClr val="tx1"/>
                         </a:solidFill>
@@ -39307,7 +38703,7 @@
                         <a:defRPr/>
                       </a:pPr>
                       <a:r>
-                        <a:rPr lang="ko-KR" altLang="en-US" sz="900" b="0" baseline="0" dirty="0" smtClean="0">
+                        <a:rPr lang="ko-KR" altLang="en-US" sz="900" b="0" baseline="0" dirty="0">
                           <a:solidFill>
                             <a:schemeClr val="tx1"/>
                           </a:solidFill>
@@ -39317,7 +38713,7 @@
                         <a:t>재시도 시 연결할 </a:t>
                       </a:r>
                       <a:r>
-                        <a:rPr lang="en-US" altLang="ko-KR" sz="900" b="0" baseline="0" dirty="0" smtClean="0">
+                        <a:rPr lang="en-US" altLang="ko-KR" sz="900" b="0" baseline="0" dirty="0">
                           <a:solidFill>
                             <a:schemeClr val="tx1"/>
                           </a:solidFill>
@@ -39327,7 +38723,7 @@
                         <a:t>IP </a:t>
                       </a:r>
                       <a:r>
-                        <a:rPr lang="ko-KR" altLang="en-US" sz="900" b="0" baseline="0" dirty="0" smtClean="0">
+                        <a:rPr lang="ko-KR" altLang="en-US" sz="900" b="0" baseline="0" dirty="0">
                           <a:solidFill>
                             <a:schemeClr val="tx1"/>
                           </a:solidFill>
@@ -39336,7 +38732,7 @@
                         </a:rPr>
                         <a:t>주소 재입력</a:t>
                       </a:r>
-                      <a:endParaRPr lang="en-US" altLang="ko-KR" sz="900" b="0" baseline="0" dirty="0" smtClean="0">
+                      <a:endParaRPr lang="en-US" altLang="ko-KR" sz="900" b="0" baseline="0" dirty="0">
                         <a:solidFill>
                           <a:schemeClr val="tx1"/>
                         </a:solidFill>
@@ -39362,7 +38758,7 @@
                         <a:tabLst/>
                         <a:defRPr/>
                       </a:pPr>
-                      <a:endParaRPr lang="en-US" altLang="ko-KR" sz="900" b="0" baseline="0" dirty="0" smtClean="0">
+                      <a:endParaRPr lang="en-US" altLang="ko-KR" sz="900" b="0" baseline="0" dirty="0">
                         <a:solidFill>
                           <a:schemeClr val="tx1"/>
                         </a:solidFill>
@@ -39389,7 +38785,7 @@
                         <a:defRPr/>
                       </a:pPr>
                       <a:r>
-                        <a:rPr lang="ko-KR" altLang="en-US" sz="900" b="0" baseline="0" dirty="0" smtClean="0">
+                        <a:rPr lang="ko-KR" altLang="en-US" sz="900" b="0" baseline="0" dirty="0">
                           <a:solidFill>
                             <a:schemeClr val="tx1"/>
                           </a:solidFill>
@@ -39399,7 +38795,7 @@
                         <a:t>연결 완료 시 </a:t>
                       </a:r>
                       <a:r>
-                        <a:rPr lang="en-US" altLang="ko-KR" sz="900" b="0" baseline="0" dirty="0" smtClean="0">
+                        <a:rPr lang="en-US" altLang="ko-KR" sz="900" b="0" baseline="0" dirty="0">
                           <a:solidFill>
                             <a:schemeClr val="tx1"/>
                           </a:solidFill>
@@ -39409,7 +38805,7 @@
                         <a:t>– </a:t>
                       </a:r>
                       <a:r>
-                        <a:rPr lang="en-US" altLang="ko-KR" sz="900" b="0" baseline="0" dirty="0" err="1" smtClean="0">
+                        <a:rPr lang="en-US" altLang="ko-KR" sz="900" b="0" baseline="0" dirty="0" err="1">
                           <a:solidFill>
                             <a:schemeClr val="tx1"/>
                           </a:solidFill>
@@ -39419,7 +38815,7 @@
                         <a:t>WebView</a:t>
                       </a:r>
                       <a:r>
-                        <a:rPr lang="ko-KR" altLang="en-US" sz="900" b="0" baseline="0" dirty="0" smtClean="0">
+                        <a:rPr lang="ko-KR" altLang="en-US" sz="900" b="0" baseline="0" dirty="0">
                           <a:solidFill>
                             <a:schemeClr val="tx1"/>
                           </a:solidFill>
@@ -39429,7 +38825,7 @@
                         <a:t>를 이용한 </a:t>
                       </a:r>
                       <a:r>
-                        <a:rPr lang="en-US" altLang="ko-KR" sz="900" b="0" baseline="0" dirty="0" err="1" smtClean="0">
+                        <a:rPr lang="en-US" altLang="ko-KR" sz="900" b="0" baseline="0" dirty="0" err="1">
                           <a:solidFill>
                             <a:schemeClr val="tx1"/>
                           </a:solidFill>
@@ -39439,7 +38835,7 @@
                         <a:t>Youtube</a:t>
                       </a:r>
                       <a:r>
-                        <a:rPr lang="en-US" altLang="ko-KR" sz="900" b="0" baseline="0" dirty="0" smtClean="0">
+                        <a:rPr lang="en-US" altLang="ko-KR" sz="900" b="0" baseline="0" dirty="0">
                           <a:solidFill>
                             <a:schemeClr val="tx1"/>
                           </a:solidFill>
@@ -39449,7 +38845,7 @@
                         <a:t> </a:t>
                       </a:r>
                       <a:r>
-                        <a:rPr lang="ko-KR" altLang="en-US" sz="900" b="0" baseline="0" dirty="0" smtClean="0">
+                        <a:rPr lang="ko-KR" altLang="en-US" sz="900" b="0" baseline="0" dirty="0">
                           <a:solidFill>
                             <a:schemeClr val="tx1"/>
                           </a:solidFill>
@@ -39458,7 +38854,7 @@
                         </a:rPr>
                         <a:t>영상 로딩 화면</a:t>
                       </a:r>
-                      <a:endParaRPr lang="en-US" altLang="ko-KR" sz="900" b="0" baseline="0" dirty="0" smtClean="0">
+                      <a:endParaRPr lang="en-US" altLang="ko-KR" sz="900" b="0" baseline="0" dirty="0">
                         <a:solidFill>
                           <a:schemeClr val="tx1"/>
                         </a:solidFill>
@@ -39595,7 +38991,7 @@
           <a:lstStyle/>
           <a:p>
             <a:r>
-              <a:rPr lang="en-US" altLang="ko-KR" dirty="0" smtClean="0">
+              <a:rPr lang="en-US" altLang="ko-KR" dirty="0">
                 <a:latin typeface="나눔바른고딕" panose="020B0603020101020101" pitchFamily="50" charset="-127"/>
                 <a:ea typeface="나눔바른고딕" panose="020B0603020101020101" pitchFamily="50" charset="-127"/>
               </a:rPr>
@@ -40757,7 +40153,7 @@
             <a:p>
               <a:pPr algn="ctr"/>
               <a:r>
-                <a:rPr lang="en-US" altLang="ko-KR" sz="800" dirty="0" smtClean="0">
+                <a:rPr lang="en-US" altLang="ko-KR" sz="800" dirty="0">
                   <a:solidFill>
                     <a:schemeClr val="bg1"/>
                   </a:solidFill>
@@ -41095,13 +40491,6 @@
   <p:clrMapOvr>
     <a:masterClrMapping/>
   </p:clrMapOvr>
-  <p:timing>
-    <p:tnLst>
-      <p:par>
-        <p:cTn id="1" dur="indefinite" restart="never" nodeType="tmRoot"/>
-      </p:par>
-    </p:tnLst>
-  </p:timing>
 </p:sld>
 </file>
 

--- a/pilot project 파일/[별첨1]PushMan(Story Board_template).pptx
+++ b/pilot project 파일/[별첨1]PushMan(Story Board_template).pptx
@@ -236,7 +236,7 @@
           <a:p>
             <a:fld id="{83083B4A-CB6F-452C-80D1-39926932AFE3}" type="datetimeFigureOut">
               <a:rPr lang="ko-KR" altLang="en-US" smtClean="0"/>
-              <a:t>2024-01-01</a:t>
+              <a:t>2024-01-08</a:t>
             </a:fld>
             <a:endParaRPr lang="ko-KR" altLang="en-US"/>
           </a:p>
@@ -896,7 +896,7 @@
           <a:p>
             <a:fld id="{A2AD4569-71CE-490B-9325-13ED59CA990E}" type="datetimeFigureOut">
               <a:rPr lang="ko-KR" altLang="en-US" smtClean="0"/>
-              <a:t>2024-01-01</a:t>
+              <a:t>2024-01-08</a:t>
             </a:fld>
             <a:endParaRPr lang="ko-KR" altLang="en-US"/>
           </a:p>
@@ -1064,7 +1064,7 @@
           <a:p>
             <a:fld id="{A2AD4569-71CE-490B-9325-13ED59CA990E}" type="datetimeFigureOut">
               <a:rPr lang="ko-KR" altLang="en-US" smtClean="0"/>
-              <a:t>2024-01-01</a:t>
+              <a:t>2024-01-08</a:t>
             </a:fld>
             <a:endParaRPr lang="ko-KR" altLang="en-US"/>
           </a:p>
@@ -1242,7 +1242,7 @@
           <a:p>
             <a:fld id="{A2AD4569-71CE-490B-9325-13ED59CA990E}" type="datetimeFigureOut">
               <a:rPr lang="ko-KR" altLang="en-US" smtClean="0"/>
-              <a:t>2024-01-01</a:t>
+              <a:t>2024-01-08</a:t>
             </a:fld>
             <a:endParaRPr lang="ko-KR" altLang="en-US"/>
           </a:p>
@@ -1410,7 +1410,7 @@
           <a:p>
             <a:fld id="{A2AD4569-71CE-490B-9325-13ED59CA990E}" type="datetimeFigureOut">
               <a:rPr lang="ko-KR" altLang="en-US" smtClean="0"/>
-              <a:t>2024-01-01</a:t>
+              <a:t>2024-01-08</a:t>
             </a:fld>
             <a:endParaRPr lang="ko-KR" altLang="en-US"/>
           </a:p>
@@ -1655,7 +1655,7 @@
           <a:p>
             <a:fld id="{A2AD4569-71CE-490B-9325-13ED59CA990E}" type="datetimeFigureOut">
               <a:rPr lang="ko-KR" altLang="en-US" smtClean="0"/>
-              <a:t>2024-01-01</a:t>
+              <a:t>2024-01-08</a:t>
             </a:fld>
             <a:endParaRPr lang="ko-KR" altLang="en-US"/>
           </a:p>
@@ -1884,7 +1884,7 @@
           <a:p>
             <a:fld id="{A2AD4569-71CE-490B-9325-13ED59CA990E}" type="datetimeFigureOut">
               <a:rPr lang="ko-KR" altLang="en-US" smtClean="0"/>
-              <a:t>2024-01-01</a:t>
+              <a:t>2024-01-08</a:t>
             </a:fld>
             <a:endParaRPr lang="ko-KR" altLang="en-US"/>
           </a:p>
@@ -2248,7 +2248,7 @@
           <a:p>
             <a:fld id="{A2AD4569-71CE-490B-9325-13ED59CA990E}" type="datetimeFigureOut">
               <a:rPr lang="ko-KR" altLang="en-US" smtClean="0"/>
-              <a:t>2024-01-01</a:t>
+              <a:t>2024-01-08</a:t>
             </a:fld>
             <a:endParaRPr lang="ko-KR" altLang="en-US"/>
           </a:p>
@@ -2365,7 +2365,7 @@
           <a:p>
             <a:fld id="{A2AD4569-71CE-490B-9325-13ED59CA990E}" type="datetimeFigureOut">
               <a:rPr lang="ko-KR" altLang="en-US" smtClean="0"/>
-              <a:t>2024-01-01</a:t>
+              <a:t>2024-01-08</a:t>
             </a:fld>
             <a:endParaRPr lang="ko-KR" altLang="en-US"/>
           </a:p>
@@ -2460,7 +2460,7 @@
           <a:p>
             <a:fld id="{A2AD4569-71CE-490B-9325-13ED59CA990E}" type="datetimeFigureOut">
               <a:rPr lang="ko-KR" altLang="en-US" smtClean="0"/>
-              <a:t>2024-01-01</a:t>
+              <a:t>2024-01-08</a:t>
             </a:fld>
             <a:endParaRPr lang="ko-KR" altLang="en-US"/>
           </a:p>
@@ -2735,7 +2735,7 @@
           <a:p>
             <a:fld id="{A2AD4569-71CE-490B-9325-13ED59CA990E}" type="datetimeFigureOut">
               <a:rPr lang="ko-KR" altLang="en-US" smtClean="0"/>
-              <a:t>2024-01-01</a:t>
+              <a:t>2024-01-08</a:t>
             </a:fld>
             <a:endParaRPr lang="ko-KR" altLang="en-US"/>
           </a:p>
@@ -2987,7 +2987,7 @@
           <a:p>
             <a:fld id="{A2AD4569-71CE-490B-9325-13ED59CA990E}" type="datetimeFigureOut">
               <a:rPr lang="ko-KR" altLang="en-US" smtClean="0"/>
-              <a:t>2024-01-01</a:t>
+              <a:t>2024-01-08</a:t>
             </a:fld>
             <a:endParaRPr lang="ko-KR" altLang="en-US"/>
           </a:p>
@@ -3198,7 +3198,7 @@
           <a:p>
             <a:fld id="{A2AD4569-71CE-490B-9325-13ED59CA990E}" type="datetimeFigureOut">
               <a:rPr lang="ko-KR" altLang="en-US" smtClean="0"/>
-              <a:t>2024-01-01</a:t>
+              <a:t>2024-01-08</a:t>
             </a:fld>
             <a:endParaRPr lang="ko-KR" altLang="en-US"/>
           </a:p>
@@ -3918,7 +3918,7 @@
                   <a:ea typeface="맑은 고딕" panose="020B0503020000020004" pitchFamily="50" charset="-127"/>
                   <a:cs typeface="+mj-cs"/>
                 </a:rPr>
-                <a:t>2024.01.02</a:t>
+                <a:t>2024.01.10</a:t>
               </a:r>
             </a:p>
           </p:txBody>
@@ -9858,7 +9858,7 @@
         </p:nvGraphicFramePr>
         <p:xfrm>
           <a:off x="424203" y="505525"/>
-          <a:ext cx="11317718" cy="6400038"/>
+          <a:ext cx="11317718" cy="6380353"/>
         </p:xfrm>
         <a:graphic>
           <a:graphicData uri="http://schemas.openxmlformats.org/drawingml/2006/table">
@@ -21313,7 +21313,7 @@
           <p:nvPr>
             <p:extLst>
               <p:ext uri="{D42A27DB-BD31-4B8C-83A1-F6EECF244321}">
-                <p14:modId xmlns:p14="http://schemas.microsoft.com/office/powerpoint/2010/main" val="805273110"/>
+                <p14:modId xmlns:p14="http://schemas.microsoft.com/office/powerpoint/2010/main" val="3719101538"/>
               </p:ext>
             </p:extLst>
           </p:nvPr>
@@ -21827,7 +21827,7 @@
                         <a:tabLst/>
                       </a:pPr>
                       <a:r>
-                        <a:rPr kumimoji="1" lang="en-US" altLang="ko-KR" sz="1100" b="1" i="0" u="none" strike="noStrike" cap="none" normalizeH="0" baseline="0">
+                        <a:rPr kumimoji="1" lang="en-US" altLang="ko-KR" sz="1100" b="1" i="0" u="none" strike="noStrike" cap="none" normalizeH="0" baseline="0" dirty="0">
                           <a:ln>
                             <a:noFill/>
                           </a:ln>
@@ -22397,7 +22397,7 @@
                         <a:tabLst/>
                       </a:pPr>
                       <a:r>
-                        <a:rPr kumimoji="0" lang="ko-KR" altLang="en-US" sz="900" b="0" i="0" u="none" strike="noStrike" cap="none" normalizeH="0" baseline="0" dirty="0" err="1">
+                        <a:rPr kumimoji="0" lang="ko-KR" altLang="en-US" sz="900" b="0" i="0" u="none" strike="noStrike" cap="none" normalizeH="0" baseline="0" dirty="0">
                           <a:ln>
                             <a:noFill/>
                           </a:ln>
@@ -22408,19 +22408,8 @@
                           <a:latin typeface="+mn-ea"/>
                           <a:ea typeface="+mn-ea"/>
                         </a:rPr>
-                        <a:t>최초작성</a:t>
+                        <a:t>전체 프로세스</a:t>
                       </a:r>
-                      <a:endParaRPr kumimoji="0" lang="ko-KR" altLang="en-US" sz="900" b="0" i="0" u="none" strike="noStrike" cap="none" normalizeH="0" baseline="0" dirty="0">
-                        <a:ln>
-                          <a:noFill/>
-                        </a:ln>
-                        <a:solidFill>
-                          <a:schemeClr val="tx1"/>
-                        </a:solidFill>
-                        <a:effectLst/>
-                        <a:latin typeface="+mn-ea"/>
-                        <a:ea typeface="+mn-ea"/>
-                      </a:endParaRPr>
                     </a:p>
                   </a:txBody>
                   <a:tcPr marT="45742" marB="45742" anchor="ctr" horzOverflow="overflow">
@@ -22798,7 +22787,7 @@
                           <a:latin typeface="+mn-ea"/>
                           <a:ea typeface="+mn-ea"/>
                         </a:rPr>
-                        <a:t>V1.1</a:t>
+                        <a:t>V1.0</a:t>
                       </a:r>
                     </a:p>
                   </a:txBody>
@@ -22877,6 +22866,20 @@
                         <a:buNone/>
                         <a:tabLst/>
                       </a:pPr>
+                      <a:r>
+                        <a:rPr kumimoji="0" lang="ko-KR" altLang="en-US" sz="900" b="0" i="0" u="none" strike="noStrike" cap="none" normalizeH="0" baseline="0" dirty="0" err="1">
+                          <a:ln>
+                            <a:noFill/>
+                          </a:ln>
+                          <a:solidFill>
+                            <a:schemeClr val="tx1"/>
+                          </a:solidFill>
+                          <a:effectLst/>
+                          <a:latin typeface="+mn-ea"/>
+                          <a:ea typeface="+mn-ea"/>
+                        </a:rPr>
+                        <a:t>김규민</a:t>
+                      </a:r>
                       <a:endParaRPr kumimoji="0" lang="ko-KR" altLang="ko-KR" sz="900" b="0" i="0" u="none" strike="noStrike" cap="none" normalizeH="0" baseline="0" dirty="0">
                         <a:ln>
                           <a:noFill/>
@@ -23399,7 +23402,7 @@
                           <a:latin typeface="+mn-ea"/>
                           <a:ea typeface="+mn-ea"/>
                         </a:rPr>
-                        <a:t>V1.1</a:t>
+                        <a:t>V1.0</a:t>
                       </a:r>
                     </a:p>
                   </a:txBody>
@@ -23490,7 +23493,7 @@
                           <a:latin typeface="+mn-ea"/>
                           <a:ea typeface="+mn-ea"/>
                         </a:rPr>
-                        <a:t>송상엽</a:t>
+                        <a:t>김규민</a:t>
                       </a:r>
                       <a:endParaRPr kumimoji="0" lang="ko-KR" altLang="ko-KR" sz="900" b="0" i="0" u="none" strike="noStrike" cap="none" normalizeH="0" baseline="0" dirty="0">
                         <a:ln>
@@ -24011,7 +24014,7 @@
                           <a:latin typeface="+mn-ea"/>
                           <a:ea typeface="+mn-ea"/>
                         </a:rPr>
-                        <a:t>V1.2</a:t>
+                        <a:t>V1.0</a:t>
                       </a:r>
                     </a:p>
                   </a:txBody>
@@ -30871,2398 +30874,6 @@
           <a:chExt cx="0" cy="0"/>
         </a:xfrm>
       </p:grpSpPr>
-      <p:sp>
-        <p:nvSpPr>
-          <p:cNvPr id="4" name="직사각형 3">
-            <a:extLst>
-              <a:ext uri="{FF2B5EF4-FFF2-40B4-BE49-F238E27FC236}">
-                <a16:creationId xmlns:a16="http://schemas.microsoft.com/office/drawing/2014/main" id="{530DEF7D-F657-E84D-B29B-88B8BDF615B7}"/>
-              </a:ext>
-            </a:extLst>
-          </p:cNvPr>
-          <p:cNvSpPr/>
-          <p:nvPr/>
-        </p:nvSpPr>
-        <p:spPr>
-          <a:xfrm>
-            <a:off x="1983151" y="837229"/>
-            <a:ext cx="753762" cy="284205"/>
-          </a:xfrm>
-          <a:prstGeom prst="rect">
-            <a:avLst/>
-          </a:prstGeom>
-          <a:solidFill>
-            <a:schemeClr val="tx1"/>
-          </a:solidFill>
-          <a:ln>
-            <a:solidFill>
-              <a:schemeClr val="bg1">
-                <a:lumMod val="75000"/>
-              </a:schemeClr>
-            </a:solidFill>
-          </a:ln>
-        </p:spPr>
-        <p:style>
-          <a:lnRef idx="2">
-            <a:schemeClr val="accent1">
-              <a:shade val="50000"/>
-            </a:schemeClr>
-          </a:lnRef>
-          <a:fillRef idx="1">
-            <a:schemeClr val="accent1"/>
-          </a:fillRef>
-          <a:effectRef idx="0">
-            <a:schemeClr val="accent1"/>
-          </a:effectRef>
-          <a:fontRef idx="minor">
-            <a:schemeClr val="lt1"/>
-          </a:fontRef>
-        </p:style>
-        <p:txBody>
-          <a:bodyPr rtlCol="0" anchor="ctr"/>
-          <a:lstStyle/>
-          <a:p>
-            <a:pPr algn="ctr"/>
-            <a:r>
-              <a:rPr kumimoji="1" lang="x-none" altLang="en-US" sz="800" dirty="0">
-                <a:solidFill>
-                  <a:schemeClr val="bg1"/>
-                </a:solidFill>
-              </a:rPr>
-              <a:t>설치</a:t>
-            </a:r>
-          </a:p>
-        </p:txBody>
-      </p:sp>
-      <p:sp>
-        <p:nvSpPr>
-          <p:cNvPr id="10" name="타원 9">
-            <a:extLst>
-              <a:ext uri="{FF2B5EF4-FFF2-40B4-BE49-F238E27FC236}">
-                <a16:creationId xmlns:a16="http://schemas.microsoft.com/office/drawing/2014/main" id="{8C7A5316-FA68-D647-9319-5D6898F827F5}"/>
-              </a:ext>
-            </a:extLst>
-          </p:cNvPr>
-          <p:cNvSpPr/>
-          <p:nvPr/>
-        </p:nvSpPr>
-        <p:spPr>
-          <a:xfrm>
-            <a:off x="2459549" y="3468674"/>
-            <a:ext cx="3214686" cy="2959816"/>
-          </a:xfrm>
-          <a:prstGeom prst="ellipse">
-            <a:avLst/>
-          </a:prstGeom>
-          <a:solidFill>
-            <a:schemeClr val="bg1"/>
-          </a:solidFill>
-          <a:ln>
-            <a:solidFill>
-              <a:schemeClr val="bg1">
-                <a:lumMod val="75000"/>
-              </a:schemeClr>
-            </a:solidFill>
-          </a:ln>
-        </p:spPr>
-        <p:style>
-          <a:lnRef idx="2">
-            <a:schemeClr val="accent1">
-              <a:shade val="50000"/>
-            </a:schemeClr>
-          </a:lnRef>
-          <a:fillRef idx="1">
-            <a:schemeClr val="accent1"/>
-          </a:fillRef>
-          <a:effectRef idx="0">
-            <a:schemeClr val="accent1"/>
-          </a:effectRef>
-          <a:fontRef idx="minor">
-            <a:schemeClr val="lt1"/>
-          </a:fontRef>
-        </p:style>
-        <p:txBody>
-          <a:bodyPr rtlCol="0" anchor="t"/>
-          <a:lstStyle/>
-          <a:p>
-            <a:pPr algn="ctr"/>
-            <a:endParaRPr kumimoji="1" lang="en-US" altLang="x-none" sz="800" b="1" dirty="0">
-              <a:solidFill>
-                <a:schemeClr val="tx1"/>
-              </a:solidFill>
-            </a:endParaRPr>
-          </a:p>
-          <a:p>
-            <a:pPr algn="ctr"/>
-            <a:endParaRPr kumimoji="1" lang="en-US" altLang="x-none" sz="800" b="1" dirty="0">
-              <a:solidFill>
-                <a:schemeClr val="tx1"/>
-              </a:solidFill>
-            </a:endParaRPr>
-          </a:p>
-          <a:p>
-            <a:pPr algn="ctr"/>
-            <a:endParaRPr kumimoji="1" lang="en-US" altLang="x-none" sz="800" b="1" dirty="0">
-              <a:solidFill>
-                <a:schemeClr val="tx1"/>
-              </a:solidFill>
-            </a:endParaRPr>
-          </a:p>
-        </p:txBody>
-      </p:sp>
-      <p:sp>
-        <p:nvSpPr>
-          <p:cNvPr id="13" name="타원 12">
-            <a:extLst>
-              <a:ext uri="{FF2B5EF4-FFF2-40B4-BE49-F238E27FC236}">
-                <a16:creationId xmlns:a16="http://schemas.microsoft.com/office/drawing/2014/main" id="{0EDD348F-F3D9-9841-A78A-96594A19655F}"/>
-              </a:ext>
-            </a:extLst>
-          </p:cNvPr>
-          <p:cNvSpPr/>
-          <p:nvPr/>
-        </p:nvSpPr>
-        <p:spPr>
-          <a:xfrm>
-            <a:off x="3069389" y="4631852"/>
-            <a:ext cx="575836" cy="533572"/>
-          </a:xfrm>
-          <a:prstGeom prst="ellipse">
-            <a:avLst/>
-          </a:prstGeom>
-          <a:solidFill>
-            <a:schemeClr val="bg1"/>
-          </a:solidFill>
-          <a:ln>
-            <a:solidFill>
-              <a:schemeClr val="bg1">
-                <a:lumMod val="75000"/>
-              </a:schemeClr>
-            </a:solidFill>
-          </a:ln>
-        </p:spPr>
-        <p:style>
-          <a:lnRef idx="2">
-            <a:schemeClr val="accent1">
-              <a:shade val="50000"/>
-            </a:schemeClr>
-          </a:lnRef>
-          <a:fillRef idx="1">
-            <a:schemeClr val="accent1"/>
-          </a:fillRef>
-          <a:effectRef idx="0">
-            <a:schemeClr val="accent1"/>
-          </a:effectRef>
-          <a:fontRef idx="minor">
-            <a:schemeClr val="lt1"/>
-          </a:fontRef>
-        </p:style>
-        <p:txBody>
-          <a:bodyPr lIns="0" tIns="0" rIns="0" bIns="0" rtlCol="0" anchor="ctr"/>
-          <a:lstStyle/>
-          <a:p>
-            <a:pPr algn="ctr"/>
-            <a:r>
-              <a:rPr kumimoji="1" lang="en-US" altLang="x-none" sz="800" dirty="0">
-                <a:solidFill>
-                  <a:schemeClr val="tx1"/>
-                </a:solidFill>
-              </a:rPr>
-              <a:t>1</a:t>
-            </a:r>
-            <a:r>
-              <a:rPr kumimoji="1" lang="en-US" altLang="ko-KR" sz="800" dirty="0">
-                <a:solidFill>
-                  <a:schemeClr val="tx1"/>
-                </a:solidFill>
-              </a:rPr>
-              <a:t>.START</a:t>
-            </a:r>
-          </a:p>
-          <a:p>
-            <a:pPr algn="ctr"/>
-            <a:r>
-              <a:rPr kumimoji="1" lang="ko-KR" altLang="en-US" sz="800" dirty="0">
-                <a:solidFill>
-                  <a:schemeClr val="tx1"/>
-                </a:solidFill>
-              </a:rPr>
-              <a:t>게임진행</a:t>
-            </a:r>
-            <a:endParaRPr kumimoji="1" lang="en-US" altLang="ko-KR" sz="800" dirty="0">
-              <a:solidFill>
-                <a:schemeClr val="tx1"/>
-              </a:solidFill>
-            </a:endParaRPr>
-          </a:p>
-        </p:txBody>
-      </p:sp>
-      <p:sp>
-        <p:nvSpPr>
-          <p:cNvPr id="14" name="타원 13">
-            <a:extLst>
-              <a:ext uri="{FF2B5EF4-FFF2-40B4-BE49-F238E27FC236}">
-                <a16:creationId xmlns:a16="http://schemas.microsoft.com/office/drawing/2014/main" id="{98F4462D-7477-564C-88BF-66FF9747BD86}"/>
-              </a:ext>
-            </a:extLst>
-          </p:cNvPr>
-          <p:cNvSpPr/>
-          <p:nvPr/>
-        </p:nvSpPr>
-        <p:spPr>
-          <a:xfrm>
-            <a:off x="4400507" y="4617891"/>
-            <a:ext cx="575836" cy="533572"/>
-          </a:xfrm>
-          <a:prstGeom prst="ellipse">
-            <a:avLst/>
-          </a:prstGeom>
-          <a:solidFill>
-            <a:schemeClr val="bg1"/>
-          </a:solidFill>
-          <a:ln>
-            <a:solidFill>
-              <a:schemeClr val="bg1">
-                <a:lumMod val="75000"/>
-              </a:schemeClr>
-            </a:solidFill>
-          </a:ln>
-        </p:spPr>
-        <p:style>
-          <a:lnRef idx="2">
-            <a:schemeClr val="accent1">
-              <a:shade val="50000"/>
-            </a:schemeClr>
-          </a:lnRef>
-          <a:fillRef idx="1">
-            <a:schemeClr val="accent1"/>
-          </a:fillRef>
-          <a:effectRef idx="0">
-            <a:schemeClr val="accent1"/>
-          </a:effectRef>
-          <a:fontRef idx="minor">
-            <a:schemeClr val="lt1"/>
-          </a:fontRef>
-        </p:style>
-        <p:txBody>
-          <a:bodyPr lIns="0" tIns="0" rIns="0" bIns="0" rtlCol="0" anchor="ctr"/>
-          <a:lstStyle/>
-          <a:p>
-            <a:pPr algn="ctr"/>
-            <a:r>
-              <a:rPr kumimoji="1" lang="en-US" altLang="x-none" sz="800" dirty="0">
-                <a:solidFill>
-                  <a:schemeClr val="tx1"/>
-                </a:solidFill>
-              </a:rPr>
-              <a:t>2</a:t>
-            </a:r>
-            <a:r>
-              <a:rPr kumimoji="1" lang="en-US" altLang="ko-KR" sz="800" dirty="0">
-                <a:solidFill>
-                  <a:schemeClr val="tx1"/>
-                </a:solidFill>
-              </a:rPr>
-              <a:t>. STOP</a:t>
-            </a:r>
-          </a:p>
-          <a:p>
-            <a:pPr algn="ctr"/>
-            <a:r>
-              <a:rPr kumimoji="1" lang="ko-KR" altLang="en-US" sz="800" dirty="0" err="1">
-                <a:solidFill>
-                  <a:schemeClr val="tx1"/>
-                </a:solidFill>
-              </a:rPr>
-              <a:t>게임중지</a:t>
-            </a:r>
-            <a:endParaRPr kumimoji="1" lang="x-none" altLang="en-US" sz="800" dirty="0">
-              <a:solidFill>
-                <a:schemeClr val="tx1"/>
-              </a:solidFill>
-            </a:endParaRPr>
-          </a:p>
-        </p:txBody>
-      </p:sp>
-      <p:sp>
-        <p:nvSpPr>
-          <p:cNvPr id="15" name="타원 14">
-            <a:extLst>
-              <a:ext uri="{FF2B5EF4-FFF2-40B4-BE49-F238E27FC236}">
-                <a16:creationId xmlns:a16="http://schemas.microsoft.com/office/drawing/2014/main" id="{F0C2A9F0-F370-E84D-948A-D36FD24F1A48}"/>
-              </a:ext>
-            </a:extLst>
-          </p:cNvPr>
-          <p:cNvSpPr/>
-          <p:nvPr/>
-        </p:nvSpPr>
-        <p:spPr>
-          <a:xfrm>
-            <a:off x="4442248" y="5515784"/>
-            <a:ext cx="575836" cy="533572"/>
-          </a:xfrm>
-          <a:prstGeom prst="ellipse">
-            <a:avLst/>
-          </a:prstGeom>
-          <a:solidFill>
-            <a:schemeClr val="bg1"/>
-          </a:solidFill>
-          <a:ln>
-            <a:solidFill>
-              <a:schemeClr val="bg1">
-                <a:lumMod val="75000"/>
-              </a:schemeClr>
-            </a:solidFill>
-          </a:ln>
-        </p:spPr>
-        <p:style>
-          <a:lnRef idx="2">
-            <a:schemeClr val="accent1">
-              <a:shade val="50000"/>
-            </a:schemeClr>
-          </a:lnRef>
-          <a:fillRef idx="1">
-            <a:schemeClr val="accent1"/>
-          </a:fillRef>
-          <a:effectRef idx="0">
-            <a:schemeClr val="accent1"/>
-          </a:effectRef>
-          <a:fontRef idx="minor">
-            <a:schemeClr val="lt1"/>
-          </a:fontRef>
-        </p:style>
-        <p:txBody>
-          <a:bodyPr lIns="0" tIns="0" rIns="0" bIns="0" rtlCol="0" anchor="ctr"/>
-          <a:lstStyle/>
-          <a:p>
-            <a:pPr algn="ctr"/>
-            <a:r>
-              <a:rPr kumimoji="1" lang="en-US" altLang="x-none" sz="800" dirty="0">
-                <a:solidFill>
-                  <a:schemeClr val="tx1"/>
-                </a:solidFill>
-              </a:rPr>
-              <a:t>3</a:t>
-            </a:r>
-            <a:r>
-              <a:rPr kumimoji="1" lang="en-US" altLang="ko-KR" sz="800" dirty="0">
-                <a:solidFill>
-                  <a:schemeClr val="tx1"/>
-                </a:solidFill>
-              </a:rPr>
-              <a:t>. Clear</a:t>
-            </a:r>
-          </a:p>
-        </p:txBody>
-      </p:sp>
-      <p:sp>
-        <p:nvSpPr>
-          <p:cNvPr id="16" name="타원 15">
-            <a:extLst>
-              <a:ext uri="{FF2B5EF4-FFF2-40B4-BE49-F238E27FC236}">
-                <a16:creationId xmlns:a16="http://schemas.microsoft.com/office/drawing/2014/main" id="{9BDC597E-4229-A747-AA3E-819779FDE7C8}"/>
-              </a:ext>
-            </a:extLst>
-          </p:cNvPr>
-          <p:cNvSpPr/>
-          <p:nvPr/>
-        </p:nvSpPr>
-        <p:spPr>
-          <a:xfrm>
-            <a:off x="3143115" y="5538989"/>
-            <a:ext cx="575836" cy="533572"/>
-          </a:xfrm>
-          <a:prstGeom prst="ellipse">
-            <a:avLst/>
-          </a:prstGeom>
-          <a:solidFill>
-            <a:schemeClr val="bg1"/>
-          </a:solidFill>
-          <a:ln>
-            <a:solidFill>
-              <a:schemeClr val="bg1">
-                <a:lumMod val="75000"/>
-              </a:schemeClr>
-            </a:solidFill>
-          </a:ln>
-        </p:spPr>
-        <p:style>
-          <a:lnRef idx="2">
-            <a:schemeClr val="accent1">
-              <a:shade val="50000"/>
-            </a:schemeClr>
-          </a:lnRef>
-          <a:fillRef idx="1">
-            <a:schemeClr val="accent1"/>
-          </a:fillRef>
-          <a:effectRef idx="0">
-            <a:schemeClr val="accent1"/>
-          </a:effectRef>
-          <a:fontRef idx="minor">
-            <a:schemeClr val="lt1"/>
-          </a:fontRef>
-        </p:style>
-        <p:txBody>
-          <a:bodyPr lIns="0" tIns="0" rIns="0" bIns="0" rtlCol="0" anchor="ctr"/>
-          <a:lstStyle/>
-          <a:p>
-            <a:pPr algn="ctr"/>
-            <a:r>
-              <a:rPr kumimoji="1" lang="en-US" altLang="ko-KR" sz="800" dirty="0">
-                <a:solidFill>
-                  <a:schemeClr val="tx1"/>
-                </a:solidFill>
-              </a:rPr>
-              <a:t>4. </a:t>
-            </a:r>
-            <a:r>
-              <a:rPr kumimoji="1" lang="ko-KR" altLang="en-US" sz="800" dirty="0">
-                <a:solidFill>
-                  <a:schemeClr val="tx1"/>
-                </a:solidFill>
-              </a:rPr>
-              <a:t>다음 스테이지</a:t>
-            </a:r>
-            <a:endParaRPr kumimoji="1" lang="x-none" altLang="en-US" sz="800" dirty="0">
-              <a:solidFill>
-                <a:schemeClr val="tx1"/>
-              </a:solidFill>
-            </a:endParaRPr>
-          </a:p>
-        </p:txBody>
-      </p:sp>
-      <p:sp>
-        <p:nvSpPr>
-          <p:cNvPr id="69" name="직사각형 68">
-            <a:extLst>
-              <a:ext uri="{FF2B5EF4-FFF2-40B4-BE49-F238E27FC236}">
-                <a16:creationId xmlns:a16="http://schemas.microsoft.com/office/drawing/2014/main" id="{C9F5F499-E52A-0946-9602-7D2717D4E907}"/>
-              </a:ext>
-            </a:extLst>
-          </p:cNvPr>
-          <p:cNvSpPr/>
-          <p:nvPr/>
-        </p:nvSpPr>
-        <p:spPr>
-          <a:xfrm>
-            <a:off x="6452372" y="4635847"/>
-            <a:ext cx="1030222" cy="625469"/>
-          </a:xfrm>
-          <a:prstGeom prst="rect">
-            <a:avLst/>
-          </a:prstGeom>
-          <a:solidFill>
-            <a:schemeClr val="bg1"/>
-          </a:solidFill>
-          <a:ln>
-            <a:solidFill>
-              <a:schemeClr val="bg1">
-                <a:lumMod val="75000"/>
-              </a:schemeClr>
-            </a:solidFill>
-          </a:ln>
-        </p:spPr>
-        <p:style>
-          <a:lnRef idx="2">
-            <a:schemeClr val="accent1">
-              <a:shade val="50000"/>
-            </a:schemeClr>
-          </a:lnRef>
-          <a:fillRef idx="1">
-            <a:schemeClr val="accent1"/>
-          </a:fillRef>
-          <a:effectRef idx="0">
-            <a:schemeClr val="accent1"/>
-          </a:effectRef>
-          <a:fontRef idx="minor">
-            <a:schemeClr val="lt1"/>
-          </a:fontRef>
-        </p:style>
-        <p:txBody>
-          <a:bodyPr rtlCol="0" anchor="ctr"/>
-          <a:lstStyle/>
-          <a:p>
-            <a:pPr algn="ctr"/>
-            <a:r>
-              <a:rPr kumimoji="1" lang="en-US" altLang="x-none" sz="800" spc="-100" dirty="0">
-                <a:solidFill>
-                  <a:schemeClr val="tx1"/>
-                </a:solidFill>
-              </a:rPr>
-              <a:t>3.  </a:t>
-            </a:r>
-            <a:r>
-              <a:rPr kumimoji="1" lang="ko-KR" altLang="en-US" sz="800" spc="-100" dirty="0" err="1">
-                <a:solidFill>
-                  <a:schemeClr val="tx1"/>
-                </a:solidFill>
-              </a:rPr>
-              <a:t>클리어</a:t>
-            </a:r>
-            <a:r>
-              <a:rPr kumimoji="1" lang="ko-KR" altLang="en-US" sz="800" spc="-100" dirty="0">
-                <a:solidFill>
-                  <a:schemeClr val="tx1"/>
-                </a:solidFill>
-              </a:rPr>
-              <a:t> 시 서버에 </a:t>
-            </a:r>
-            <a:r>
-              <a:rPr kumimoji="1" lang="ko-KR" altLang="en-US" sz="800" spc="-100" dirty="0" err="1">
-                <a:solidFill>
-                  <a:schemeClr val="tx1"/>
-                </a:solidFill>
-              </a:rPr>
-              <a:t>클리어</a:t>
-            </a:r>
-            <a:r>
-              <a:rPr kumimoji="1" lang="ko-KR" altLang="en-US" sz="800" spc="-100" dirty="0">
-                <a:solidFill>
-                  <a:schemeClr val="tx1"/>
-                </a:solidFill>
-              </a:rPr>
-              <a:t> 시간 저장</a:t>
-            </a:r>
-            <a:endParaRPr kumimoji="1" lang="en-US" altLang="x-none" sz="800" spc="-100" dirty="0">
-              <a:solidFill>
-                <a:schemeClr val="tx1"/>
-              </a:solidFill>
-            </a:endParaRPr>
-          </a:p>
-        </p:txBody>
-      </p:sp>
-      <p:sp>
-        <p:nvSpPr>
-          <p:cNvPr id="71" name="다이아몬드 70">
-            <a:extLst>
-              <a:ext uri="{FF2B5EF4-FFF2-40B4-BE49-F238E27FC236}">
-                <a16:creationId xmlns:a16="http://schemas.microsoft.com/office/drawing/2014/main" id="{E3A96AE2-A145-A74C-8987-A132A941FA21}"/>
-              </a:ext>
-            </a:extLst>
-          </p:cNvPr>
-          <p:cNvSpPr/>
-          <p:nvPr/>
-        </p:nvSpPr>
-        <p:spPr>
-          <a:xfrm>
-            <a:off x="3204786" y="705097"/>
-            <a:ext cx="1705232" cy="537866"/>
-          </a:xfrm>
-          <a:prstGeom prst="diamond">
-            <a:avLst/>
-          </a:prstGeom>
-          <a:solidFill>
-            <a:schemeClr val="bg1"/>
-          </a:solidFill>
-          <a:ln>
-            <a:solidFill>
-              <a:schemeClr val="bg1">
-                <a:lumMod val="75000"/>
-              </a:schemeClr>
-            </a:solidFill>
-          </a:ln>
-        </p:spPr>
-        <p:style>
-          <a:lnRef idx="2">
-            <a:schemeClr val="accent1">
-              <a:shade val="50000"/>
-            </a:schemeClr>
-          </a:lnRef>
-          <a:fillRef idx="1">
-            <a:schemeClr val="accent1"/>
-          </a:fillRef>
-          <a:effectRef idx="0">
-            <a:schemeClr val="accent1"/>
-          </a:effectRef>
-          <a:fontRef idx="minor">
-            <a:schemeClr val="lt1"/>
-          </a:fontRef>
-        </p:style>
-        <p:txBody>
-          <a:bodyPr rtlCol="0" anchor="ctr"/>
-          <a:lstStyle/>
-          <a:p>
-            <a:pPr algn="ctr"/>
-            <a:r>
-              <a:rPr kumimoji="1" lang="ko-KR" altLang="en-US" sz="800" spc="-100" dirty="0" err="1">
-                <a:solidFill>
-                  <a:schemeClr val="tx1"/>
-                </a:solidFill>
-              </a:rPr>
-              <a:t>메인홈</a:t>
-            </a:r>
-            <a:r>
-              <a:rPr kumimoji="1" lang="en-US" altLang="en-US" sz="800" spc="-100" dirty="0">
-                <a:solidFill>
-                  <a:schemeClr val="tx1"/>
-                </a:solidFill>
-              </a:rPr>
-              <a:t> </a:t>
-            </a:r>
-            <a:endParaRPr kumimoji="1" lang="en-US" altLang="x-none" sz="800" spc="-100" dirty="0">
-              <a:solidFill>
-                <a:schemeClr val="tx1"/>
-              </a:solidFill>
-            </a:endParaRPr>
-          </a:p>
-        </p:txBody>
-      </p:sp>
-      <p:cxnSp>
-        <p:nvCxnSpPr>
-          <p:cNvPr id="25" name="직선 화살표 연결선 24">
-            <a:extLst>
-              <a:ext uri="{FF2B5EF4-FFF2-40B4-BE49-F238E27FC236}">
-                <a16:creationId xmlns:a16="http://schemas.microsoft.com/office/drawing/2014/main" id="{64141709-622E-E944-AE87-2EF5FD677308}"/>
-              </a:ext>
-            </a:extLst>
-          </p:cNvPr>
-          <p:cNvCxnSpPr>
-            <a:cxnSpLocks/>
-            <a:stCxn id="4" idx="3"/>
-          </p:cNvCxnSpPr>
-          <p:nvPr/>
-        </p:nvCxnSpPr>
-        <p:spPr>
-          <a:xfrm>
-            <a:off x="2736913" y="979332"/>
-            <a:ext cx="444362" cy="0"/>
-          </a:xfrm>
-          <a:prstGeom prst="straightConnector1">
-            <a:avLst/>
-          </a:prstGeom>
-          <a:ln>
-            <a:tailEnd type="triangle"/>
-          </a:ln>
-        </p:spPr>
-        <p:style>
-          <a:lnRef idx="1">
-            <a:schemeClr val="accent1"/>
-          </a:lnRef>
-          <a:fillRef idx="0">
-            <a:schemeClr val="accent1"/>
-          </a:fillRef>
-          <a:effectRef idx="0">
-            <a:schemeClr val="accent1"/>
-          </a:effectRef>
-          <a:fontRef idx="minor">
-            <a:schemeClr val="tx1"/>
-          </a:fontRef>
-        </p:style>
-      </p:cxnSp>
-      <p:cxnSp>
-        <p:nvCxnSpPr>
-          <p:cNvPr id="184" name="직선 화살표 연결선 183">
-            <a:extLst>
-              <a:ext uri="{FF2B5EF4-FFF2-40B4-BE49-F238E27FC236}">
-                <a16:creationId xmlns:a16="http://schemas.microsoft.com/office/drawing/2014/main" id="{ABCD95E3-E360-444F-837E-E2C8280A31C9}"/>
-              </a:ext>
-            </a:extLst>
-          </p:cNvPr>
-          <p:cNvCxnSpPr>
-            <a:cxnSpLocks/>
-            <a:stCxn id="69" idx="3"/>
-            <a:endCxn id="187" idx="1"/>
-          </p:cNvCxnSpPr>
-          <p:nvPr/>
-        </p:nvCxnSpPr>
-        <p:spPr>
-          <a:xfrm>
-            <a:off x="7482594" y="4948582"/>
-            <a:ext cx="450700" cy="0"/>
-          </a:xfrm>
-          <a:prstGeom prst="straightConnector1">
-            <a:avLst/>
-          </a:prstGeom>
-          <a:ln>
-            <a:tailEnd type="triangle"/>
-          </a:ln>
-        </p:spPr>
-        <p:style>
-          <a:lnRef idx="1">
-            <a:schemeClr val="accent1"/>
-          </a:lnRef>
-          <a:fillRef idx="0">
-            <a:schemeClr val="accent1"/>
-          </a:fillRef>
-          <a:effectRef idx="0">
-            <a:schemeClr val="accent1"/>
-          </a:effectRef>
-          <a:fontRef idx="minor">
-            <a:schemeClr val="tx1"/>
-          </a:fontRef>
-        </p:style>
-      </p:cxnSp>
-      <p:sp>
-        <p:nvSpPr>
-          <p:cNvPr id="187" name="직사각형 186">
-            <a:extLst>
-              <a:ext uri="{FF2B5EF4-FFF2-40B4-BE49-F238E27FC236}">
-                <a16:creationId xmlns:a16="http://schemas.microsoft.com/office/drawing/2014/main" id="{FB0F9F64-AD56-5643-853B-AE6EA051F41D}"/>
-              </a:ext>
-            </a:extLst>
-          </p:cNvPr>
-          <p:cNvSpPr/>
-          <p:nvPr/>
-        </p:nvSpPr>
-        <p:spPr>
-          <a:xfrm>
-            <a:off x="7933294" y="4765075"/>
-            <a:ext cx="863544" cy="367014"/>
-          </a:xfrm>
-          <a:prstGeom prst="rect">
-            <a:avLst/>
-          </a:prstGeom>
-          <a:solidFill>
-            <a:schemeClr val="bg1"/>
-          </a:solidFill>
-          <a:ln>
-            <a:solidFill>
-              <a:schemeClr val="bg1">
-                <a:lumMod val="75000"/>
-              </a:schemeClr>
-            </a:solidFill>
-          </a:ln>
-        </p:spPr>
-        <p:style>
-          <a:lnRef idx="2">
-            <a:schemeClr val="accent1">
-              <a:shade val="50000"/>
-            </a:schemeClr>
-          </a:lnRef>
-          <a:fillRef idx="1">
-            <a:schemeClr val="accent1"/>
-          </a:fillRef>
-          <a:effectRef idx="0">
-            <a:schemeClr val="accent1"/>
-          </a:effectRef>
-          <a:fontRef idx="minor">
-            <a:schemeClr val="lt1"/>
-          </a:fontRef>
-        </p:style>
-        <p:txBody>
-          <a:bodyPr rtlCol="0" anchor="ctr"/>
-          <a:lstStyle/>
-          <a:p>
-            <a:pPr algn="ctr"/>
-            <a:r>
-              <a:rPr kumimoji="1" lang="ko-KR" altLang="en-US" sz="800" b="1" dirty="0">
-                <a:solidFill>
-                  <a:schemeClr val="tx1"/>
-                </a:solidFill>
-              </a:rPr>
-              <a:t>순위</a:t>
-            </a:r>
-            <a:r>
-              <a:rPr kumimoji="1" lang="en-US" altLang="en-US" sz="800" b="1" dirty="0">
-                <a:solidFill>
-                  <a:schemeClr val="tx1"/>
-                </a:solidFill>
-              </a:rPr>
-              <a:t> </a:t>
-            </a:r>
-            <a:r>
-              <a:rPr kumimoji="1" lang="ko-KR" altLang="en-US" sz="800" b="1" dirty="0">
-                <a:solidFill>
-                  <a:schemeClr val="tx1"/>
-                </a:solidFill>
-              </a:rPr>
-              <a:t>확인</a:t>
-            </a:r>
-            <a:endParaRPr kumimoji="1" lang="x-none" altLang="en-US" sz="800" b="1" dirty="0">
-              <a:solidFill>
-                <a:schemeClr val="tx1"/>
-              </a:solidFill>
-            </a:endParaRPr>
-          </a:p>
-        </p:txBody>
-      </p:sp>
-      <p:cxnSp>
-        <p:nvCxnSpPr>
-          <p:cNvPr id="37" name="구부러진 연결선[U] 36">
-            <a:extLst>
-              <a:ext uri="{FF2B5EF4-FFF2-40B4-BE49-F238E27FC236}">
-                <a16:creationId xmlns:a16="http://schemas.microsoft.com/office/drawing/2014/main" id="{F13F2DED-9526-BD45-95A5-893CBC60576A}"/>
-              </a:ext>
-            </a:extLst>
-          </p:cNvPr>
-          <p:cNvCxnSpPr>
-            <a:cxnSpLocks/>
-            <a:stCxn id="13" idx="0"/>
-            <a:endCxn id="14" idx="0"/>
-          </p:cNvCxnSpPr>
-          <p:nvPr/>
-        </p:nvCxnSpPr>
-        <p:spPr>
-          <a:xfrm rot="5400000" flipH="1" flipV="1">
-            <a:off x="4015886" y="3959313"/>
-            <a:ext cx="13961" cy="1331118"/>
-          </a:xfrm>
-          <a:prstGeom prst="curvedConnector3">
-            <a:avLst>
-              <a:gd name="adj1" fmla="val 1737419"/>
-            </a:avLst>
-          </a:prstGeom>
-          <a:ln>
-            <a:tailEnd type="triangle"/>
-          </a:ln>
-        </p:spPr>
-        <p:style>
-          <a:lnRef idx="1">
-            <a:schemeClr val="accent1"/>
-          </a:lnRef>
-          <a:fillRef idx="0">
-            <a:schemeClr val="accent1"/>
-          </a:fillRef>
-          <a:effectRef idx="0">
-            <a:schemeClr val="accent1"/>
-          </a:effectRef>
-          <a:fontRef idx="minor">
-            <a:schemeClr val="tx1"/>
-          </a:fontRef>
-        </p:style>
-      </p:cxnSp>
-      <p:sp>
-        <p:nvSpPr>
-          <p:cNvPr id="42" name="직사각형 41">
-            <a:extLst>
-              <a:ext uri="{FF2B5EF4-FFF2-40B4-BE49-F238E27FC236}">
-                <a16:creationId xmlns:a16="http://schemas.microsoft.com/office/drawing/2014/main" id="{13010864-4023-8D40-92CE-33EE65EB8960}"/>
-              </a:ext>
-            </a:extLst>
-          </p:cNvPr>
-          <p:cNvSpPr/>
-          <p:nvPr/>
-        </p:nvSpPr>
-        <p:spPr>
-          <a:xfrm>
-            <a:off x="3436006" y="3503755"/>
-            <a:ext cx="1173719" cy="369332"/>
-          </a:xfrm>
-          <a:prstGeom prst="rect">
-            <a:avLst/>
-          </a:prstGeom>
-        </p:spPr>
-        <p:txBody>
-          <a:bodyPr wrap="none">
-            <a:spAutoFit/>
-          </a:bodyPr>
-          <a:lstStyle/>
-          <a:p>
-            <a:pPr algn="ctr"/>
-            <a:r>
-              <a:rPr kumimoji="1" lang="en-US" altLang="en-US" b="1" dirty="0"/>
-              <a:t>GAME </a:t>
-            </a:r>
-            <a:r>
-              <a:rPr kumimoji="1" lang="x-none" altLang="en-US" b="1" dirty="0"/>
-              <a:t>홈</a:t>
-            </a:r>
-            <a:endParaRPr kumimoji="1" lang="en-US" altLang="x-none" b="1" dirty="0"/>
-          </a:p>
-        </p:txBody>
-      </p:sp>
-      <p:cxnSp>
-        <p:nvCxnSpPr>
-          <p:cNvPr id="79" name="구부러진 연결선[U] 78">
-            <a:extLst>
-              <a:ext uri="{FF2B5EF4-FFF2-40B4-BE49-F238E27FC236}">
-                <a16:creationId xmlns:a16="http://schemas.microsoft.com/office/drawing/2014/main" id="{C075B4BE-3D2C-F240-86C1-4C49A81BAB7C}"/>
-              </a:ext>
-            </a:extLst>
-          </p:cNvPr>
-          <p:cNvCxnSpPr>
-            <a:cxnSpLocks/>
-            <a:stCxn id="14" idx="6"/>
-            <a:endCxn id="15" idx="6"/>
-          </p:cNvCxnSpPr>
-          <p:nvPr/>
-        </p:nvCxnSpPr>
-        <p:spPr>
-          <a:xfrm>
-            <a:off x="4976343" y="4884677"/>
-            <a:ext cx="41741" cy="897893"/>
-          </a:xfrm>
-          <a:prstGeom prst="curvedConnector3">
-            <a:avLst>
-              <a:gd name="adj1" fmla="val 647663"/>
-            </a:avLst>
-          </a:prstGeom>
-          <a:ln>
-            <a:tailEnd type="triangle"/>
-          </a:ln>
-        </p:spPr>
-        <p:style>
-          <a:lnRef idx="1">
-            <a:schemeClr val="accent1"/>
-          </a:lnRef>
-          <a:fillRef idx="0">
-            <a:schemeClr val="accent1"/>
-          </a:fillRef>
-          <a:effectRef idx="0">
-            <a:schemeClr val="accent1"/>
-          </a:effectRef>
-          <a:fontRef idx="minor">
-            <a:schemeClr val="tx1"/>
-          </a:fontRef>
-        </p:style>
-      </p:cxnSp>
-      <p:cxnSp>
-        <p:nvCxnSpPr>
-          <p:cNvPr id="87" name="구부러진 연결선[U] 86">
-            <a:extLst>
-              <a:ext uri="{FF2B5EF4-FFF2-40B4-BE49-F238E27FC236}">
-                <a16:creationId xmlns:a16="http://schemas.microsoft.com/office/drawing/2014/main" id="{0173F4A9-072D-7244-B3B1-8062323DB46B}"/>
-              </a:ext>
-            </a:extLst>
-          </p:cNvPr>
-          <p:cNvCxnSpPr>
-            <a:cxnSpLocks/>
-            <a:stCxn id="15" idx="4"/>
-            <a:endCxn id="16" idx="4"/>
-          </p:cNvCxnSpPr>
-          <p:nvPr/>
-        </p:nvCxnSpPr>
-        <p:spPr>
-          <a:xfrm rot="5400000">
-            <a:off x="4068998" y="5411392"/>
-            <a:ext cx="23205" cy="1299133"/>
-          </a:xfrm>
-          <a:prstGeom prst="curvedConnector3">
-            <a:avLst>
-              <a:gd name="adj1" fmla="val 1085133"/>
-            </a:avLst>
-          </a:prstGeom>
-          <a:ln>
-            <a:tailEnd type="triangle"/>
-          </a:ln>
-        </p:spPr>
-        <p:style>
-          <a:lnRef idx="1">
-            <a:schemeClr val="accent1"/>
-          </a:lnRef>
-          <a:fillRef idx="0">
-            <a:schemeClr val="accent1"/>
-          </a:fillRef>
-          <a:effectRef idx="0">
-            <a:schemeClr val="accent1"/>
-          </a:effectRef>
-          <a:fontRef idx="minor">
-            <a:schemeClr val="tx1"/>
-          </a:fontRef>
-        </p:style>
-      </p:cxnSp>
-      <p:cxnSp>
-        <p:nvCxnSpPr>
-          <p:cNvPr id="90" name="구부러진 연결선[U] 89">
-            <a:extLst>
-              <a:ext uri="{FF2B5EF4-FFF2-40B4-BE49-F238E27FC236}">
-                <a16:creationId xmlns:a16="http://schemas.microsoft.com/office/drawing/2014/main" id="{BB34D91D-BE54-BC4F-9F9F-50DC1C67AAFB}"/>
-              </a:ext>
-            </a:extLst>
-          </p:cNvPr>
-          <p:cNvCxnSpPr>
-            <a:cxnSpLocks/>
-            <a:stCxn id="16" idx="2"/>
-            <a:endCxn id="13" idx="2"/>
-          </p:cNvCxnSpPr>
-          <p:nvPr/>
-        </p:nvCxnSpPr>
-        <p:spPr>
-          <a:xfrm rot="10800000">
-            <a:off x="3069389" y="4898639"/>
-            <a:ext cx="73726" cy="907137"/>
-          </a:xfrm>
-          <a:prstGeom prst="curvedConnector3">
-            <a:avLst>
-              <a:gd name="adj1" fmla="val 410067"/>
-            </a:avLst>
-          </a:prstGeom>
-          <a:ln>
-            <a:tailEnd type="triangle"/>
-          </a:ln>
-        </p:spPr>
-        <p:style>
-          <a:lnRef idx="1">
-            <a:schemeClr val="accent1"/>
-          </a:lnRef>
-          <a:fillRef idx="0">
-            <a:schemeClr val="accent1"/>
-          </a:fillRef>
-          <a:effectRef idx="0">
-            <a:schemeClr val="accent1"/>
-          </a:effectRef>
-          <a:fontRef idx="minor">
-            <a:schemeClr val="tx1"/>
-          </a:fontRef>
-        </p:style>
-      </p:cxnSp>
-      <p:cxnSp>
-        <p:nvCxnSpPr>
-          <p:cNvPr id="114" name="직선 화살표 연결선 113">
-            <a:extLst>
-              <a:ext uri="{FF2B5EF4-FFF2-40B4-BE49-F238E27FC236}">
-                <a16:creationId xmlns:a16="http://schemas.microsoft.com/office/drawing/2014/main" id="{F3B83B91-FCC9-D242-8131-8E59787BAEDD}"/>
-              </a:ext>
-            </a:extLst>
-          </p:cNvPr>
-          <p:cNvCxnSpPr>
-            <a:cxnSpLocks/>
-            <a:stCxn id="10" idx="6"/>
-            <a:endCxn id="69" idx="1"/>
-          </p:cNvCxnSpPr>
-          <p:nvPr/>
-        </p:nvCxnSpPr>
-        <p:spPr>
-          <a:xfrm>
-            <a:off x="5674235" y="4948582"/>
-            <a:ext cx="778137" cy="0"/>
-          </a:xfrm>
-          <a:prstGeom prst="straightConnector1">
-            <a:avLst/>
-          </a:prstGeom>
-          <a:ln>
-            <a:tailEnd type="triangle"/>
-          </a:ln>
-        </p:spPr>
-        <p:style>
-          <a:lnRef idx="1">
-            <a:schemeClr val="accent1"/>
-          </a:lnRef>
-          <a:fillRef idx="0">
-            <a:schemeClr val="accent1"/>
-          </a:fillRef>
-          <a:effectRef idx="0">
-            <a:schemeClr val="accent1"/>
-          </a:effectRef>
-          <a:fontRef idx="minor">
-            <a:schemeClr val="tx1"/>
-          </a:fontRef>
-        </p:style>
-      </p:cxnSp>
-      <p:sp>
-        <p:nvSpPr>
-          <p:cNvPr id="139" name="직사각형 138">
-            <a:extLst>
-              <a:ext uri="{FF2B5EF4-FFF2-40B4-BE49-F238E27FC236}">
-                <a16:creationId xmlns:a16="http://schemas.microsoft.com/office/drawing/2014/main" id="{20490B06-86AC-1E43-98E7-59AEBEC73A13}"/>
-              </a:ext>
-            </a:extLst>
-          </p:cNvPr>
-          <p:cNvSpPr/>
-          <p:nvPr/>
-        </p:nvSpPr>
-        <p:spPr>
-          <a:xfrm>
-            <a:off x="5723683" y="746083"/>
-            <a:ext cx="1209108" cy="455894"/>
-          </a:xfrm>
-          <a:prstGeom prst="rect">
-            <a:avLst/>
-          </a:prstGeom>
-          <a:solidFill>
-            <a:schemeClr val="bg1"/>
-          </a:solidFill>
-          <a:ln>
-            <a:solidFill>
-              <a:schemeClr val="bg1">
-                <a:lumMod val="75000"/>
-              </a:schemeClr>
-            </a:solidFill>
-          </a:ln>
-        </p:spPr>
-        <p:style>
-          <a:lnRef idx="2">
-            <a:schemeClr val="accent1">
-              <a:shade val="50000"/>
-            </a:schemeClr>
-          </a:lnRef>
-          <a:fillRef idx="1">
-            <a:schemeClr val="accent1"/>
-          </a:fillRef>
-          <a:effectRef idx="0">
-            <a:schemeClr val="accent1"/>
-          </a:effectRef>
-          <a:fontRef idx="minor">
-            <a:schemeClr val="lt1"/>
-          </a:fontRef>
-        </p:style>
-        <p:txBody>
-          <a:bodyPr rtlCol="0" anchor="ctr"/>
-          <a:lstStyle/>
-          <a:p>
-            <a:pPr algn="ctr"/>
-            <a:r>
-              <a:rPr kumimoji="1" lang="x-none" altLang="en-US" sz="800" b="1" dirty="0">
-                <a:solidFill>
-                  <a:srgbClr val="FF0000"/>
-                </a:solidFill>
-              </a:rPr>
-              <a:t>회원가입</a:t>
-            </a:r>
-            <a:endParaRPr kumimoji="1" lang="en-US" altLang="x-none" sz="800" b="1" dirty="0">
-              <a:solidFill>
-                <a:srgbClr val="FF0000"/>
-              </a:solidFill>
-            </a:endParaRPr>
-          </a:p>
-          <a:p>
-            <a:pPr algn="ctr"/>
-            <a:r>
-              <a:rPr kumimoji="1" lang="en-US" altLang="x-none" sz="800" dirty="0">
-                <a:solidFill>
-                  <a:schemeClr val="tx1"/>
-                </a:solidFill>
-              </a:rPr>
-              <a:t>(</a:t>
-            </a:r>
-            <a:r>
-              <a:rPr kumimoji="1" lang="x-none" altLang="en-US" sz="800" dirty="0">
-                <a:solidFill>
-                  <a:schemeClr val="tx1"/>
-                </a:solidFill>
-              </a:rPr>
-              <a:t>기타항목</a:t>
-            </a:r>
-            <a:r>
-              <a:rPr kumimoji="1" lang="en-US" altLang="x-none" sz="800" dirty="0">
-                <a:solidFill>
-                  <a:schemeClr val="tx1"/>
-                </a:solidFill>
-              </a:rPr>
-              <a:t>)</a:t>
-            </a:r>
-            <a:endParaRPr kumimoji="1" lang="x-none" altLang="en-US" sz="800" dirty="0">
-              <a:solidFill>
-                <a:schemeClr val="tx1"/>
-              </a:solidFill>
-            </a:endParaRPr>
-          </a:p>
-        </p:txBody>
-      </p:sp>
-      <p:sp>
-        <p:nvSpPr>
-          <p:cNvPr id="188" name="직사각형 187">
-            <a:extLst>
-              <a:ext uri="{FF2B5EF4-FFF2-40B4-BE49-F238E27FC236}">
-                <a16:creationId xmlns:a16="http://schemas.microsoft.com/office/drawing/2014/main" id="{026C512D-9187-2340-A267-99D6E436FD43}"/>
-              </a:ext>
-            </a:extLst>
-          </p:cNvPr>
-          <p:cNvSpPr/>
-          <p:nvPr/>
-        </p:nvSpPr>
-        <p:spPr>
-          <a:xfrm>
-            <a:off x="3150484" y="5210297"/>
-            <a:ext cx="1785413" cy="461665"/>
-          </a:xfrm>
-          <a:prstGeom prst="rect">
-            <a:avLst/>
-          </a:prstGeom>
-          <a:noFill/>
-          <a:ln>
-            <a:noFill/>
-          </a:ln>
-        </p:spPr>
-        <p:style>
-          <a:lnRef idx="2">
-            <a:schemeClr val="accent1">
-              <a:shade val="50000"/>
-            </a:schemeClr>
-          </a:lnRef>
-          <a:fillRef idx="1">
-            <a:schemeClr val="accent1"/>
-          </a:fillRef>
-          <a:effectRef idx="0">
-            <a:schemeClr val="accent1"/>
-          </a:effectRef>
-          <a:fontRef idx="minor">
-            <a:schemeClr val="lt1"/>
-          </a:fontRef>
-        </p:style>
-        <p:txBody>
-          <a:bodyPr rtlCol="0" anchor="ctr"/>
-          <a:lstStyle/>
-          <a:p>
-            <a:pPr algn="ctr"/>
-            <a:r>
-              <a:rPr kumimoji="1" lang="ko-KR" altLang="en-US" sz="800" i="1" dirty="0">
-                <a:solidFill>
-                  <a:srgbClr val="005AFF"/>
-                </a:solidFill>
-              </a:rPr>
-              <a:t>총 </a:t>
-            </a:r>
-            <a:r>
-              <a:rPr kumimoji="1" lang="en-US" altLang="ko-KR" sz="800" i="1" dirty="0">
-                <a:solidFill>
-                  <a:srgbClr val="005AFF"/>
-                </a:solidFill>
-              </a:rPr>
-              <a:t>4</a:t>
-            </a:r>
-            <a:r>
-              <a:rPr kumimoji="1" lang="ko-KR" altLang="en-US" sz="800" i="1" dirty="0">
-                <a:solidFill>
-                  <a:srgbClr val="005AFF"/>
-                </a:solidFill>
-              </a:rPr>
-              <a:t>단계로 진행</a:t>
-            </a:r>
-            <a:endParaRPr kumimoji="1" lang="en-US" altLang="ko-KR" sz="800" i="1" dirty="0">
-              <a:solidFill>
-                <a:srgbClr val="005AFF"/>
-              </a:solidFill>
-            </a:endParaRPr>
-          </a:p>
-        </p:txBody>
-      </p:sp>
-      <p:sp>
-        <p:nvSpPr>
-          <p:cNvPr id="205" name="직사각형 204">
-            <a:extLst>
-              <a:ext uri="{FF2B5EF4-FFF2-40B4-BE49-F238E27FC236}">
-                <a16:creationId xmlns:a16="http://schemas.microsoft.com/office/drawing/2014/main" id="{07A0F153-6918-814F-9570-21437D4BB83F}"/>
-              </a:ext>
-            </a:extLst>
-          </p:cNvPr>
-          <p:cNvSpPr/>
-          <p:nvPr/>
-        </p:nvSpPr>
-        <p:spPr>
-          <a:xfrm>
-            <a:off x="0" y="68233"/>
-            <a:ext cx="1319373" cy="410818"/>
-          </a:xfrm>
-          <a:prstGeom prst="rect">
-            <a:avLst/>
-          </a:prstGeom>
-          <a:solidFill>
-            <a:srgbClr val="005AFF"/>
-          </a:solidFill>
-          <a:ln>
-            <a:solidFill>
-              <a:schemeClr val="bg1">
-                <a:lumMod val="75000"/>
-              </a:schemeClr>
-            </a:solidFill>
-          </a:ln>
-        </p:spPr>
-        <p:style>
-          <a:lnRef idx="2">
-            <a:schemeClr val="accent1">
-              <a:shade val="50000"/>
-            </a:schemeClr>
-          </a:lnRef>
-          <a:fillRef idx="1">
-            <a:schemeClr val="accent1"/>
-          </a:fillRef>
-          <a:effectRef idx="0">
-            <a:schemeClr val="accent1"/>
-          </a:effectRef>
-          <a:fontRef idx="minor">
-            <a:schemeClr val="lt1"/>
-          </a:fontRef>
-        </p:style>
-        <p:txBody>
-          <a:bodyPr rtlCol="0" anchor="ctr"/>
-          <a:lstStyle/>
-          <a:p>
-            <a:pPr algn="ctr"/>
-            <a:r>
-              <a:rPr kumimoji="1" lang="x-none" altLang="en-US" sz="1000" dirty="0">
-                <a:solidFill>
-                  <a:schemeClr val="bg1"/>
-                </a:solidFill>
-              </a:rPr>
-              <a:t>개발 시 참조</a:t>
-            </a:r>
-          </a:p>
-        </p:txBody>
-      </p:sp>
-      <p:sp>
-        <p:nvSpPr>
-          <p:cNvPr id="82" name="직사각형 81">
-            <a:extLst>
-              <a:ext uri="{FF2B5EF4-FFF2-40B4-BE49-F238E27FC236}">
-                <a16:creationId xmlns:a16="http://schemas.microsoft.com/office/drawing/2014/main" id="{11BD8D6D-9DBB-1842-AB34-74EA1F660CFD}"/>
-              </a:ext>
-            </a:extLst>
-          </p:cNvPr>
-          <p:cNvSpPr/>
-          <p:nvPr/>
-        </p:nvSpPr>
-        <p:spPr>
-          <a:xfrm>
-            <a:off x="3461608" y="1440151"/>
-            <a:ext cx="1206393" cy="417125"/>
-          </a:xfrm>
-          <a:prstGeom prst="rect">
-            <a:avLst/>
-          </a:prstGeom>
-          <a:solidFill>
-            <a:schemeClr val="bg1"/>
-          </a:solidFill>
-          <a:ln>
-            <a:solidFill>
-              <a:schemeClr val="bg1">
-                <a:lumMod val="75000"/>
-              </a:schemeClr>
-            </a:solidFill>
-          </a:ln>
-        </p:spPr>
-        <p:style>
-          <a:lnRef idx="2">
-            <a:schemeClr val="accent1">
-              <a:shade val="50000"/>
-            </a:schemeClr>
-          </a:lnRef>
-          <a:fillRef idx="1">
-            <a:schemeClr val="accent1"/>
-          </a:fillRef>
-          <a:effectRef idx="0">
-            <a:schemeClr val="accent1"/>
-          </a:effectRef>
-          <a:fontRef idx="minor">
-            <a:schemeClr val="lt1"/>
-          </a:fontRef>
-        </p:style>
-        <p:txBody>
-          <a:bodyPr rtlCol="0" anchor="ctr"/>
-          <a:lstStyle/>
-          <a:p>
-            <a:pPr algn="ctr"/>
-            <a:r>
-              <a:rPr kumimoji="1" lang="ko-KR" altLang="en-US" sz="800" b="1" dirty="0">
-                <a:solidFill>
-                  <a:srgbClr val="FF0000"/>
-                </a:solidFill>
-              </a:rPr>
-              <a:t>로그인</a:t>
-            </a:r>
-            <a:endParaRPr kumimoji="1" lang="en-US" altLang="x-none" sz="800" b="1" dirty="0">
-              <a:solidFill>
-                <a:srgbClr val="FF0000"/>
-              </a:solidFill>
-            </a:endParaRPr>
-          </a:p>
-        </p:txBody>
-      </p:sp>
-      <p:cxnSp>
-        <p:nvCxnSpPr>
-          <p:cNvPr id="21" name="직선 화살표 연결선 20"/>
-          <p:cNvCxnSpPr>
-            <a:stCxn id="71" idx="2"/>
-            <a:endCxn id="82" idx="0"/>
-          </p:cNvCxnSpPr>
-          <p:nvPr/>
-        </p:nvCxnSpPr>
-        <p:spPr>
-          <a:xfrm>
-            <a:off x="4057402" y="1242963"/>
-            <a:ext cx="7403" cy="197188"/>
-          </a:xfrm>
-          <a:prstGeom prst="straightConnector1">
-            <a:avLst/>
-          </a:prstGeom>
-          <a:ln w="19050">
-            <a:solidFill>
-              <a:schemeClr val="accent1"/>
-            </a:solidFill>
-            <a:tailEnd type="triangle"/>
-          </a:ln>
-        </p:spPr>
-        <p:style>
-          <a:lnRef idx="1">
-            <a:schemeClr val="accent1"/>
-          </a:lnRef>
-          <a:fillRef idx="0">
-            <a:schemeClr val="accent1"/>
-          </a:fillRef>
-          <a:effectRef idx="0">
-            <a:schemeClr val="accent1"/>
-          </a:effectRef>
-          <a:fontRef idx="minor">
-            <a:schemeClr val="tx1"/>
-          </a:fontRef>
-        </p:style>
-      </p:cxnSp>
-      <p:cxnSp>
-        <p:nvCxnSpPr>
-          <p:cNvPr id="101" name="직선 화살표 연결선 100">
-            <a:extLst>
-              <a:ext uri="{FF2B5EF4-FFF2-40B4-BE49-F238E27FC236}">
-                <a16:creationId xmlns:a16="http://schemas.microsoft.com/office/drawing/2014/main" id="{ABCD95E3-E360-444F-837E-E2C8280A31C9}"/>
-              </a:ext>
-            </a:extLst>
-          </p:cNvPr>
-          <p:cNvCxnSpPr>
-            <a:cxnSpLocks/>
-            <a:stCxn id="187" idx="3"/>
-            <a:endCxn id="102" idx="1"/>
-          </p:cNvCxnSpPr>
-          <p:nvPr/>
-        </p:nvCxnSpPr>
-        <p:spPr>
-          <a:xfrm>
-            <a:off x="8796838" y="4948582"/>
-            <a:ext cx="408897" cy="0"/>
-          </a:xfrm>
-          <a:prstGeom prst="straightConnector1">
-            <a:avLst/>
-          </a:prstGeom>
-          <a:ln>
-            <a:tailEnd type="triangle"/>
-          </a:ln>
-        </p:spPr>
-        <p:style>
-          <a:lnRef idx="1">
-            <a:schemeClr val="accent1"/>
-          </a:lnRef>
-          <a:fillRef idx="0">
-            <a:schemeClr val="accent1"/>
-          </a:fillRef>
-          <a:effectRef idx="0">
-            <a:schemeClr val="accent1"/>
-          </a:effectRef>
-          <a:fontRef idx="minor">
-            <a:schemeClr val="tx1"/>
-          </a:fontRef>
-        </p:style>
-      </p:cxnSp>
-      <p:sp>
-        <p:nvSpPr>
-          <p:cNvPr id="102" name="직사각형 101">
-            <a:extLst>
-              <a:ext uri="{FF2B5EF4-FFF2-40B4-BE49-F238E27FC236}">
-                <a16:creationId xmlns:a16="http://schemas.microsoft.com/office/drawing/2014/main" id="{FB0F9F64-AD56-5643-853B-AE6EA051F41D}"/>
-              </a:ext>
-            </a:extLst>
-          </p:cNvPr>
-          <p:cNvSpPr/>
-          <p:nvPr/>
-        </p:nvSpPr>
-        <p:spPr>
-          <a:xfrm>
-            <a:off x="9205735" y="4765075"/>
-            <a:ext cx="863544" cy="367014"/>
-          </a:xfrm>
-          <a:prstGeom prst="rect">
-            <a:avLst/>
-          </a:prstGeom>
-          <a:solidFill>
-            <a:schemeClr val="bg1"/>
-          </a:solidFill>
-          <a:ln>
-            <a:solidFill>
-              <a:schemeClr val="bg1">
-                <a:lumMod val="75000"/>
-              </a:schemeClr>
-            </a:solidFill>
-          </a:ln>
-        </p:spPr>
-        <p:style>
-          <a:lnRef idx="2">
-            <a:schemeClr val="accent1">
-              <a:shade val="50000"/>
-            </a:schemeClr>
-          </a:lnRef>
-          <a:fillRef idx="1">
-            <a:schemeClr val="accent1"/>
-          </a:fillRef>
-          <a:effectRef idx="0">
-            <a:schemeClr val="accent1"/>
-          </a:effectRef>
-          <a:fontRef idx="minor">
-            <a:schemeClr val="lt1"/>
-          </a:fontRef>
-        </p:style>
-        <p:txBody>
-          <a:bodyPr rtlCol="0" anchor="ctr"/>
-          <a:lstStyle/>
-          <a:p>
-            <a:pPr algn="ctr"/>
-            <a:r>
-              <a:rPr kumimoji="1" lang="ko-KR" altLang="en-US" sz="800" b="1" dirty="0">
-                <a:solidFill>
-                  <a:schemeClr val="tx1"/>
-                </a:solidFill>
-              </a:rPr>
-              <a:t>순위</a:t>
-            </a:r>
-            <a:r>
-              <a:rPr kumimoji="1" lang="en-US" altLang="en-US" sz="800" b="1" dirty="0">
-                <a:solidFill>
-                  <a:schemeClr val="tx1"/>
-                </a:solidFill>
-              </a:rPr>
-              <a:t> </a:t>
-            </a:r>
-            <a:r>
-              <a:rPr kumimoji="1" lang="ko-KR" altLang="en-US" sz="800" b="1" dirty="0">
-                <a:solidFill>
-                  <a:schemeClr val="tx1"/>
-                </a:solidFill>
-              </a:rPr>
-              <a:t> 정보</a:t>
-            </a:r>
-            <a:endParaRPr kumimoji="1" lang="en-US" altLang="ko-KR" sz="800" b="1" dirty="0">
-              <a:solidFill>
-                <a:schemeClr val="tx1"/>
-              </a:solidFill>
-            </a:endParaRPr>
-          </a:p>
-          <a:p>
-            <a:pPr algn="ctr"/>
-            <a:r>
-              <a:rPr kumimoji="1" lang="ko-KR" altLang="en-US" sz="800" b="1" dirty="0">
-                <a:solidFill>
-                  <a:schemeClr val="tx1"/>
-                </a:solidFill>
-              </a:rPr>
-              <a:t> 전달</a:t>
-            </a:r>
-            <a:endParaRPr kumimoji="1" lang="x-none" altLang="en-US" sz="800" b="1" dirty="0">
-              <a:solidFill>
-                <a:schemeClr val="tx1"/>
-              </a:solidFill>
-            </a:endParaRPr>
-          </a:p>
-        </p:txBody>
-      </p:sp>
-      <p:cxnSp>
-        <p:nvCxnSpPr>
-          <p:cNvPr id="46" name="꺾인 연결선 45"/>
-          <p:cNvCxnSpPr>
-            <a:stCxn id="102" idx="0"/>
-            <a:endCxn id="10" idx="0"/>
-          </p:cNvCxnSpPr>
-          <p:nvPr/>
-        </p:nvCxnSpPr>
-        <p:spPr>
-          <a:xfrm rot="16200000" flipV="1">
-            <a:off x="6204000" y="1331567"/>
-            <a:ext cx="1296401" cy="5570615"/>
-          </a:xfrm>
-          <a:prstGeom prst="bentConnector3">
-            <a:avLst>
-              <a:gd name="adj1" fmla="val 117633"/>
-            </a:avLst>
-          </a:prstGeom>
-          <a:ln w="19050">
-            <a:solidFill>
-              <a:schemeClr val="accent1"/>
-            </a:solidFill>
-            <a:tailEnd type="triangle"/>
-          </a:ln>
-        </p:spPr>
-        <p:style>
-          <a:lnRef idx="1">
-            <a:schemeClr val="accent1"/>
-          </a:lnRef>
-          <a:fillRef idx="0">
-            <a:schemeClr val="accent1"/>
-          </a:fillRef>
-          <a:effectRef idx="0">
-            <a:schemeClr val="accent1"/>
-          </a:effectRef>
-          <a:fontRef idx="minor">
-            <a:schemeClr val="tx1"/>
-          </a:fontRef>
-        </p:style>
-      </p:cxnSp>
-      <p:cxnSp>
-        <p:nvCxnSpPr>
-          <p:cNvPr id="55" name="직선 화살표 연결선 54"/>
-          <p:cNvCxnSpPr>
-            <a:stCxn id="71" idx="3"/>
-            <a:endCxn id="139" idx="1"/>
-          </p:cNvCxnSpPr>
-          <p:nvPr/>
-        </p:nvCxnSpPr>
-        <p:spPr>
-          <a:xfrm>
-            <a:off x="4910018" y="974030"/>
-            <a:ext cx="813665" cy="0"/>
-          </a:xfrm>
-          <a:prstGeom prst="straightConnector1">
-            <a:avLst/>
-          </a:prstGeom>
-          <a:ln w="19050">
-            <a:solidFill>
-              <a:schemeClr val="accent1"/>
-            </a:solidFill>
-            <a:tailEnd type="triangle"/>
-          </a:ln>
-        </p:spPr>
-        <p:style>
-          <a:lnRef idx="1">
-            <a:schemeClr val="accent1"/>
-          </a:lnRef>
-          <a:fillRef idx="0">
-            <a:schemeClr val="accent1"/>
-          </a:fillRef>
-          <a:effectRef idx="0">
-            <a:schemeClr val="accent1"/>
-          </a:effectRef>
-          <a:fontRef idx="minor">
-            <a:schemeClr val="tx1"/>
-          </a:fontRef>
-        </p:style>
-      </p:cxnSp>
-      <p:sp>
-        <p:nvSpPr>
-          <p:cNvPr id="115" name="다이아몬드 114">
-            <a:extLst>
-              <a:ext uri="{FF2B5EF4-FFF2-40B4-BE49-F238E27FC236}">
-                <a16:creationId xmlns:a16="http://schemas.microsoft.com/office/drawing/2014/main" id="{E3A96AE2-A145-A74C-8987-A132A941FA21}"/>
-              </a:ext>
-            </a:extLst>
-          </p:cNvPr>
-          <p:cNvSpPr/>
-          <p:nvPr/>
-        </p:nvSpPr>
-        <p:spPr>
-          <a:xfrm>
-            <a:off x="8148670" y="705097"/>
-            <a:ext cx="1705232" cy="537866"/>
-          </a:xfrm>
-          <a:prstGeom prst="diamond">
-            <a:avLst/>
-          </a:prstGeom>
-          <a:solidFill>
-            <a:schemeClr val="bg1"/>
-          </a:solidFill>
-          <a:ln>
-            <a:solidFill>
-              <a:schemeClr val="bg1">
-                <a:lumMod val="75000"/>
-              </a:schemeClr>
-            </a:solidFill>
-          </a:ln>
-        </p:spPr>
-        <p:style>
-          <a:lnRef idx="2">
-            <a:schemeClr val="accent1">
-              <a:shade val="50000"/>
-            </a:schemeClr>
-          </a:lnRef>
-          <a:fillRef idx="1">
-            <a:schemeClr val="accent1"/>
-          </a:fillRef>
-          <a:effectRef idx="0">
-            <a:schemeClr val="accent1"/>
-          </a:effectRef>
-          <a:fontRef idx="minor">
-            <a:schemeClr val="lt1"/>
-          </a:fontRef>
-        </p:style>
-        <p:txBody>
-          <a:bodyPr rtlCol="0" anchor="ctr"/>
-          <a:lstStyle/>
-          <a:p>
-            <a:pPr algn="ctr"/>
-            <a:r>
-              <a:rPr kumimoji="1" lang="en-US" altLang="x-none" sz="800" spc="-100" dirty="0">
-                <a:solidFill>
-                  <a:schemeClr val="tx1"/>
-                </a:solidFill>
-              </a:rPr>
-              <a:t>Server </a:t>
-            </a:r>
-            <a:r>
-              <a:rPr kumimoji="1" lang="ko-KR" altLang="en-US" sz="800" spc="-100" dirty="0">
-                <a:solidFill>
-                  <a:schemeClr val="tx1"/>
-                </a:solidFill>
-              </a:rPr>
-              <a:t>아이디 </a:t>
-            </a:r>
-            <a:endParaRPr kumimoji="1" lang="en-US" altLang="ko-KR" sz="800" spc="-100" dirty="0">
-              <a:solidFill>
-                <a:schemeClr val="tx1"/>
-              </a:solidFill>
-            </a:endParaRPr>
-          </a:p>
-          <a:p>
-            <a:pPr algn="ctr"/>
-            <a:r>
-              <a:rPr kumimoji="1" lang="ko-KR" altLang="en-US" sz="800" spc="-100" dirty="0">
-                <a:solidFill>
-                  <a:schemeClr val="tx1"/>
-                </a:solidFill>
-              </a:rPr>
-              <a:t>유무 확인</a:t>
-            </a:r>
-            <a:endParaRPr kumimoji="1" lang="en-US" altLang="x-none" sz="800" spc="-100" dirty="0">
-              <a:solidFill>
-                <a:schemeClr val="tx1"/>
-              </a:solidFill>
-            </a:endParaRPr>
-          </a:p>
-        </p:txBody>
-      </p:sp>
-      <p:cxnSp>
-        <p:nvCxnSpPr>
-          <p:cNvPr id="57" name="직선 화살표 연결선 56"/>
-          <p:cNvCxnSpPr>
-            <a:stCxn id="139" idx="3"/>
-            <a:endCxn id="115" idx="1"/>
-          </p:cNvCxnSpPr>
-          <p:nvPr/>
-        </p:nvCxnSpPr>
-        <p:spPr>
-          <a:xfrm>
-            <a:off x="6932791" y="974030"/>
-            <a:ext cx="1215879" cy="0"/>
-          </a:xfrm>
-          <a:prstGeom prst="straightConnector1">
-            <a:avLst/>
-          </a:prstGeom>
-          <a:ln w="19050">
-            <a:solidFill>
-              <a:schemeClr val="accent1"/>
-            </a:solidFill>
-            <a:tailEnd type="triangle"/>
-          </a:ln>
-        </p:spPr>
-        <p:style>
-          <a:lnRef idx="1">
-            <a:schemeClr val="accent1"/>
-          </a:lnRef>
-          <a:fillRef idx="0">
-            <a:schemeClr val="accent1"/>
-          </a:fillRef>
-          <a:effectRef idx="0">
-            <a:schemeClr val="accent1"/>
-          </a:effectRef>
-          <a:fontRef idx="minor">
-            <a:schemeClr val="tx1"/>
-          </a:fontRef>
-        </p:style>
-      </p:cxnSp>
-      <p:sp>
-        <p:nvSpPr>
-          <p:cNvPr id="116" name="직사각형 115">
-            <a:extLst>
-              <a:ext uri="{FF2B5EF4-FFF2-40B4-BE49-F238E27FC236}">
-                <a16:creationId xmlns:a16="http://schemas.microsoft.com/office/drawing/2014/main" id="{A0B5E743-C409-0748-A617-87187699FB50}"/>
-              </a:ext>
-            </a:extLst>
-          </p:cNvPr>
-          <p:cNvSpPr/>
-          <p:nvPr/>
-        </p:nvSpPr>
-        <p:spPr>
-          <a:xfrm>
-            <a:off x="9001286" y="1226414"/>
-            <a:ext cx="346646" cy="200055"/>
-          </a:xfrm>
-          <a:prstGeom prst="rect">
-            <a:avLst/>
-          </a:prstGeom>
-        </p:spPr>
-        <p:txBody>
-          <a:bodyPr wrap="square">
-            <a:spAutoFit/>
-          </a:bodyPr>
-          <a:lstStyle/>
-          <a:p>
-            <a:pPr algn="ctr"/>
-            <a:r>
-              <a:rPr kumimoji="1" lang="en-US" altLang="x-none" sz="700" dirty="0"/>
-              <a:t>YES</a:t>
-            </a:r>
-          </a:p>
-        </p:txBody>
-      </p:sp>
-      <p:sp>
-        <p:nvSpPr>
-          <p:cNvPr id="117" name="직사각형 116">
-            <a:extLst>
-              <a:ext uri="{FF2B5EF4-FFF2-40B4-BE49-F238E27FC236}">
-                <a16:creationId xmlns:a16="http://schemas.microsoft.com/office/drawing/2014/main" id="{DCE0ED0B-15F5-9149-B2EB-A56825A7042B}"/>
-              </a:ext>
-            </a:extLst>
-          </p:cNvPr>
-          <p:cNvSpPr/>
-          <p:nvPr/>
-        </p:nvSpPr>
-        <p:spPr>
-          <a:xfrm>
-            <a:off x="8545321" y="544845"/>
-            <a:ext cx="346646" cy="200055"/>
-          </a:xfrm>
-          <a:prstGeom prst="rect">
-            <a:avLst/>
-          </a:prstGeom>
-        </p:spPr>
-        <p:txBody>
-          <a:bodyPr wrap="square">
-            <a:spAutoFit/>
-          </a:bodyPr>
-          <a:lstStyle/>
-          <a:p>
-            <a:pPr algn="ctr"/>
-            <a:r>
-              <a:rPr kumimoji="1" lang="en-US" altLang="x-none" sz="700" dirty="0"/>
-              <a:t>NO</a:t>
-            </a:r>
-          </a:p>
-        </p:txBody>
-      </p:sp>
-      <p:cxnSp>
-        <p:nvCxnSpPr>
-          <p:cNvPr id="65" name="꺾인 연결선 64"/>
-          <p:cNvCxnSpPr>
-            <a:stCxn id="115" idx="0"/>
-            <a:endCxn id="139" idx="0"/>
-          </p:cNvCxnSpPr>
-          <p:nvPr/>
-        </p:nvCxnSpPr>
-        <p:spPr>
-          <a:xfrm rot="16200000" flipH="1" flipV="1">
-            <a:off x="7644269" y="-610935"/>
-            <a:ext cx="40986" cy="2673049"/>
-          </a:xfrm>
-          <a:prstGeom prst="bentConnector3">
-            <a:avLst>
-              <a:gd name="adj1" fmla="val -936605"/>
-            </a:avLst>
-          </a:prstGeom>
-          <a:ln w="19050">
-            <a:solidFill>
-              <a:srgbClr val="FF0000"/>
-            </a:solidFill>
-            <a:tailEnd type="triangle"/>
-          </a:ln>
-        </p:spPr>
-        <p:style>
-          <a:lnRef idx="1">
-            <a:schemeClr val="accent1"/>
-          </a:lnRef>
-          <a:fillRef idx="0">
-            <a:schemeClr val="accent1"/>
-          </a:fillRef>
-          <a:effectRef idx="0">
-            <a:schemeClr val="accent1"/>
-          </a:effectRef>
-          <a:fontRef idx="minor">
-            <a:schemeClr val="tx1"/>
-          </a:fontRef>
-        </p:style>
-      </p:cxnSp>
-      <p:sp>
-        <p:nvSpPr>
-          <p:cNvPr id="123" name="직사각형 122">
-            <a:extLst>
-              <a:ext uri="{FF2B5EF4-FFF2-40B4-BE49-F238E27FC236}">
-                <a16:creationId xmlns:a16="http://schemas.microsoft.com/office/drawing/2014/main" id="{20490B06-86AC-1E43-98E7-59AEBEC73A13}"/>
-              </a:ext>
-            </a:extLst>
-          </p:cNvPr>
-          <p:cNvSpPr/>
-          <p:nvPr/>
-        </p:nvSpPr>
-        <p:spPr>
-          <a:xfrm>
-            <a:off x="8396732" y="1435116"/>
-            <a:ext cx="1209108" cy="455894"/>
-          </a:xfrm>
-          <a:prstGeom prst="rect">
-            <a:avLst/>
-          </a:prstGeom>
-          <a:solidFill>
-            <a:schemeClr val="bg1"/>
-          </a:solidFill>
-          <a:ln>
-            <a:solidFill>
-              <a:schemeClr val="bg1">
-                <a:lumMod val="75000"/>
-              </a:schemeClr>
-            </a:solidFill>
-          </a:ln>
-        </p:spPr>
-        <p:style>
-          <a:lnRef idx="2">
-            <a:schemeClr val="accent1">
-              <a:shade val="50000"/>
-            </a:schemeClr>
-          </a:lnRef>
-          <a:fillRef idx="1">
-            <a:schemeClr val="accent1"/>
-          </a:fillRef>
-          <a:effectRef idx="0">
-            <a:schemeClr val="accent1"/>
-          </a:effectRef>
-          <a:fontRef idx="minor">
-            <a:schemeClr val="lt1"/>
-          </a:fontRef>
-        </p:style>
-        <p:txBody>
-          <a:bodyPr rtlCol="0" anchor="ctr"/>
-          <a:lstStyle/>
-          <a:p>
-            <a:pPr algn="ctr"/>
-            <a:r>
-              <a:rPr kumimoji="1" lang="x-none" altLang="en-US" sz="800" b="1" dirty="0">
-                <a:solidFill>
-                  <a:srgbClr val="FF0000"/>
-                </a:solidFill>
-              </a:rPr>
-              <a:t>회원</a:t>
-            </a:r>
-            <a:r>
-              <a:rPr kumimoji="1" lang="en-US" altLang="en-US" sz="800" b="1" dirty="0">
-                <a:solidFill>
-                  <a:srgbClr val="FF0000"/>
-                </a:solidFill>
-              </a:rPr>
-              <a:t> </a:t>
-            </a:r>
-            <a:r>
-              <a:rPr kumimoji="1" lang="ko-KR" altLang="en-US" sz="800" b="1" dirty="0">
-                <a:solidFill>
-                  <a:srgbClr val="FF0000"/>
-                </a:solidFill>
-              </a:rPr>
-              <a:t>정보 저장</a:t>
-            </a:r>
-            <a:endParaRPr kumimoji="1" lang="x-none" altLang="en-US" sz="800" dirty="0">
-              <a:solidFill>
-                <a:schemeClr val="tx1"/>
-              </a:solidFill>
-            </a:endParaRPr>
-          </a:p>
-        </p:txBody>
-      </p:sp>
-      <p:cxnSp>
-        <p:nvCxnSpPr>
-          <p:cNvPr id="68" name="직선 화살표 연결선 67"/>
-          <p:cNvCxnSpPr>
-            <a:stCxn id="115" idx="2"/>
-            <a:endCxn id="123" idx="0"/>
-          </p:cNvCxnSpPr>
-          <p:nvPr/>
-        </p:nvCxnSpPr>
-        <p:spPr>
-          <a:xfrm>
-            <a:off x="9001286" y="1242963"/>
-            <a:ext cx="0" cy="192153"/>
-          </a:xfrm>
-          <a:prstGeom prst="straightConnector1">
-            <a:avLst/>
-          </a:prstGeom>
-          <a:ln w="19050">
-            <a:solidFill>
-              <a:schemeClr val="accent1"/>
-            </a:solidFill>
-            <a:tailEnd type="triangle"/>
-          </a:ln>
-        </p:spPr>
-        <p:style>
-          <a:lnRef idx="1">
-            <a:schemeClr val="accent1"/>
-          </a:lnRef>
-          <a:fillRef idx="0">
-            <a:schemeClr val="accent1"/>
-          </a:fillRef>
-          <a:effectRef idx="0">
-            <a:schemeClr val="accent1"/>
-          </a:effectRef>
-          <a:fontRef idx="minor">
-            <a:schemeClr val="tx1"/>
-          </a:fontRef>
-        </p:style>
-      </p:cxnSp>
-      <p:cxnSp>
-        <p:nvCxnSpPr>
-          <p:cNvPr id="76" name="직선 화살표 연결선 75"/>
-          <p:cNvCxnSpPr>
-            <a:stCxn id="123" idx="1"/>
-            <a:endCxn id="82" idx="3"/>
-          </p:cNvCxnSpPr>
-          <p:nvPr/>
-        </p:nvCxnSpPr>
-        <p:spPr>
-          <a:xfrm flipH="1" flipV="1">
-            <a:off x="4668001" y="1648714"/>
-            <a:ext cx="3728731" cy="14349"/>
-          </a:xfrm>
-          <a:prstGeom prst="straightConnector1">
-            <a:avLst/>
-          </a:prstGeom>
-          <a:ln w="19050">
-            <a:solidFill>
-              <a:schemeClr val="accent1"/>
-            </a:solidFill>
-            <a:tailEnd type="triangle"/>
-          </a:ln>
-        </p:spPr>
-        <p:style>
-          <a:lnRef idx="1">
-            <a:schemeClr val="accent1"/>
-          </a:lnRef>
-          <a:fillRef idx="0">
-            <a:schemeClr val="accent1"/>
-          </a:fillRef>
-          <a:effectRef idx="0">
-            <a:schemeClr val="accent1"/>
-          </a:effectRef>
-          <a:fontRef idx="minor">
-            <a:schemeClr val="tx1"/>
-          </a:fontRef>
-        </p:style>
-      </p:cxnSp>
-      <p:sp>
-        <p:nvSpPr>
-          <p:cNvPr id="129" name="다이아몬드 128">
-            <a:extLst>
-              <a:ext uri="{FF2B5EF4-FFF2-40B4-BE49-F238E27FC236}">
-                <a16:creationId xmlns:a16="http://schemas.microsoft.com/office/drawing/2014/main" id="{E3A96AE2-A145-A74C-8987-A132A941FA21}"/>
-              </a:ext>
-            </a:extLst>
-          </p:cNvPr>
-          <p:cNvSpPr/>
-          <p:nvPr/>
-        </p:nvSpPr>
-        <p:spPr>
-          <a:xfrm>
-            <a:off x="8269434" y="2317607"/>
-            <a:ext cx="1488838" cy="450339"/>
-          </a:xfrm>
-          <a:prstGeom prst="diamond">
-            <a:avLst/>
-          </a:prstGeom>
-          <a:solidFill>
-            <a:schemeClr val="bg1"/>
-          </a:solidFill>
-          <a:ln>
-            <a:solidFill>
-              <a:schemeClr val="bg1">
-                <a:lumMod val="75000"/>
-              </a:schemeClr>
-            </a:solidFill>
-          </a:ln>
-        </p:spPr>
-        <p:style>
-          <a:lnRef idx="2">
-            <a:schemeClr val="accent1">
-              <a:shade val="50000"/>
-            </a:schemeClr>
-          </a:lnRef>
-          <a:fillRef idx="1">
-            <a:schemeClr val="accent1"/>
-          </a:fillRef>
-          <a:effectRef idx="0">
-            <a:schemeClr val="accent1"/>
-          </a:effectRef>
-          <a:fontRef idx="minor">
-            <a:schemeClr val="lt1"/>
-          </a:fontRef>
-        </p:style>
-        <p:txBody>
-          <a:bodyPr rtlCol="0" anchor="ctr"/>
-          <a:lstStyle/>
-          <a:p>
-            <a:pPr algn="ctr"/>
-            <a:r>
-              <a:rPr kumimoji="1" lang="en-US" altLang="x-none" sz="800" spc="-100" dirty="0">
-                <a:solidFill>
-                  <a:schemeClr val="tx1"/>
-                </a:solidFill>
-              </a:rPr>
-              <a:t>ID  </a:t>
-            </a:r>
-            <a:r>
-              <a:rPr kumimoji="1" lang="ko-KR" altLang="en-US" sz="800" spc="-100" dirty="0">
-                <a:solidFill>
-                  <a:schemeClr val="tx1"/>
-                </a:solidFill>
-              </a:rPr>
-              <a:t>비밀번호</a:t>
-            </a:r>
-            <a:endParaRPr kumimoji="1" lang="en-US" altLang="ko-KR" sz="800" spc="-100" dirty="0">
-              <a:solidFill>
-                <a:schemeClr val="tx1"/>
-              </a:solidFill>
-            </a:endParaRPr>
-          </a:p>
-          <a:p>
-            <a:pPr algn="ctr"/>
-            <a:r>
-              <a:rPr kumimoji="1" lang="ko-KR" altLang="en-US" sz="800" spc="-100" dirty="0">
-                <a:solidFill>
-                  <a:schemeClr val="tx1"/>
-                </a:solidFill>
-              </a:rPr>
-              <a:t> 확인</a:t>
-            </a:r>
-            <a:endParaRPr kumimoji="1" lang="en-US" altLang="x-none" sz="800" spc="-100" dirty="0">
-              <a:solidFill>
-                <a:schemeClr val="tx1"/>
-              </a:solidFill>
-            </a:endParaRPr>
-          </a:p>
-        </p:txBody>
-      </p:sp>
-      <p:cxnSp>
-        <p:nvCxnSpPr>
-          <p:cNvPr id="78" name="꺾인 연결선 77"/>
-          <p:cNvCxnSpPr>
-            <a:stCxn id="82" idx="2"/>
-            <a:endCxn id="129" idx="1"/>
-          </p:cNvCxnSpPr>
-          <p:nvPr/>
-        </p:nvCxnSpPr>
-        <p:spPr>
-          <a:xfrm rot="16200000" flipH="1">
-            <a:off x="5824369" y="97711"/>
-            <a:ext cx="685501" cy="4204629"/>
-          </a:xfrm>
-          <a:prstGeom prst="bentConnector2">
-            <a:avLst/>
-          </a:prstGeom>
-          <a:ln w="19050">
-            <a:solidFill>
-              <a:schemeClr val="accent1"/>
-            </a:solidFill>
-            <a:tailEnd type="triangle"/>
-          </a:ln>
-        </p:spPr>
-        <p:style>
-          <a:lnRef idx="1">
-            <a:schemeClr val="accent1"/>
-          </a:lnRef>
-          <a:fillRef idx="0">
-            <a:schemeClr val="accent1"/>
-          </a:fillRef>
-          <a:effectRef idx="0">
-            <a:schemeClr val="accent1"/>
-          </a:effectRef>
-          <a:fontRef idx="minor">
-            <a:schemeClr val="tx1"/>
-          </a:fontRef>
-        </p:style>
-      </p:cxnSp>
-      <p:sp>
-        <p:nvSpPr>
-          <p:cNvPr id="133" name="직사각형 132">
-            <a:extLst>
-              <a:ext uri="{FF2B5EF4-FFF2-40B4-BE49-F238E27FC236}">
-                <a16:creationId xmlns:a16="http://schemas.microsoft.com/office/drawing/2014/main" id="{A0B5E743-C409-0748-A617-87187699FB50}"/>
-              </a:ext>
-            </a:extLst>
-          </p:cNvPr>
-          <p:cNvSpPr/>
-          <p:nvPr/>
-        </p:nvSpPr>
-        <p:spPr>
-          <a:xfrm>
-            <a:off x="8545321" y="2679671"/>
-            <a:ext cx="346646" cy="200055"/>
-          </a:xfrm>
-          <a:prstGeom prst="rect">
-            <a:avLst/>
-          </a:prstGeom>
-        </p:spPr>
-        <p:txBody>
-          <a:bodyPr wrap="square">
-            <a:spAutoFit/>
-          </a:bodyPr>
-          <a:lstStyle/>
-          <a:p>
-            <a:pPr algn="ctr"/>
-            <a:r>
-              <a:rPr kumimoji="1" lang="en-US" altLang="x-none" sz="700" dirty="0"/>
-              <a:t>YES</a:t>
-            </a:r>
-          </a:p>
-        </p:txBody>
-      </p:sp>
-      <p:cxnSp>
-        <p:nvCxnSpPr>
-          <p:cNvPr id="81" name="꺾인 연결선 80"/>
-          <p:cNvCxnSpPr>
-            <a:stCxn id="129" idx="2"/>
-            <a:endCxn id="10" idx="0"/>
-          </p:cNvCxnSpPr>
-          <p:nvPr/>
-        </p:nvCxnSpPr>
-        <p:spPr>
-          <a:xfrm rot="5400000">
-            <a:off x="6190009" y="644830"/>
-            <a:ext cx="700728" cy="4946961"/>
-          </a:xfrm>
-          <a:prstGeom prst="bentConnector3">
-            <a:avLst>
-              <a:gd name="adj1" fmla="val 22916"/>
-            </a:avLst>
-          </a:prstGeom>
-          <a:ln w="19050">
-            <a:solidFill>
-              <a:schemeClr val="accent1"/>
-            </a:solidFill>
-            <a:tailEnd type="triangle"/>
-          </a:ln>
-        </p:spPr>
-        <p:style>
-          <a:lnRef idx="1">
-            <a:schemeClr val="accent1"/>
-          </a:lnRef>
-          <a:fillRef idx="0">
-            <a:schemeClr val="accent1"/>
-          </a:fillRef>
-          <a:effectRef idx="0">
-            <a:schemeClr val="accent1"/>
-          </a:effectRef>
-          <a:fontRef idx="minor">
-            <a:schemeClr val="tx1"/>
-          </a:fontRef>
-        </p:style>
-      </p:cxnSp>
-      <p:sp>
-        <p:nvSpPr>
-          <p:cNvPr id="135" name="직사각형 134">
-            <a:extLst>
-              <a:ext uri="{FF2B5EF4-FFF2-40B4-BE49-F238E27FC236}">
-                <a16:creationId xmlns:a16="http://schemas.microsoft.com/office/drawing/2014/main" id="{DCE0ED0B-15F5-9149-B2EB-A56825A7042B}"/>
-              </a:ext>
-            </a:extLst>
-          </p:cNvPr>
-          <p:cNvSpPr/>
-          <p:nvPr/>
-        </p:nvSpPr>
-        <p:spPr>
-          <a:xfrm>
-            <a:off x="8410439" y="2242694"/>
-            <a:ext cx="346646" cy="200055"/>
-          </a:xfrm>
-          <a:prstGeom prst="rect">
-            <a:avLst/>
-          </a:prstGeom>
-        </p:spPr>
-        <p:txBody>
-          <a:bodyPr wrap="square">
-            <a:spAutoFit/>
-          </a:bodyPr>
-          <a:lstStyle/>
-          <a:p>
-            <a:pPr algn="ctr"/>
-            <a:r>
-              <a:rPr kumimoji="1" lang="en-US" altLang="x-none" sz="700" dirty="0"/>
-              <a:t>NO</a:t>
-            </a:r>
-          </a:p>
-        </p:txBody>
-      </p:sp>
-      <p:cxnSp>
-        <p:nvCxnSpPr>
-          <p:cNvPr id="98" name="구부러진 연결선 97"/>
-          <p:cNvCxnSpPr>
-            <a:stCxn id="129" idx="0"/>
-            <a:endCxn id="82" idx="3"/>
-          </p:cNvCxnSpPr>
-          <p:nvPr/>
-        </p:nvCxnSpPr>
-        <p:spPr>
-          <a:xfrm rot="16200000" flipV="1">
-            <a:off x="6506481" y="-189765"/>
-            <a:ext cx="668893" cy="4345852"/>
-          </a:xfrm>
-          <a:prstGeom prst="curvedConnector2">
-            <a:avLst/>
-          </a:prstGeom>
-          <a:ln w="19050">
-            <a:solidFill>
-              <a:srgbClr val="FF0000"/>
-            </a:solidFill>
-            <a:tailEnd type="triangle"/>
-          </a:ln>
-        </p:spPr>
-        <p:style>
-          <a:lnRef idx="1">
-            <a:schemeClr val="accent1"/>
-          </a:lnRef>
-          <a:fillRef idx="0">
-            <a:schemeClr val="accent1"/>
-          </a:fillRef>
-          <a:effectRef idx="0">
-            <a:schemeClr val="accent1"/>
-          </a:effectRef>
-          <a:fontRef idx="minor">
-            <a:schemeClr val="tx1"/>
-          </a:fontRef>
-        </p:style>
-      </p:cxnSp>
-      <p:sp>
-        <p:nvSpPr>
-          <p:cNvPr id="43" name="타원 42">
-            <a:extLst>
-              <a:ext uri="{FF2B5EF4-FFF2-40B4-BE49-F238E27FC236}">
-                <a16:creationId xmlns:a16="http://schemas.microsoft.com/office/drawing/2014/main" id="{0EDD348F-F3D9-9841-A78A-96594A19655F}"/>
-              </a:ext>
-            </a:extLst>
-          </p:cNvPr>
-          <p:cNvSpPr/>
-          <p:nvPr/>
-        </p:nvSpPr>
-        <p:spPr>
-          <a:xfrm>
-            <a:off x="3755272" y="3822482"/>
-            <a:ext cx="575836" cy="533572"/>
-          </a:xfrm>
-          <a:prstGeom prst="ellipse">
-            <a:avLst/>
-          </a:prstGeom>
-          <a:solidFill>
-            <a:schemeClr val="bg1"/>
-          </a:solidFill>
-          <a:ln>
-            <a:solidFill>
-              <a:schemeClr val="bg1">
-                <a:lumMod val="75000"/>
-              </a:schemeClr>
-            </a:solidFill>
-          </a:ln>
-        </p:spPr>
-        <p:style>
-          <a:lnRef idx="2">
-            <a:schemeClr val="accent1">
-              <a:shade val="50000"/>
-            </a:schemeClr>
-          </a:lnRef>
-          <a:fillRef idx="1">
-            <a:schemeClr val="accent1"/>
-          </a:fillRef>
-          <a:effectRef idx="0">
-            <a:schemeClr val="accent1"/>
-          </a:effectRef>
-          <a:fontRef idx="minor">
-            <a:schemeClr val="lt1"/>
-          </a:fontRef>
-        </p:style>
-        <p:txBody>
-          <a:bodyPr lIns="0" tIns="0" rIns="0" bIns="0" rtlCol="0" anchor="ctr"/>
-          <a:lstStyle/>
-          <a:p>
-            <a:pPr algn="ctr"/>
-            <a:r>
-              <a:rPr kumimoji="1" lang="ko-KR" altLang="en-US" sz="800" dirty="0">
-                <a:solidFill>
-                  <a:schemeClr val="tx1"/>
-                </a:solidFill>
-              </a:rPr>
-              <a:t>대기실 화면</a:t>
-            </a:r>
-            <a:endParaRPr kumimoji="1" lang="en-US" altLang="ko-KR" sz="800" dirty="0">
-              <a:solidFill>
-                <a:schemeClr val="tx1"/>
-              </a:solidFill>
-            </a:endParaRPr>
-          </a:p>
-        </p:txBody>
-      </p:sp>
     </p:spTree>
     <p:extLst>
       <p:ext uri="{BB962C8B-B14F-4D97-AF65-F5344CB8AC3E}">

--- a/pilot project 파일/[별첨1]PushMan(Story Board_template).pptx
+++ b/pilot project 파일/[별첨1]PushMan(Story Board_template).pptx
@@ -21313,7 +21313,7 @@
           <p:nvPr>
             <p:extLst>
               <p:ext uri="{D42A27DB-BD31-4B8C-83A1-F6EECF244321}">
-                <p14:modId xmlns:p14="http://schemas.microsoft.com/office/powerpoint/2010/main" val="3719101538"/>
+                <p14:modId xmlns:p14="http://schemas.microsoft.com/office/powerpoint/2010/main" val="1621233603"/>
               </p:ext>
             </p:extLst>
           </p:nvPr>
@@ -22687,17 +22687,20 @@
                         <a:buNone/>
                         <a:tabLst/>
                       </a:pPr>
-                      <a:endParaRPr kumimoji="1" lang="en-US" altLang="ko-KR" sz="800" b="0" i="0" u="none" strike="noStrike" cap="none" normalizeH="0" baseline="0" dirty="0">
-                        <a:ln>
-                          <a:noFill/>
-                        </a:ln>
-                        <a:solidFill>
-                          <a:schemeClr val="tx1"/>
-                        </a:solidFill>
-                        <a:effectLst/>
-                        <a:latin typeface="+mn-ea"/>
-                        <a:ea typeface="+mn-ea"/>
-                      </a:endParaRPr>
+                      <a:r>
+                        <a:rPr kumimoji="1" lang="en-US" altLang="ko-KR" sz="800" b="0" i="0" u="none" strike="noStrike" cap="none" normalizeH="0" baseline="0" dirty="0">
+                          <a:ln>
+                            <a:noFill/>
+                          </a:ln>
+                          <a:solidFill>
+                            <a:schemeClr val="tx1"/>
+                          </a:solidFill>
+                          <a:effectLst/>
+                          <a:latin typeface="+mn-ea"/>
+                          <a:ea typeface="+mn-ea"/>
+                        </a:rPr>
+                        <a:t>2023.12.29</a:t>
+                      </a:r>
                     </a:p>
                   </a:txBody>
                   <a:tcPr marT="45742" marB="45742" anchor="ctr" horzOverflow="overflow">
@@ -22969,20 +22972,6 @@
                         <a:tabLst/>
                       </a:pPr>
                       <a:r>
-                        <a:rPr kumimoji="0" lang="en-US" altLang="ko-KR" sz="900" b="0" i="0" u="none" strike="noStrike" cap="none" normalizeH="0" baseline="0" dirty="0">
-                          <a:ln>
-                            <a:noFill/>
-                          </a:ln>
-                          <a:solidFill>
-                            <a:schemeClr val="tx1"/>
-                          </a:solidFill>
-                          <a:effectLst/>
-                          <a:latin typeface="+mn-ea"/>
-                          <a:ea typeface="+mn-ea"/>
-                        </a:rPr>
-                        <a:t>Server </a:t>
-                      </a:r>
-                      <a:r>
                         <a:rPr kumimoji="0" lang="ko-KR" altLang="en-US" sz="900" b="0" i="0" u="none" strike="noStrike" cap="none" normalizeH="0" baseline="0" dirty="0">
                           <a:ln>
                             <a:noFill/>
@@ -22994,7 +22983,7 @@
                           <a:latin typeface="+mn-ea"/>
                           <a:ea typeface="+mn-ea"/>
                         </a:rPr>
-                        <a:t>구성</a:t>
+                        <a:t>회원가입 페이지</a:t>
                       </a:r>
                     </a:p>
                   </a:txBody>
@@ -23176,20 +23165,6 @@
                         <a:tabLst/>
                       </a:pPr>
                       <a:r>
-                        <a:rPr kumimoji="0" lang="ko-KR" altLang="en-US" sz="900" b="0" i="0" u="none" strike="noStrike" cap="none" normalizeH="0" baseline="0" dirty="0">
-                          <a:ln>
-                            <a:noFill/>
-                          </a:ln>
-                          <a:solidFill>
-                            <a:schemeClr val="tx1"/>
-                          </a:solidFill>
-                          <a:effectLst/>
-                          <a:latin typeface="+mn-ea"/>
-                          <a:ea typeface="+mn-ea"/>
-                        </a:rPr>
-                        <a:t>서버 프로세스  </a:t>
-                      </a:r>
-                      <a:r>
                         <a:rPr kumimoji="0" lang="en-US" altLang="ko-KR" sz="900" b="0" i="0" u="none" strike="noStrike" cap="none" normalizeH="0" baseline="0" dirty="0">
                           <a:ln>
                             <a:noFill/>
@@ -23201,7 +23176,7 @@
                           <a:latin typeface="+mn-ea"/>
                           <a:ea typeface="+mn-ea"/>
                         </a:rPr>
-                        <a:t>- Database </a:t>
+                        <a:t>DB </a:t>
                       </a:r>
                       <a:r>
                         <a:rPr kumimoji="0" lang="ko-KR" altLang="en-US" sz="900" b="0" i="0" u="none" strike="noStrike" cap="none" normalizeH="0" baseline="0" dirty="0">
@@ -23215,7 +23190,7 @@
                           <a:latin typeface="+mn-ea"/>
                           <a:ea typeface="+mn-ea"/>
                         </a:rPr>
-                        <a:t>저장소 정보</a:t>
+                        <a:t>구성 및 페이지</a:t>
                       </a:r>
                     </a:p>
                   </a:txBody>
@@ -23301,17 +23276,20 @@
                         <a:buNone/>
                         <a:tabLst/>
                       </a:pPr>
-                      <a:endParaRPr kumimoji="1" lang="en-US" altLang="ko-KR" sz="800" b="0" i="0" u="none" strike="noStrike" cap="none" normalizeH="0" baseline="0" dirty="0">
-                        <a:ln>
-                          <a:noFill/>
-                        </a:ln>
-                        <a:solidFill>
-                          <a:schemeClr val="tx1"/>
-                        </a:solidFill>
-                        <a:effectLst/>
-                        <a:latin typeface="+mn-ea"/>
-                        <a:ea typeface="+mn-ea"/>
-                      </a:endParaRPr>
+                      <a:r>
+                        <a:rPr kumimoji="1" lang="en-US" altLang="ko-KR" sz="800" b="0" i="0" u="none" strike="noStrike" cap="none" normalizeH="0" baseline="0" dirty="0">
+                          <a:ln>
+                            <a:noFill/>
+                          </a:ln>
+                          <a:solidFill>
+                            <a:schemeClr val="tx1"/>
+                          </a:solidFill>
+                          <a:effectLst/>
+                          <a:latin typeface="+mn-ea"/>
+                          <a:ea typeface="+mn-ea"/>
+                        </a:rPr>
+                        <a:t>2023.12.30</a:t>
+                      </a:r>
                     </a:p>
                   </a:txBody>
                   <a:tcPr marT="45742" marB="45742" anchor="ctr" horzOverflow="overflow">
@@ -23584,20 +23562,6 @@
                         <a:tabLst/>
                       </a:pPr>
                       <a:r>
-                        <a:rPr kumimoji="0" lang="en-US" altLang="ko-KR" sz="900" b="0" i="0" u="none" strike="noStrike" cap="none" normalizeH="0" baseline="0" dirty="0">
-                          <a:ln>
-                            <a:noFill/>
-                          </a:ln>
-                          <a:solidFill>
-                            <a:schemeClr val="tx1"/>
-                          </a:solidFill>
-                          <a:effectLst/>
-                          <a:latin typeface="+mn-ea"/>
-                          <a:ea typeface="+mn-ea"/>
-                        </a:rPr>
-                        <a:t>Server</a:t>
-                      </a:r>
-                      <a:r>
                         <a:rPr kumimoji="0" lang="ko-KR" altLang="en-US" sz="900" b="0" i="0" u="none" strike="noStrike" cap="none" normalizeH="0" baseline="0" dirty="0">
                           <a:ln>
                             <a:noFill/>
@@ -23609,7 +23573,7 @@
                           <a:latin typeface="+mn-ea"/>
                           <a:ea typeface="+mn-ea"/>
                         </a:rPr>
-                        <a:t> 구성</a:t>
+                        <a:t>로그인 페이지</a:t>
                       </a:r>
                     </a:p>
                   </a:txBody>
@@ -23913,17 +23877,20 @@
                         <a:buNone/>
                         <a:tabLst/>
                       </a:pPr>
-                      <a:endParaRPr kumimoji="1" lang="en-US" altLang="ko-KR" sz="800" b="0" i="0" u="none" strike="noStrike" cap="none" normalizeH="0" baseline="0" dirty="0">
-                        <a:ln>
-                          <a:noFill/>
-                        </a:ln>
-                        <a:solidFill>
-                          <a:schemeClr val="tx1"/>
-                        </a:solidFill>
-                        <a:effectLst/>
-                        <a:latin typeface="+mn-ea"/>
-                        <a:ea typeface="+mn-ea"/>
-                      </a:endParaRPr>
+                      <a:r>
+                        <a:rPr kumimoji="1" lang="en-US" altLang="ko-KR" sz="800" b="0" i="0" u="none" strike="noStrike" cap="none" normalizeH="0" baseline="0" dirty="0">
+                          <a:ln>
+                            <a:noFill/>
+                          </a:ln>
+                          <a:solidFill>
+                            <a:schemeClr val="tx1"/>
+                          </a:solidFill>
+                          <a:effectLst/>
+                          <a:latin typeface="+mn-ea"/>
+                          <a:ea typeface="+mn-ea"/>
+                        </a:rPr>
+                        <a:t>2024.01.02-03</a:t>
+                      </a:r>
                     </a:p>
                   </a:txBody>
                   <a:tcPr marT="45742" marB="45742" anchor="ctr" horzOverflow="overflow">
@@ -24094,7 +24061,7 @@
                         <a:tabLst/>
                       </a:pPr>
                       <a:r>
-                        <a:rPr kumimoji="0" lang="ko-KR" altLang="en-US" sz="900" b="0" i="0" u="none" strike="noStrike" cap="none" normalizeH="0" baseline="0" dirty="0">
+                        <a:rPr kumimoji="0" lang="ko-KR" altLang="en-US" sz="900" b="0" i="0" u="none" strike="noStrike" cap="none" normalizeH="0" baseline="0" dirty="0" err="1">
                           <a:ln>
                             <a:noFill/>
                           </a:ln>
@@ -24105,7 +24072,7 @@
                           <a:latin typeface="+mn-ea"/>
                           <a:ea typeface="+mn-ea"/>
                         </a:rPr>
-                        <a:t>최기근</a:t>
+                        <a:t>김규민</a:t>
                       </a:r>
                       <a:endParaRPr kumimoji="0" lang="ko-KR" altLang="ko-KR" sz="900" b="0" i="0" u="none" strike="noStrike" cap="none" normalizeH="0" baseline="0" dirty="0">
                         <a:ln>
@@ -24196,20 +24163,6 @@
                         <a:tabLst/>
                       </a:pPr>
                       <a:r>
-                        <a:rPr kumimoji="0" lang="en-US" altLang="ko-KR" sz="900" b="0" i="0" u="none" strike="noStrike" cap="none" normalizeH="0" baseline="0" dirty="0">
-                          <a:ln>
-                            <a:noFill/>
-                          </a:ln>
-                          <a:solidFill>
-                            <a:schemeClr val="tx1"/>
-                          </a:solidFill>
-                          <a:effectLst/>
-                          <a:latin typeface="+mn-ea"/>
-                          <a:ea typeface="+mn-ea"/>
-                        </a:rPr>
-                        <a:t>Client </a:t>
-                      </a:r>
-                      <a:r>
                         <a:rPr kumimoji="0" lang="ko-KR" altLang="en-US" sz="900" b="0" i="0" u="none" strike="noStrike" cap="none" normalizeH="0" baseline="0" dirty="0">
                           <a:ln>
                             <a:noFill/>
@@ -24221,7 +24174,7 @@
                           <a:latin typeface="+mn-ea"/>
                           <a:ea typeface="+mn-ea"/>
                         </a:rPr>
-                        <a:t>구성</a:t>
+                        <a:t>홈 페이지</a:t>
                       </a:r>
                     </a:p>
                   </a:txBody>
@@ -24539,17 +24492,20 @@
                         <a:buNone/>
                         <a:tabLst/>
                       </a:pPr>
-                      <a:endParaRPr kumimoji="1" lang="en-US" altLang="ko-KR" sz="800" b="0" i="0" u="none" strike="noStrike" cap="none" normalizeH="0" baseline="0" dirty="0">
-                        <a:ln>
-                          <a:noFill/>
-                        </a:ln>
-                        <a:solidFill>
-                          <a:schemeClr val="tx1"/>
-                        </a:solidFill>
-                        <a:effectLst/>
-                        <a:latin typeface="+mn-ea"/>
-                        <a:ea typeface="+mn-ea"/>
-                      </a:endParaRPr>
+                      <a:r>
+                        <a:rPr kumimoji="1" lang="en-US" altLang="ko-KR" sz="800" b="0" i="0" u="none" strike="noStrike" cap="none" normalizeH="0" baseline="0" dirty="0">
+                          <a:ln>
+                            <a:noFill/>
+                          </a:ln>
+                          <a:solidFill>
+                            <a:schemeClr val="tx1"/>
+                          </a:solidFill>
+                          <a:effectLst/>
+                          <a:latin typeface="+mn-ea"/>
+                          <a:ea typeface="+mn-ea"/>
+                        </a:rPr>
+                        <a:t>2024.01.04-05</a:t>
+                      </a:r>
                     </a:p>
                   </a:txBody>
                   <a:tcPr marT="45742" marB="45742" anchor="ctr" horzOverflow="overflow">
@@ -24640,7 +24596,7 @@
                           <a:latin typeface="+mn-ea"/>
                           <a:ea typeface="+mn-ea"/>
                         </a:rPr>
-                        <a:t>V1.3</a:t>
+                        <a:t>V1.0</a:t>
                       </a:r>
                     </a:p>
                   </a:txBody>
@@ -24720,7 +24676,7 @@
                         <a:tabLst/>
                       </a:pPr>
                       <a:r>
-                        <a:rPr kumimoji="0" lang="ko-KR" altLang="en-US" sz="900" b="0" i="0" u="none" strike="noStrike" cap="none" normalizeH="0" baseline="0" dirty="0">
+                        <a:rPr kumimoji="0" lang="ko-KR" altLang="en-US" sz="900" b="0" i="0" u="none" strike="noStrike" cap="none" normalizeH="0" baseline="0" dirty="0" err="1">
                           <a:ln>
                             <a:noFill/>
                           </a:ln>
@@ -24731,7 +24687,7 @@
                           <a:latin typeface="+mn-ea"/>
                           <a:ea typeface="+mn-ea"/>
                         </a:rPr>
-                        <a:t>최기근</a:t>
+                        <a:t>김규민</a:t>
                       </a:r>
                       <a:endParaRPr kumimoji="0" lang="ko-KR" altLang="ko-KR" sz="900" b="0" i="0" u="none" strike="noStrike" cap="none" normalizeH="0" baseline="0" dirty="0">
                         <a:ln>
@@ -24822,20 +24778,6 @@
                         <a:tabLst/>
                       </a:pPr>
                       <a:r>
-                        <a:rPr kumimoji="0" lang="en-US" altLang="ko-KR" sz="900" b="0" i="0" u="none" strike="noStrike" cap="none" normalizeH="0" baseline="0" dirty="0">
-                          <a:ln>
-                            <a:noFill/>
-                          </a:ln>
-                          <a:solidFill>
-                            <a:schemeClr val="tx1"/>
-                          </a:solidFill>
-                          <a:effectLst/>
-                          <a:latin typeface="+mn-ea"/>
-                          <a:ea typeface="+mn-ea"/>
-                        </a:rPr>
-                        <a:t>Client </a:t>
-                      </a:r>
-                      <a:r>
                         <a:rPr kumimoji="0" lang="ko-KR" altLang="en-US" sz="900" b="0" i="0" u="none" strike="noStrike" cap="none" normalizeH="0" baseline="0" dirty="0">
                           <a:ln>
                             <a:noFill/>
@@ -24847,7 +24789,7 @@
                           <a:latin typeface="+mn-ea"/>
                           <a:ea typeface="+mn-ea"/>
                         </a:rPr>
-                        <a:t>구성</a:t>
+                        <a:t>회원 등록 페이지</a:t>
                       </a:r>
                     </a:p>
                   </a:txBody>
@@ -25137,17 +25079,20 @@
                         <a:buNone/>
                         <a:tabLst/>
                       </a:pPr>
-                      <a:endParaRPr kumimoji="1" lang="en-US" altLang="ko-KR" sz="800" b="0" i="0" u="none" strike="noStrike" cap="none" normalizeH="0" baseline="0" dirty="0">
-                        <a:ln>
-                          <a:noFill/>
-                        </a:ln>
-                        <a:solidFill>
-                          <a:schemeClr val="tx1"/>
-                        </a:solidFill>
-                        <a:effectLst/>
-                        <a:latin typeface="+mn-ea"/>
-                        <a:ea typeface="+mn-ea"/>
-                      </a:endParaRPr>
+                      <a:r>
+                        <a:rPr kumimoji="1" lang="en-US" altLang="ko-KR" sz="800" b="0" i="0" u="none" strike="noStrike" cap="none" normalizeH="0" baseline="0" dirty="0">
+                          <a:ln>
+                            <a:noFill/>
+                          </a:ln>
+                          <a:solidFill>
+                            <a:schemeClr val="tx1"/>
+                          </a:solidFill>
+                          <a:effectLst/>
+                          <a:latin typeface="+mn-ea"/>
+                          <a:ea typeface="+mn-ea"/>
+                        </a:rPr>
+                        <a:t>2024.01.05-06</a:t>
+                      </a:r>
                     </a:p>
                   </a:txBody>
                   <a:tcPr marT="45742" marB="45742" anchor="ctr" horzOverflow="overflow">
@@ -25238,7 +25183,7 @@
                           <a:latin typeface="+mn-ea"/>
                           <a:ea typeface="+mn-ea"/>
                         </a:rPr>
-                        <a:t>V1.4</a:t>
+                        <a:t>V1.0</a:t>
                       </a:r>
                     </a:p>
                   </a:txBody>
@@ -25318,7 +25263,7 @@
                         <a:tabLst/>
                       </a:pPr>
                       <a:r>
-                        <a:rPr kumimoji="0" lang="ko-KR" altLang="en-US" sz="900" b="0" i="0" u="none" strike="noStrike" cap="none" normalizeH="0" baseline="0" dirty="0">
+                        <a:rPr kumimoji="0" lang="ko-KR" altLang="en-US" sz="900" b="0" i="0" u="none" strike="noStrike" cap="none" normalizeH="0" baseline="0" dirty="0" err="1">
                           <a:ln>
                             <a:noFill/>
                           </a:ln>
@@ -25329,7 +25274,7 @@
                           <a:latin typeface="+mn-ea"/>
                           <a:ea typeface="+mn-ea"/>
                         </a:rPr>
-                        <a:t>최기근</a:t>
+                        <a:t>김규민</a:t>
                       </a:r>
                       <a:endParaRPr kumimoji="0" lang="ko-KR" altLang="ko-KR" sz="900" b="0" i="0" u="none" strike="noStrike" cap="none" normalizeH="0" baseline="0" dirty="0">
                         <a:ln>
@@ -25420,20 +25365,6 @@
                         <a:tabLst/>
                       </a:pPr>
                       <a:r>
-                        <a:rPr kumimoji="0" lang="en-US" altLang="ko-KR" sz="900" b="0" i="0" u="none" strike="noStrike" cap="none" normalizeH="0" baseline="0" dirty="0">
-                          <a:ln>
-                            <a:noFill/>
-                          </a:ln>
-                          <a:solidFill>
-                            <a:schemeClr val="tx1"/>
-                          </a:solidFill>
-                          <a:effectLst/>
-                          <a:latin typeface="+mn-ea"/>
-                          <a:ea typeface="+mn-ea"/>
-                        </a:rPr>
-                        <a:t>Client </a:t>
-                      </a:r>
-                      <a:r>
                         <a:rPr kumimoji="0" lang="ko-KR" altLang="en-US" sz="900" b="0" i="0" u="none" strike="noStrike" cap="none" normalizeH="0" baseline="0" dirty="0">
                           <a:ln>
                             <a:noFill/>
@@ -25445,7 +25376,7 @@
                           <a:latin typeface="+mn-ea"/>
                           <a:ea typeface="+mn-ea"/>
                         </a:rPr>
-                        <a:t>구성</a:t>
+                        <a:t>고객관리 페이지</a:t>
                       </a:r>
                     </a:p>
                   </a:txBody>
@@ -25735,17 +25666,20 @@
                         <a:buNone/>
                         <a:tabLst/>
                       </a:pPr>
-                      <a:endParaRPr kumimoji="1" lang="en-US" altLang="ko-KR" sz="800" b="0" i="0" u="none" strike="noStrike" cap="none" normalizeH="0" baseline="0" dirty="0">
-                        <a:ln>
-                          <a:noFill/>
-                        </a:ln>
-                        <a:solidFill>
-                          <a:schemeClr val="tx1"/>
-                        </a:solidFill>
-                        <a:effectLst/>
-                        <a:latin typeface="+mn-ea"/>
-                        <a:ea typeface="+mn-ea"/>
-                      </a:endParaRPr>
+                      <a:r>
+                        <a:rPr kumimoji="1" lang="en-US" altLang="ko-KR" sz="800" b="0" i="0" u="none" strike="noStrike" cap="none" normalizeH="0" baseline="0" dirty="0">
+                          <a:ln>
+                            <a:noFill/>
+                          </a:ln>
+                          <a:solidFill>
+                            <a:schemeClr val="tx1"/>
+                          </a:solidFill>
+                          <a:effectLst/>
+                          <a:latin typeface="+mn-ea"/>
+                          <a:ea typeface="+mn-ea"/>
+                        </a:rPr>
+                        <a:t>2024.01.05-06</a:t>
+                      </a:r>
                     </a:p>
                   </a:txBody>
                   <a:tcPr marT="45742" marB="45742" anchor="ctr" horzOverflow="overflow">
@@ -25836,7 +25770,7 @@
                           <a:latin typeface="+mn-ea"/>
                           <a:ea typeface="+mn-ea"/>
                         </a:rPr>
-                        <a:t>V1.5</a:t>
+                        <a:t>V1.0</a:t>
                       </a:r>
                     </a:p>
                   </a:txBody>
@@ -25916,7 +25850,7 @@
                         <a:tabLst/>
                       </a:pPr>
                       <a:r>
-                        <a:rPr kumimoji="0" lang="ko-KR" altLang="en-US" sz="900" b="0" i="0" u="none" strike="noStrike" cap="none" normalizeH="0" baseline="0" dirty="0">
+                        <a:rPr kumimoji="0" lang="ko-KR" altLang="en-US" sz="900" b="0" i="0" u="none" strike="noStrike" cap="none" normalizeH="0" baseline="0" dirty="0" err="1">
                           <a:ln>
                             <a:noFill/>
                           </a:ln>
@@ -25927,7 +25861,7 @@
                           <a:latin typeface="+mn-ea"/>
                           <a:ea typeface="+mn-ea"/>
                         </a:rPr>
-                        <a:t>최기근</a:t>
+                        <a:t>김규민</a:t>
                       </a:r>
                       <a:endParaRPr kumimoji="0" lang="ko-KR" altLang="ko-KR" sz="900" b="0" i="0" u="none" strike="noStrike" cap="none" normalizeH="0" baseline="0" dirty="0">
                         <a:ln>
@@ -26016,21 +25950,8 @@
                         <a:buFontTx/>
                         <a:buNone/>
                         <a:tabLst/>
+                        <a:defRPr/>
                       </a:pPr>
-                      <a:r>
-                        <a:rPr kumimoji="0" lang="en-US" altLang="ko-KR" sz="900" b="0" i="0" u="none" strike="noStrike" cap="none" normalizeH="0" baseline="0" dirty="0">
-                          <a:ln>
-                            <a:noFill/>
-                          </a:ln>
-                          <a:solidFill>
-                            <a:schemeClr val="tx1"/>
-                          </a:solidFill>
-                          <a:effectLst/>
-                          <a:latin typeface="+mn-ea"/>
-                          <a:ea typeface="+mn-ea"/>
-                        </a:rPr>
-                        <a:t>Client </a:t>
-                      </a:r>
                       <a:r>
                         <a:rPr kumimoji="0" lang="ko-KR" altLang="en-US" sz="900" b="0" i="0" u="none" strike="noStrike" cap="none" normalizeH="0" baseline="0" dirty="0">
                           <a:ln>
@@ -26043,7 +25964,7 @@
                           <a:latin typeface="+mn-ea"/>
                           <a:ea typeface="+mn-ea"/>
                         </a:rPr>
-                        <a:t>구성</a:t>
+                        <a:t>출석부 페이지</a:t>
                       </a:r>
                     </a:p>
                   </a:txBody>
@@ -26333,17 +26254,20 @@
                         <a:buNone/>
                         <a:tabLst/>
                       </a:pPr>
-                      <a:endParaRPr kumimoji="1" lang="en-US" altLang="ko-KR" sz="800" b="0" i="0" u="none" strike="noStrike" cap="none" normalizeH="0" baseline="0" dirty="0">
-                        <a:ln>
-                          <a:noFill/>
-                        </a:ln>
-                        <a:solidFill>
-                          <a:schemeClr val="tx1"/>
-                        </a:solidFill>
-                        <a:effectLst/>
-                        <a:latin typeface="+mn-ea"/>
-                        <a:ea typeface="+mn-ea"/>
-                      </a:endParaRPr>
+                      <a:r>
+                        <a:rPr kumimoji="1" lang="en-US" altLang="ko-KR" sz="800" b="0" i="0" u="none" strike="noStrike" cap="none" normalizeH="0" baseline="0" dirty="0">
+                          <a:ln>
+                            <a:noFill/>
+                          </a:ln>
+                          <a:solidFill>
+                            <a:schemeClr val="tx1"/>
+                          </a:solidFill>
+                          <a:effectLst/>
+                          <a:latin typeface="+mn-ea"/>
+                          <a:ea typeface="+mn-ea"/>
+                        </a:rPr>
+                        <a:t>2024.01.06</a:t>
+                      </a:r>
                     </a:p>
                   </a:txBody>
                   <a:tcPr marT="45742" marB="45742" anchor="ctr" horzOverflow="overflow">
@@ -26434,7 +26358,7 @@
                           <a:latin typeface="+mn-ea"/>
                           <a:ea typeface="+mn-ea"/>
                         </a:rPr>
-                        <a:t>V1.6</a:t>
+                        <a:t>V1.0</a:t>
                       </a:r>
                     </a:p>
                   </a:txBody>
@@ -26514,7 +26438,7 @@
                         <a:tabLst/>
                       </a:pPr>
                       <a:r>
-                        <a:rPr kumimoji="0" lang="ko-KR" altLang="en-US" sz="900" b="0" i="0" u="none" strike="noStrike" cap="none" normalizeH="0" baseline="0" dirty="0">
+                        <a:rPr kumimoji="0" lang="ko-KR" altLang="en-US" sz="900" b="0" i="0" u="none" strike="noStrike" cap="none" normalizeH="0" baseline="0" dirty="0" err="1">
                           <a:ln>
                             <a:noFill/>
                           </a:ln>
@@ -26525,7 +26449,7 @@
                           <a:latin typeface="+mn-ea"/>
                           <a:ea typeface="+mn-ea"/>
                         </a:rPr>
-                        <a:t>최기근</a:t>
+                        <a:t>김규민</a:t>
                       </a:r>
                       <a:endParaRPr kumimoji="0" lang="ko-KR" altLang="ko-KR" sz="900" b="0" i="0" u="none" strike="noStrike" cap="none" normalizeH="0" baseline="0" dirty="0">
                         <a:ln>
@@ -26616,6 +26540,20 @@
                         <a:tabLst/>
                       </a:pPr>
                       <a:r>
+                        <a:rPr kumimoji="0" lang="ko-KR" altLang="en-US" sz="900" b="0" i="0" u="none" strike="noStrike" cap="none" normalizeH="0" baseline="0" dirty="0">
+                          <a:ln>
+                            <a:noFill/>
+                          </a:ln>
+                          <a:solidFill>
+                            <a:schemeClr val="tx1"/>
+                          </a:solidFill>
+                          <a:effectLst/>
+                          <a:latin typeface="+mn-ea"/>
+                          <a:ea typeface="+mn-ea"/>
+                        </a:rPr>
+                        <a:t>출석부 서버</a:t>
+                      </a:r>
+                      <a:r>
                         <a:rPr kumimoji="0" lang="en-US" altLang="ko-KR" sz="900" b="0" i="0" u="none" strike="noStrike" cap="none" normalizeH="0" baseline="0" dirty="0">
                           <a:ln>
                             <a:noFill/>
@@ -26627,7 +26565,7 @@
                           <a:latin typeface="+mn-ea"/>
                           <a:ea typeface="+mn-ea"/>
                         </a:rPr>
-                        <a:t>Client </a:t>
+                        <a:t>, </a:t>
                       </a:r>
                       <a:r>
                         <a:rPr kumimoji="0" lang="ko-KR" altLang="en-US" sz="900" b="0" i="0" u="none" strike="noStrike" cap="none" normalizeH="0" baseline="0" dirty="0">
@@ -26641,7 +26579,7 @@
                           <a:latin typeface="+mn-ea"/>
                           <a:ea typeface="+mn-ea"/>
                         </a:rPr>
-                        <a:t>구성</a:t>
+                        <a:t>클라이언트 </a:t>
                       </a:r>
                     </a:p>
                   </a:txBody>
@@ -26931,17 +26869,112 @@
                         <a:buNone/>
                         <a:tabLst/>
                       </a:pPr>
-                      <a:endParaRPr kumimoji="1" lang="en-US" altLang="ko-KR" sz="800" b="0" i="0" u="none" strike="noStrike" cap="none" normalizeH="0" baseline="0" dirty="0">
-                        <a:ln>
-                          <a:noFill/>
-                        </a:ln>
-                        <a:solidFill>
-                          <a:schemeClr val="tx1"/>
-                        </a:solidFill>
-                        <a:effectLst/>
-                        <a:latin typeface="+mn-ea"/>
-                        <a:ea typeface="+mn-ea"/>
-                      </a:endParaRPr>
+                      <a:r>
+                        <a:rPr kumimoji="1" lang="en-US" altLang="ko-KR" sz="800" b="0" i="0" u="none" strike="noStrike" cap="none" normalizeH="0" baseline="0" dirty="0">
+                          <a:ln>
+                            <a:noFill/>
+                          </a:ln>
+                          <a:solidFill>
+                            <a:schemeClr val="tx1"/>
+                          </a:solidFill>
+                          <a:effectLst/>
+                          <a:latin typeface="+mn-ea"/>
+                          <a:ea typeface="+mn-ea"/>
+                        </a:rPr>
+                        <a:t>2024.01.08-09</a:t>
+                      </a:r>
+                    </a:p>
+                  </a:txBody>
+                  <a:tcPr marT="45742" marB="45742" anchor="ctr" horzOverflow="overflow">
+                    <a:lnL w="3175" cap="flat" cmpd="sng" algn="ctr">
+                      <a:solidFill>
+                        <a:schemeClr val="bg1">
+                          <a:lumMod val="65000"/>
+                        </a:schemeClr>
+                      </a:solidFill>
+                      <a:prstDash val="solid"/>
+                      <a:round/>
+                      <a:headEnd type="none" w="med" len="med"/>
+                      <a:tailEnd type="none" w="med" len="med"/>
+                    </a:lnL>
+                    <a:lnR w="3175" cap="flat" cmpd="sng" algn="ctr">
+                      <a:solidFill>
+                        <a:schemeClr val="bg1">
+                          <a:lumMod val="65000"/>
+                        </a:schemeClr>
+                      </a:solidFill>
+                      <a:prstDash val="solid"/>
+                      <a:round/>
+                      <a:headEnd type="none" w="med" len="med"/>
+                      <a:tailEnd type="none" w="med" len="med"/>
+                    </a:lnR>
+                    <a:lnT w="3175" cap="flat" cmpd="sng" algn="ctr">
+                      <a:solidFill>
+                        <a:schemeClr val="bg1">
+                          <a:lumMod val="65000"/>
+                        </a:schemeClr>
+                      </a:solidFill>
+                      <a:prstDash val="solid"/>
+                      <a:round/>
+                      <a:headEnd type="none" w="med" len="med"/>
+                      <a:tailEnd type="none" w="med" len="med"/>
+                    </a:lnT>
+                    <a:lnB w="3175" cap="flat" cmpd="sng" algn="ctr">
+                      <a:solidFill>
+                        <a:schemeClr val="bg1">
+                          <a:lumMod val="65000"/>
+                        </a:schemeClr>
+                      </a:solidFill>
+                      <a:prstDash val="solid"/>
+                      <a:round/>
+                      <a:headEnd type="none" w="med" len="med"/>
+                      <a:tailEnd type="none" w="med" len="med"/>
+                    </a:lnB>
+                    <a:lnTlToBr>
+                      <a:noFill/>
+                    </a:lnTlToBr>
+                    <a:lnBlToTr>
+                      <a:noFill/>
+                    </a:lnBlToTr>
+                    <a:noFill/>
+                  </a:tcPr>
+                </a:tc>
+                <a:tc>
+                  <a:txBody>
+                    <a:bodyPr/>
+                    <a:lstStyle/>
+                    <a:p>
+                      <a:pPr marL="0" marR="0" lvl="0" indent="0" algn="ctr" defTabSz="914400" rtl="0" eaLnBrk="1" fontAlgn="base" latinLnBrk="1" hangingPunct="1">
+                        <a:lnSpc>
+                          <a:spcPct val="100000"/>
+                        </a:lnSpc>
+                        <a:spcBef>
+                          <a:spcPct val="20000"/>
+                        </a:spcBef>
+                        <a:spcAft>
+                          <a:spcPct val="0"/>
+                        </a:spcAft>
+                        <a:buClrTx/>
+                        <a:buSzTx/>
+                        <a:buFontTx/>
+                        <a:buNone/>
+                        <a:tabLst/>
+                        <a:defRPr/>
+                      </a:pPr>
+                      <a:r>
+                        <a:rPr kumimoji="1" lang="en-US" altLang="ko-KR" sz="900" b="0" i="0" u="none" strike="noStrike" cap="none" normalizeH="0" baseline="0" dirty="0">
+                          <a:ln>
+                            <a:noFill/>
+                          </a:ln>
+                          <a:solidFill>
+                            <a:schemeClr val="tx1"/>
+                          </a:solidFill>
+                          <a:effectLst/>
+                          <a:latin typeface="+mn-ea"/>
+                          <a:ea typeface="+mn-ea"/>
+                        </a:rPr>
+                        <a:t>V1.0</a:t>
+                      </a:r>
                     </a:p>
                   </a:txBody>
                   <a:tcPr marT="45742" marB="45742" anchor="ctr" horzOverflow="overflow">
@@ -27019,94 +27052,20 @@
                         <a:buNone/>
                         <a:tabLst/>
                       </a:pPr>
-                      <a:endParaRPr kumimoji="1" lang="en-US" altLang="ko-KR" sz="900" b="0" i="0" u="none" strike="noStrike" cap="none" normalizeH="0" baseline="0" dirty="0">
-                        <a:ln>
-                          <a:noFill/>
-                        </a:ln>
-                        <a:solidFill>
-                          <a:schemeClr val="tx1"/>
-                        </a:solidFill>
-                        <a:effectLst/>
-                        <a:latin typeface="+mn-ea"/>
-                        <a:ea typeface="+mn-ea"/>
-                      </a:endParaRPr>
-                    </a:p>
-                  </a:txBody>
-                  <a:tcPr marT="45742" marB="45742" anchor="ctr" horzOverflow="overflow">
-                    <a:lnL w="3175" cap="flat" cmpd="sng" algn="ctr">
-                      <a:solidFill>
-                        <a:schemeClr val="bg1">
-                          <a:lumMod val="65000"/>
-                        </a:schemeClr>
-                      </a:solidFill>
-                      <a:prstDash val="solid"/>
-                      <a:round/>
-                      <a:headEnd type="none" w="med" len="med"/>
-                      <a:tailEnd type="none" w="med" len="med"/>
-                    </a:lnL>
-                    <a:lnR w="3175" cap="flat" cmpd="sng" algn="ctr">
-                      <a:solidFill>
-                        <a:schemeClr val="bg1">
-                          <a:lumMod val="65000"/>
-                        </a:schemeClr>
-                      </a:solidFill>
-                      <a:prstDash val="solid"/>
-                      <a:round/>
-                      <a:headEnd type="none" w="med" len="med"/>
-                      <a:tailEnd type="none" w="med" len="med"/>
-                    </a:lnR>
-                    <a:lnT w="3175" cap="flat" cmpd="sng" algn="ctr">
-                      <a:solidFill>
-                        <a:schemeClr val="bg1">
-                          <a:lumMod val="65000"/>
-                        </a:schemeClr>
-                      </a:solidFill>
-                      <a:prstDash val="solid"/>
-                      <a:round/>
-                      <a:headEnd type="none" w="med" len="med"/>
-                      <a:tailEnd type="none" w="med" len="med"/>
-                    </a:lnT>
-                    <a:lnB w="3175" cap="flat" cmpd="sng" algn="ctr">
-                      <a:solidFill>
-                        <a:schemeClr val="bg1">
-                          <a:lumMod val="65000"/>
-                        </a:schemeClr>
-                      </a:solidFill>
-                      <a:prstDash val="solid"/>
-                      <a:round/>
-                      <a:headEnd type="none" w="med" len="med"/>
-                      <a:tailEnd type="none" w="med" len="med"/>
-                    </a:lnB>
-                    <a:lnTlToBr>
-                      <a:noFill/>
-                    </a:lnTlToBr>
-                    <a:lnBlToTr>
-                      <a:noFill/>
-                    </a:lnBlToTr>
-                    <a:noFill/>
-                  </a:tcPr>
-                </a:tc>
-                <a:tc>
-                  <a:txBody>
-                    <a:bodyPr/>
-                    <a:lstStyle/>
-                    <a:p>
-                      <a:pPr marL="0" marR="0" lvl="0" indent="0" algn="ctr" defTabSz="914400" rtl="0" eaLnBrk="1" fontAlgn="base" latinLnBrk="1" hangingPunct="1">
-                        <a:lnSpc>
-                          <a:spcPct val="100000"/>
-                        </a:lnSpc>
-                        <a:spcBef>
-                          <a:spcPct val="20000"/>
-                        </a:spcBef>
-                        <a:spcAft>
-                          <a:spcPct val="0"/>
-                        </a:spcAft>
-                        <a:buClrTx/>
-                        <a:buSzTx/>
-                        <a:buFontTx/>
-                        <a:buNone/>
-                        <a:tabLst/>
-                      </a:pPr>
+                      <a:r>
+                        <a:rPr kumimoji="0" lang="ko-KR" altLang="en-US" sz="900" b="0" i="0" u="none" strike="noStrike" cap="none" normalizeH="0" baseline="0" dirty="0">
+                          <a:ln>
+                            <a:noFill/>
+                          </a:ln>
+                          <a:solidFill>
+                            <a:schemeClr val="tx1"/>
+                          </a:solidFill>
+                          <a:effectLst/>
+                          <a:latin typeface="+mn-ea"/>
+                          <a:ea typeface="+mn-ea"/>
+                        </a:rPr>
+                        <a:t>이준호</a:t>
+                      </a:r>
                       <a:endParaRPr kumimoji="0" lang="ko-KR" altLang="ko-KR" sz="900" b="0" i="0" u="none" strike="noStrike" cap="none" normalizeH="0" baseline="0" dirty="0">
                         <a:ln>
                           <a:noFill/>
@@ -27195,17 +27154,20 @@
                         <a:buNone/>
                         <a:tabLst/>
                       </a:pPr>
-                      <a:endParaRPr kumimoji="0" lang="ko-KR" altLang="ko-KR" sz="900" b="0" i="0" u="none" strike="noStrike" cap="none" normalizeH="0" baseline="0" dirty="0">
-                        <a:ln>
-                          <a:noFill/>
-                        </a:ln>
-                        <a:solidFill>
-                          <a:schemeClr val="tx1"/>
-                        </a:solidFill>
-                        <a:effectLst/>
-                        <a:latin typeface="+mn-ea"/>
-                        <a:ea typeface="+mn-ea"/>
-                      </a:endParaRPr>
+                      <a:r>
+                        <a:rPr kumimoji="0" lang="ko-KR" altLang="en-US" sz="900" b="0" i="0" u="none" strike="noStrike" cap="none" normalizeH="0" baseline="0" dirty="0">
+                          <a:ln>
+                            <a:noFill/>
+                          </a:ln>
+                          <a:solidFill>
+                            <a:schemeClr val="tx1"/>
+                          </a:solidFill>
+                          <a:effectLst/>
+                          <a:latin typeface="+mn-ea"/>
+                          <a:ea typeface="+mn-ea"/>
+                        </a:rPr>
+                        <a:t>회원권 등록 페이지</a:t>
+                      </a:r>
                     </a:p>
                   </a:txBody>
                   <a:tcPr marT="45742" marB="45742" anchor="ctr" horzOverflow="overflow">
@@ -27466,17 +27428,20 @@
                         <a:buNone/>
                         <a:tabLst/>
                       </a:pPr>
-                      <a:endParaRPr kumimoji="1" lang="en-US" altLang="ko-KR" sz="800" b="0" i="0" u="none" strike="noStrike" cap="none" normalizeH="0" baseline="0" dirty="0">
-                        <a:ln>
-                          <a:noFill/>
-                        </a:ln>
-                        <a:solidFill>
-                          <a:schemeClr val="tx1"/>
-                        </a:solidFill>
-                        <a:effectLst/>
-                        <a:latin typeface="+mn-ea"/>
-                        <a:ea typeface="+mn-ea"/>
-                      </a:endParaRPr>
+                      <a:r>
+                        <a:rPr kumimoji="1" lang="en-US" altLang="ko-KR" sz="800" b="0" i="0" u="none" strike="noStrike" cap="none" normalizeH="0" baseline="0" dirty="0">
+                          <a:ln>
+                            <a:noFill/>
+                          </a:ln>
+                          <a:solidFill>
+                            <a:schemeClr val="tx1"/>
+                          </a:solidFill>
+                          <a:effectLst/>
+                          <a:latin typeface="+mn-ea"/>
+                          <a:ea typeface="+mn-ea"/>
+                        </a:rPr>
+                        <a:t>2024.01.02-03</a:t>
+                      </a:r>
                     </a:p>
                   </a:txBody>
                   <a:tcPr marT="45742" marB="45742" anchor="ctr" horzOverflow="overflow">
@@ -27554,18 +27519,20 @@
                         <a:buNone/>
                         <a:tabLst/>
                       </a:pPr>
-                      <a:endParaRPr kumimoji="1" lang="en-US" altLang="ko-KR" sz="900" b="0" i="0" u="none" strike="noStrike" kern="1200" cap="none" normalizeH="0" baseline="0" dirty="0">
-                        <a:ln>
-                          <a:noFill/>
-                        </a:ln>
-                        <a:solidFill>
-                          <a:schemeClr val="tx1"/>
-                        </a:solidFill>
-                        <a:effectLst/>
-                        <a:latin typeface="+mn-ea"/>
-                        <a:ea typeface="+mn-ea"/>
-                        <a:cs typeface="+mn-cs"/>
-                      </a:endParaRPr>
+                      <a:r>
+                        <a:rPr kumimoji="1" lang="en-US" altLang="ko-KR" sz="900" b="0" i="0" u="none" strike="noStrike" cap="none" normalizeH="0" baseline="0" dirty="0">
+                          <a:ln>
+                            <a:noFill/>
+                          </a:ln>
+                          <a:solidFill>
+                            <a:schemeClr val="tx1"/>
+                          </a:solidFill>
+                          <a:effectLst/>
+                          <a:latin typeface="+mn-ea"/>
+                          <a:ea typeface="+mn-ea"/>
+                        </a:rPr>
+                        <a:t>V1.0</a:t>
+                      </a:r>
                     </a:p>
                   </a:txBody>
                   <a:tcPr marT="45742" marB="45742" anchor="ctr" horzOverflow="overflow">
@@ -27643,7 +27610,21 @@
                         <a:buNone/>
                         <a:tabLst/>
                       </a:pPr>
-                      <a:endParaRPr kumimoji="0" lang="ko-KR" altLang="ko-KR" sz="900" b="0" i="0" u="none" strike="noStrike" kern="1200" cap="none" normalizeH="0" baseline="0" dirty="0">
+                      <a:r>
+                        <a:rPr kumimoji="0" lang="ko-KR" altLang="en-US" sz="900" b="0" i="0" u="none" strike="noStrike" cap="none" normalizeH="0" baseline="0" dirty="0" err="1">
+                          <a:ln>
+                            <a:noFill/>
+                          </a:ln>
+                          <a:solidFill>
+                            <a:schemeClr val="tx1"/>
+                          </a:solidFill>
+                          <a:effectLst/>
+                          <a:latin typeface="+mn-ea"/>
+                          <a:ea typeface="+mn-ea"/>
+                        </a:rPr>
+                        <a:t>송상엽</a:t>
+                      </a:r>
+                      <a:endParaRPr kumimoji="0" lang="ko-KR" altLang="ko-KR" sz="900" b="0" i="0" u="none" strike="noStrike" cap="none" normalizeH="0" baseline="0" dirty="0">
                         <a:ln>
                           <a:noFill/>
                         </a:ln>
@@ -27653,7 +27634,6 @@
                         <a:effectLst/>
                         <a:latin typeface="+mn-ea"/>
                         <a:ea typeface="+mn-ea"/>
-                        <a:cs typeface="+mn-cs"/>
                       </a:endParaRPr>
                     </a:p>
                   </a:txBody>
@@ -27732,18 +27712,34 @@
                         <a:buNone/>
                         <a:tabLst/>
                       </a:pPr>
-                      <a:endParaRPr kumimoji="0" lang="ko-KR" altLang="ko-KR" sz="900" b="0" i="0" u="none" strike="noStrike" kern="1200" cap="none" normalizeH="0" baseline="0" dirty="0">
-                        <a:ln>
-                          <a:noFill/>
-                        </a:ln>
-                        <a:solidFill>
-                          <a:schemeClr val="tx1"/>
-                        </a:solidFill>
-                        <a:effectLst/>
-                        <a:latin typeface="+mn-ea"/>
-                        <a:ea typeface="+mn-ea"/>
-                        <a:cs typeface="+mn-cs"/>
-                      </a:endParaRPr>
+                      <a:r>
+                        <a:rPr kumimoji="0" lang="ko-KR" altLang="en-US" sz="900" b="0" i="0" u="none" strike="noStrike" cap="none" normalizeH="0" baseline="0" dirty="0" err="1">
+                          <a:ln>
+                            <a:noFill/>
+                          </a:ln>
+                          <a:solidFill>
+                            <a:schemeClr val="tx1"/>
+                          </a:solidFill>
+                          <a:effectLst/>
+                          <a:latin typeface="+mn-ea"/>
+                          <a:ea typeface="+mn-ea"/>
+                        </a:rPr>
+                        <a:t>락커</a:t>
+                      </a:r>
+                      <a:r>
+                        <a:rPr kumimoji="0" lang="ko-KR" altLang="en-US" sz="900" b="0" i="0" u="none" strike="noStrike" cap="none" normalizeH="0" baseline="0" dirty="0">
+                          <a:ln>
+                            <a:noFill/>
+                          </a:ln>
+                          <a:solidFill>
+                            <a:schemeClr val="tx1"/>
+                          </a:solidFill>
+                          <a:effectLst/>
+                          <a:latin typeface="+mn-ea"/>
+                          <a:ea typeface="+mn-ea"/>
+                        </a:rPr>
+                        <a:t> 페이지</a:t>
+                      </a:r>
                     </a:p>
                   </a:txBody>
                   <a:tcPr marT="45742" marB="45742" anchor="ctr" horzOverflow="overflow">
@@ -28004,17 +28000,20 @@
                         <a:buNone/>
                         <a:tabLst/>
                       </a:pPr>
-                      <a:endParaRPr kumimoji="1" lang="en-US" altLang="ko-KR" sz="800" b="0" i="0" u="none" strike="noStrike" cap="none" normalizeH="0" baseline="0" dirty="0">
-                        <a:ln>
-                          <a:noFill/>
-                        </a:ln>
-                        <a:solidFill>
-                          <a:schemeClr val="tx1"/>
-                        </a:solidFill>
-                        <a:effectLst/>
-                        <a:latin typeface="+mn-ea"/>
-                        <a:ea typeface="+mn-ea"/>
-                      </a:endParaRPr>
+                      <a:r>
+                        <a:rPr kumimoji="1" lang="en-US" altLang="ko-KR" sz="800" b="0" i="0" u="none" strike="noStrike" cap="none" normalizeH="0" baseline="0" dirty="0">
+                          <a:ln>
+                            <a:noFill/>
+                          </a:ln>
+                          <a:solidFill>
+                            <a:schemeClr val="tx1"/>
+                          </a:solidFill>
+                          <a:effectLst/>
+                          <a:latin typeface="+mn-ea"/>
+                          <a:ea typeface="+mn-ea"/>
+                        </a:rPr>
+                        <a:t>2024.01.08-09</a:t>
+                      </a:r>
                     </a:p>
                   </a:txBody>
                   <a:tcPr marT="45742" marB="45742" anchor="ctr" horzOverflow="overflow">
@@ -28092,18 +28091,21 @@
                         <a:buNone/>
                         <a:tabLst/>
                       </a:pPr>
-                      <a:endParaRPr kumimoji="1" lang="en-US" altLang="ko-KR" sz="900" b="0" i="0" u="none" strike="noStrike" kern="1200" cap="none" normalizeH="0" baseline="0" dirty="0">
-                        <a:ln>
-                          <a:noFill/>
-                        </a:ln>
-                        <a:solidFill>
-                          <a:schemeClr val="tx1"/>
-                        </a:solidFill>
-                        <a:effectLst/>
-                        <a:latin typeface="+mn-ea"/>
-                        <a:ea typeface="+mn-ea"/>
-                        <a:cs typeface="+mn-cs"/>
-                      </a:endParaRPr>
+                      <a:r>
+                        <a:rPr kumimoji="1" lang="en-US" altLang="ko-KR" sz="900" b="0" i="0" u="none" strike="noStrike" kern="1200" cap="none" normalizeH="0" baseline="0" dirty="0">
+                          <a:ln>
+                            <a:noFill/>
+                          </a:ln>
+                          <a:solidFill>
+                            <a:schemeClr val="tx1"/>
+                          </a:solidFill>
+                          <a:effectLst/>
+                          <a:latin typeface="+mn-ea"/>
+                          <a:ea typeface="+mn-ea"/>
+                          <a:cs typeface="+mn-cs"/>
+                        </a:rPr>
+                        <a:t>V1.0</a:t>
+                      </a:r>
                     </a:p>
                   </a:txBody>
                   <a:tcPr marT="45742" marB="45742" anchor="ctr" horzOverflow="overflow">
@@ -28181,7 +28183,21 @@
                         <a:buNone/>
                         <a:tabLst/>
                       </a:pPr>
-                      <a:endParaRPr kumimoji="0" lang="ko-KR" altLang="ko-KR" sz="900" b="0" i="0" u="none" strike="noStrike" kern="1200" cap="none" normalizeH="0" baseline="0" dirty="0">
+                      <a:r>
+                        <a:rPr kumimoji="0" lang="ko-KR" altLang="en-US" sz="900" b="0" i="0" u="none" strike="noStrike" cap="none" normalizeH="0" baseline="0" dirty="0" err="1">
+                          <a:ln>
+                            <a:noFill/>
+                          </a:ln>
+                          <a:solidFill>
+                            <a:schemeClr val="tx1"/>
+                          </a:solidFill>
+                          <a:effectLst/>
+                          <a:latin typeface="+mn-ea"/>
+                          <a:ea typeface="+mn-ea"/>
+                        </a:rPr>
+                        <a:t>송상엽</a:t>
+                      </a:r>
+                      <a:endParaRPr kumimoji="0" lang="ko-KR" altLang="ko-KR" sz="900" b="0" i="0" u="none" strike="noStrike" cap="none" normalizeH="0" baseline="0" dirty="0">
                         <a:ln>
                           <a:noFill/>
                         </a:ln>
@@ -28191,7 +28207,6 @@
                         <a:effectLst/>
                         <a:latin typeface="+mn-ea"/>
                         <a:ea typeface="+mn-ea"/>
-                        <a:cs typeface="+mn-cs"/>
                       </a:endParaRPr>
                     </a:p>
                   </a:txBody>
@@ -28270,7 +28285,63 @@
                         <a:buNone/>
                         <a:tabLst/>
                       </a:pPr>
-                      <a:endParaRPr kumimoji="0" lang="ko-KR" altLang="ko-KR" sz="900" b="0" i="0" u="none" strike="noStrike" kern="1200" cap="none" normalizeH="0" baseline="0" dirty="0">
+                      <a:r>
+                        <a:rPr kumimoji="0" lang="ko-KR" altLang="en-US" sz="900" b="0" i="0" u="none" strike="noStrike" cap="none" normalizeH="0" baseline="0" dirty="0">
+                          <a:ln>
+                            <a:noFill/>
+                          </a:ln>
+                          <a:solidFill>
+                            <a:schemeClr val="tx1"/>
+                          </a:solidFill>
+                          <a:effectLst/>
+                          <a:latin typeface="+mn-ea"/>
+                          <a:ea typeface="+mn-ea"/>
+                        </a:rPr>
+                        <a:t>프론트 엔드 구성</a:t>
+                      </a:r>
+                      <a:r>
+                        <a:rPr kumimoji="0" lang="en-US" altLang="ko-KR" sz="900" b="0" i="0" u="none" strike="noStrike" cap="none" normalizeH="0" baseline="0" dirty="0">
+                          <a:ln>
+                            <a:noFill/>
+                          </a:ln>
+                          <a:solidFill>
+                            <a:schemeClr val="tx1"/>
+                          </a:solidFill>
+                          <a:effectLst/>
+                          <a:latin typeface="+mn-ea"/>
+                          <a:ea typeface="+mn-ea"/>
+                        </a:rPr>
+                        <a:t>(</a:t>
+                      </a:r>
+                      <a:r>
+                        <a:rPr kumimoji="0" lang="en-US" altLang="ko-KR" sz="900" b="0" i="0" u="none" strike="noStrike" cap="none" normalizeH="0" baseline="0" dirty="0" err="1">
+                          <a:ln>
+                            <a:noFill/>
+                          </a:ln>
+                          <a:solidFill>
+                            <a:schemeClr val="tx1"/>
+                          </a:solidFill>
+                          <a:effectLst/>
+                          <a:latin typeface="+mn-ea"/>
+                          <a:ea typeface="+mn-ea"/>
+                        </a:rPr>
+                        <a:t>css</a:t>
+                      </a:r>
+                      <a:r>
+                        <a:rPr kumimoji="0" lang="en-US" altLang="ko-KR" sz="900" b="0" i="0" u="none" strike="noStrike" cap="none" normalizeH="0" baseline="0" dirty="0">
+                          <a:ln>
+                            <a:noFill/>
+                          </a:ln>
+                          <a:solidFill>
+                            <a:schemeClr val="tx1"/>
+                          </a:solidFill>
+                          <a:effectLst/>
+                          <a:latin typeface="+mn-ea"/>
+                          <a:ea typeface="+mn-ea"/>
+                        </a:rPr>
+                        <a:t>)</a:t>
+                      </a:r>
+                      <a:endParaRPr kumimoji="0" lang="ko-KR" altLang="en-US" sz="900" b="0" i="0" u="none" strike="noStrike" cap="none" normalizeH="0" baseline="0" dirty="0">
                         <a:ln>
                           <a:noFill/>
                         </a:ln>
@@ -28280,7 +28351,6 @@
                         <a:effectLst/>
                         <a:latin typeface="+mn-ea"/>
                         <a:ea typeface="+mn-ea"/>
-                        <a:cs typeface="+mn-cs"/>
                       </a:endParaRPr>
                     </a:p>
                   </a:txBody>
@@ -28542,17 +28612,20 @@
                         <a:buNone/>
                         <a:tabLst/>
                       </a:pPr>
-                      <a:endParaRPr kumimoji="1" lang="en-US" altLang="ko-KR" sz="800" b="0" i="0" u="none" strike="noStrike" cap="none" normalizeH="0" baseline="0" dirty="0">
-                        <a:ln>
-                          <a:noFill/>
-                        </a:ln>
-                        <a:solidFill>
-                          <a:schemeClr val="tx1"/>
-                        </a:solidFill>
-                        <a:effectLst/>
-                        <a:latin typeface="+mn-ea"/>
-                        <a:ea typeface="+mn-ea"/>
-                      </a:endParaRPr>
+                      <a:r>
+                        <a:rPr kumimoji="1" lang="en-US" altLang="ko-KR" sz="800" b="0" i="0" u="none" strike="noStrike" cap="none" normalizeH="0" baseline="0" dirty="0">
+                          <a:ln>
+                            <a:noFill/>
+                          </a:ln>
+                          <a:solidFill>
+                            <a:schemeClr val="tx1"/>
+                          </a:solidFill>
+                          <a:effectLst/>
+                          <a:latin typeface="+mn-ea"/>
+                          <a:ea typeface="+mn-ea"/>
+                        </a:rPr>
+                        <a:t>2024.01.02-09</a:t>
+                      </a:r>
                     </a:p>
                   </a:txBody>
                   <a:tcPr marT="45742" marB="45742" anchor="ctr" horzOverflow="overflow">
@@ -28630,17 +28703,21 @@
                         <a:buNone/>
                         <a:tabLst/>
                       </a:pPr>
-                      <a:endParaRPr kumimoji="1" lang="en-US" altLang="ko-KR" sz="900" b="0" i="0" u="none" strike="noStrike" cap="none" normalizeH="0" baseline="0" dirty="0">
-                        <a:ln>
-                          <a:noFill/>
-                        </a:ln>
-                        <a:solidFill>
-                          <a:schemeClr val="tx1"/>
-                        </a:solidFill>
-                        <a:effectLst/>
-                        <a:latin typeface="+mn-ea"/>
-                        <a:ea typeface="+mn-ea"/>
-                      </a:endParaRPr>
+                      <a:r>
+                        <a:rPr kumimoji="1" lang="en-US" altLang="ko-KR" sz="900" b="0" i="0" u="none" strike="noStrike" kern="1200" cap="none" normalizeH="0" baseline="0" dirty="0">
+                          <a:ln>
+                            <a:noFill/>
+                          </a:ln>
+                          <a:solidFill>
+                            <a:schemeClr val="tx1"/>
+                          </a:solidFill>
+                          <a:effectLst/>
+                          <a:latin typeface="+mn-ea"/>
+                          <a:ea typeface="+mn-ea"/>
+                          <a:cs typeface="+mn-cs"/>
+                        </a:rPr>
+                        <a:t>V1.0</a:t>
+                      </a:r>
                     </a:p>
                   </a:txBody>
                   <a:tcPr marT="45742" marB="45742" anchor="ctr" horzOverflow="overflow">
@@ -28718,6 +28795,48 @@
                         <a:buNone/>
                         <a:tabLst/>
                       </a:pPr>
+                      <a:r>
+                        <a:rPr kumimoji="0" lang="ko-KR" altLang="en-US" sz="900" b="0" i="0" u="none" strike="noStrike" cap="none" normalizeH="0" baseline="0" dirty="0">
+                          <a:ln>
+                            <a:noFill/>
+                          </a:ln>
+                          <a:solidFill>
+                            <a:schemeClr val="tx1"/>
+                          </a:solidFill>
+                          <a:effectLst/>
+                          <a:latin typeface="+mn-ea"/>
+                          <a:ea typeface="+mn-ea"/>
+                        </a:rPr>
+                        <a:t>이준호</a:t>
+                      </a:r>
+                      <a:r>
+                        <a:rPr kumimoji="0" lang="en-US" altLang="ko-KR" sz="900" b="0" i="0" u="none" strike="noStrike" cap="none" normalizeH="0" baseline="0" dirty="0">
+                          <a:ln>
+                            <a:noFill/>
+                          </a:ln>
+                          <a:solidFill>
+                            <a:schemeClr val="tx1"/>
+                          </a:solidFill>
+                          <a:effectLst/>
+                          <a:latin typeface="+mn-ea"/>
+                          <a:ea typeface="+mn-ea"/>
+                        </a:rPr>
+                        <a:t>, </a:t>
+                      </a:r>
+                      <a:r>
+                        <a:rPr kumimoji="0" lang="ko-KR" altLang="en-US" sz="900" b="0" i="0" u="none" strike="noStrike" cap="none" normalizeH="0" baseline="0" dirty="0" err="1">
+                          <a:ln>
+                            <a:noFill/>
+                          </a:ln>
+                          <a:solidFill>
+                            <a:schemeClr val="tx1"/>
+                          </a:solidFill>
+                          <a:effectLst/>
+                          <a:latin typeface="+mn-ea"/>
+                          <a:ea typeface="+mn-ea"/>
+                        </a:rPr>
+                        <a:t>송상엽</a:t>
+                      </a:r>
                       <a:endParaRPr kumimoji="0" lang="ko-KR" altLang="ko-KR" sz="900" b="0" i="0" u="none" strike="noStrike" cap="none" normalizeH="0" baseline="0" dirty="0">
                         <a:ln>
                           <a:noFill/>
@@ -28806,7 +28925,63 @@
                         <a:buNone/>
                         <a:tabLst/>
                       </a:pPr>
-                      <a:endParaRPr kumimoji="0" lang="ko-KR" altLang="ko-KR" sz="900" b="0" i="0" u="none" strike="noStrike" cap="none" normalizeH="0" baseline="0" dirty="0">
+                      <a:r>
+                        <a:rPr kumimoji="0" lang="ko-KR" altLang="en-US" sz="900" b="0" i="0" u="none" strike="noStrike" cap="none" normalizeH="0" baseline="0" dirty="0">
+                          <a:ln>
+                            <a:noFill/>
+                          </a:ln>
+                          <a:solidFill>
+                            <a:schemeClr val="tx1"/>
+                          </a:solidFill>
+                          <a:effectLst/>
+                          <a:latin typeface="+mn-ea"/>
+                          <a:ea typeface="+mn-ea"/>
+                        </a:rPr>
+                        <a:t>프론트 엔드 구성</a:t>
+                      </a:r>
+                      <a:r>
+                        <a:rPr kumimoji="0" lang="en-US" altLang="ko-KR" sz="900" b="0" i="0" u="none" strike="noStrike" cap="none" normalizeH="0" baseline="0" dirty="0">
+                          <a:ln>
+                            <a:noFill/>
+                          </a:ln>
+                          <a:solidFill>
+                            <a:schemeClr val="tx1"/>
+                          </a:solidFill>
+                          <a:effectLst/>
+                          <a:latin typeface="+mn-ea"/>
+                          <a:ea typeface="+mn-ea"/>
+                        </a:rPr>
+                        <a:t>(</a:t>
+                      </a:r>
+                      <a:r>
+                        <a:rPr kumimoji="0" lang="en-US" altLang="ko-KR" sz="900" b="0" i="0" u="none" strike="noStrike" cap="none" normalizeH="0" baseline="0" dirty="0" err="1">
+                          <a:ln>
+                            <a:noFill/>
+                          </a:ln>
+                          <a:solidFill>
+                            <a:schemeClr val="tx1"/>
+                          </a:solidFill>
+                          <a:effectLst/>
+                          <a:latin typeface="+mn-ea"/>
+                          <a:ea typeface="+mn-ea"/>
+                        </a:rPr>
+                        <a:t>fxml</a:t>
+                      </a:r>
+                      <a:r>
+                        <a:rPr kumimoji="0" lang="en-US" altLang="ko-KR" sz="900" b="0" i="0" u="none" strike="noStrike" cap="none" normalizeH="0" baseline="0" dirty="0">
+                          <a:ln>
+                            <a:noFill/>
+                          </a:ln>
+                          <a:solidFill>
+                            <a:schemeClr val="tx1"/>
+                          </a:solidFill>
+                          <a:effectLst/>
+                          <a:latin typeface="+mn-ea"/>
+                          <a:ea typeface="+mn-ea"/>
+                        </a:rPr>
+                        <a:t>)</a:t>
+                      </a:r>
+                      <a:endParaRPr kumimoji="0" lang="ko-KR" altLang="en-US" sz="900" b="0" i="0" u="none" strike="noStrike" cap="none" normalizeH="0" baseline="0" dirty="0">
                         <a:ln>
                           <a:noFill/>
                         </a:ln>
@@ -29077,6 +29252,20 @@
                         <a:buNone/>
                         <a:tabLst/>
                       </a:pPr>
+                      <a:r>
+                        <a:rPr kumimoji="1" lang="ko-KR" altLang="en-US" sz="800" b="0" i="0" u="none" strike="noStrike" cap="none" normalizeH="0" baseline="0" dirty="0">
+                          <a:ln>
+                            <a:noFill/>
+                          </a:ln>
+                          <a:solidFill>
+                            <a:schemeClr val="tx1"/>
+                          </a:solidFill>
+                          <a:effectLst/>
+                          <a:latin typeface="+mn-ea"/>
+                          <a:ea typeface="+mn-ea"/>
+                        </a:rPr>
+                        <a:t>예정</a:t>
+                      </a:r>
                       <a:endParaRPr kumimoji="1" lang="en-US" altLang="ko-KR" sz="800" b="0" i="0" u="none" strike="noStrike" cap="none" normalizeH="0" baseline="0" dirty="0">
                         <a:ln>
                           <a:noFill/>
@@ -29165,17 +29354,51 @@
                         <a:buNone/>
                         <a:tabLst/>
                       </a:pPr>
-                      <a:endParaRPr kumimoji="1" lang="en-US" altLang="ko-KR" sz="900" b="0" i="0" u="none" strike="noStrike" cap="none" normalizeH="0" baseline="0" dirty="0">
-                        <a:ln>
-                          <a:noFill/>
-                        </a:ln>
-                        <a:solidFill>
-                          <a:schemeClr val="tx1"/>
-                        </a:solidFill>
-                        <a:effectLst/>
-                        <a:latin typeface="+mn-ea"/>
-                        <a:ea typeface="+mn-ea"/>
-                      </a:endParaRPr>
+                      <a:r>
+                        <a:rPr kumimoji="1" lang="en-US" altLang="ko-KR" sz="900" b="0" i="0" u="none" strike="noStrike" kern="1200" cap="none" normalizeH="0" baseline="0" dirty="0">
+                          <a:ln>
+                            <a:noFill/>
+                          </a:ln>
+                          <a:solidFill>
+                            <a:schemeClr val="tx1"/>
+                          </a:solidFill>
+                          <a:effectLst/>
+                          <a:latin typeface="+mn-ea"/>
+                          <a:ea typeface="+mn-ea"/>
+                          <a:cs typeface="+mn-cs"/>
+                        </a:rPr>
+                        <a:t>V1.1 (</a:t>
+                      </a:r>
+                      <a:r>
+                        <a:rPr kumimoji="1" lang="ko-KR" altLang="en-US" sz="900" b="0" i="0" u="none" strike="noStrike" kern="1200" cap="none" normalizeH="0" baseline="0" dirty="0">
+                          <a:ln>
+                            <a:noFill/>
+                          </a:ln>
+                          <a:solidFill>
+                            <a:schemeClr val="tx1"/>
+                          </a:solidFill>
+                          <a:effectLst/>
+                          <a:latin typeface="+mn-ea"/>
+                          <a:ea typeface="+mn-ea"/>
+                          <a:cs typeface="+mn-cs"/>
+                        </a:rPr>
+                        <a:t>예정</a:t>
+                      </a:r>
+                      <a:r>
+                        <a:rPr kumimoji="1" lang="en-US" altLang="ko-KR" sz="900" b="0" i="0" u="none" strike="noStrike" kern="1200" cap="none" normalizeH="0" baseline="0" dirty="0">
+                          <a:ln>
+                            <a:noFill/>
+                          </a:ln>
+                          <a:solidFill>
+                            <a:schemeClr val="tx1"/>
+                          </a:solidFill>
+                          <a:effectLst/>
+                          <a:latin typeface="+mn-ea"/>
+                          <a:ea typeface="+mn-ea"/>
+                          <a:cs typeface="+mn-cs"/>
+                        </a:rPr>
+                        <a:t>)</a:t>
+                      </a:r>
                     </a:p>
                   </a:txBody>
                   <a:tcPr marT="45742" marB="45742" anchor="ctr" horzOverflow="overflow">
@@ -29253,6 +29476,48 @@
                         <a:buNone/>
                         <a:tabLst/>
                       </a:pPr>
+                      <a:r>
+                        <a:rPr kumimoji="0" lang="ko-KR" altLang="en-US" sz="900" b="0" i="0" u="none" strike="noStrike" cap="none" normalizeH="0" baseline="0" dirty="0">
+                          <a:ln>
+                            <a:noFill/>
+                          </a:ln>
+                          <a:solidFill>
+                            <a:schemeClr val="tx1"/>
+                          </a:solidFill>
+                          <a:effectLst/>
+                          <a:latin typeface="+mn-ea"/>
+                          <a:ea typeface="+mn-ea"/>
+                        </a:rPr>
+                        <a:t>이준호</a:t>
+                      </a:r>
+                      <a:r>
+                        <a:rPr kumimoji="0" lang="en-US" altLang="ko-KR" sz="900" b="0" i="0" u="none" strike="noStrike" cap="none" normalizeH="0" baseline="0" dirty="0">
+                          <a:ln>
+                            <a:noFill/>
+                          </a:ln>
+                          <a:solidFill>
+                            <a:schemeClr val="tx1"/>
+                          </a:solidFill>
+                          <a:effectLst/>
+                          <a:latin typeface="+mn-ea"/>
+                          <a:ea typeface="+mn-ea"/>
+                        </a:rPr>
+                        <a:t>, </a:t>
+                      </a:r>
+                      <a:r>
+                        <a:rPr kumimoji="0" lang="ko-KR" altLang="en-US" sz="900" b="0" i="0" u="none" strike="noStrike" cap="none" normalizeH="0" baseline="0" dirty="0" err="1">
+                          <a:ln>
+                            <a:noFill/>
+                          </a:ln>
+                          <a:solidFill>
+                            <a:schemeClr val="tx1"/>
+                          </a:solidFill>
+                          <a:effectLst/>
+                          <a:latin typeface="+mn-ea"/>
+                          <a:ea typeface="+mn-ea"/>
+                        </a:rPr>
+                        <a:t>송상엽</a:t>
+                      </a:r>
                       <a:endParaRPr kumimoji="0" lang="ko-KR" altLang="ko-KR" sz="900" b="0" i="0" u="none" strike="noStrike" cap="none" normalizeH="0" baseline="0" dirty="0">
                         <a:ln>
                           <a:noFill/>
@@ -29341,17 +29606,20 @@
                         <a:buNone/>
                         <a:tabLst/>
                       </a:pPr>
-                      <a:endParaRPr kumimoji="0" lang="ko-KR" altLang="ko-KR" sz="900" b="0" i="0" u="none" strike="noStrike" cap="none" normalizeH="0" baseline="0" dirty="0">
-                        <a:ln>
-                          <a:noFill/>
-                        </a:ln>
-                        <a:solidFill>
-                          <a:schemeClr val="tx1"/>
-                        </a:solidFill>
-                        <a:effectLst/>
-                        <a:latin typeface="+mn-ea"/>
-                        <a:ea typeface="+mn-ea"/>
-                      </a:endParaRPr>
+                      <a:r>
+                        <a:rPr kumimoji="0" lang="ko-KR" altLang="en-US" sz="900" b="0" i="0" u="none" strike="noStrike" cap="none" normalizeH="0" baseline="0" dirty="0">
+                          <a:ln>
+                            <a:noFill/>
+                          </a:ln>
+                          <a:solidFill>
+                            <a:schemeClr val="tx1"/>
+                          </a:solidFill>
+                          <a:effectLst/>
+                          <a:latin typeface="+mn-ea"/>
+                          <a:ea typeface="+mn-ea"/>
+                        </a:rPr>
+                        <a:t>매출관리</a:t>
+                      </a:r>
                     </a:p>
                   </a:txBody>
                   <a:tcPr marT="45742" marB="45742" anchor="ctr" horzOverflow="overflow">
@@ -29612,6 +29880,20 @@
                         <a:buNone/>
                         <a:tabLst/>
                       </a:pPr>
+                      <a:r>
+                        <a:rPr kumimoji="1" lang="ko-KR" altLang="en-US" sz="800" b="0" i="0" u="none" strike="noStrike" cap="none" normalizeH="0" baseline="0" dirty="0">
+                          <a:ln>
+                            <a:noFill/>
+                          </a:ln>
+                          <a:solidFill>
+                            <a:schemeClr val="tx1"/>
+                          </a:solidFill>
+                          <a:effectLst/>
+                          <a:latin typeface="+mn-ea"/>
+                          <a:ea typeface="+mn-ea"/>
+                        </a:rPr>
+                        <a:t>예정</a:t>
+                      </a:r>
                       <a:endParaRPr kumimoji="1" lang="en-US" altLang="ko-KR" sz="800" b="0" i="0" u="none" strike="noStrike" cap="none" normalizeH="0" baseline="0" dirty="0">
                         <a:ln>
                           <a:noFill/>
@@ -29700,17 +29982,51 @@
                         <a:buNone/>
                         <a:tabLst/>
                       </a:pPr>
-                      <a:endParaRPr kumimoji="1" lang="en-US" altLang="ko-KR" sz="900" b="0" i="0" u="none" strike="noStrike" cap="none" normalizeH="0" baseline="0" dirty="0">
-                        <a:ln>
-                          <a:noFill/>
-                        </a:ln>
-                        <a:solidFill>
-                          <a:schemeClr val="tx1"/>
-                        </a:solidFill>
-                        <a:effectLst/>
-                        <a:latin typeface="+mn-ea"/>
-                        <a:ea typeface="+mn-ea"/>
-                      </a:endParaRPr>
+                      <a:r>
+                        <a:rPr kumimoji="1" lang="en-US" altLang="ko-KR" sz="900" b="0" i="0" u="none" strike="noStrike" kern="1200" cap="none" normalizeH="0" baseline="0" dirty="0">
+                          <a:ln>
+                            <a:noFill/>
+                          </a:ln>
+                          <a:solidFill>
+                            <a:schemeClr val="tx1"/>
+                          </a:solidFill>
+                          <a:effectLst/>
+                          <a:latin typeface="+mn-ea"/>
+                          <a:ea typeface="+mn-ea"/>
+                          <a:cs typeface="+mn-cs"/>
+                        </a:rPr>
+                        <a:t>V1.1 (</a:t>
+                      </a:r>
+                      <a:r>
+                        <a:rPr kumimoji="1" lang="ko-KR" altLang="en-US" sz="900" b="0" i="0" u="none" strike="noStrike" kern="1200" cap="none" normalizeH="0" baseline="0" dirty="0">
+                          <a:ln>
+                            <a:noFill/>
+                          </a:ln>
+                          <a:solidFill>
+                            <a:schemeClr val="tx1"/>
+                          </a:solidFill>
+                          <a:effectLst/>
+                          <a:latin typeface="+mn-ea"/>
+                          <a:ea typeface="+mn-ea"/>
+                          <a:cs typeface="+mn-cs"/>
+                        </a:rPr>
+                        <a:t>예정</a:t>
+                      </a:r>
+                      <a:r>
+                        <a:rPr kumimoji="1" lang="en-US" altLang="ko-KR" sz="900" b="0" i="0" u="none" strike="noStrike" kern="1200" cap="none" normalizeH="0" baseline="0" dirty="0">
+                          <a:ln>
+                            <a:noFill/>
+                          </a:ln>
+                          <a:solidFill>
+                            <a:schemeClr val="tx1"/>
+                          </a:solidFill>
+                          <a:effectLst/>
+                          <a:latin typeface="+mn-ea"/>
+                          <a:ea typeface="+mn-ea"/>
+                          <a:cs typeface="+mn-cs"/>
+                        </a:rPr>
+                        <a:t>)</a:t>
+                      </a:r>
                     </a:p>
                   </a:txBody>
                   <a:tcPr marT="45742" marB="45742" anchor="ctr" horzOverflow="overflow">
@@ -29788,6 +30104,20 @@
                         <a:buNone/>
                         <a:tabLst/>
                       </a:pPr>
+                      <a:r>
+                        <a:rPr kumimoji="0" lang="ko-KR" altLang="en-US" sz="900" b="0" i="0" u="none" strike="noStrike" cap="none" normalizeH="0" baseline="0" dirty="0" err="1">
+                          <a:ln>
+                            <a:noFill/>
+                          </a:ln>
+                          <a:solidFill>
+                            <a:schemeClr val="tx1"/>
+                          </a:solidFill>
+                          <a:effectLst/>
+                          <a:latin typeface="+mn-ea"/>
+                          <a:ea typeface="+mn-ea"/>
+                        </a:rPr>
+                        <a:t>송상엽</a:t>
+                      </a:r>
                       <a:endParaRPr kumimoji="0" lang="ko-KR" altLang="ko-KR" sz="900" b="0" i="0" u="none" strike="noStrike" cap="none" normalizeH="0" baseline="0" dirty="0">
                         <a:ln>
                           <a:noFill/>
@@ -29876,17 +30206,20 @@
                         <a:buNone/>
                         <a:tabLst/>
                       </a:pPr>
-                      <a:endParaRPr kumimoji="0" lang="ko-KR" altLang="ko-KR" sz="900" b="0" i="0" u="none" strike="noStrike" cap="none" normalizeH="0" baseline="0" dirty="0">
-                        <a:ln>
-                          <a:noFill/>
-                        </a:ln>
-                        <a:solidFill>
-                          <a:schemeClr val="tx1"/>
-                        </a:solidFill>
-                        <a:effectLst/>
-                        <a:latin typeface="+mn-ea"/>
-                        <a:ea typeface="+mn-ea"/>
-                      </a:endParaRPr>
+                      <a:r>
+                        <a:rPr kumimoji="0" lang="ko-KR" altLang="en-US" sz="900" b="0" i="0" u="none" strike="noStrike" cap="none" normalizeH="0" baseline="0" dirty="0">
+                          <a:ln>
+                            <a:noFill/>
+                          </a:ln>
+                          <a:solidFill>
+                            <a:schemeClr val="tx1"/>
+                          </a:solidFill>
+                          <a:effectLst/>
+                          <a:latin typeface="+mn-ea"/>
+                          <a:ea typeface="+mn-ea"/>
+                        </a:rPr>
+                        <a:t>매출통계</a:t>
+                      </a:r>
                     </a:p>
                   </a:txBody>
                   <a:tcPr marT="45742" marB="45742" anchor="ctr" horzOverflow="overflow">
@@ -30874,6 +31207,114 @@
           <a:chExt cx="0" cy="0"/>
         </a:xfrm>
       </p:grpSpPr>
+      <p:pic>
+        <p:nvPicPr>
+          <p:cNvPr id="3" name="그림 2" descr="도표, 텍스트, 평면도, 기술 도면이(가) 표시된 사진&#10;&#10;자동 생성된 설명">
+            <a:extLst>
+              <a:ext uri="{FF2B5EF4-FFF2-40B4-BE49-F238E27FC236}">
+                <a16:creationId xmlns:a16="http://schemas.microsoft.com/office/drawing/2014/main" id="{D5BA5F8A-8381-E944-4D89-3CED4DE44B57}"/>
+              </a:ext>
+            </a:extLst>
+          </p:cNvPr>
+          <p:cNvPicPr>
+            <a:picLocks noChangeAspect="1"/>
+          </p:cNvPicPr>
+          <p:nvPr/>
+        </p:nvPicPr>
+        <p:blipFill>
+          <a:blip r:embed="rId2">
+            <a:extLst>
+              <a:ext uri="{28A0092B-C50C-407E-A947-70E740481C1C}">
+                <a14:useLocalDpi xmlns:a14="http://schemas.microsoft.com/office/drawing/2010/main" val="0"/>
+              </a:ext>
+            </a:extLst>
+          </a:blip>
+          <a:stretch>
+            <a:fillRect/>
+          </a:stretch>
+        </p:blipFill>
+        <p:spPr>
+          <a:xfrm>
+            <a:off x="2525485" y="1022158"/>
+            <a:ext cx="6940732" cy="5443955"/>
+          </a:xfrm>
+          <a:prstGeom prst="rect">
+            <a:avLst/>
+          </a:prstGeom>
+        </p:spPr>
+      </p:pic>
+      <p:sp>
+        <p:nvSpPr>
+          <p:cNvPr id="4" name="TextBox 3">
+            <a:extLst>
+              <a:ext uri="{FF2B5EF4-FFF2-40B4-BE49-F238E27FC236}">
+                <a16:creationId xmlns:a16="http://schemas.microsoft.com/office/drawing/2014/main" id="{34F8B0FC-F141-C66A-58B8-25C89D20656F}"/>
+              </a:ext>
+            </a:extLst>
+          </p:cNvPr>
+          <p:cNvSpPr txBox="1"/>
+          <p:nvPr/>
+        </p:nvSpPr>
+        <p:spPr>
+          <a:xfrm>
+            <a:off x="0" y="280173"/>
+            <a:ext cx="1837508" cy="400110"/>
+          </a:xfrm>
+          <a:prstGeom prst="rect">
+            <a:avLst/>
+          </a:prstGeom>
+          <a:noFill/>
+        </p:spPr>
+        <p:txBody>
+          <a:bodyPr wrap="square" rtlCol="0">
+            <a:spAutoFit/>
+          </a:bodyPr>
+          <a:lstStyle/>
+          <a:p>
+            <a:r>
+              <a:rPr lang="ko-KR" altLang="en-US" sz="2000" b="1" dirty="0"/>
+              <a:t>전체 프로세스</a:t>
+            </a:r>
+          </a:p>
+        </p:txBody>
+      </p:sp>
+      <p:cxnSp>
+        <p:nvCxnSpPr>
+          <p:cNvPr id="6" name="직선 연결선 5">
+            <a:extLst>
+              <a:ext uri="{FF2B5EF4-FFF2-40B4-BE49-F238E27FC236}">
+                <a16:creationId xmlns:a16="http://schemas.microsoft.com/office/drawing/2014/main" id="{E2EADBFA-DC20-8A28-D043-96E15626CFAA}"/>
+              </a:ext>
+            </a:extLst>
+          </p:cNvPr>
+          <p:cNvCxnSpPr/>
+          <p:nvPr/>
+        </p:nvCxnSpPr>
+        <p:spPr>
+          <a:xfrm>
+            <a:off x="0" y="680283"/>
+            <a:ext cx="1837508" cy="0"/>
+          </a:xfrm>
+          <a:prstGeom prst="line">
+            <a:avLst/>
+          </a:prstGeom>
+          <a:ln/>
+        </p:spPr>
+        <p:style>
+          <a:lnRef idx="3">
+            <a:schemeClr val="dk1"/>
+          </a:lnRef>
+          <a:fillRef idx="0">
+            <a:schemeClr val="dk1"/>
+          </a:fillRef>
+          <a:effectRef idx="2">
+            <a:schemeClr val="dk1"/>
+          </a:effectRef>
+          <a:fontRef idx="minor">
+            <a:schemeClr val="tx1"/>
+          </a:fontRef>
+        </p:style>
+      </p:cxnSp>
     </p:spTree>
     <p:extLst>
       <p:ext uri="{BB962C8B-B14F-4D97-AF65-F5344CB8AC3E}">
@@ -31031,6 +31472,78 @@
           </p:style>
         </p:cxnSp>
       </p:grpSp>
+      <p:sp>
+        <p:nvSpPr>
+          <p:cNvPr id="2" name="TextBox 1">
+            <a:extLst>
+              <a:ext uri="{FF2B5EF4-FFF2-40B4-BE49-F238E27FC236}">
+                <a16:creationId xmlns:a16="http://schemas.microsoft.com/office/drawing/2014/main" id="{DC8194A9-9485-FBD2-0CB9-42126021442B}"/>
+              </a:ext>
+            </a:extLst>
+          </p:cNvPr>
+          <p:cNvSpPr txBox="1"/>
+          <p:nvPr/>
+        </p:nvSpPr>
+        <p:spPr>
+          <a:xfrm>
+            <a:off x="0" y="280173"/>
+            <a:ext cx="1837508" cy="400110"/>
+          </a:xfrm>
+          <a:prstGeom prst="rect">
+            <a:avLst/>
+          </a:prstGeom>
+          <a:noFill/>
+        </p:spPr>
+        <p:txBody>
+          <a:bodyPr wrap="square" rtlCol="0">
+            <a:spAutoFit/>
+          </a:bodyPr>
+          <a:lstStyle/>
+          <a:p>
+            <a:r>
+              <a:rPr lang="ko-KR" altLang="en-US" sz="2000" dirty="0"/>
+              <a:t>전체 프로세스</a:t>
+            </a:r>
+          </a:p>
+        </p:txBody>
+      </p:sp>
+      <p:cxnSp>
+        <p:nvCxnSpPr>
+          <p:cNvPr id="3" name="직선 연결선 2">
+            <a:extLst>
+              <a:ext uri="{FF2B5EF4-FFF2-40B4-BE49-F238E27FC236}">
+                <a16:creationId xmlns:a16="http://schemas.microsoft.com/office/drawing/2014/main" id="{B23C38FA-CA98-5696-91D2-3C779931FF59}"/>
+              </a:ext>
+            </a:extLst>
+          </p:cNvPr>
+          <p:cNvCxnSpPr/>
+          <p:nvPr/>
+        </p:nvCxnSpPr>
+        <p:spPr>
+          <a:xfrm>
+            <a:off x="0" y="680283"/>
+            <a:ext cx="1837508" cy="0"/>
+          </a:xfrm>
+          <a:prstGeom prst="line">
+            <a:avLst/>
+          </a:prstGeom>
+          <a:ln/>
+        </p:spPr>
+        <p:style>
+          <a:lnRef idx="1">
+            <a:schemeClr val="dk1"/>
+          </a:lnRef>
+          <a:fillRef idx="0">
+            <a:schemeClr val="dk1"/>
+          </a:fillRef>
+          <a:effectRef idx="0">
+            <a:schemeClr val="dk1"/>
+          </a:effectRef>
+          <a:fontRef idx="minor">
+            <a:schemeClr val="tx1"/>
+          </a:fontRef>
+        </p:style>
+      </p:cxnSp>
     </p:spTree>
     <p:extLst>
       <p:ext uri="{BB962C8B-B14F-4D97-AF65-F5344CB8AC3E}">
@@ -31061,1666 +31574,6 @@
           <a:chExt cx="0" cy="0"/>
         </a:xfrm>
       </p:grpSpPr>
-      <p:graphicFrame>
-        <p:nvGraphicFramePr>
-          <p:cNvPr id="4" name="표 3"/>
-          <p:cNvGraphicFramePr>
-            <a:graphicFrameLocks noGrp="1"/>
-          </p:cNvGraphicFramePr>
-          <p:nvPr/>
-        </p:nvGraphicFramePr>
-        <p:xfrm>
-          <a:off x="424203" y="505525"/>
-          <a:ext cx="11317718" cy="6057116"/>
-        </p:xfrm>
-        <a:graphic>
-          <a:graphicData uri="http://schemas.openxmlformats.org/drawingml/2006/table">
-            <a:tbl>
-              <a:tblPr firstRow="1" bandRow="1">
-                <a:tableStyleId>{5940675A-B579-460E-94D1-54222C63F5DA}</a:tableStyleId>
-              </a:tblPr>
-              <a:tblGrid>
-                <a:gridCol w="7625935">
-                  <a:extLst>
-                    <a:ext uri="{9D8B030D-6E8A-4147-A177-3AD203B41FA5}">
-                      <a16:colId xmlns:a16="http://schemas.microsoft.com/office/drawing/2014/main" val="20000"/>
-                    </a:ext>
-                  </a:extLst>
-                </a:gridCol>
-                <a:gridCol w="3691783">
-                  <a:extLst>
-                    <a:ext uri="{9D8B030D-6E8A-4147-A177-3AD203B41FA5}">
-                      <a16:colId xmlns:a16="http://schemas.microsoft.com/office/drawing/2014/main" val="20001"/>
-                    </a:ext>
-                  </a:extLst>
-                </a:gridCol>
-              </a:tblGrid>
-              <a:tr h="220134">
-                <a:tc>
-                  <a:txBody>
-                    <a:bodyPr/>
-                    <a:lstStyle/>
-                    <a:p>
-                      <a:pPr marL="0" marR="0" indent="0" algn="l" defTabSz="914217" rtl="0" eaLnBrk="1" fontAlgn="auto" latinLnBrk="1" hangingPunct="1">
-                        <a:lnSpc>
-                          <a:spcPct val="100000"/>
-                        </a:lnSpc>
-                        <a:spcBef>
-                          <a:spcPts val="0"/>
-                        </a:spcBef>
-                        <a:spcAft>
-                          <a:spcPts val="0"/>
-                        </a:spcAft>
-                        <a:buClrTx/>
-                        <a:buSzTx/>
-                        <a:buFontTx/>
-                        <a:buNone/>
-                        <a:tabLst/>
-                        <a:defRPr/>
-                      </a:pPr>
-                      <a:r>
-                        <a:rPr lang="en-US" altLang="ko-KR" sz="900" b="0" dirty="0">
-                          <a:latin typeface="맑은 고딕" pitchFamily="50" charset="-127"/>
-                          <a:ea typeface="맑은 고딕" pitchFamily="50" charset="-127"/>
-                        </a:rPr>
-                        <a:t>Wire Frame Screen 1</a:t>
-                      </a:r>
-                      <a:endParaRPr lang="ko-KR" altLang="en-US" sz="900" b="0" dirty="0">
-                        <a:latin typeface="맑은 고딕" pitchFamily="50" charset="-127"/>
-                        <a:ea typeface="맑은 고딕" pitchFamily="50" charset="-127"/>
-                      </a:endParaRPr>
-                    </a:p>
-                  </a:txBody>
-                  <a:tcPr>
-                    <a:lnL w="3175" cap="flat" cmpd="sng" algn="ctr">
-                      <a:solidFill>
-                        <a:schemeClr val="bg1">
-                          <a:lumMod val="50000"/>
-                        </a:schemeClr>
-                      </a:solidFill>
-                      <a:prstDash val="solid"/>
-                      <a:round/>
-                      <a:headEnd type="none" w="med" len="med"/>
-                      <a:tailEnd type="none" w="med" len="med"/>
-                    </a:lnL>
-                    <a:lnR w="3175" cap="flat" cmpd="sng" algn="ctr">
-                      <a:solidFill>
-                        <a:schemeClr val="bg1">
-                          <a:lumMod val="50000"/>
-                        </a:schemeClr>
-                      </a:solidFill>
-                      <a:prstDash val="solid"/>
-                      <a:round/>
-                      <a:headEnd type="none" w="med" len="med"/>
-                      <a:tailEnd type="none" w="med" len="med"/>
-                    </a:lnR>
-                    <a:lnT w="3175" cap="flat" cmpd="sng" algn="ctr">
-                      <a:solidFill>
-                        <a:schemeClr val="bg1">
-                          <a:lumMod val="50000"/>
-                        </a:schemeClr>
-                      </a:solidFill>
-                      <a:prstDash val="solid"/>
-                      <a:round/>
-                      <a:headEnd type="none" w="med" len="med"/>
-                      <a:tailEnd type="none" w="med" len="med"/>
-                    </a:lnT>
-                    <a:lnB w="3175" cap="flat" cmpd="sng" algn="ctr">
-                      <a:solidFill>
-                        <a:schemeClr val="bg1">
-                          <a:lumMod val="50000"/>
-                        </a:schemeClr>
-                      </a:solidFill>
-                      <a:prstDash val="solid"/>
-                      <a:round/>
-                      <a:headEnd type="none" w="med" len="med"/>
-                      <a:tailEnd type="none" w="med" len="med"/>
-                    </a:lnB>
-                    <a:solidFill>
-                      <a:schemeClr val="bg1">
-                        <a:lumMod val="95000"/>
-                      </a:schemeClr>
-                    </a:solidFill>
-                  </a:tcPr>
-                </a:tc>
-                <a:tc>
-                  <a:txBody>
-                    <a:bodyPr/>
-                    <a:lstStyle/>
-                    <a:p>
-                      <a:pPr latinLnBrk="1"/>
-                      <a:r>
-                        <a:rPr lang="en-US" altLang="ko-KR" sz="900" b="0" dirty="0">
-                          <a:latin typeface="맑은 고딕" pitchFamily="50" charset="-127"/>
-                          <a:ea typeface="맑은 고딕" pitchFamily="50" charset="-127"/>
-                        </a:rPr>
-                        <a:t>Path – project/</a:t>
-                      </a:r>
-                      <a:r>
-                        <a:rPr lang="en-US" altLang="ko-KR" sz="900" b="0" dirty="0" err="1">
-                          <a:latin typeface="맑은 고딕" pitchFamily="50" charset="-127"/>
-                          <a:ea typeface="맑은 고딕" pitchFamily="50" charset="-127"/>
-                        </a:rPr>
-                        <a:t>push_man</a:t>
-                      </a:r>
-                      <a:r>
-                        <a:rPr lang="en-US" altLang="ko-KR" sz="900" b="0" dirty="0">
-                          <a:latin typeface="맑은 고딕" pitchFamily="50" charset="-127"/>
-                          <a:ea typeface="맑은 고딕" pitchFamily="50" charset="-127"/>
-                        </a:rPr>
-                        <a:t>/game</a:t>
-                      </a:r>
-                      <a:endParaRPr lang="ko-KR" altLang="en-US" sz="900" b="0" dirty="0">
-                        <a:latin typeface="맑은 고딕" pitchFamily="50" charset="-127"/>
-                        <a:ea typeface="맑은 고딕" pitchFamily="50" charset="-127"/>
-                      </a:endParaRPr>
-                    </a:p>
-                  </a:txBody>
-                  <a:tcPr>
-                    <a:lnL w="3175" cap="flat" cmpd="sng" algn="ctr">
-                      <a:solidFill>
-                        <a:schemeClr val="bg1">
-                          <a:lumMod val="50000"/>
-                        </a:schemeClr>
-                      </a:solidFill>
-                      <a:prstDash val="solid"/>
-                      <a:round/>
-                      <a:headEnd type="none" w="med" len="med"/>
-                      <a:tailEnd type="none" w="med" len="med"/>
-                    </a:lnL>
-                    <a:lnR w="3175" cap="flat" cmpd="sng" algn="ctr">
-                      <a:solidFill>
-                        <a:schemeClr val="bg1">
-                          <a:lumMod val="50000"/>
-                        </a:schemeClr>
-                      </a:solidFill>
-                      <a:prstDash val="solid"/>
-                      <a:round/>
-                      <a:headEnd type="none" w="med" len="med"/>
-                      <a:tailEnd type="none" w="med" len="med"/>
-                    </a:lnR>
-                    <a:lnT w="3175" cap="flat" cmpd="sng" algn="ctr">
-                      <a:solidFill>
-                        <a:schemeClr val="bg1">
-                          <a:lumMod val="50000"/>
-                        </a:schemeClr>
-                      </a:solidFill>
-                      <a:prstDash val="solid"/>
-                      <a:round/>
-                      <a:headEnd type="none" w="med" len="med"/>
-                      <a:tailEnd type="none" w="med" len="med"/>
-                    </a:lnT>
-                    <a:lnB w="3175" cap="flat" cmpd="sng" algn="ctr">
-                      <a:solidFill>
-                        <a:schemeClr val="bg1">
-                          <a:lumMod val="50000"/>
-                        </a:schemeClr>
-                      </a:solidFill>
-                      <a:prstDash val="solid"/>
-                      <a:round/>
-                      <a:headEnd type="none" w="med" len="med"/>
-                      <a:tailEnd type="none" w="med" len="med"/>
-                    </a:lnB>
-                    <a:solidFill>
-                      <a:schemeClr val="bg1">
-                        <a:lumMod val="95000"/>
-                      </a:schemeClr>
-                    </a:solidFill>
-                  </a:tcPr>
-                </a:tc>
-                <a:extLst>
-                  <a:ext uri="{0D108BD9-81ED-4DB2-BD59-A6C34878D82A}">
-                    <a16:rowId xmlns:a16="http://schemas.microsoft.com/office/drawing/2014/main" val="10000"/>
-                  </a:ext>
-                </a:extLst>
-              </a:tr>
-              <a:tr h="314325">
-                <a:tc rowSpan="3">
-                  <a:txBody>
-                    <a:bodyPr/>
-                    <a:lstStyle/>
-                    <a:p>
-                      <a:pPr latinLnBrk="1"/>
-                      <a:endParaRPr lang="ko-KR" altLang="en-US" sz="900" b="0" i="1" dirty="0">
-                        <a:latin typeface="맑은 고딕" pitchFamily="50" charset="-127"/>
-                        <a:ea typeface="맑은 고딕" pitchFamily="50" charset="-127"/>
-                      </a:endParaRPr>
-                    </a:p>
-                  </a:txBody>
-                  <a:tcPr>
-                    <a:lnL w="3175" cap="flat" cmpd="sng" algn="ctr">
-                      <a:solidFill>
-                        <a:schemeClr val="bg1">
-                          <a:lumMod val="50000"/>
-                        </a:schemeClr>
-                      </a:solidFill>
-                      <a:prstDash val="solid"/>
-                      <a:round/>
-                      <a:headEnd type="none" w="med" len="med"/>
-                      <a:tailEnd type="none" w="med" len="med"/>
-                    </a:lnL>
-                    <a:lnR w="3175" cap="flat" cmpd="sng" algn="ctr">
-                      <a:solidFill>
-                        <a:schemeClr val="bg1">
-                          <a:lumMod val="50000"/>
-                        </a:schemeClr>
-                      </a:solidFill>
-                      <a:prstDash val="solid"/>
-                      <a:round/>
-                      <a:headEnd type="none" w="med" len="med"/>
-                      <a:tailEnd type="none" w="med" len="med"/>
-                    </a:lnR>
-                    <a:lnT w="3175" cap="flat" cmpd="sng" algn="ctr">
-                      <a:solidFill>
-                        <a:schemeClr val="bg1">
-                          <a:lumMod val="50000"/>
-                        </a:schemeClr>
-                      </a:solidFill>
-                      <a:prstDash val="solid"/>
-                      <a:round/>
-                      <a:headEnd type="none" w="med" len="med"/>
-                      <a:tailEnd type="none" w="med" len="med"/>
-                    </a:lnT>
-                    <a:lnB w="3175" cap="flat" cmpd="sng" algn="ctr">
-                      <a:solidFill>
-                        <a:schemeClr val="bg1">
-                          <a:lumMod val="50000"/>
-                        </a:schemeClr>
-                      </a:solidFill>
-                      <a:prstDash val="solid"/>
-                      <a:round/>
-                      <a:headEnd type="none" w="med" len="med"/>
-                      <a:tailEnd type="none" w="med" len="med"/>
-                    </a:lnB>
-                    <a:noFill/>
-                  </a:tcPr>
-                </a:tc>
-                <a:tc>
-                  <a:txBody>
-                    <a:bodyPr/>
-                    <a:lstStyle/>
-                    <a:p>
-                      <a:pPr latinLnBrk="1"/>
-                      <a:r>
-                        <a:rPr lang="en-US" altLang="ko-KR" sz="900" b="0" dirty="0">
-                          <a:latin typeface="맑은 고딕" pitchFamily="50" charset="-127"/>
-                          <a:ea typeface="+mn-ea"/>
-                        </a:rPr>
-                        <a:t>Push Man Game</a:t>
-                      </a:r>
-                      <a:endParaRPr lang="ko-KR" altLang="en-US" sz="900" b="0" dirty="0">
-                        <a:latin typeface="맑은 고딕" pitchFamily="50" charset="-127"/>
-                        <a:ea typeface="+mn-ea"/>
-                      </a:endParaRPr>
-                    </a:p>
-                  </a:txBody>
-                  <a:tcPr anchor="ctr">
-                    <a:lnL w="3175" cap="flat" cmpd="sng" algn="ctr">
-                      <a:solidFill>
-                        <a:schemeClr val="bg1">
-                          <a:lumMod val="50000"/>
-                        </a:schemeClr>
-                      </a:solidFill>
-                      <a:prstDash val="solid"/>
-                      <a:round/>
-                      <a:headEnd type="none" w="med" len="med"/>
-                      <a:tailEnd type="none" w="med" len="med"/>
-                    </a:lnL>
-                    <a:lnR w="3175" cap="flat" cmpd="sng" algn="ctr">
-                      <a:solidFill>
-                        <a:schemeClr val="bg1">
-                          <a:lumMod val="50000"/>
-                        </a:schemeClr>
-                      </a:solidFill>
-                      <a:prstDash val="solid"/>
-                      <a:round/>
-                      <a:headEnd type="none" w="med" len="med"/>
-                      <a:tailEnd type="none" w="med" len="med"/>
-                    </a:lnR>
-                    <a:lnT w="3175" cap="flat" cmpd="sng" algn="ctr">
-                      <a:solidFill>
-                        <a:schemeClr val="bg1">
-                          <a:lumMod val="50000"/>
-                        </a:schemeClr>
-                      </a:solidFill>
-                      <a:prstDash val="solid"/>
-                      <a:round/>
-                      <a:headEnd type="none" w="med" len="med"/>
-                      <a:tailEnd type="none" w="med" len="med"/>
-                    </a:lnT>
-                    <a:lnB w="3175" cap="flat" cmpd="sng" algn="ctr">
-                      <a:solidFill>
-                        <a:schemeClr val="bg1">
-                          <a:lumMod val="50000"/>
-                        </a:schemeClr>
-                      </a:solidFill>
-                      <a:prstDash val="solid"/>
-                      <a:round/>
-                      <a:headEnd type="none" w="med" len="med"/>
-                      <a:tailEnd type="none" w="med" len="med"/>
-                    </a:lnB>
-                  </a:tcPr>
-                </a:tc>
-                <a:extLst>
-                  <a:ext uri="{0D108BD9-81ED-4DB2-BD59-A6C34878D82A}">
-                    <a16:rowId xmlns:a16="http://schemas.microsoft.com/office/drawing/2014/main" val="10001"/>
-                  </a:ext>
-                </a:extLst>
-              </a:tr>
-              <a:tr h="238125">
-                <a:tc vMerge="1">
-                  <a:txBody>
-                    <a:bodyPr/>
-                    <a:lstStyle/>
-                    <a:p>
-                      <a:pPr latinLnBrk="1"/>
-                      <a:endParaRPr lang="ko-KR" altLang="en-US" dirty="0"/>
-                    </a:p>
-                  </a:txBody>
-                  <a:tcPr>
-                    <a:lnL w="3175" cap="flat" cmpd="sng" algn="ctr">
-                      <a:solidFill>
-                        <a:schemeClr val="bg1">
-                          <a:lumMod val="50000"/>
-                        </a:schemeClr>
-                      </a:solidFill>
-                      <a:prstDash val="solid"/>
-                      <a:round/>
-                      <a:headEnd type="none" w="med" len="med"/>
-                      <a:tailEnd type="none" w="med" len="med"/>
-                    </a:lnL>
-                    <a:lnR w="3175" cap="flat" cmpd="sng" algn="ctr">
-                      <a:solidFill>
-                        <a:schemeClr val="bg1">
-                          <a:lumMod val="50000"/>
-                        </a:schemeClr>
-                      </a:solidFill>
-                      <a:prstDash val="solid"/>
-                      <a:round/>
-                      <a:headEnd type="none" w="med" len="med"/>
-                      <a:tailEnd type="none" w="med" len="med"/>
-                    </a:lnR>
-                    <a:lnT w="3175" cap="flat" cmpd="sng" algn="ctr">
-                      <a:solidFill>
-                        <a:schemeClr val="bg1">
-                          <a:lumMod val="50000"/>
-                        </a:schemeClr>
-                      </a:solidFill>
-                      <a:prstDash val="solid"/>
-                      <a:round/>
-                      <a:headEnd type="none" w="med" len="med"/>
-                      <a:tailEnd type="none" w="med" len="med"/>
-                    </a:lnT>
-                    <a:lnB w="3175" cap="flat" cmpd="sng" algn="ctr">
-                      <a:solidFill>
-                        <a:schemeClr val="bg1">
-                          <a:lumMod val="50000"/>
-                        </a:schemeClr>
-                      </a:solidFill>
-                      <a:prstDash val="solid"/>
-                      <a:round/>
-                      <a:headEnd type="none" w="med" len="med"/>
-                      <a:tailEnd type="none" w="med" len="med"/>
-                    </a:lnB>
-                  </a:tcPr>
-                </a:tc>
-                <a:tc>
-                  <a:txBody>
-                    <a:bodyPr/>
-                    <a:lstStyle/>
-                    <a:p>
-                      <a:pPr marL="0" marR="0" indent="0" algn="l" defTabSz="914217" rtl="0" eaLnBrk="1" fontAlgn="auto" latinLnBrk="1" hangingPunct="1">
-                        <a:lnSpc>
-                          <a:spcPct val="100000"/>
-                        </a:lnSpc>
-                        <a:spcBef>
-                          <a:spcPts val="0"/>
-                        </a:spcBef>
-                        <a:spcAft>
-                          <a:spcPts val="0"/>
-                        </a:spcAft>
-                        <a:buClrTx/>
-                        <a:buSzTx/>
-                        <a:buFontTx/>
-                        <a:buNone/>
-                        <a:tabLst/>
-                        <a:defRPr/>
-                      </a:pPr>
-                      <a:r>
-                        <a:rPr lang="en-US" altLang="ko-KR" sz="900" b="0" dirty="0">
-                          <a:latin typeface="맑은 고딕" pitchFamily="50" charset="-127"/>
-                          <a:ea typeface="맑은 고딕" pitchFamily="50" charset="-127"/>
-                        </a:rPr>
-                        <a:t>Screen Object Description</a:t>
-                      </a:r>
-                      <a:endParaRPr lang="ko-KR" altLang="en-US" sz="900" b="0" dirty="0">
-                        <a:latin typeface="맑은 고딕" pitchFamily="50" charset="-127"/>
-                        <a:ea typeface="맑은 고딕" pitchFamily="50" charset="-127"/>
-                      </a:endParaRPr>
-                    </a:p>
-                  </a:txBody>
-                  <a:tcPr>
-                    <a:lnL w="3175" cap="flat" cmpd="sng" algn="ctr">
-                      <a:solidFill>
-                        <a:schemeClr val="bg1">
-                          <a:lumMod val="50000"/>
-                        </a:schemeClr>
-                      </a:solidFill>
-                      <a:prstDash val="solid"/>
-                      <a:round/>
-                      <a:headEnd type="none" w="med" len="med"/>
-                      <a:tailEnd type="none" w="med" len="med"/>
-                    </a:lnL>
-                    <a:lnR w="3175" cap="flat" cmpd="sng" algn="ctr">
-                      <a:solidFill>
-                        <a:schemeClr val="bg1">
-                          <a:lumMod val="50000"/>
-                        </a:schemeClr>
-                      </a:solidFill>
-                      <a:prstDash val="solid"/>
-                      <a:round/>
-                      <a:headEnd type="none" w="med" len="med"/>
-                      <a:tailEnd type="none" w="med" len="med"/>
-                    </a:lnR>
-                    <a:lnT w="3175" cap="flat" cmpd="sng" algn="ctr">
-                      <a:solidFill>
-                        <a:schemeClr val="bg1">
-                          <a:lumMod val="50000"/>
-                        </a:schemeClr>
-                      </a:solidFill>
-                      <a:prstDash val="solid"/>
-                      <a:round/>
-                      <a:headEnd type="none" w="med" len="med"/>
-                      <a:tailEnd type="none" w="med" len="med"/>
-                    </a:lnT>
-                    <a:lnB w="3175" cap="flat" cmpd="sng" algn="ctr">
-                      <a:solidFill>
-                        <a:schemeClr val="bg1">
-                          <a:lumMod val="50000"/>
-                        </a:schemeClr>
-                      </a:solidFill>
-                      <a:prstDash val="solid"/>
-                      <a:round/>
-                      <a:headEnd type="none" w="med" len="med"/>
-                      <a:tailEnd type="none" w="med" len="med"/>
-                    </a:lnB>
-                    <a:solidFill>
-                      <a:schemeClr val="bg1">
-                        <a:lumMod val="95000"/>
-                      </a:schemeClr>
-                    </a:solidFill>
-                  </a:tcPr>
-                </a:tc>
-                <a:extLst>
-                  <a:ext uri="{0D108BD9-81ED-4DB2-BD59-A6C34878D82A}">
-                    <a16:rowId xmlns:a16="http://schemas.microsoft.com/office/drawing/2014/main" val="10002"/>
-                  </a:ext>
-                </a:extLst>
-              </a:tr>
-              <a:tr h="5276066">
-                <a:tc vMerge="1">
-                  <a:txBody>
-                    <a:bodyPr/>
-                    <a:lstStyle/>
-                    <a:p>
-                      <a:pPr latinLnBrk="1"/>
-                      <a:endParaRPr lang="ko-KR" altLang="en-US" dirty="0"/>
-                    </a:p>
-                  </a:txBody>
-                  <a:tcPr>
-                    <a:lnL w="3175" cap="flat" cmpd="sng" algn="ctr">
-                      <a:solidFill>
-                        <a:schemeClr val="bg1">
-                          <a:lumMod val="50000"/>
-                        </a:schemeClr>
-                      </a:solidFill>
-                      <a:prstDash val="solid"/>
-                      <a:round/>
-                      <a:headEnd type="none" w="med" len="med"/>
-                      <a:tailEnd type="none" w="med" len="med"/>
-                    </a:lnL>
-                    <a:lnR w="3175" cap="flat" cmpd="sng" algn="ctr">
-                      <a:solidFill>
-                        <a:schemeClr val="bg1">
-                          <a:lumMod val="50000"/>
-                        </a:schemeClr>
-                      </a:solidFill>
-                      <a:prstDash val="solid"/>
-                      <a:round/>
-                      <a:headEnd type="none" w="med" len="med"/>
-                      <a:tailEnd type="none" w="med" len="med"/>
-                    </a:lnR>
-                    <a:lnT w="3175" cap="flat" cmpd="sng" algn="ctr">
-                      <a:solidFill>
-                        <a:schemeClr val="bg1">
-                          <a:lumMod val="50000"/>
-                        </a:schemeClr>
-                      </a:solidFill>
-                      <a:prstDash val="solid"/>
-                      <a:round/>
-                      <a:headEnd type="none" w="med" len="med"/>
-                      <a:tailEnd type="none" w="med" len="med"/>
-                    </a:lnT>
-                    <a:lnB w="3175" cap="flat" cmpd="sng" algn="ctr">
-                      <a:solidFill>
-                        <a:schemeClr val="bg1">
-                          <a:lumMod val="50000"/>
-                        </a:schemeClr>
-                      </a:solidFill>
-                      <a:prstDash val="solid"/>
-                      <a:round/>
-                      <a:headEnd type="none" w="med" len="med"/>
-                      <a:tailEnd type="none" w="med" len="med"/>
-                    </a:lnB>
-                  </a:tcPr>
-                </a:tc>
-                <a:tc>
-                  <a:txBody>
-                    <a:bodyPr/>
-                    <a:lstStyle/>
-                    <a:p>
-                      <a:pPr marL="0" marR="0" indent="-180000" algn="l" defTabSz="914400" rtl="0" eaLnBrk="1" fontAlgn="auto" latinLnBrk="1" hangingPunct="1">
-                        <a:lnSpc>
-                          <a:spcPct val="130000"/>
-                        </a:lnSpc>
-                        <a:spcBef>
-                          <a:spcPts val="0"/>
-                        </a:spcBef>
-                        <a:spcAft>
-                          <a:spcPts val="0"/>
-                        </a:spcAft>
-                        <a:buClrTx/>
-                        <a:buSzTx/>
-                        <a:buFont typeface="+mj-ea"/>
-                        <a:buAutoNum type="circleNumDbPlain"/>
-                        <a:tabLst/>
-                        <a:defRPr/>
-                      </a:pPr>
-                      <a:endParaRPr lang="en-US" altLang="ko-KR" sz="900" b="0" baseline="0" dirty="0">
-                        <a:solidFill>
-                          <a:schemeClr val="tx1"/>
-                        </a:solidFill>
-                        <a:latin typeface="+mn-ea"/>
-                        <a:ea typeface="+mn-ea"/>
-                      </a:endParaRPr>
-                    </a:p>
-                    <a:p>
-                      <a:pPr marL="0" marR="0" indent="-180000" algn="l" defTabSz="914400" rtl="0" eaLnBrk="1" fontAlgn="auto" latinLnBrk="1" hangingPunct="1">
-                        <a:lnSpc>
-                          <a:spcPct val="130000"/>
-                        </a:lnSpc>
-                        <a:spcBef>
-                          <a:spcPts val="0"/>
-                        </a:spcBef>
-                        <a:spcAft>
-                          <a:spcPts val="0"/>
-                        </a:spcAft>
-                        <a:buClrTx/>
-                        <a:buSzTx/>
-                        <a:buFont typeface="+mj-ea"/>
-                        <a:buAutoNum type="circleNumDbPlain"/>
-                        <a:tabLst/>
-                        <a:defRPr/>
-                      </a:pPr>
-                      <a:r>
-                        <a:rPr lang="ko-KR" altLang="en-US" sz="900" b="0" baseline="0" dirty="0">
-                          <a:solidFill>
-                            <a:schemeClr val="tx1"/>
-                          </a:solidFill>
-                          <a:latin typeface="+mn-ea"/>
-                          <a:ea typeface="+mn-ea"/>
-                        </a:rPr>
-                        <a:t>스테이지 별 </a:t>
-                      </a:r>
-                      <a:r>
-                        <a:rPr lang="ko-KR" altLang="en-US" sz="900" b="0" baseline="0" dirty="0" err="1">
-                          <a:solidFill>
-                            <a:schemeClr val="tx1"/>
-                          </a:solidFill>
-                          <a:latin typeface="+mn-ea"/>
-                          <a:ea typeface="+mn-ea"/>
-                        </a:rPr>
-                        <a:t>클리어</a:t>
-                      </a:r>
-                      <a:r>
-                        <a:rPr lang="ko-KR" altLang="en-US" sz="900" b="0" baseline="0" dirty="0">
-                          <a:solidFill>
-                            <a:schemeClr val="tx1"/>
-                          </a:solidFill>
-                          <a:latin typeface="+mn-ea"/>
-                          <a:ea typeface="+mn-ea"/>
-                        </a:rPr>
-                        <a:t> 랭킹 정보 저장 </a:t>
-                      </a:r>
-                      <a:r>
-                        <a:rPr lang="en-US" altLang="ko-KR" sz="900" b="0" baseline="0" dirty="0">
-                          <a:solidFill>
-                            <a:schemeClr val="tx1"/>
-                          </a:solidFill>
-                          <a:latin typeface="+mn-ea"/>
-                          <a:ea typeface="+mn-ea"/>
-                        </a:rPr>
-                        <a:t>table</a:t>
-                      </a:r>
-                    </a:p>
-                    <a:p>
-                      <a:pPr marL="0" marR="0" indent="-180000" algn="l" defTabSz="914400" rtl="0" eaLnBrk="1" fontAlgn="auto" latinLnBrk="1" hangingPunct="1">
-                        <a:lnSpc>
-                          <a:spcPct val="130000"/>
-                        </a:lnSpc>
-                        <a:spcBef>
-                          <a:spcPts val="0"/>
-                        </a:spcBef>
-                        <a:spcAft>
-                          <a:spcPts val="0"/>
-                        </a:spcAft>
-                        <a:buClrTx/>
-                        <a:buSzTx/>
-                        <a:buFont typeface="+mj-ea"/>
-                        <a:buAutoNum type="circleNumDbPlain"/>
-                        <a:tabLst/>
-                        <a:defRPr/>
-                      </a:pPr>
-                      <a:endParaRPr lang="en-US" altLang="ko-KR" sz="900" b="0" baseline="0" dirty="0">
-                        <a:solidFill>
-                          <a:schemeClr val="tx1"/>
-                        </a:solidFill>
-                        <a:latin typeface="+mn-ea"/>
-                        <a:ea typeface="+mn-ea"/>
-                      </a:endParaRPr>
-                    </a:p>
-                    <a:p>
-                      <a:pPr marL="0" marR="0" lvl="0" indent="-180000" algn="l" defTabSz="914400" rtl="0" eaLnBrk="1" fontAlgn="auto" latinLnBrk="1" hangingPunct="1">
-                        <a:lnSpc>
-                          <a:spcPct val="130000"/>
-                        </a:lnSpc>
-                        <a:spcBef>
-                          <a:spcPts val="0"/>
-                        </a:spcBef>
-                        <a:spcAft>
-                          <a:spcPts val="0"/>
-                        </a:spcAft>
-                        <a:buClrTx/>
-                        <a:buSzTx/>
-                        <a:buFont typeface="+mj-ea"/>
-                        <a:buAutoNum type="circleNumDbPlain"/>
-                        <a:tabLst/>
-                        <a:defRPr/>
-                      </a:pPr>
-                      <a:r>
-                        <a:rPr lang="ko-KR" altLang="en-US" sz="900" b="0" baseline="0" dirty="0">
-                          <a:solidFill>
-                            <a:schemeClr val="tx1"/>
-                          </a:solidFill>
-                          <a:latin typeface="+mn-ea"/>
-                          <a:ea typeface="+mn-ea"/>
-                        </a:rPr>
-                        <a:t>회원정보 저장 </a:t>
-                      </a:r>
-                      <a:r>
-                        <a:rPr lang="en-US" altLang="ko-KR" sz="900" b="0" baseline="0" dirty="0">
-                          <a:solidFill>
-                            <a:schemeClr val="tx1"/>
-                          </a:solidFill>
-                          <a:latin typeface="+mn-ea"/>
-                          <a:ea typeface="+mn-ea"/>
-                        </a:rPr>
-                        <a:t>table</a:t>
-                      </a:r>
-                    </a:p>
-                    <a:p>
-                      <a:pPr marL="0" marR="0" indent="-180000" algn="l" defTabSz="914400" rtl="0" eaLnBrk="1" fontAlgn="auto" latinLnBrk="1" hangingPunct="1">
-                        <a:lnSpc>
-                          <a:spcPct val="130000"/>
-                        </a:lnSpc>
-                        <a:spcBef>
-                          <a:spcPts val="0"/>
-                        </a:spcBef>
-                        <a:spcAft>
-                          <a:spcPts val="0"/>
-                        </a:spcAft>
-                        <a:buClrTx/>
-                        <a:buSzTx/>
-                        <a:buFont typeface="+mj-ea"/>
-                        <a:buAutoNum type="circleNumDbPlain"/>
-                        <a:tabLst/>
-                        <a:defRPr/>
-                      </a:pPr>
-                      <a:endParaRPr lang="en-US" altLang="ko-KR" sz="900" b="0" dirty="0">
-                        <a:solidFill>
-                          <a:schemeClr val="tx1"/>
-                        </a:solidFill>
-                        <a:latin typeface="+mn-ea"/>
-                        <a:ea typeface="+mn-ea"/>
-                      </a:endParaRPr>
-                    </a:p>
-                    <a:p>
-                      <a:pPr marL="0" indent="0">
-                        <a:lnSpc>
-                          <a:spcPct val="130000"/>
-                        </a:lnSpc>
-                        <a:buFont typeface="+mj-ea"/>
-                        <a:buNone/>
-                      </a:pPr>
-                      <a:endParaRPr lang="en-US" altLang="ko-KR" sz="900" b="1" dirty="0">
-                        <a:solidFill>
-                          <a:schemeClr val="tx1"/>
-                        </a:solidFill>
-                        <a:latin typeface="맑은 고딕" pitchFamily="50" charset="-127"/>
-                        <a:ea typeface="+mn-ea"/>
-                      </a:endParaRPr>
-                    </a:p>
-                    <a:p>
-                      <a:pPr marL="0" indent="0">
-                        <a:lnSpc>
-                          <a:spcPct val="130000"/>
-                        </a:lnSpc>
-                        <a:buFont typeface="+mj-ea"/>
-                        <a:buNone/>
-                      </a:pPr>
-                      <a:endParaRPr lang="en-US" altLang="ko-KR" sz="900" b="1" dirty="0">
-                        <a:solidFill>
-                          <a:schemeClr val="tx1"/>
-                        </a:solidFill>
-                        <a:latin typeface="맑은 고딕" pitchFamily="50" charset="-127"/>
-                        <a:ea typeface="+mn-ea"/>
-                      </a:endParaRPr>
-                    </a:p>
-                    <a:p>
-                      <a:pPr marL="0" indent="0">
-                        <a:lnSpc>
-                          <a:spcPct val="130000"/>
-                        </a:lnSpc>
-                        <a:buFont typeface="+mj-ea"/>
-                        <a:buNone/>
-                      </a:pPr>
-                      <a:endParaRPr lang="en-US" altLang="ko-KR" sz="900" b="1" dirty="0">
-                        <a:solidFill>
-                          <a:schemeClr val="tx1"/>
-                        </a:solidFill>
-                        <a:latin typeface="맑은 고딕" pitchFamily="50" charset="-127"/>
-                        <a:ea typeface="+mn-ea"/>
-                      </a:endParaRPr>
-                    </a:p>
-                  </a:txBody>
-                  <a:tcPr>
-                    <a:lnL w="3175" cap="flat" cmpd="sng" algn="ctr">
-                      <a:solidFill>
-                        <a:schemeClr val="bg1">
-                          <a:lumMod val="50000"/>
-                        </a:schemeClr>
-                      </a:solidFill>
-                      <a:prstDash val="solid"/>
-                      <a:round/>
-                      <a:headEnd type="none" w="med" len="med"/>
-                      <a:tailEnd type="none" w="med" len="med"/>
-                    </a:lnL>
-                    <a:lnR w="3175" cap="flat" cmpd="sng" algn="ctr">
-                      <a:solidFill>
-                        <a:schemeClr val="bg1">
-                          <a:lumMod val="50000"/>
-                        </a:schemeClr>
-                      </a:solidFill>
-                      <a:prstDash val="solid"/>
-                      <a:round/>
-                      <a:headEnd type="none" w="med" len="med"/>
-                      <a:tailEnd type="none" w="med" len="med"/>
-                    </a:lnR>
-                    <a:lnT w="3175" cap="flat" cmpd="sng" algn="ctr">
-                      <a:solidFill>
-                        <a:schemeClr val="bg1">
-                          <a:lumMod val="50000"/>
-                        </a:schemeClr>
-                      </a:solidFill>
-                      <a:prstDash val="solid"/>
-                      <a:round/>
-                      <a:headEnd type="none" w="med" len="med"/>
-                      <a:tailEnd type="none" w="med" len="med"/>
-                    </a:lnT>
-                    <a:lnB w="3175" cap="flat" cmpd="sng" algn="ctr">
-                      <a:solidFill>
-                        <a:schemeClr val="bg1">
-                          <a:lumMod val="50000"/>
-                        </a:schemeClr>
-                      </a:solidFill>
-                      <a:prstDash val="solid"/>
-                      <a:round/>
-                      <a:headEnd type="none" w="med" len="med"/>
-                      <a:tailEnd type="none" w="med" len="med"/>
-                    </a:lnB>
-                  </a:tcPr>
-                </a:tc>
-                <a:extLst>
-                  <a:ext uri="{0D108BD9-81ED-4DB2-BD59-A6C34878D82A}">
-                    <a16:rowId xmlns:a16="http://schemas.microsoft.com/office/drawing/2014/main" val="10003"/>
-                  </a:ext>
-                </a:extLst>
-              </a:tr>
-            </a:tbl>
-          </a:graphicData>
-        </a:graphic>
-      </p:graphicFrame>
-      <p:sp>
-        <p:nvSpPr>
-          <p:cNvPr id="53" name="TextBox 52"/>
-          <p:cNvSpPr txBox="1"/>
-          <p:nvPr/>
-        </p:nvSpPr>
-        <p:spPr>
-          <a:xfrm>
-            <a:off x="371087" y="136193"/>
-            <a:ext cx="763351" cy="369332"/>
-          </a:xfrm>
-          <a:prstGeom prst="rect">
-            <a:avLst/>
-          </a:prstGeom>
-          <a:noFill/>
-        </p:spPr>
-        <p:txBody>
-          <a:bodyPr wrap="none" rtlCol="0">
-            <a:spAutoFit/>
-          </a:bodyPr>
-          <a:lstStyle/>
-          <a:p>
-            <a:r>
-              <a:rPr lang="en-US" altLang="ko-KR" dirty="0">
-                <a:latin typeface="나눔바른고딕" panose="020B0603020101020101" pitchFamily="50" charset="-127"/>
-                <a:ea typeface="나눔바른고딕" panose="020B0603020101020101" pitchFamily="50" charset="-127"/>
-              </a:rPr>
-              <a:t>GAME</a:t>
-            </a:r>
-            <a:endParaRPr lang="ko-KR" altLang="en-US" dirty="0">
-              <a:latin typeface="나눔바른고딕" panose="020B0603020101020101" pitchFamily="50" charset="-127"/>
-              <a:ea typeface="나눔바른고딕" panose="020B0603020101020101" pitchFamily="50" charset="-127"/>
-            </a:endParaRPr>
-          </a:p>
-        </p:txBody>
-      </p:sp>
-      <p:sp>
-        <p:nvSpPr>
-          <p:cNvPr id="9" name="TextBox 8">
-            <a:extLst>
-              <a:ext uri="{FF2B5EF4-FFF2-40B4-BE49-F238E27FC236}">
-                <a16:creationId xmlns:a16="http://schemas.microsoft.com/office/drawing/2014/main" id="{74A51298-93CF-234B-ADD4-170A99D59429}"/>
-              </a:ext>
-            </a:extLst>
-          </p:cNvPr>
-          <p:cNvSpPr txBox="1"/>
-          <p:nvPr/>
-        </p:nvSpPr>
-        <p:spPr>
-          <a:xfrm>
-            <a:off x="1989999" y="5763540"/>
-            <a:ext cx="240771" cy="215444"/>
-          </a:xfrm>
-          <a:prstGeom prst="rect">
-            <a:avLst/>
-          </a:prstGeom>
-          <a:noFill/>
-        </p:spPr>
-        <p:txBody>
-          <a:bodyPr wrap="none" rtlCol="0">
-            <a:spAutoFit/>
-          </a:bodyPr>
-          <a:lstStyle>
-            <a:defPPr>
-              <a:defRPr lang="ko-KR"/>
-            </a:defPPr>
-            <a:lvl1pPr marL="0" algn="l" defTabSz="779252" rtl="0" eaLnBrk="1" latinLnBrk="1" hangingPunct="1">
-              <a:defRPr sz="1500" kern="1200">
-                <a:solidFill>
-                  <a:schemeClr val="tx1"/>
-                </a:solidFill>
-                <a:latin typeface="+mn-lt"/>
-                <a:ea typeface="+mn-ea"/>
-                <a:cs typeface="+mn-cs"/>
-              </a:defRPr>
-            </a:lvl1pPr>
-            <a:lvl2pPr marL="389626" algn="l" defTabSz="779252" rtl="0" eaLnBrk="1" latinLnBrk="1" hangingPunct="1">
-              <a:defRPr sz="1500" kern="1200">
-                <a:solidFill>
-                  <a:schemeClr val="tx1"/>
-                </a:solidFill>
-                <a:latin typeface="+mn-lt"/>
-                <a:ea typeface="+mn-ea"/>
-                <a:cs typeface="+mn-cs"/>
-              </a:defRPr>
-            </a:lvl2pPr>
-            <a:lvl3pPr marL="779252" algn="l" defTabSz="779252" rtl="0" eaLnBrk="1" latinLnBrk="1" hangingPunct="1">
-              <a:defRPr sz="1500" kern="1200">
-                <a:solidFill>
-                  <a:schemeClr val="tx1"/>
-                </a:solidFill>
-                <a:latin typeface="+mn-lt"/>
-                <a:ea typeface="+mn-ea"/>
-                <a:cs typeface="+mn-cs"/>
-              </a:defRPr>
-            </a:lvl3pPr>
-            <a:lvl4pPr marL="1168878" algn="l" defTabSz="779252" rtl="0" eaLnBrk="1" latinLnBrk="1" hangingPunct="1">
-              <a:defRPr sz="1500" kern="1200">
-                <a:solidFill>
-                  <a:schemeClr val="tx1"/>
-                </a:solidFill>
-                <a:latin typeface="+mn-lt"/>
-                <a:ea typeface="+mn-ea"/>
-                <a:cs typeface="+mn-cs"/>
-              </a:defRPr>
-            </a:lvl4pPr>
-            <a:lvl5pPr marL="1558503" algn="l" defTabSz="779252" rtl="0" eaLnBrk="1" latinLnBrk="1" hangingPunct="1">
-              <a:defRPr sz="1500" kern="1200">
-                <a:solidFill>
-                  <a:schemeClr val="tx1"/>
-                </a:solidFill>
-                <a:latin typeface="+mn-lt"/>
-                <a:ea typeface="+mn-ea"/>
-                <a:cs typeface="+mn-cs"/>
-              </a:defRPr>
-            </a:lvl5pPr>
-            <a:lvl6pPr marL="1948129" algn="l" defTabSz="779252" rtl="0" eaLnBrk="1" latinLnBrk="1" hangingPunct="1">
-              <a:defRPr sz="1500" kern="1200">
-                <a:solidFill>
-                  <a:schemeClr val="tx1"/>
-                </a:solidFill>
-                <a:latin typeface="+mn-lt"/>
-                <a:ea typeface="+mn-ea"/>
-                <a:cs typeface="+mn-cs"/>
-              </a:defRPr>
-            </a:lvl6pPr>
-            <a:lvl7pPr marL="2337755" algn="l" defTabSz="779252" rtl="0" eaLnBrk="1" latinLnBrk="1" hangingPunct="1">
-              <a:defRPr sz="1500" kern="1200">
-                <a:solidFill>
-                  <a:schemeClr val="tx1"/>
-                </a:solidFill>
-                <a:latin typeface="+mn-lt"/>
-                <a:ea typeface="+mn-ea"/>
-                <a:cs typeface="+mn-cs"/>
-              </a:defRPr>
-            </a:lvl7pPr>
-            <a:lvl8pPr marL="2727381" algn="l" defTabSz="779252" rtl="0" eaLnBrk="1" latinLnBrk="1" hangingPunct="1">
-              <a:defRPr sz="1500" kern="1200">
-                <a:solidFill>
-                  <a:schemeClr val="tx1"/>
-                </a:solidFill>
-                <a:latin typeface="+mn-lt"/>
-                <a:ea typeface="+mn-ea"/>
-                <a:cs typeface="+mn-cs"/>
-              </a:defRPr>
-            </a:lvl8pPr>
-            <a:lvl9pPr marL="3117007" algn="l" defTabSz="779252" rtl="0" eaLnBrk="1" latinLnBrk="1" hangingPunct="1">
-              <a:defRPr sz="1500" kern="1200">
-                <a:solidFill>
-                  <a:schemeClr val="tx1"/>
-                </a:solidFill>
-                <a:latin typeface="+mn-lt"/>
-                <a:ea typeface="+mn-ea"/>
-                <a:cs typeface="+mn-cs"/>
-              </a:defRPr>
-            </a:lvl9pPr>
-          </a:lstStyle>
-          <a:p>
-            <a:pPr algn="ctr"/>
-            <a:r>
-              <a:rPr lang="en-US" altLang="ko-KR" sz="800" dirty="0">
-                <a:solidFill>
-                  <a:schemeClr val="bg1"/>
-                </a:solidFill>
-                <a:latin typeface="+mn-ea"/>
-              </a:rPr>
-              <a:t>1</a:t>
-            </a:r>
-            <a:endParaRPr lang="ko-KR" altLang="en-US" sz="800" dirty="0">
-              <a:solidFill>
-                <a:schemeClr val="bg1"/>
-              </a:solidFill>
-              <a:latin typeface="+mn-ea"/>
-            </a:endParaRPr>
-          </a:p>
-        </p:txBody>
-      </p:sp>
-      <p:grpSp>
-        <p:nvGrpSpPr>
-          <p:cNvPr id="18" name="그룹 187">
-            <a:extLst>
-              <a:ext uri="{FF2B5EF4-FFF2-40B4-BE49-F238E27FC236}">
-                <a16:creationId xmlns:a16="http://schemas.microsoft.com/office/drawing/2014/main" id="{DDDC92A5-366C-E947-A531-7ED2C54D80A6}"/>
-              </a:ext>
-            </a:extLst>
-          </p:cNvPr>
-          <p:cNvGrpSpPr/>
-          <p:nvPr/>
-        </p:nvGrpSpPr>
-        <p:grpSpPr>
-          <a:xfrm>
-            <a:off x="6449760" y="2475607"/>
-            <a:ext cx="240772" cy="215444"/>
-            <a:chOff x="4967002" y="1287539"/>
-            <a:chExt cx="270745" cy="242265"/>
-          </a:xfrm>
-        </p:grpSpPr>
-        <p:sp>
-          <p:nvSpPr>
-            <p:cNvPr id="20" name="타원 19">
-              <a:extLst>
-                <a:ext uri="{FF2B5EF4-FFF2-40B4-BE49-F238E27FC236}">
-                  <a16:creationId xmlns:a16="http://schemas.microsoft.com/office/drawing/2014/main" id="{3B91AD16-8166-7C48-9DE1-575A6F900C76}"/>
-                </a:ext>
-              </a:extLst>
-            </p:cNvPr>
-            <p:cNvSpPr/>
-            <p:nvPr/>
-          </p:nvSpPr>
-          <p:spPr>
-            <a:xfrm>
-              <a:off x="5011898" y="1326671"/>
-              <a:ext cx="180000" cy="180000"/>
-            </a:xfrm>
-            <a:prstGeom prst="ellipse">
-              <a:avLst/>
-            </a:prstGeom>
-            <a:solidFill>
-              <a:srgbClr val="C00000"/>
-            </a:solidFill>
-            <a:ln>
-              <a:noFill/>
-            </a:ln>
-          </p:spPr>
-          <p:style>
-            <a:lnRef idx="2">
-              <a:schemeClr val="accent1">
-                <a:shade val="50000"/>
-              </a:schemeClr>
-            </a:lnRef>
-            <a:fillRef idx="1">
-              <a:schemeClr val="accent1"/>
-            </a:fillRef>
-            <a:effectRef idx="0">
-              <a:schemeClr val="accent1"/>
-            </a:effectRef>
-            <a:fontRef idx="minor">
-              <a:schemeClr val="lt1"/>
-            </a:fontRef>
-          </p:style>
-          <p:txBody>
-            <a:bodyPr rtlCol="0" anchor="ctr"/>
-            <a:lstStyle>
-              <a:defPPr>
-                <a:defRPr lang="ko-KR"/>
-              </a:defPPr>
-              <a:lvl1pPr marL="0" algn="l" defTabSz="779252" rtl="0" eaLnBrk="1" latinLnBrk="1" hangingPunct="1">
-                <a:defRPr sz="1500" kern="1200">
-                  <a:solidFill>
-                    <a:schemeClr val="lt1"/>
-                  </a:solidFill>
-                  <a:latin typeface="+mn-lt"/>
-                  <a:ea typeface="+mn-ea"/>
-                  <a:cs typeface="+mn-cs"/>
-                </a:defRPr>
-              </a:lvl1pPr>
-              <a:lvl2pPr marL="389626" algn="l" defTabSz="779252" rtl="0" eaLnBrk="1" latinLnBrk="1" hangingPunct="1">
-                <a:defRPr sz="1500" kern="1200">
-                  <a:solidFill>
-                    <a:schemeClr val="lt1"/>
-                  </a:solidFill>
-                  <a:latin typeface="+mn-lt"/>
-                  <a:ea typeface="+mn-ea"/>
-                  <a:cs typeface="+mn-cs"/>
-                </a:defRPr>
-              </a:lvl2pPr>
-              <a:lvl3pPr marL="779252" algn="l" defTabSz="779252" rtl="0" eaLnBrk="1" latinLnBrk="1" hangingPunct="1">
-                <a:defRPr sz="1500" kern="1200">
-                  <a:solidFill>
-                    <a:schemeClr val="lt1"/>
-                  </a:solidFill>
-                  <a:latin typeface="+mn-lt"/>
-                  <a:ea typeface="+mn-ea"/>
-                  <a:cs typeface="+mn-cs"/>
-                </a:defRPr>
-              </a:lvl3pPr>
-              <a:lvl4pPr marL="1168878" algn="l" defTabSz="779252" rtl="0" eaLnBrk="1" latinLnBrk="1" hangingPunct="1">
-                <a:defRPr sz="1500" kern="1200">
-                  <a:solidFill>
-                    <a:schemeClr val="lt1"/>
-                  </a:solidFill>
-                  <a:latin typeface="+mn-lt"/>
-                  <a:ea typeface="+mn-ea"/>
-                  <a:cs typeface="+mn-cs"/>
-                </a:defRPr>
-              </a:lvl4pPr>
-              <a:lvl5pPr marL="1558503" algn="l" defTabSz="779252" rtl="0" eaLnBrk="1" latinLnBrk="1" hangingPunct="1">
-                <a:defRPr sz="1500" kern="1200">
-                  <a:solidFill>
-                    <a:schemeClr val="lt1"/>
-                  </a:solidFill>
-                  <a:latin typeface="+mn-lt"/>
-                  <a:ea typeface="+mn-ea"/>
-                  <a:cs typeface="+mn-cs"/>
-                </a:defRPr>
-              </a:lvl5pPr>
-              <a:lvl6pPr marL="1948129" algn="l" defTabSz="779252" rtl="0" eaLnBrk="1" latinLnBrk="1" hangingPunct="1">
-                <a:defRPr sz="1500" kern="1200">
-                  <a:solidFill>
-                    <a:schemeClr val="lt1"/>
-                  </a:solidFill>
-                  <a:latin typeface="+mn-lt"/>
-                  <a:ea typeface="+mn-ea"/>
-                  <a:cs typeface="+mn-cs"/>
-                </a:defRPr>
-              </a:lvl6pPr>
-              <a:lvl7pPr marL="2337755" algn="l" defTabSz="779252" rtl="0" eaLnBrk="1" latinLnBrk="1" hangingPunct="1">
-                <a:defRPr sz="1500" kern="1200">
-                  <a:solidFill>
-                    <a:schemeClr val="lt1"/>
-                  </a:solidFill>
-                  <a:latin typeface="+mn-lt"/>
-                  <a:ea typeface="+mn-ea"/>
-                  <a:cs typeface="+mn-cs"/>
-                </a:defRPr>
-              </a:lvl7pPr>
-              <a:lvl8pPr marL="2727381" algn="l" defTabSz="779252" rtl="0" eaLnBrk="1" latinLnBrk="1" hangingPunct="1">
-                <a:defRPr sz="1500" kern="1200">
-                  <a:solidFill>
-                    <a:schemeClr val="lt1"/>
-                  </a:solidFill>
-                  <a:latin typeface="+mn-lt"/>
-                  <a:ea typeface="+mn-ea"/>
-                  <a:cs typeface="+mn-cs"/>
-                </a:defRPr>
-              </a:lvl8pPr>
-              <a:lvl9pPr marL="3117007" algn="l" defTabSz="779252" rtl="0" eaLnBrk="1" latinLnBrk="1" hangingPunct="1">
-                <a:defRPr sz="1500" kern="1200">
-                  <a:solidFill>
-                    <a:schemeClr val="lt1"/>
-                  </a:solidFill>
-                  <a:latin typeface="+mn-lt"/>
-                  <a:ea typeface="+mn-ea"/>
-                  <a:cs typeface="+mn-cs"/>
-                </a:defRPr>
-              </a:lvl9pPr>
-            </a:lstStyle>
-            <a:p>
-              <a:pPr algn="ctr"/>
-              <a:endParaRPr lang="ko-KR" altLang="en-US" sz="800" dirty="0">
-                <a:latin typeface="+mn-ea"/>
-              </a:endParaRPr>
-            </a:p>
-          </p:txBody>
-        </p:sp>
-        <p:sp>
-          <p:nvSpPr>
-            <p:cNvPr id="21" name="TextBox 20">
-              <a:extLst>
-                <a:ext uri="{FF2B5EF4-FFF2-40B4-BE49-F238E27FC236}">
-                  <a16:creationId xmlns:a16="http://schemas.microsoft.com/office/drawing/2014/main" id="{74A51298-93CF-234B-ADD4-170A99D59429}"/>
-                </a:ext>
-              </a:extLst>
-            </p:cNvPr>
-            <p:cNvSpPr txBox="1"/>
-            <p:nvPr/>
-          </p:nvSpPr>
-          <p:spPr>
-            <a:xfrm>
-              <a:off x="4967002" y="1287539"/>
-              <a:ext cx="270745" cy="242265"/>
-            </a:xfrm>
-            <a:prstGeom prst="rect">
-              <a:avLst/>
-            </a:prstGeom>
-            <a:noFill/>
-          </p:spPr>
-          <p:txBody>
-            <a:bodyPr wrap="none" rtlCol="0">
-              <a:spAutoFit/>
-            </a:bodyPr>
-            <a:lstStyle>
-              <a:defPPr>
-                <a:defRPr lang="ko-KR"/>
-              </a:defPPr>
-              <a:lvl1pPr marL="0" algn="l" defTabSz="779252" rtl="0" eaLnBrk="1" latinLnBrk="1" hangingPunct="1">
-                <a:defRPr sz="1500" kern="1200">
-                  <a:solidFill>
-                    <a:schemeClr val="tx1"/>
-                  </a:solidFill>
-                  <a:latin typeface="+mn-lt"/>
-                  <a:ea typeface="+mn-ea"/>
-                  <a:cs typeface="+mn-cs"/>
-                </a:defRPr>
-              </a:lvl1pPr>
-              <a:lvl2pPr marL="389626" algn="l" defTabSz="779252" rtl="0" eaLnBrk="1" latinLnBrk="1" hangingPunct="1">
-                <a:defRPr sz="1500" kern="1200">
-                  <a:solidFill>
-                    <a:schemeClr val="tx1"/>
-                  </a:solidFill>
-                  <a:latin typeface="+mn-lt"/>
-                  <a:ea typeface="+mn-ea"/>
-                  <a:cs typeface="+mn-cs"/>
-                </a:defRPr>
-              </a:lvl2pPr>
-              <a:lvl3pPr marL="779252" algn="l" defTabSz="779252" rtl="0" eaLnBrk="1" latinLnBrk="1" hangingPunct="1">
-                <a:defRPr sz="1500" kern="1200">
-                  <a:solidFill>
-                    <a:schemeClr val="tx1"/>
-                  </a:solidFill>
-                  <a:latin typeface="+mn-lt"/>
-                  <a:ea typeface="+mn-ea"/>
-                  <a:cs typeface="+mn-cs"/>
-                </a:defRPr>
-              </a:lvl3pPr>
-              <a:lvl4pPr marL="1168878" algn="l" defTabSz="779252" rtl="0" eaLnBrk="1" latinLnBrk="1" hangingPunct="1">
-                <a:defRPr sz="1500" kern="1200">
-                  <a:solidFill>
-                    <a:schemeClr val="tx1"/>
-                  </a:solidFill>
-                  <a:latin typeface="+mn-lt"/>
-                  <a:ea typeface="+mn-ea"/>
-                  <a:cs typeface="+mn-cs"/>
-                </a:defRPr>
-              </a:lvl4pPr>
-              <a:lvl5pPr marL="1558503" algn="l" defTabSz="779252" rtl="0" eaLnBrk="1" latinLnBrk="1" hangingPunct="1">
-                <a:defRPr sz="1500" kern="1200">
-                  <a:solidFill>
-                    <a:schemeClr val="tx1"/>
-                  </a:solidFill>
-                  <a:latin typeface="+mn-lt"/>
-                  <a:ea typeface="+mn-ea"/>
-                  <a:cs typeface="+mn-cs"/>
-                </a:defRPr>
-              </a:lvl5pPr>
-              <a:lvl6pPr marL="1948129" algn="l" defTabSz="779252" rtl="0" eaLnBrk="1" latinLnBrk="1" hangingPunct="1">
-                <a:defRPr sz="1500" kern="1200">
-                  <a:solidFill>
-                    <a:schemeClr val="tx1"/>
-                  </a:solidFill>
-                  <a:latin typeface="+mn-lt"/>
-                  <a:ea typeface="+mn-ea"/>
-                  <a:cs typeface="+mn-cs"/>
-                </a:defRPr>
-              </a:lvl6pPr>
-              <a:lvl7pPr marL="2337755" algn="l" defTabSz="779252" rtl="0" eaLnBrk="1" latinLnBrk="1" hangingPunct="1">
-                <a:defRPr sz="1500" kern="1200">
-                  <a:solidFill>
-                    <a:schemeClr val="tx1"/>
-                  </a:solidFill>
-                  <a:latin typeface="+mn-lt"/>
-                  <a:ea typeface="+mn-ea"/>
-                  <a:cs typeface="+mn-cs"/>
-                </a:defRPr>
-              </a:lvl7pPr>
-              <a:lvl8pPr marL="2727381" algn="l" defTabSz="779252" rtl="0" eaLnBrk="1" latinLnBrk="1" hangingPunct="1">
-                <a:defRPr sz="1500" kern="1200">
-                  <a:solidFill>
-                    <a:schemeClr val="tx1"/>
-                  </a:solidFill>
-                  <a:latin typeface="+mn-lt"/>
-                  <a:ea typeface="+mn-ea"/>
-                  <a:cs typeface="+mn-cs"/>
-                </a:defRPr>
-              </a:lvl8pPr>
-              <a:lvl9pPr marL="3117007" algn="l" defTabSz="779252" rtl="0" eaLnBrk="1" latinLnBrk="1" hangingPunct="1">
-                <a:defRPr sz="1500" kern="1200">
-                  <a:solidFill>
-                    <a:schemeClr val="tx1"/>
-                  </a:solidFill>
-                  <a:latin typeface="+mn-lt"/>
-                  <a:ea typeface="+mn-ea"/>
-                  <a:cs typeface="+mn-cs"/>
-                </a:defRPr>
-              </a:lvl9pPr>
-            </a:lstStyle>
-            <a:p>
-              <a:pPr algn="ctr"/>
-              <a:r>
-                <a:rPr lang="en-US" altLang="ko-KR" sz="800" dirty="0">
-                  <a:solidFill>
-                    <a:schemeClr val="bg1"/>
-                  </a:solidFill>
-                  <a:latin typeface="+mn-ea"/>
-                </a:rPr>
-                <a:t>2</a:t>
-              </a:r>
-              <a:endParaRPr lang="ko-KR" altLang="en-US" sz="800" dirty="0">
-                <a:solidFill>
-                  <a:schemeClr val="bg1"/>
-                </a:solidFill>
-                <a:latin typeface="+mn-ea"/>
-              </a:endParaRPr>
-            </a:p>
-          </p:txBody>
-        </p:sp>
-      </p:grpSp>
-      <p:pic>
-        <p:nvPicPr>
-          <p:cNvPr id="31" name="그림 30"/>
-          <p:cNvPicPr>
-            <a:picLocks noChangeAspect="1"/>
-          </p:cNvPicPr>
-          <p:nvPr/>
-        </p:nvPicPr>
-        <p:blipFill>
-          <a:blip r:embed="rId2"/>
-          <a:stretch>
-            <a:fillRect/>
-          </a:stretch>
-        </p:blipFill>
-        <p:spPr>
-          <a:xfrm>
-            <a:off x="1672244" y="2353438"/>
-            <a:ext cx="4724400" cy="2295525"/>
-          </a:xfrm>
-          <a:prstGeom prst="rect">
-            <a:avLst/>
-          </a:prstGeom>
-        </p:spPr>
-      </p:pic>
-      <p:grpSp>
-        <p:nvGrpSpPr>
-          <p:cNvPr id="32" name="그룹 187">
-            <a:extLst>
-              <a:ext uri="{FF2B5EF4-FFF2-40B4-BE49-F238E27FC236}">
-                <a16:creationId xmlns:a16="http://schemas.microsoft.com/office/drawing/2014/main" id="{DDDC92A5-366C-E947-A531-7ED2C54D80A6}"/>
-              </a:ext>
-            </a:extLst>
-          </p:cNvPr>
-          <p:cNvGrpSpPr/>
-          <p:nvPr/>
-        </p:nvGrpSpPr>
-        <p:grpSpPr>
-          <a:xfrm>
-            <a:off x="3205399" y="2482721"/>
-            <a:ext cx="240771" cy="215444"/>
-            <a:chOff x="4967004" y="1287539"/>
-            <a:chExt cx="270745" cy="242265"/>
-          </a:xfrm>
-        </p:grpSpPr>
-        <p:sp>
-          <p:nvSpPr>
-            <p:cNvPr id="33" name="타원 32">
-              <a:extLst>
-                <a:ext uri="{FF2B5EF4-FFF2-40B4-BE49-F238E27FC236}">
-                  <a16:creationId xmlns:a16="http://schemas.microsoft.com/office/drawing/2014/main" id="{3B91AD16-8166-7C48-9DE1-575A6F900C76}"/>
-                </a:ext>
-              </a:extLst>
-            </p:cNvPr>
-            <p:cNvSpPr/>
-            <p:nvPr/>
-          </p:nvSpPr>
-          <p:spPr>
-            <a:xfrm>
-              <a:off x="5011898" y="1326671"/>
-              <a:ext cx="180000" cy="180000"/>
-            </a:xfrm>
-            <a:prstGeom prst="ellipse">
-              <a:avLst/>
-            </a:prstGeom>
-            <a:solidFill>
-              <a:srgbClr val="C00000"/>
-            </a:solidFill>
-            <a:ln>
-              <a:noFill/>
-            </a:ln>
-          </p:spPr>
-          <p:style>
-            <a:lnRef idx="2">
-              <a:schemeClr val="accent1">
-                <a:shade val="50000"/>
-              </a:schemeClr>
-            </a:lnRef>
-            <a:fillRef idx="1">
-              <a:schemeClr val="accent1"/>
-            </a:fillRef>
-            <a:effectRef idx="0">
-              <a:schemeClr val="accent1"/>
-            </a:effectRef>
-            <a:fontRef idx="minor">
-              <a:schemeClr val="lt1"/>
-            </a:fontRef>
-          </p:style>
-          <p:txBody>
-            <a:bodyPr rtlCol="0" anchor="ctr"/>
-            <a:lstStyle>
-              <a:defPPr>
-                <a:defRPr lang="ko-KR"/>
-              </a:defPPr>
-              <a:lvl1pPr marL="0" algn="l" defTabSz="779252" rtl="0" eaLnBrk="1" latinLnBrk="1" hangingPunct="1">
-                <a:defRPr sz="1500" kern="1200">
-                  <a:solidFill>
-                    <a:schemeClr val="lt1"/>
-                  </a:solidFill>
-                  <a:latin typeface="+mn-lt"/>
-                  <a:ea typeface="+mn-ea"/>
-                  <a:cs typeface="+mn-cs"/>
-                </a:defRPr>
-              </a:lvl1pPr>
-              <a:lvl2pPr marL="389626" algn="l" defTabSz="779252" rtl="0" eaLnBrk="1" latinLnBrk="1" hangingPunct="1">
-                <a:defRPr sz="1500" kern="1200">
-                  <a:solidFill>
-                    <a:schemeClr val="lt1"/>
-                  </a:solidFill>
-                  <a:latin typeface="+mn-lt"/>
-                  <a:ea typeface="+mn-ea"/>
-                  <a:cs typeface="+mn-cs"/>
-                </a:defRPr>
-              </a:lvl2pPr>
-              <a:lvl3pPr marL="779252" algn="l" defTabSz="779252" rtl="0" eaLnBrk="1" latinLnBrk="1" hangingPunct="1">
-                <a:defRPr sz="1500" kern="1200">
-                  <a:solidFill>
-                    <a:schemeClr val="lt1"/>
-                  </a:solidFill>
-                  <a:latin typeface="+mn-lt"/>
-                  <a:ea typeface="+mn-ea"/>
-                  <a:cs typeface="+mn-cs"/>
-                </a:defRPr>
-              </a:lvl3pPr>
-              <a:lvl4pPr marL="1168878" algn="l" defTabSz="779252" rtl="0" eaLnBrk="1" latinLnBrk="1" hangingPunct="1">
-                <a:defRPr sz="1500" kern="1200">
-                  <a:solidFill>
-                    <a:schemeClr val="lt1"/>
-                  </a:solidFill>
-                  <a:latin typeface="+mn-lt"/>
-                  <a:ea typeface="+mn-ea"/>
-                  <a:cs typeface="+mn-cs"/>
-                </a:defRPr>
-              </a:lvl4pPr>
-              <a:lvl5pPr marL="1558503" algn="l" defTabSz="779252" rtl="0" eaLnBrk="1" latinLnBrk="1" hangingPunct="1">
-                <a:defRPr sz="1500" kern="1200">
-                  <a:solidFill>
-                    <a:schemeClr val="lt1"/>
-                  </a:solidFill>
-                  <a:latin typeface="+mn-lt"/>
-                  <a:ea typeface="+mn-ea"/>
-                  <a:cs typeface="+mn-cs"/>
-                </a:defRPr>
-              </a:lvl5pPr>
-              <a:lvl6pPr marL="1948129" algn="l" defTabSz="779252" rtl="0" eaLnBrk="1" latinLnBrk="1" hangingPunct="1">
-                <a:defRPr sz="1500" kern="1200">
-                  <a:solidFill>
-                    <a:schemeClr val="lt1"/>
-                  </a:solidFill>
-                  <a:latin typeface="+mn-lt"/>
-                  <a:ea typeface="+mn-ea"/>
-                  <a:cs typeface="+mn-cs"/>
-                </a:defRPr>
-              </a:lvl6pPr>
-              <a:lvl7pPr marL="2337755" algn="l" defTabSz="779252" rtl="0" eaLnBrk="1" latinLnBrk="1" hangingPunct="1">
-                <a:defRPr sz="1500" kern="1200">
-                  <a:solidFill>
-                    <a:schemeClr val="lt1"/>
-                  </a:solidFill>
-                  <a:latin typeface="+mn-lt"/>
-                  <a:ea typeface="+mn-ea"/>
-                  <a:cs typeface="+mn-cs"/>
-                </a:defRPr>
-              </a:lvl7pPr>
-              <a:lvl8pPr marL="2727381" algn="l" defTabSz="779252" rtl="0" eaLnBrk="1" latinLnBrk="1" hangingPunct="1">
-                <a:defRPr sz="1500" kern="1200">
-                  <a:solidFill>
-                    <a:schemeClr val="lt1"/>
-                  </a:solidFill>
-                  <a:latin typeface="+mn-lt"/>
-                  <a:ea typeface="+mn-ea"/>
-                  <a:cs typeface="+mn-cs"/>
-                </a:defRPr>
-              </a:lvl8pPr>
-              <a:lvl9pPr marL="3117007" algn="l" defTabSz="779252" rtl="0" eaLnBrk="1" latinLnBrk="1" hangingPunct="1">
-                <a:defRPr sz="1500" kern="1200">
-                  <a:solidFill>
-                    <a:schemeClr val="lt1"/>
-                  </a:solidFill>
-                  <a:latin typeface="+mn-lt"/>
-                  <a:ea typeface="+mn-ea"/>
-                  <a:cs typeface="+mn-cs"/>
-                </a:defRPr>
-              </a:lvl9pPr>
-            </a:lstStyle>
-            <a:p>
-              <a:pPr algn="ctr"/>
-              <a:endParaRPr lang="ko-KR" altLang="en-US" sz="800" dirty="0">
-                <a:latin typeface="+mn-ea"/>
-              </a:endParaRPr>
-            </a:p>
-          </p:txBody>
-        </p:sp>
-        <p:sp>
-          <p:nvSpPr>
-            <p:cNvPr id="34" name="TextBox 33">
-              <a:extLst>
-                <a:ext uri="{FF2B5EF4-FFF2-40B4-BE49-F238E27FC236}">
-                  <a16:creationId xmlns:a16="http://schemas.microsoft.com/office/drawing/2014/main" id="{74A51298-93CF-234B-ADD4-170A99D59429}"/>
-                </a:ext>
-              </a:extLst>
-            </p:cNvPr>
-            <p:cNvSpPr txBox="1"/>
-            <p:nvPr/>
-          </p:nvSpPr>
-          <p:spPr>
-            <a:xfrm>
-              <a:off x="4967004" y="1287539"/>
-              <a:ext cx="270745" cy="242265"/>
-            </a:xfrm>
-            <a:prstGeom prst="rect">
-              <a:avLst/>
-            </a:prstGeom>
-            <a:noFill/>
-          </p:spPr>
-          <p:txBody>
-            <a:bodyPr wrap="none" rtlCol="0">
-              <a:spAutoFit/>
-            </a:bodyPr>
-            <a:lstStyle>
-              <a:defPPr>
-                <a:defRPr lang="ko-KR"/>
-              </a:defPPr>
-              <a:lvl1pPr marL="0" algn="l" defTabSz="779252" rtl="0" eaLnBrk="1" latinLnBrk="1" hangingPunct="1">
-                <a:defRPr sz="1500" kern="1200">
-                  <a:solidFill>
-                    <a:schemeClr val="tx1"/>
-                  </a:solidFill>
-                  <a:latin typeface="+mn-lt"/>
-                  <a:ea typeface="+mn-ea"/>
-                  <a:cs typeface="+mn-cs"/>
-                </a:defRPr>
-              </a:lvl1pPr>
-              <a:lvl2pPr marL="389626" algn="l" defTabSz="779252" rtl="0" eaLnBrk="1" latinLnBrk="1" hangingPunct="1">
-                <a:defRPr sz="1500" kern="1200">
-                  <a:solidFill>
-                    <a:schemeClr val="tx1"/>
-                  </a:solidFill>
-                  <a:latin typeface="+mn-lt"/>
-                  <a:ea typeface="+mn-ea"/>
-                  <a:cs typeface="+mn-cs"/>
-                </a:defRPr>
-              </a:lvl2pPr>
-              <a:lvl3pPr marL="779252" algn="l" defTabSz="779252" rtl="0" eaLnBrk="1" latinLnBrk="1" hangingPunct="1">
-                <a:defRPr sz="1500" kern="1200">
-                  <a:solidFill>
-                    <a:schemeClr val="tx1"/>
-                  </a:solidFill>
-                  <a:latin typeface="+mn-lt"/>
-                  <a:ea typeface="+mn-ea"/>
-                  <a:cs typeface="+mn-cs"/>
-                </a:defRPr>
-              </a:lvl3pPr>
-              <a:lvl4pPr marL="1168878" algn="l" defTabSz="779252" rtl="0" eaLnBrk="1" latinLnBrk="1" hangingPunct="1">
-                <a:defRPr sz="1500" kern="1200">
-                  <a:solidFill>
-                    <a:schemeClr val="tx1"/>
-                  </a:solidFill>
-                  <a:latin typeface="+mn-lt"/>
-                  <a:ea typeface="+mn-ea"/>
-                  <a:cs typeface="+mn-cs"/>
-                </a:defRPr>
-              </a:lvl4pPr>
-              <a:lvl5pPr marL="1558503" algn="l" defTabSz="779252" rtl="0" eaLnBrk="1" latinLnBrk="1" hangingPunct="1">
-                <a:defRPr sz="1500" kern="1200">
-                  <a:solidFill>
-                    <a:schemeClr val="tx1"/>
-                  </a:solidFill>
-                  <a:latin typeface="+mn-lt"/>
-                  <a:ea typeface="+mn-ea"/>
-                  <a:cs typeface="+mn-cs"/>
-                </a:defRPr>
-              </a:lvl5pPr>
-              <a:lvl6pPr marL="1948129" algn="l" defTabSz="779252" rtl="0" eaLnBrk="1" latinLnBrk="1" hangingPunct="1">
-                <a:defRPr sz="1500" kern="1200">
-                  <a:solidFill>
-                    <a:schemeClr val="tx1"/>
-                  </a:solidFill>
-                  <a:latin typeface="+mn-lt"/>
-                  <a:ea typeface="+mn-ea"/>
-                  <a:cs typeface="+mn-cs"/>
-                </a:defRPr>
-              </a:lvl6pPr>
-              <a:lvl7pPr marL="2337755" algn="l" defTabSz="779252" rtl="0" eaLnBrk="1" latinLnBrk="1" hangingPunct="1">
-                <a:defRPr sz="1500" kern="1200">
-                  <a:solidFill>
-                    <a:schemeClr val="tx1"/>
-                  </a:solidFill>
-                  <a:latin typeface="+mn-lt"/>
-                  <a:ea typeface="+mn-ea"/>
-                  <a:cs typeface="+mn-cs"/>
-                </a:defRPr>
-              </a:lvl7pPr>
-              <a:lvl8pPr marL="2727381" algn="l" defTabSz="779252" rtl="0" eaLnBrk="1" latinLnBrk="1" hangingPunct="1">
-                <a:defRPr sz="1500" kern="1200">
-                  <a:solidFill>
-                    <a:schemeClr val="tx1"/>
-                  </a:solidFill>
-                  <a:latin typeface="+mn-lt"/>
-                  <a:ea typeface="+mn-ea"/>
-                  <a:cs typeface="+mn-cs"/>
-                </a:defRPr>
-              </a:lvl8pPr>
-              <a:lvl9pPr marL="3117007" algn="l" defTabSz="779252" rtl="0" eaLnBrk="1" latinLnBrk="1" hangingPunct="1">
-                <a:defRPr sz="1500" kern="1200">
-                  <a:solidFill>
-                    <a:schemeClr val="tx1"/>
-                  </a:solidFill>
-                  <a:latin typeface="+mn-lt"/>
-                  <a:ea typeface="+mn-ea"/>
-                  <a:cs typeface="+mn-cs"/>
-                </a:defRPr>
-              </a:lvl9pPr>
-            </a:lstStyle>
-            <a:p>
-              <a:pPr algn="ctr"/>
-              <a:r>
-                <a:rPr lang="en-US" altLang="ko-KR" sz="800" dirty="0">
-                  <a:solidFill>
-                    <a:schemeClr val="bg1"/>
-                  </a:solidFill>
-                  <a:latin typeface="+mn-ea"/>
-                </a:rPr>
-                <a:t>1</a:t>
-              </a:r>
-              <a:endParaRPr lang="ko-KR" altLang="en-US" sz="800" dirty="0">
-                <a:solidFill>
-                  <a:schemeClr val="bg1"/>
-                </a:solidFill>
-                <a:latin typeface="+mn-ea"/>
-              </a:endParaRPr>
-            </a:p>
-          </p:txBody>
-        </p:sp>
-      </p:grpSp>
     </p:spTree>
     <p:extLst>
       <p:ext uri="{BB962C8B-B14F-4D97-AF65-F5344CB8AC3E}">
